--- a/KOSS ppt.pptx
+++ b/KOSS ppt.pptx
@@ -1,38 +1,54 @@
 
 <file path=ppt/presentation.xml><?xml version="1.0" encoding="utf-8"?>
-<p:presentation xmlns:a="http://schemas.openxmlformats.org/drawingml/2006/main" xmlns:r="http://schemas.openxmlformats.org/officeDocument/2006/relationships" xmlns:mc="http://schemas.openxmlformats.org/markup-compatibility/2006" xmlns:mv="urn:schemas-microsoft-com:mac:vml" xmlns:p="http://schemas.openxmlformats.org/presentationml/2006/main" xmlns:c="http://schemas.openxmlformats.org/drawingml/2006/chart" xmlns:dgm="http://schemas.openxmlformats.org/drawingml/2006/diagram" xmlns:o="urn:schemas-microsoft-com:office:office" xmlns:v="urn:schemas-microsoft-com:vml" xmlns:pvml="urn:schemas-microsoft-com:office:powerpoint" xmlns:com="http://schemas.openxmlformats.org/drawingml/2006/compatibility" xmlns:p14="http://schemas.microsoft.com/office/powerpoint/2010/main" xmlns:p15="http://schemas.microsoft.com/office/powerpoint/2012/main" xmlns:ahyp="http://schemas.microsoft.com/office/drawing/2018/hyperlinkcolor" autoCompressPictures="0" embedTrueTypeFonts="1" strictFirstAndLastChars="0" saveSubsetFonts="1">
+<p:presentation xmlns:a="http://schemas.openxmlformats.org/drawingml/2006/main" xmlns:r="http://schemas.openxmlformats.org/officeDocument/2006/relationships" xmlns:p="http://schemas.openxmlformats.org/presentationml/2006/main" strictFirstAndLastChars="0" embedTrueTypeFonts="1" saveSubsetFonts="1" autoCompressPictures="0">
   <p:sldMasterIdLst>
-    <p:sldMasterId id="2147483659" r:id="rId4"/>
+    <p:sldMasterId id="2147483648" r:id="rId1"/>
   </p:sldMasterIdLst>
   <p:notesMasterIdLst>
-    <p:notesMasterId r:id="rId5"/>
+    <p:notesMasterId r:id="rId4"/>
   </p:notesMasterIdLst>
   <p:sldIdLst>
-    <p:sldId id="256" r:id="rId6"/>
-    <p:sldId id="257" r:id="rId7"/>
-    <p:sldId id="258" r:id="rId8"/>
-    <p:sldId id="259" r:id="rId9"/>
-    <p:sldId id="260" r:id="rId10"/>
-    <p:sldId id="261" r:id="rId11"/>
+    <p:sldId id="256" r:id="rId3"/>
+    <p:sldId id="257" r:id="rId5"/>
+    <p:sldId id="258" r:id="rId6"/>
+    <p:sldId id="259" r:id="rId7"/>
+    <p:sldId id="260" r:id="rId8"/>
+    <p:sldId id="261" r:id="rId9"/>
+    <p:sldId id="262" r:id="rId10"/>
+    <p:sldId id="263" r:id="rId11"/>
   </p:sldIdLst>
-  <p:sldSz cy="5143500" cx="9144000"/>
+  <p:sldSz cx="9144000" cy="5143500"/>
   <p:notesSz cx="6858000" cy="9144000"/>
   <p:embeddedFontLst>
     <p:embeddedFont>
-      <p:font typeface="Roboto"/>
-      <p:regular r:id="rId12"/>
-      <p:bold r:id="rId13"/>
-      <p:italic r:id="rId14"/>
-      <p:boldItalic r:id="rId15"/>
+      <p:font typeface="Roboto" panose="02000000000000000000"/>
+      <p:regular r:id="rId15"/>
+    </p:embeddedFont>
+    <p:embeddedFont>
+      <p:font typeface="Comic Sans MS" panose="030F0702030302020204"/>
+      <p:regular r:id="rId16"/>
+      <p:bold r:id="rId17"/>
+      <p:italic r:id="rId18"/>
+      <p:boldItalic r:id="rId19"/>
     </p:embeddedFont>
     <p:embeddedFont>
       <p:font typeface="Comfortaa"/>
-      <p:regular r:id="rId16"/>
-      <p:bold r:id="rId17"/>
+      <p:regular r:id="rId20"/>
+      <p:bold r:id="rId21"/>
+    </p:embeddedFont>
+    <p:embeddedFont>
+      <p:font typeface="Bradley Hand ITC" panose="03070402050302030203" charset="0"/>
+      <p:regular r:id="rId22"/>
+    </p:embeddedFont>
+    <p:embeddedFont>
+      <p:font typeface="Goudy Old Style" panose="02020502050305020303" charset="0"/>
+      <p:regular r:id="rId23"/>
+      <p:bold r:id="rId24"/>
+      <p:italic r:id="rId25"/>
     </p:embeddedFont>
   </p:embeddedFontLst>
   <p:defaultTextStyle>
-    <a:defPPr lvl="0" marR="0" rtl="0" algn="l">
+    <a:defPPr marR="0" lvl="0" algn="l" rtl="0">
       <a:lnSpc>
         <a:spcPct val="100000"/>
       </a:lnSpc>
@@ -43,7 +59,7 @@
         <a:spcPts val="0"/>
       </a:spcAft>
     </a:defPPr>
-    <a:lvl1pPr lvl="0" marR="0" rtl="0" algn="l">
+    <a:lvl1pPr marR="0" lvl="0" algn="l" rtl="0">
       <a:lnSpc>
         <a:spcPct val="100000"/>
       </a:lnSpc>
@@ -56,18 +72,18 @@
       <a:buClr>
         <a:srgbClr val="000000"/>
       </a:buClr>
-      <a:buFont typeface="Arial"/>
-      <a:defRPr b="0" i="0" sz="1400" u="none" cap="none" strike="noStrike">
+      <a:buFont typeface="Arial" panose="020B0604020202020204"/>
+      <a:defRPr sz="1400" b="0" i="0" u="none" strike="noStrike" cap="none">
         <a:solidFill>
           <a:srgbClr val="000000"/>
         </a:solidFill>
-        <a:latin typeface="Arial"/>
-        <a:ea typeface="Arial"/>
-        <a:cs typeface="Arial"/>
-        <a:sym typeface="Arial"/>
+        <a:latin typeface="Arial" panose="020B0604020202020204"/>
+        <a:ea typeface="Arial" panose="020B0604020202020204"/>
+        <a:cs typeface="Arial" panose="020B0604020202020204"/>
+        <a:sym typeface="Arial" panose="020B0604020202020204"/>
       </a:defRPr>
     </a:lvl1pPr>
-    <a:lvl2pPr lvl="1" marR="0" rtl="0" algn="l">
+    <a:lvl2pPr marR="0" lvl="1" algn="l" rtl="0">
       <a:lnSpc>
         <a:spcPct val="100000"/>
       </a:lnSpc>
@@ -80,18 +96,18 @@
       <a:buClr>
         <a:srgbClr val="000000"/>
       </a:buClr>
-      <a:buFont typeface="Arial"/>
-      <a:defRPr b="0" i="0" sz="1400" u="none" cap="none" strike="noStrike">
+      <a:buFont typeface="Arial" panose="020B0604020202020204"/>
+      <a:defRPr sz="1400" b="0" i="0" u="none" strike="noStrike" cap="none">
         <a:solidFill>
           <a:srgbClr val="000000"/>
         </a:solidFill>
-        <a:latin typeface="Arial"/>
-        <a:ea typeface="Arial"/>
-        <a:cs typeface="Arial"/>
-        <a:sym typeface="Arial"/>
+        <a:latin typeface="Arial" panose="020B0604020202020204"/>
+        <a:ea typeface="Arial" panose="020B0604020202020204"/>
+        <a:cs typeface="Arial" panose="020B0604020202020204"/>
+        <a:sym typeface="Arial" panose="020B0604020202020204"/>
       </a:defRPr>
     </a:lvl2pPr>
-    <a:lvl3pPr lvl="2" marR="0" rtl="0" algn="l">
+    <a:lvl3pPr marR="0" lvl="2" algn="l" rtl="0">
       <a:lnSpc>
         <a:spcPct val="100000"/>
       </a:lnSpc>
@@ -104,18 +120,18 @@
       <a:buClr>
         <a:srgbClr val="000000"/>
       </a:buClr>
-      <a:buFont typeface="Arial"/>
-      <a:defRPr b="0" i="0" sz="1400" u="none" cap="none" strike="noStrike">
+      <a:buFont typeface="Arial" panose="020B0604020202020204"/>
+      <a:defRPr sz="1400" b="0" i="0" u="none" strike="noStrike" cap="none">
         <a:solidFill>
           <a:srgbClr val="000000"/>
         </a:solidFill>
-        <a:latin typeface="Arial"/>
-        <a:ea typeface="Arial"/>
-        <a:cs typeface="Arial"/>
-        <a:sym typeface="Arial"/>
+        <a:latin typeface="Arial" panose="020B0604020202020204"/>
+        <a:ea typeface="Arial" panose="020B0604020202020204"/>
+        <a:cs typeface="Arial" panose="020B0604020202020204"/>
+        <a:sym typeface="Arial" panose="020B0604020202020204"/>
       </a:defRPr>
     </a:lvl3pPr>
-    <a:lvl4pPr lvl="3" marR="0" rtl="0" algn="l">
+    <a:lvl4pPr marR="0" lvl="3" algn="l" rtl="0">
       <a:lnSpc>
         <a:spcPct val="100000"/>
       </a:lnSpc>
@@ -128,18 +144,18 @@
       <a:buClr>
         <a:srgbClr val="000000"/>
       </a:buClr>
-      <a:buFont typeface="Arial"/>
-      <a:defRPr b="0" i="0" sz="1400" u="none" cap="none" strike="noStrike">
+      <a:buFont typeface="Arial" panose="020B0604020202020204"/>
+      <a:defRPr sz="1400" b="0" i="0" u="none" strike="noStrike" cap="none">
         <a:solidFill>
           <a:srgbClr val="000000"/>
         </a:solidFill>
-        <a:latin typeface="Arial"/>
-        <a:ea typeface="Arial"/>
-        <a:cs typeface="Arial"/>
-        <a:sym typeface="Arial"/>
+        <a:latin typeface="Arial" panose="020B0604020202020204"/>
+        <a:ea typeface="Arial" panose="020B0604020202020204"/>
+        <a:cs typeface="Arial" panose="020B0604020202020204"/>
+        <a:sym typeface="Arial" panose="020B0604020202020204"/>
       </a:defRPr>
     </a:lvl4pPr>
-    <a:lvl5pPr lvl="4" marR="0" rtl="0" algn="l">
+    <a:lvl5pPr marR="0" lvl="4" algn="l" rtl="0">
       <a:lnSpc>
         <a:spcPct val="100000"/>
       </a:lnSpc>
@@ -152,18 +168,18 @@
       <a:buClr>
         <a:srgbClr val="000000"/>
       </a:buClr>
-      <a:buFont typeface="Arial"/>
-      <a:defRPr b="0" i="0" sz="1400" u="none" cap="none" strike="noStrike">
+      <a:buFont typeface="Arial" panose="020B0604020202020204"/>
+      <a:defRPr sz="1400" b="0" i="0" u="none" strike="noStrike" cap="none">
         <a:solidFill>
           <a:srgbClr val="000000"/>
         </a:solidFill>
-        <a:latin typeface="Arial"/>
-        <a:ea typeface="Arial"/>
-        <a:cs typeface="Arial"/>
-        <a:sym typeface="Arial"/>
+        <a:latin typeface="Arial" panose="020B0604020202020204"/>
+        <a:ea typeface="Arial" panose="020B0604020202020204"/>
+        <a:cs typeface="Arial" panose="020B0604020202020204"/>
+        <a:sym typeface="Arial" panose="020B0604020202020204"/>
       </a:defRPr>
     </a:lvl5pPr>
-    <a:lvl6pPr lvl="5" marR="0" rtl="0" algn="l">
+    <a:lvl6pPr marR="0" lvl="5" algn="l" rtl="0">
       <a:lnSpc>
         <a:spcPct val="100000"/>
       </a:lnSpc>
@@ -176,18 +192,18 @@
       <a:buClr>
         <a:srgbClr val="000000"/>
       </a:buClr>
-      <a:buFont typeface="Arial"/>
-      <a:defRPr b="0" i="0" sz="1400" u="none" cap="none" strike="noStrike">
+      <a:buFont typeface="Arial" panose="020B0604020202020204"/>
+      <a:defRPr sz="1400" b="0" i="0" u="none" strike="noStrike" cap="none">
         <a:solidFill>
           <a:srgbClr val="000000"/>
         </a:solidFill>
-        <a:latin typeface="Arial"/>
-        <a:ea typeface="Arial"/>
-        <a:cs typeface="Arial"/>
-        <a:sym typeface="Arial"/>
+        <a:latin typeface="Arial" panose="020B0604020202020204"/>
+        <a:ea typeface="Arial" panose="020B0604020202020204"/>
+        <a:cs typeface="Arial" panose="020B0604020202020204"/>
+        <a:sym typeface="Arial" panose="020B0604020202020204"/>
       </a:defRPr>
     </a:lvl6pPr>
-    <a:lvl7pPr lvl="6" marR="0" rtl="0" algn="l">
+    <a:lvl7pPr marR="0" lvl="6" algn="l" rtl="0">
       <a:lnSpc>
         <a:spcPct val="100000"/>
       </a:lnSpc>
@@ -200,18 +216,18 @@
       <a:buClr>
         <a:srgbClr val="000000"/>
       </a:buClr>
-      <a:buFont typeface="Arial"/>
-      <a:defRPr b="0" i="0" sz="1400" u="none" cap="none" strike="noStrike">
+      <a:buFont typeface="Arial" panose="020B0604020202020204"/>
+      <a:defRPr sz="1400" b="0" i="0" u="none" strike="noStrike" cap="none">
         <a:solidFill>
           <a:srgbClr val="000000"/>
         </a:solidFill>
-        <a:latin typeface="Arial"/>
-        <a:ea typeface="Arial"/>
-        <a:cs typeface="Arial"/>
-        <a:sym typeface="Arial"/>
+        <a:latin typeface="Arial" panose="020B0604020202020204"/>
+        <a:ea typeface="Arial" panose="020B0604020202020204"/>
+        <a:cs typeface="Arial" panose="020B0604020202020204"/>
+        <a:sym typeface="Arial" panose="020B0604020202020204"/>
       </a:defRPr>
     </a:lvl7pPr>
-    <a:lvl8pPr lvl="7" marR="0" rtl="0" algn="l">
+    <a:lvl8pPr marR="0" lvl="7" algn="l" rtl="0">
       <a:lnSpc>
         <a:spcPct val="100000"/>
       </a:lnSpc>
@@ -224,18 +240,18 @@
       <a:buClr>
         <a:srgbClr val="000000"/>
       </a:buClr>
-      <a:buFont typeface="Arial"/>
-      <a:defRPr b="0" i="0" sz="1400" u="none" cap="none" strike="noStrike">
+      <a:buFont typeface="Arial" panose="020B0604020202020204"/>
+      <a:defRPr sz="1400" b="0" i="0" u="none" strike="noStrike" cap="none">
         <a:solidFill>
           <a:srgbClr val="000000"/>
         </a:solidFill>
-        <a:latin typeface="Arial"/>
-        <a:ea typeface="Arial"/>
-        <a:cs typeface="Arial"/>
-        <a:sym typeface="Arial"/>
+        <a:latin typeface="Arial" panose="020B0604020202020204"/>
+        <a:ea typeface="Arial" panose="020B0604020202020204"/>
+        <a:cs typeface="Arial" panose="020B0604020202020204"/>
+        <a:sym typeface="Arial" panose="020B0604020202020204"/>
       </a:defRPr>
     </a:lvl8pPr>
-    <a:lvl9pPr lvl="8" marR="0" rtl="0" algn="l">
+    <a:lvl9pPr marR="0" lvl="8" algn="l" rtl="0">
       <a:lnSpc>
         <a:spcPct val="100000"/>
       </a:lnSpc>
@@ -248,40 +264,29 @@
       <a:buClr>
         <a:srgbClr val="000000"/>
       </a:buClr>
-      <a:buFont typeface="Arial"/>
-      <a:defRPr b="0" i="0" sz="1400" u="none" cap="none" strike="noStrike">
+      <a:buFont typeface="Arial" panose="020B0604020202020204"/>
+      <a:defRPr sz="1400" b="0" i="0" u="none" strike="noStrike" cap="none">
         <a:solidFill>
           <a:srgbClr val="000000"/>
         </a:solidFill>
-        <a:latin typeface="Arial"/>
-        <a:ea typeface="Arial"/>
-        <a:cs typeface="Arial"/>
-        <a:sym typeface="Arial"/>
+        <a:latin typeface="Arial" panose="020B0604020202020204"/>
+        <a:ea typeface="Arial" panose="020B0604020202020204"/>
+        <a:cs typeface="Arial" panose="020B0604020202020204"/>
+        <a:sym typeface="Arial" panose="020B0604020202020204"/>
       </a:defRPr>
     </a:lvl9pPr>
   </p:defaultTextStyle>
-  <p:extLst>
-    <p:ext uri="{EFAFB233-063F-42B5-8137-9DF3F51BA10A}">
-      <p15:sldGuideLst>
-        <p15:guide id="1" orient="horz" pos="1620">
-          <p15:clr>
-            <a:srgbClr val="A4A3A4"/>
-          </p15:clr>
-        </p15:guide>
-        <p15:guide id="2" pos="2880">
-          <p15:clr>
-            <a:srgbClr val="A4A3A4"/>
-          </p15:clr>
-        </p15:guide>
-      </p15:sldGuideLst>
-    </p:ext>
-  </p:extLst>
 </p:presentation>
 </file>
 
 <file path=ppt/notesMasters/notesMaster1.xml><?xml version="1.0" encoding="utf-8"?>
-<p:notesMaster xmlns:a="http://schemas.openxmlformats.org/drawingml/2006/main" xmlns:r="http://schemas.openxmlformats.org/officeDocument/2006/relationships" xmlns:mc="http://schemas.openxmlformats.org/markup-compatibility/2006" xmlns:mv="urn:schemas-microsoft-com:mac:vml" xmlns:p="http://schemas.openxmlformats.org/presentationml/2006/main" xmlns:c="http://schemas.openxmlformats.org/drawingml/2006/chart" xmlns:dgm="http://schemas.openxmlformats.org/drawingml/2006/diagram" xmlns:o="urn:schemas-microsoft-com:office:office" xmlns:v="urn:schemas-microsoft-com:vml" xmlns:pvml="urn:schemas-microsoft-com:office:powerpoint" xmlns:com="http://schemas.openxmlformats.org/drawingml/2006/compatibility" xmlns:p14="http://schemas.microsoft.com/office/powerpoint/2010/main" xmlns:p15="http://schemas.microsoft.com/office/powerpoint/2012/main" xmlns:ahyp="http://schemas.microsoft.com/office/drawing/2018/hyperlinkcolor">
+<p:notesMaster xmlns:a="http://schemas.openxmlformats.org/drawingml/2006/main" xmlns:r="http://schemas.openxmlformats.org/officeDocument/2006/relationships" xmlns:p="http://schemas.openxmlformats.org/presentationml/2006/main">
   <p:cSld>
+    <p:bg>
+      <p:bgRef idx="1001">
+        <a:schemeClr val="bg1"/>
+      </p:bgRef>
+    </p:bg>
     <p:spTree>
       <p:nvGrpSpPr>
         <p:cNvPr id="2" name="Shape 2"/>
@@ -301,7 +306,7 @@
           <p:cNvPr id="3" name="Google Shape;3;n"/>
           <p:cNvSpPr/>
           <p:nvPr>
-            <p:ph idx="2" type="sldImg"/>
+            <p:ph type="sldImg" idx="2"/>
           </p:nvPr>
         </p:nvSpPr>
         <p:spPr>
@@ -310,9 +315,13 @@
             <a:ext cx="6096075" cy="3429000"/>
           </a:xfrm>
           <a:custGeom>
-            <a:rect b="b" l="l" r="r" t="t"/>
+            <a:avLst/>
+            <a:gdLst/>
+            <a:ahLst/>
+            <a:cxnLst/>
+            <a:rect l="l" t="t" r="r" b="b"/>
             <a:pathLst>
-              <a:path extrusionOk="0" h="120000" w="120000">
+              <a:path w="120000" h="120000" extrusionOk="0">
                 <a:moveTo>
                   <a:pt x="0" y="0"/>
                 </a:moveTo>
@@ -330,14 +339,14 @@
             </a:pathLst>
           </a:custGeom>
           <a:noFill/>
-          <a:ln cap="flat" cmpd="sng" w="9525">
+          <a:ln w="9525" cap="flat" cmpd="sng">
             <a:solidFill>
               <a:srgbClr val="000000"/>
             </a:solidFill>
             <a:prstDash val="solid"/>
             <a:round/>
-            <a:headEnd len="sm" w="sm" type="none"/>
-            <a:tailEnd len="sm" w="sm" type="none"/>
+            <a:headEnd type="none" w="sm" len="sm"/>
+            <a:tailEnd type="none" w="sm" len="sm"/>
           </a:ln>
         </p:spPr>
       </p:sp>
@@ -346,7 +355,7 @@
           <p:cNvPr id="4" name="Google Shape;4;n"/>
           <p:cNvSpPr txBox="1"/>
           <p:nvPr>
-            <p:ph idx="1" type="body"/>
+            <p:ph type="body" idx="1"/>
           </p:nvPr>
         </p:nvSpPr>
         <p:spPr>
@@ -363,11 +372,11 @@
           </a:ln>
         </p:spPr>
         <p:txBody>
-          <a:bodyPr anchorCtr="0" anchor="t" bIns="91425" lIns="91425" spcFirstLastPara="1" rIns="91425" wrap="square" tIns="91425">
+          <a:bodyPr spcFirstLastPara="1" wrap="square" lIns="91425" tIns="91425" rIns="91425" bIns="91425" anchor="t" anchorCtr="0">
             <a:noAutofit/>
           </a:bodyPr>
           <a:lstStyle>
-            <a:lvl1pPr indent="-298450" lvl="0" marL="457200">
+            <a:lvl1pPr marL="457200" lvl="0" indent="-298450">
               <a:spcBef>
                 <a:spcPts val="0"/>
               </a:spcBef>
@@ -378,7 +387,7 @@
               <a:buChar char="●"/>
               <a:defRPr sz="1100"/>
             </a:lvl1pPr>
-            <a:lvl2pPr indent="-298450" lvl="1" marL="914400">
+            <a:lvl2pPr marL="914400" lvl="1" indent="-298450">
               <a:spcBef>
                 <a:spcPts val="0"/>
               </a:spcBef>
@@ -389,7 +398,7 @@
               <a:buChar char="○"/>
               <a:defRPr sz="1100"/>
             </a:lvl2pPr>
-            <a:lvl3pPr indent="-298450" lvl="2" marL="1371600">
+            <a:lvl3pPr marL="1371600" lvl="2" indent="-298450">
               <a:spcBef>
                 <a:spcPts val="0"/>
               </a:spcBef>
@@ -400,7 +409,7 @@
               <a:buChar char="■"/>
               <a:defRPr sz="1100"/>
             </a:lvl3pPr>
-            <a:lvl4pPr indent="-298450" lvl="3" marL="1828800">
+            <a:lvl4pPr marL="1828800" lvl="3" indent="-298450">
               <a:spcBef>
                 <a:spcPts val="0"/>
               </a:spcBef>
@@ -411,7 +420,7 @@
               <a:buChar char="●"/>
               <a:defRPr sz="1100"/>
             </a:lvl4pPr>
-            <a:lvl5pPr indent="-298450" lvl="4" marL="2286000">
+            <a:lvl5pPr marL="2286000" lvl="4" indent="-298450">
               <a:spcBef>
                 <a:spcPts val="0"/>
               </a:spcBef>
@@ -422,7 +431,7 @@
               <a:buChar char="○"/>
               <a:defRPr sz="1100"/>
             </a:lvl5pPr>
-            <a:lvl6pPr indent="-298450" lvl="5" marL="2743200">
+            <a:lvl6pPr marL="2743200" lvl="5" indent="-298450">
               <a:spcBef>
                 <a:spcPts val="0"/>
               </a:spcBef>
@@ -433,7 +442,7 @@
               <a:buChar char="■"/>
               <a:defRPr sz="1100"/>
             </a:lvl6pPr>
-            <a:lvl7pPr indent="-298450" lvl="6" marL="3200400">
+            <a:lvl7pPr marL="3200400" lvl="6" indent="-298450">
               <a:spcBef>
                 <a:spcPts val="0"/>
               </a:spcBef>
@@ -444,7 +453,7 @@
               <a:buChar char="●"/>
               <a:defRPr sz="1100"/>
             </a:lvl7pPr>
-            <a:lvl8pPr indent="-298450" lvl="7" marL="3657600">
+            <a:lvl8pPr marL="3657600" lvl="7" indent="-298450">
               <a:spcBef>
                 <a:spcPts val="0"/>
               </a:spcBef>
@@ -455,7 +464,7 @@
               <a:buChar char="○"/>
               <a:defRPr sz="1100"/>
             </a:lvl8pPr>
-            <a:lvl9pPr indent="-298450" lvl="8" marL="4114800">
+            <a:lvl9pPr marL="4114800" lvl="8" indent="-298450">
               <a:spcBef>
                 <a:spcPts val="0"/>
               </a:spcBef>
@@ -472,9 +481,9 @@
       </p:sp>
     </p:spTree>
   </p:cSld>
-  <p:clrMap accent1="accent1" accent2="accent2" accent3="accent3" accent4="accent4" accent5="accent5" accent6="accent6" bg1="lt1" bg2="dk2" tx1="dk1" tx2="lt2" folHlink="folHlink" hlink="hlink"/>
+  <p:clrMap bg1="lt1" tx1="dk1" bg2="dk2" tx2="lt2" accent1="accent1" accent2="accent2" accent3="accent3" accent4="accent4" accent5="accent5" accent6="accent6" hlink="hlink" folHlink="folHlink"/>
   <p:notesStyle>
-    <a:defPPr lvl="0" marR="0" rtl="0" algn="l">
+    <a:defPPr marR="0" lvl="0" algn="l" rtl="0">
       <a:lnSpc>
         <a:spcPct val="100000"/>
       </a:lnSpc>
@@ -485,7 +494,7 @@
         <a:spcPts val="0"/>
       </a:spcAft>
     </a:defPPr>
-    <a:lvl1pPr lvl="0" marR="0" rtl="0" algn="l">
+    <a:lvl1pPr marR="0" lvl="0" algn="l" rtl="0">
       <a:lnSpc>
         <a:spcPct val="100000"/>
       </a:lnSpc>
@@ -498,18 +507,18 @@
       <a:buClr>
         <a:srgbClr val="000000"/>
       </a:buClr>
-      <a:buFont typeface="Arial"/>
-      <a:defRPr b="0" i="0" sz="1400" u="none" cap="none" strike="noStrike">
+      <a:buFont typeface="Arial" panose="020B0604020202020204"/>
+      <a:defRPr sz="1400" b="0" i="0" u="none" strike="noStrike" cap="none">
         <a:solidFill>
           <a:srgbClr val="000000"/>
         </a:solidFill>
-        <a:latin typeface="Arial"/>
-        <a:ea typeface="Arial"/>
-        <a:cs typeface="Arial"/>
-        <a:sym typeface="Arial"/>
+        <a:latin typeface="Arial" panose="020B0604020202020204"/>
+        <a:ea typeface="Arial" panose="020B0604020202020204"/>
+        <a:cs typeface="Arial" panose="020B0604020202020204"/>
+        <a:sym typeface="Arial" panose="020B0604020202020204"/>
       </a:defRPr>
     </a:lvl1pPr>
-    <a:lvl2pPr lvl="1" marR="0" rtl="0" algn="l">
+    <a:lvl2pPr marR="0" lvl="1" algn="l" rtl="0">
       <a:lnSpc>
         <a:spcPct val="100000"/>
       </a:lnSpc>
@@ -522,18 +531,18 @@
       <a:buClr>
         <a:srgbClr val="000000"/>
       </a:buClr>
-      <a:buFont typeface="Arial"/>
-      <a:defRPr b="0" i="0" sz="1400" u="none" cap="none" strike="noStrike">
+      <a:buFont typeface="Arial" panose="020B0604020202020204"/>
+      <a:defRPr sz="1400" b="0" i="0" u="none" strike="noStrike" cap="none">
         <a:solidFill>
           <a:srgbClr val="000000"/>
         </a:solidFill>
-        <a:latin typeface="Arial"/>
-        <a:ea typeface="Arial"/>
-        <a:cs typeface="Arial"/>
-        <a:sym typeface="Arial"/>
+        <a:latin typeface="Arial" panose="020B0604020202020204"/>
+        <a:ea typeface="Arial" panose="020B0604020202020204"/>
+        <a:cs typeface="Arial" panose="020B0604020202020204"/>
+        <a:sym typeface="Arial" panose="020B0604020202020204"/>
       </a:defRPr>
     </a:lvl2pPr>
-    <a:lvl3pPr lvl="2" marR="0" rtl="0" algn="l">
+    <a:lvl3pPr marR="0" lvl="2" algn="l" rtl="0">
       <a:lnSpc>
         <a:spcPct val="100000"/>
       </a:lnSpc>
@@ -546,18 +555,18 @@
       <a:buClr>
         <a:srgbClr val="000000"/>
       </a:buClr>
-      <a:buFont typeface="Arial"/>
-      <a:defRPr b="0" i="0" sz="1400" u="none" cap="none" strike="noStrike">
+      <a:buFont typeface="Arial" panose="020B0604020202020204"/>
+      <a:defRPr sz="1400" b="0" i="0" u="none" strike="noStrike" cap="none">
         <a:solidFill>
           <a:srgbClr val="000000"/>
         </a:solidFill>
-        <a:latin typeface="Arial"/>
-        <a:ea typeface="Arial"/>
-        <a:cs typeface="Arial"/>
-        <a:sym typeface="Arial"/>
+        <a:latin typeface="Arial" panose="020B0604020202020204"/>
+        <a:ea typeface="Arial" panose="020B0604020202020204"/>
+        <a:cs typeface="Arial" panose="020B0604020202020204"/>
+        <a:sym typeface="Arial" panose="020B0604020202020204"/>
       </a:defRPr>
     </a:lvl3pPr>
-    <a:lvl4pPr lvl="3" marR="0" rtl="0" algn="l">
+    <a:lvl4pPr marR="0" lvl="3" algn="l" rtl="0">
       <a:lnSpc>
         <a:spcPct val="100000"/>
       </a:lnSpc>
@@ -570,18 +579,18 @@
       <a:buClr>
         <a:srgbClr val="000000"/>
       </a:buClr>
-      <a:buFont typeface="Arial"/>
-      <a:defRPr b="0" i="0" sz="1400" u="none" cap="none" strike="noStrike">
+      <a:buFont typeface="Arial" panose="020B0604020202020204"/>
+      <a:defRPr sz="1400" b="0" i="0" u="none" strike="noStrike" cap="none">
         <a:solidFill>
           <a:srgbClr val="000000"/>
         </a:solidFill>
-        <a:latin typeface="Arial"/>
-        <a:ea typeface="Arial"/>
-        <a:cs typeface="Arial"/>
-        <a:sym typeface="Arial"/>
+        <a:latin typeface="Arial" panose="020B0604020202020204"/>
+        <a:ea typeface="Arial" panose="020B0604020202020204"/>
+        <a:cs typeface="Arial" panose="020B0604020202020204"/>
+        <a:sym typeface="Arial" panose="020B0604020202020204"/>
       </a:defRPr>
     </a:lvl4pPr>
-    <a:lvl5pPr lvl="4" marR="0" rtl="0" algn="l">
+    <a:lvl5pPr marR="0" lvl="4" algn="l" rtl="0">
       <a:lnSpc>
         <a:spcPct val="100000"/>
       </a:lnSpc>
@@ -594,18 +603,18 @@
       <a:buClr>
         <a:srgbClr val="000000"/>
       </a:buClr>
-      <a:buFont typeface="Arial"/>
-      <a:defRPr b="0" i="0" sz="1400" u="none" cap="none" strike="noStrike">
+      <a:buFont typeface="Arial" panose="020B0604020202020204"/>
+      <a:defRPr sz="1400" b="0" i="0" u="none" strike="noStrike" cap="none">
         <a:solidFill>
           <a:srgbClr val="000000"/>
         </a:solidFill>
-        <a:latin typeface="Arial"/>
-        <a:ea typeface="Arial"/>
-        <a:cs typeface="Arial"/>
-        <a:sym typeface="Arial"/>
+        <a:latin typeface="Arial" panose="020B0604020202020204"/>
+        <a:ea typeface="Arial" panose="020B0604020202020204"/>
+        <a:cs typeface="Arial" panose="020B0604020202020204"/>
+        <a:sym typeface="Arial" panose="020B0604020202020204"/>
       </a:defRPr>
     </a:lvl5pPr>
-    <a:lvl6pPr lvl="5" marR="0" rtl="0" algn="l">
+    <a:lvl6pPr marR="0" lvl="5" algn="l" rtl="0">
       <a:lnSpc>
         <a:spcPct val="100000"/>
       </a:lnSpc>
@@ -618,18 +627,18 @@
       <a:buClr>
         <a:srgbClr val="000000"/>
       </a:buClr>
-      <a:buFont typeface="Arial"/>
-      <a:defRPr b="0" i="0" sz="1400" u="none" cap="none" strike="noStrike">
+      <a:buFont typeface="Arial" panose="020B0604020202020204"/>
+      <a:defRPr sz="1400" b="0" i="0" u="none" strike="noStrike" cap="none">
         <a:solidFill>
           <a:srgbClr val="000000"/>
         </a:solidFill>
-        <a:latin typeface="Arial"/>
-        <a:ea typeface="Arial"/>
-        <a:cs typeface="Arial"/>
-        <a:sym typeface="Arial"/>
+        <a:latin typeface="Arial" panose="020B0604020202020204"/>
+        <a:ea typeface="Arial" panose="020B0604020202020204"/>
+        <a:cs typeface="Arial" panose="020B0604020202020204"/>
+        <a:sym typeface="Arial" panose="020B0604020202020204"/>
       </a:defRPr>
     </a:lvl6pPr>
-    <a:lvl7pPr lvl="6" marR="0" rtl="0" algn="l">
+    <a:lvl7pPr marR="0" lvl="6" algn="l" rtl="0">
       <a:lnSpc>
         <a:spcPct val="100000"/>
       </a:lnSpc>
@@ -642,18 +651,18 @@
       <a:buClr>
         <a:srgbClr val="000000"/>
       </a:buClr>
-      <a:buFont typeface="Arial"/>
-      <a:defRPr b="0" i="0" sz="1400" u="none" cap="none" strike="noStrike">
+      <a:buFont typeface="Arial" panose="020B0604020202020204"/>
+      <a:defRPr sz="1400" b="0" i="0" u="none" strike="noStrike" cap="none">
         <a:solidFill>
           <a:srgbClr val="000000"/>
         </a:solidFill>
-        <a:latin typeface="Arial"/>
-        <a:ea typeface="Arial"/>
-        <a:cs typeface="Arial"/>
-        <a:sym typeface="Arial"/>
+        <a:latin typeface="Arial" panose="020B0604020202020204"/>
+        <a:ea typeface="Arial" panose="020B0604020202020204"/>
+        <a:cs typeface="Arial" panose="020B0604020202020204"/>
+        <a:sym typeface="Arial" panose="020B0604020202020204"/>
       </a:defRPr>
     </a:lvl7pPr>
-    <a:lvl8pPr lvl="7" marR="0" rtl="0" algn="l">
+    <a:lvl8pPr marR="0" lvl="7" algn="l" rtl="0">
       <a:lnSpc>
         <a:spcPct val="100000"/>
       </a:lnSpc>
@@ -666,18 +675,18 @@
       <a:buClr>
         <a:srgbClr val="000000"/>
       </a:buClr>
-      <a:buFont typeface="Arial"/>
-      <a:defRPr b="0" i="0" sz="1400" u="none" cap="none" strike="noStrike">
+      <a:buFont typeface="Arial" panose="020B0604020202020204"/>
+      <a:defRPr sz="1400" b="0" i="0" u="none" strike="noStrike" cap="none">
         <a:solidFill>
           <a:srgbClr val="000000"/>
         </a:solidFill>
-        <a:latin typeface="Arial"/>
-        <a:ea typeface="Arial"/>
-        <a:cs typeface="Arial"/>
-        <a:sym typeface="Arial"/>
+        <a:latin typeface="Arial" panose="020B0604020202020204"/>
+        <a:ea typeface="Arial" panose="020B0604020202020204"/>
+        <a:cs typeface="Arial" panose="020B0604020202020204"/>
+        <a:sym typeface="Arial" panose="020B0604020202020204"/>
       </a:defRPr>
     </a:lvl8pPr>
-    <a:lvl9pPr lvl="8" marR="0" rtl="0" algn="l">
+    <a:lvl9pPr marR="0" lvl="8" algn="l" rtl="0">
       <a:lnSpc>
         <a:spcPct val="100000"/>
       </a:lnSpc>
@@ -690,15 +699,15 @@
       <a:buClr>
         <a:srgbClr val="000000"/>
       </a:buClr>
-      <a:buFont typeface="Arial"/>
-      <a:defRPr b="0" i="0" sz="1400" u="none" cap="none" strike="noStrike">
+      <a:buFont typeface="Arial" panose="020B0604020202020204"/>
+      <a:defRPr sz="1400" b="0" i="0" u="none" strike="noStrike" cap="none">
         <a:solidFill>
           <a:srgbClr val="000000"/>
         </a:solidFill>
-        <a:latin typeface="Arial"/>
-        <a:ea typeface="Arial"/>
-        <a:cs typeface="Arial"/>
-        <a:sym typeface="Arial"/>
+        <a:latin typeface="Arial" panose="020B0604020202020204"/>
+        <a:ea typeface="Arial" panose="020B0604020202020204"/>
+        <a:cs typeface="Arial" panose="020B0604020202020204"/>
+        <a:sym typeface="Arial" panose="020B0604020202020204"/>
       </a:defRPr>
     </a:lvl9pPr>
   </p:notesStyle>
@@ -706,7 +715,7 @@
 </file>
 
 <file path=ppt/notesSlides/notesSlide1.xml><?xml version="1.0" encoding="utf-8"?>
-<p:notes xmlns:a="http://schemas.openxmlformats.org/drawingml/2006/main" xmlns:r="http://schemas.openxmlformats.org/officeDocument/2006/relationships" xmlns:mc="http://schemas.openxmlformats.org/markup-compatibility/2006" xmlns:mv="urn:schemas-microsoft-com:mac:vml" xmlns:p="http://schemas.openxmlformats.org/presentationml/2006/main" xmlns:c="http://schemas.openxmlformats.org/drawingml/2006/chart" xmlns:dgm="http://schemas.openxmlformats.org/drawingml/2006/diagram" xmlns:o="urn:schemas-microsoft-com:office:office" xmlns:v="urn:schemas-microsoft-com:vml" xmlns:pvml="urn:schemas-microsoft-com:office:powerpoint" xmlns:com="http://schemas.openxmlformats.org/drawingml/2006/compatibility" xmlns:p14="http://schemas.microsoft.com/office/powerpoint/2010/main" xmlns:p15="http://schemas.microsoft.com/office/powerpoint/2012/main" xmlns:ahyp="http://schemas.microsoft.com/office/drawing/2018/hyperlinkcolor" showMasterPhAnim="0" showMasterSp="0">
+<p:notes xmlns:a="http://schemas.openxmlformats.org/drawingml/2006/main" xmlns:r="http://schemas.openxmlformats.org/officeDocument/2006/relationships" xmlns:p="http://schemas.openxmlformats.org/presentationml/2006/main" showMasterPhAnim="0" showMasterSp="0">
   <p:cSld>
     <p:spTree>
       <p:nvGrpSpPr>
@@ -727,7 +736,7 @@
           <p:cNvPr id="82" name="Google Shape;82;g2e6f4438d84edf4c_17:notes"/>
           <p:cNvSpPr/>
           <p:nvPr>
-            <p:ph idx="2" type="sldImg"/>
+            <p:ph type="sldImg" idx="2"/>
           </p:nvPr>
         </p:nvSpPr>
         <p:spPr>
@@ -736,9 +745,13 @@
             <a:ext cx="6096000" cy="3429000"/>
           </a:xfrm>
           <a:custGeom>
-            <a:rect b="b" l="l" r="r" t="t"/>
+            <a:avLst/>
+            <a:gdLst/>
+            <a:ahLst/>
+            <a:cxnLst/>
+            <a:rect l="l" t="t" r="r" b="b"/>
             <a:pathLst>
-              <a:path extrusionOk="0" h="120000" w="120000">
+              <a:path w="120000" h="120000" extrusionOk="0">
                 <a:moveTo>
                   <a:pt x="0" y="0"/>
                 </a:moveTo>
@@ -762,7 +775,7 @@
           <p:cNvPr id="83" name="Google Shape;83;g2e6f4438d84edf4c_17:notes"/>
           <p:cNvSpPr txBox="1"/>
           <p:nvPr>
-            <p:ph idx="1" type="body"/>
+            <p:ph type="body" idx="1"/>
           </p:nvPr>
         </p:nvSpPr>
         <p:spPr>
@@ -775,12 +788,12 @@
           </a:prstGeom>
         </p:spPr>
         <p:txBody>
-          <a:bodyPr anchorCtr="0" anchor="t" bIns="91425" lIns="91425" spcFirstLastPara="1" rIns="91425" wrap="square" tIns="91425">
+          <a:bodyPr spcFirstLastPara="1" wrap="square" lIns="91425" tIns="91425" rIns="91425" bIns="91425" anchor="t" anchorCtr="0">
             <a:noAutofit/>
           </a:bodyPr>
           <a:lstStyle/>
           <a:p>
-            <a:pPr indent="0" lvl="0" marL="0" rtl="0" algn="l">
+            <a:pPr marL="0" lvl="0" indent="0" algn="l" rtl="0">
               <a:spcBef>
                 <a:spcPts val="0"/>
               </a:spcBef>
@@ -789,10 +802,6 @@
               </a:spcAft>
               <a:buNone/>
             </a:pPr>
-            <a:r>
-              <a:t/>
-            </a:r>
-            <a:endParaRPr/>
           </a:p>
         </p:txBody>
       </p:sp>
@@ -805,7 +814,7 @@
 </file>
 
 <file path=ppt/notesSlides/notesSlide2.xml><?xml version="1.0" encoding="utf-8"?>
-<p:notes xmlns:a="http://schemas.openxmlformats.org/drawingml/2006/main" xmlns:r="http://schemas.openxmlformats.org/officeDocument/2006/relationships" xmlns:mc="http://schemas.openxmlformats.org/markup-compatibility/2006" xmlns:mv="urn:schemas-microsoft-com:mac:vml" xmlns:p="http://schemas.openxmlformats.org/presentationml/2006/main" xmlns:c="http://schemas.openxmlformats.org/drawingml/2006/chart" xmlns:dgm="http://schemas.openxmlformats.org/drawingml/2006/diagram" xmlns:o="urn:schemas-microsoft-com:office:office" xmlns:v="urn:schemas-microsoft-com:vml" xmlns:pvml="urn:schemas-microsoft-com:office:powerpoint" xmlns:com="http://schemas.openxmlformats.org/drawingml/2006/compatibility" xmlns:p14="http://schemas.microsoft.com/office/powerpoint/2010/main" xmlns:p15="http://schemas.microsoft.com/office/powerpoint/2012/main" xmlns:ahyp="http://schemas.microsoft.com/office/drawing/2018/hyperlinkcolor" showMasterPhAnim="0" showMasterSp="0">
+<p:notes xmlns:a="http://schemas.openxmlformats.org/drawingml/2006/main" xmlns:r="http://schemas.openxmlformats.org/officeDocument/2006/relationships" xmlns:p="http://schemas.openxmlformats.org/presentationml/2006/main" showMasterPhAnim="0" showMasterSp="0">
   <p:cSld>
     <p:spTree>
       <p:nvGrpSpPr>
@@ -826,7 +835,7 @@
           <p:cNvPr id="88" name="Google Shape;88;gc5bd60b3b896f35_76:notes"/>
           <p:cNvSpPr/>
           <p:nvPr>
-            <p:ph idx="2" type="sldImg"/>
+            <p:ph type="sldImg" idx="2"/>
           </p:nvPr>
         </p:nvSpPr>
         <p:spPr>
@@ -835,9 +844,13 @@
             <a:ext cx="6096000" cy="3429000"/>
           </a:xfrm>
           <a:custGeom>
-            <a:rect b="b" l="l" r="r" t="t"/>
+            <a:avLst/>
+            <a:gdLst/>
+            <a:ahLst/>
+            <a:cxnLst/>
+            <a:rect l="l" t="t" r="r" b="b"/>
             <a:pathLst>
-              <a:path extrusionOk="0" h="120000" w="120000">
+              <a:path w="120000" h="120000" extrusionOk="0">
                 <a:moveTo>
                   <a:pt x="0" y="0"/>
                 </a:moveTo>
@@ -861,7 +874,7 @@
           <p:cNvPr id="89" name="Google Shape;89;gc5bd60b3b896f35_76:notes"/>
           <p:cNvSpPr txBox="1"/>
           <p:nvPr>
-            <p:ph idx="1" type="body"/>
+            <p:ph type="body" idx="1"/>
           </p:nvPr>
         </p:nvSpPr>
         <p:spPr>
@@ -874,12 +887,12 @@
           </a:prstGeom>
         </p:spPr>
         <p:txBody>
-          <a:bodyPr anchorCtr="0" anchor="t" bIns="91425" lIns="91425" spcFirstLastPara="1" rIns="91425" wrap="square" tIns="91425">
+          <a:bodyPr spcFirstLastPara="1" wrap="square" lIns="91425" tIns="91425" rIns="91425" bIns="91425" anchor="t" anchorCtr="0">
             <a:noAutofit/>
           </a:bodyPr>
           <a:lstStyle/>
           <a:p>
-            <a:pPr indent="0" lvl="0" marL="0" rtl="0" algn="l">
+            <a:pPr marL="0" lvl="0" indent="0" algn="l" rtl="0">
               <a:spcBef>
                 <a:spcPts val="0"/>
               </a:spcBef>
@@ -892,10 +905,10 @@
               <a:rPr lang="en-GB"/>
               <a:t>Basically, it is a software which stores the snapshots of the versions of your code and lets you come back to any version at just a click.</a:t>
             </a:r>
-            <a:endParaRPr/>
+            <a:endParaRPr lang="en-GB"/>
           </a:p>
           <a:p>
-            <a:pPr indent="0" lvl="0" marL="0" rtl="0" algn="l">
+            <a:pPr marL="0" lvl="0" indent="0" algn="l" rtl="0">
               <a:spcBef>
                 <a:spcPts val="0"/>
               </a:spcBef>
@@ -912,10 +925,10 @@
               <a:rPr lang="en-GB"/>
               <a:t>Control System means that if you accidentally delete a file or make a mistake, you have nothing to worry about, you can just recover them.</a:t>
             </a:r>
-            <a:endParaRPr/>
+            <a:endParaRPr lang="en-GB"/>
           </a:p>
           <a:p>
-            <a:pPr indent="0" lvl="0" marL="0" rtl="0" algn="l">
+            <a:pPr marL="0" lvl="0" indent="0" algn="l" rtl="0">
               <a:spcBef>
                 <a:spcPts val="0"/>
               </a:spcBef>
@@ -928,10 +941,10 @@
               <a:rPr lang="en-GB"/>
               <a:t>VCS can not only restore your previous working version, but it can also solve other concerns with code management and application deployment.</a:t>
             </a:r>
-            <a:endParaRPr/>
+            <a:endParaRPr lang="en-GB"/>
           </a:p>
           <a:p>
-            <a:pPr indent="0" lvl="0" marL="0" rtl="0" algn="l">
+            <a:pPr marL="0" lvl="0" indent="0" algn="l" rtl="0">
               <a:spcBef>
                 <a:spcPts val="0"/>
               </a:spcBef>
@@ -940,10 +953,6 @@
               </a:spcAft>
               <a:buNone/>
             </a:pPr>
-            <a:r>
-              <a:t/>
-            </a:r>
-            <a:endParaRPr/>
           </a:p>
         </p:txBody>
       </p:sp>
@@ -956,7 +965,7 @@
 </file>
 
 <file path=ppt/notesSlides/notesSlide3.xml><?xml version="1.0" encoding="utf-8"?>
-<p:notes xmlns:a="http://schemas.openxmlformats.org/drawingml/2006/main" xmlns:r="http://schemas.openxmlformats.org/officeDocument/2006/relationships" xmlns:mc="http://schemas.openxmlformats.org/markup-compatibility/2006" xmlns:mv="urn:schemas-microsoft-com:mac:vml" xmlns:p="http://schemas.openxmlformats.org/presentationml/2006/main" xmlns:c="http://schemas.openxmlformats.org/drawingml/2006/chart" xmlns:dgm="http://schemas.openxmlformats.org/drawingml/2006/diagram" xmlns:o="urn:schemas-microsoft-com:office:office" xmlns:v="urn:schemas-microsoft-com:vml" xmlns:pvml="urn:schemas-microsoft-com:office:powerpoint" xmlns:com="http://schemas.openxmlformats.org/drawingml/2006/compatibility" xmlns:p14="http://schemas.microsoft.com/office/powerpoint/2010/main" xmlns:p15="http://schemas.microsoft.com/office/powerpoint/2012/main" xmlns:ahyp="http://schemas.microsoft.com/office/drawing/2018/hyperlinkcolor" showMasterPhAnim="0" showMasterSp="0">
+<p:notes xmlns:a="http://schemas.openxmlformats.org/drawingml/2006/main" xmlns:r="http://schemas.openxmlformats.org/officeDocument/2006/relationships" xmlns:p="http://schemas.openxmlformats.org/presentationml/2006/main" showMasterPhAnim="0" showMasterSp="0">
   <p:cSld>
     <p:spTree>
       <p:nvGrpSpPr>
@@ -977,7 +986,7 @@
           <p:cNvPr id="94" name="Google Shape;94;gc5bd60b3b896f35_81:notes"/>
           <p:cNvSpPr/>
           <p:nvPr>
-            <p:ph idx="2" type="sldImg"/>
+            <p:ph type="sldImg" idx="2"/>
           </p:nvPr>
         </p:nvSpPr>
         <p:spPr>
@@ -986,9 +995,13 @@
             <a:ext cx="6096000" cy="3429000"/>
           </a:xfrm>
           <a:custGeom>
-            <a:rect b="b" l="l" r="r" t="t"/>
+            <a:avLst/>
+            <a:gdLst/>
+            <a:ahLst/>
+            <a:cxnLst/>
+            <a:rect l="l" t="t" r="r" b="b"/>
             <a:pathLst>
-              <a:path extrusionOk="0" h="120000" w="120000">
+              <a:path w="120000" h="120000" extrusionOk="0">
                 <a:moveTo>
                   <a:pt x="0" y="0"/>
                 </a:moveTo>
@@ -1012,7 +1025,7 @@
           <p:cNvPr id="95" name="Google Shape;95;gc5bd60b3b896f35_81:notes"/>
           <p:cNvSpPr txBox="1"/>
           <p:nvPr>
-            <p:ph idx="1" type="body"/>
+            <p:ph type="body" idx="1"/>
           </p:nvPr>
         </p:nvSpPr>
         <p:spPr>
@@ -1025,12 +1038,12 @@
           </a:prstGeom>
         </p:spPr>
         <p:txBody>
-          <a:bodyPr anchorCtr="0" anchor="t" bIns="91425" lIns="91425" spcFirstLastPara="1" rIns="91425" wrap="square" tIns="91425">
+          <a:bodyPr spcFirstLastPara="1" wrap="square" lIns="91425" tIns="91425" rIns="91425" bIns="91425" anchor="t" anchorCtr="0">
             <a:noAutofit/>
           </a:bodyPr>
           <a:lstStyle/>
           <a:p>
-            <a:pPr indent="-298450" lvl="0" marL="457200" rtl="0" algn="l">
+            <a:pPr marL="457200" lvl="0" indent="-298450" algn="l" rtl="0">
               <a:spcBef>
                 <a:spcPts val="0"/>
               </a:spcBef>
@@ -1044,10 +1057,10 @@
               <a:rPr lang="en-GB"/>
               <a:t>Traces changes and lets you revert back to any previous versions of the file, or whole project, monitor changes, who updated what in which version and why…</a:t>
             </a:r>
-            <a:endParaRPr/>
+            <a:endParaRPr lang="en-GB"/>
           </a:p>
           <a:p>
-            <a:pPr indent="-298450" lvl="0" marL="457200" rtl="0" algn="l">
+            <a:pPr marL="457200" lvl="0" indent="-298450" algn="l" rtl="0">
               <a:spcBef>
                 <a:spcPts val="0"/>
               </a:spcBef>
@@ -1061,10 +1074,10 @@
               <a:rPr lang="en-GB"/>
               <a:t>Find errors by checking what updations were made in what versions</a:t>
             </a:r>
-            <a:endParaRPr/>
+            <a:endParaRPr lang="en-GB"/>
           </a:p>
           <a:p>
-            <a:pPr indent="-298450" lvl="0" marL="457200" rtl="0" algn="l">
+            <a:pPr marL="457200" lvl="0" indent="-298450" algn="l" rtl="0">
               <a:spcBef>
                 <a:spcPts val="0"/>
               </a:spcBef>
@@ -1082,10 +1095,10 @@
               <a:rPr lang="en-GB"/>
               <a:t>t just is the tool</a:t>
             </a:r>
-            <a:endParaRPr/>
+            <a:endParaRPr lang="en-GB"/>
           </a:p>
           <a:p>
-            <a:pPr indent="-298450" lvl="0" marL="457200" rtl="0" algn="l">
+            <a:pPr marL="457200" lvl="0" indent="-298450" algn="l" rtl="0">
               <a:spcBef>
                 <a:spcPts val="0"/>
               </a:spcBef>
@@ -1099,10 +1112,10 @@
               <a:rPr lang="en-GB"/>
               <a:t>Requirements always change, new features added or older ones removed can be done in different branches and merged later if everything goes well</a:t>
             </a:r>
-            <a:endParaRPr/>
+            <a:endParaRPr lang="en-GB"/>
           </a:p>
           <a:p>
-            <a:pPr indent="-298450" lvl="0" marL="457200" rtl="0" algn="l">
+            <a:pPr marL="457200" lvl="0" indent="-298450" algn="l" rtl="0">
               <a:spcBef>
                 <a:spcPts val="0"/>
               </a:spcBef>
@@ -1120,10 +1133,10 @@
               <a:rPr lang="en-GB"/>
               <a:t>reases interdependence in team, thereby increasing the productivity</a:t>
             </a:r>
-            <a:endParaRPr/>
+            <a:endParaRPr lang="en-GB"/>
           </a:p>
           <a:p>
-            <a:pPr indent="-298450" lvl="0" marL="457200" rtl="0" algn="l">
+            <a:pPr marL="457200" lvl="0" indent="-298450" algn="l" rtl="0">
               <a:spcBef>
                 <a:spcPts val="0"/>
               </a:spcBef>
@@ -1137,7 +1150,7 @@
               <a:rPr lang="en-GB"/>
               <a:t>Almost everything in git is done locally on computer and then can be uploaded to GitHub at the end of the day. Further the source code of git is in C, which is anyways fast.</a:t>
             </a:r>
-            <a:endParaRPr/>
+            <a:endParaRPr lang="en-GB"/>
           </a:p>
         </p:txBody>
       </p:sp>
@@ -1150,7 +1163,7 @@
 </file>
 
 <file path=ppt/notesSlides/notesSlide4.xml><?xml version="1.0" encoding="utf-8"?>
-<p:notes xmlns:a="http://schemas.openxmlformats.org/drawingml/2006/main" xmlns:r="http://schemas.openxmlformats.org/officeDocument/2006/relationships" xmlns:mc="http://schemas.openxmlformats.org/markup-compatibility/2006" xmlns:mv="urn:schemas-microsoft-com:mac:vml" xmlns:p="http://schemas.openxmlformats.org/presentationml/2006/main" xmlns:c="http://schemas.openxmlformats.org/drawingml/2006/chart" xmlns:dgm="http://schemas.openxmlformats.org/drawingml/2006/diagram" xmlns:o="urn:schemas-microsoft-com:office:office" xmlns:v="urn:schemas-microsoft-com:vml" xmlns:pvml="urn:schemas-microsoft-com:office:powerpoint" xmlns:com="http://schemas.openxmlformats.org/drawingml/2006/compatibility" xmlns:p14="http://schemas.microsoft.com/office/powerpoint/2010/main" xmlns:p15="http://schemas.microsoft.com/office/powerpoint/2012/main" xmlns:ahyp="http://schemas.microsoft.com/office/drawing/2018/hyperlinkcolor" showMasterPhAnim="0" showMasterSp="0">
+<p:notes xmlns:a="http://schemas.openxmlformats.org/drawingml/2006/main" xmlns:r="http://schemas.openxmlformats.org/officeDocument/2006/relationships" xmlns:p="http://schemas.openxmlformats.org/presentationml/2006/main" showMasterPhAnim="0" showMasterSp="0">
   <p:cSld>
     <p:spTree>
       <p:nvGrpSpPr>
@@ -1171,7 +1184,7 @@
           <p:cNvPr id="100" name="Google Shape;100;g7f921d7fd121bfe3_0:notes"/>
           <p:cNvSpPr/>
           <p:nvPr>
-            <p:ph idx="2" type="sldImg"/>
+            <p:ph type="sldImg" idx="2"/>
           </p:nvPr>
         </p:nvSpPr>
         <p:spPr>
@@ -1180,9 +1193,13 @@
             <a:ext cx="6096000" cy="3429000"/>
           </a:xfrm>
           <a:custGeom>
-            <a:rect b="b" l="l" r="r" t="t"/>
+            <a:avLst/>
+            <a:gdLst/>
+            <a:ahLst/>
+            <a:cxnLst/>
+            <a:rect l="l" t="t" r="r" b="b"/>
             <a:pathLst>
-              <a:path extrusionOk="0" h="120000" w="120000">
+              <a:path w="120000" h="120000" extrusionOk="0">
                 <a:moveTo>
                   <a:pt x="0" y="0"/>
                 </a:moveTo>
@@ -1206,7 +1223,7 @@
           <p:cNvPr id="101" name="Google Shape;101;g7f921d7fd121bfe3_0:notes"/>
           <p:cNvSpPr txBox="1"/>
           <p:nvPr>
-            <p:ph idx="1" type="body"/>
+            <p:ph type="body" idx="1"/>
           </p:nvPr>
         </p:nvSpPr>
         <p:spPr>
@@ -1219,12 +1236,12 @@
           </a:prstGeom>
         </p:spPr>
         <p:txBody>
-          <a:bodyPr anchorCtr="0" anchor="t" bIns="91425" lIns="91425" spcFirstLastPara="1" rIns="91425" wrap="square" tIns="91425">
+          <a:bodyPr spcFirstLastPara="1" wrap="square" lIns="91425" tIns="91425" rIns="91425" bIns="91425" anchor="t" anchorCtr="0">
             <a:noAutofit/>
           </a:bodyPr>
           <a:lstStyle/>
           <a:p>
-            <a:pPr indent="0" lvl="0" marL="0" rtl="0" algn="l">
+            <a:pPr marL="0" lvl="0" indent="0" algn="l" rtl="0">
               <a:spcBef>
                 <a:spcPts val="0"/>
               </a:spcBef>
@@ -1241,10 +1258,10 @@
               <a:rPr lang="en-GB"/>
               <a:t>me hosting service as GitHub or bit bucket, etc.</a:t>
             </a:r>
-            <a:endParaRPr/>
+            <a:endParaRPr lang="en-GB"/>
           </a:p>
           <a:p>
-            <a:pPr indent="0" lvl="0" marL="0" rtl="0" algn="l">
+            <a:pPr marL="0" lvl="0" indent="0" algn="l" rtl="0">
               <a:spcBef>
                 <a:spcPts val="0"/>
               </a:spcBef>
@@ -1253,13 +1270,9 @@
               </a:spcAft>
               <a:buNone/>
             </a:pPr>
-            <a:r>
-              <a:t/>
-            </a:r>
-            <a:endParaRPr/>
           </a:p>
           <a:p>
-            <a:pPr indent="0" lvl="0" marL="0" rtl="0" algn="l">
+            <a:pPr marL="0" lvl="0" indent="0" algn="l" rtl="0">
               <a:spcBef>
                 <a:spcPts val="0"/>
               </a:spcBef>
@@ -1268,13 +1281,9 @@
               </a:spcAft>
               <a:buNone/>
             </a:pPr>
-            <a:r>
-              <a:t/>
-            </a:r>
-            <a:endParaRPr/>
           </a:p>
           <a:p>
-            <a:pPr indent="0" lvl="0" marL="0" rtl="0" algn="l">
+            <a:pPr marL="0" lvl="0" indent="0" algn="l" rtl="0">
               <a:spcBef>
                 <a:spcPts val="0"/>
               </a:spcBef>
@@ -1283,13 +1292,9 @@
               </a:spcAft>
               <a:buNone/>
             </a:pPr>
-            <a:r>
-              <a:t/>
-            </a:r>
-            <a:endParaRPr/>
           </a:p>
           <a:p>
-            <a:pPr indent="0" lvl="0" marL="0" rtl="0" algn="l">
+            <a:pPr marL="0" lvl="0" indent="0" algn="l" rtl="0">
               <a:spcBef>
                 <a:spcPts val="0"/>
               </a:spcBef>
@@ -1298,13 +1303,9 @@
               </a:spcAft>
               <a:buNone/>
             </a:pPr>
-            <a:r>
-              <a:t/>
-            </a:r>
-            <a:endParaRPr/>
           </a:p>
           <a:p>
-            <a:pPr indent="0" lvl="0" marL="0" rtl="0" algn="l">
+            <a:pPr marL="0" lvl="0" indent="0" algn="l" rtl="0">
               <a:spcBef>
                 <a:spcPts val="0"/>
               </a:spcBef>
@@ -1317,10 +1318,10 @@
               <a:rPr lang="en-GB"/>
               <a:t>Can be pushed to remote repository as well after committing.</a:t>
             </a:r>
-            <a:endParaRPr/>
+            <a:endParaRPr lang="en-GB"/>
           </a:p>
           <a:p>
-            <a:pPr indent="0" lvl="0" marL="0" rtl="0" algn="l">
+            <a:pPr marL="0" lvl="0" indent="0" algn="l" rtl="0">
               <a:spcBef>
                 <a:spcPts val="0"/>
               </a:spcBef>
@@ -1329,10 +1330,6 @@
               </a:spcAft>
               <a:buNone/>
             </a:pPr>
-            <a:r>
-              <a:t/>
-            </a:r>
-            <a:endParaRPr/>
           </a:p>
         </p:txBody>
       </p:sp>
@@ -1345,7 +1342,7 @@
 </file>
 
 <file path=ppt/notesSlides/notesSlide5.xml><?xml version="1.0" encoding="utf-8"?>
-<p:notes xmlns:a="http://schemas.openxmlformats.org/drawingml/2006/main" xmlns:r="http://schemas.openxmlformats.org/officeDocument/2006/relationships" xmlns:mc="http://schemas.openxmlformats.org/markup-compatibility/2006" xmlns:mv="urn:schemas-microsoft-com:mac:vml" xmlns:p="http://schemas.openxmlformats.org/presentationml/2006/main" xmlns:c="http://schemas.openxmlformats.org/drawingml/2006/chart" xmlns:dgm="http://schemas.openxmlformats.org/drawingml/2006/diagram" xmlns:o="urn:schemas-microsoft-com:office:office" xmlns:v="urn:schemas-microsoft-com:vml" xmlns:pvml="urn:schemas-microsoft-com:office:powerpoint" xmlns:com="http://schemas.openxmlformats.org/drawingml/2006/compatibility" xmlns:p14="http://schemas.microsoft.com/office/powerpoint/2010/main" xmlns:p15="http://schemas.microsoft.com/office/powerpoint/2012/main" xmlns:ahyp="http://schemas.microsoft.com/office/drawing/2018/hyperlinkcolor" showMasterPhAnim="0" showMasterSp="0">
+<p:notes xmlns:a="http://schemas.openxmlformats.org/drawingml/2006/main" xmlns:r="http://schemas.openxmlformats.org/officeDocument/2006/relationships" xmlns:p="http://schemas.openxmlformats.org/presentationml/2006/main" showMasterPhAnim="0" showMasterSp="0">
   <p:cSld>
     <p:spTree>
       <p:nvGrpSpPr>
@@ -1366,7 +1363,7 @@
           <p:cNvPr id="106" name="Google Shape;106;g2e6f4438d84edf4c_6:notes"/>
           <p:cNvSpPr/>
           <p:nvPr>
-            <p:ph idx="2" type="sldImg"/>
+            <p:ph type="sldImg" idx="2"/>
           </p:nvPr>
         </p:nvSpPr>
         <p:spPr>
@@ -1375,9 +1372,13 @@
             <a:ext cx="6096000" cy="3429000"/>
           </a:xfrm>
           <a:custGeom>
-            <a:rect b="b" l="l" r="r" t="t"/>
+            <a:avLst/>
+            <a:gdLst/>
+            <a:ahLst/>
+            <a:cxnLst/>
+            <a:rect l="l" t="t" r="r" b="b"/>
             <a:pathLst>
-              <a:path extrusionOk="0" h="120000" w="120000">
+              <a:path w="120000" h="120000" extrusionOk="0">
                 <a:moveTo>
                   <a:pt x="0" y="0"/>
                 </a:moveTo>
@@ -1401,7 +1402,7 @@
           <p:cNvPr id="107" name="Google Shape;107;g2e6f4438d84edf4c_6:notes"/>
           <p:cNvSpPr txBox="1"/>
           <p:nvPr>
-            <p:ph idx="1" type="body"/>
+            <p:ph type="body" idx="1"/>
           </p:nvPr>
         </p:nvSpPr>
         <p:spPr>
@@ -1414,12 +1415,12 @@
           </a:prstGeom>
         </p:spPr>
         <p:txBody>
-          <a:bodyPr anchorCtr="0" anchor="t" bIns="91425" lIns="91425" spcFirstLastPara="1" rIns="91425" wrap="square" tIns="91425">
+          <a:bodyPr spcFirstLastPara="1" wrap="square" lIns="91425" tIns="91425" rIns="91425" bIns="91425" anchor="t" anchorCtr="0">
             <a:noAutofit/>
           </a:bodyPr>
           <a:lstStyle/>
           <a:p>
-            <a:pPr indent="0" lvl="0" marL="0" rtl="0" algn="l">
+            <a:pPr marL="0" lvl="0" indent="0" algn="l" rtl="0">
               <a:spcBef>
                 <a:spcPts val="0"/>
               </a:spcBef>
@@ -1428,10 +1429,6 @@
               </a:spcAft>
               <a:buNone/>
             </a:pPr>
-            <a:r>
-              <a:t/>
-            </a:r>
-            <a:endParaRPr/>
           </a:p>
         </p:txBody>
       </p:sp>
@@ -1444,7 +1441,7 @@
 </file>
 
 <file path=ppt/notesSlides/notesSlide6.xml><?xml version="1.0" encoding="utf-8"?>
-<p:notes xmlns:a="http://schemas.openxmlformats.org/drawingml/2006/main" xmlns:r="http://schemas.openxmlformats.org/officeDocument/2006/relationships" xmlns:mc="http://schemas.openxmlformats.org/markup-compatibility/2006" xmlns:mv="urn:schemas-microsoft-com:mac:vml" xmlns:p="http://schemas.openxmlformats.org/presentationml/2006/main" xmlns:c="http://schemas.openxmlformats.org/drawingml/2006/chart" xmlns:dgm="http://schemas.openxmlformats.org/drawingml/2006/diagram" xmlns:o="urn:schemas-microsoft-com:office:office" xmlns:v="urn:schemas-microsoft-com:vml" xmlns:pvml="urn:schemas-microsoft-com:office:powerpoint" xmlns:com="http://schemas.openxmlformats.org/drawingml/2006/compatibility" xmlns:p14="http://schemas.microsoft.com/office/powerpoint/2010/main" xmlns:p15="http://schemas.microsoft.com/office/powerpoint/2012/main" xmlns:ahyp="http://schemas.microsoft.com/office/drawing/2018/hyperlinkcolor" showMasterPhAnim="0" showMasterSp="0">
+<p:notes xmlns:a="http://schemas.openxmlformats.org/drawingml/2006/main" xmlns:r="http://schemas.openxmlformats.org/officeDocument/2006/relationships" xmlns:p="http://schemas.openxmlformats.org/presentationml/2006/main" showMasterPhAnim="0" showMasterSp="0">
   <p:cSld>
     <p:spTree>
       <p:nvGrpSpPr>
@@ -1465,7 +1462,7 @@
           <p:cNvPr id="113" name="Google Shape;113;g2e6f4438d84edf4c_12:notes"/>
           <p:cNvSpPr/>
           <p:nvPr>
-            <p:ph idx="2" type="sldImg"/>
+            <p:ph type="sldImg" idx="2"/>
           </p:nvPr>
         </p:nvSpPr>
         <p:spPr>
@@ -1474,9 +1471,13 @@
             <a:ext cx="6096000" cy="3429000"/>
           </a:xfrm>
           <a:custGeom>
-            <a:rect b="b" l="l" r="r" t="t"/>
+            <a:avLst/>
+            <a:gdLst/>
+            <a:ahLst/>
+            <a:cxnLst/>
+            <a:rect l="l" t="t" r="r" b="b"/>
             <a:pathLst>
-              <a:path extrusionOk="0" h="120000" w="120000">
+              <a:path w="120000" h="120000" extrusionOk="0">
                 <a:moveTo>
                   <a:pt x="0" y="0"/>
                 </a:moveTo>
@@ -1500,7 +1501,7 @@
           <p:cNvPr id="114" name="Google Shape;114;g2e6f4438d84edf4c_12:notes"/>
           <p:cNvSpPr txBox="1"/>
           <p:nvPr>
-            <p:ph idx="1" type="body"/>
+            <p:ph type="body" idx="1"/>
           </p:nvPr>
         </p:nvSpPr>
         <p:spPr>
@@ -1513,12 +1514,12 @@
           </a:prstGeom>
         </p:spPr>
         <p:txBody>
-          <a:bodyPr anchorCtr="0" anchor="t" bIns="91425" lIns="91425" spcFirstLastPara="1" rIns="91425" wrap="square" tIns="91425">
+          <a:bodyPr spcFirstLastPara="1" wrap="square" lIns="91425" tIns="91425" rIns="91425" bIns="91425" anchor="t" anchorCtr="0">
             <a:noAutofit/>
           </a:bodyPr>
           <a:lstStyle/>
           <a:p>
-            <a:pPr indent="0" lvl="0" marL="0" rtl="0" algn="l">
+            <a:pPr marL="0" lvl="0" indent="0" algn="l" rtl="0">
               <a:spcBef>
                 <a:spcPts val="0"/>
               </a:spcBef>
@@ -1527,10 +1528,6 @@
               </a:spcAft>
               <a:buNone/>
             </a:pPr>
-            <a:r>
-              <a:t/>
-            </a:r>
-            <a:endParaRPr/>
           </a:p>
         </p:txBody>
       </p:sp>
@@ -1543,13 +1540,14 @@
 </file>
 
 <file path=ppt/slideLayouts/slideLayout1.xml><?xml version="1.0" encoding="utf-8"?>
-<p:sldLayout xmlns:a="http://schemas.openxmlformats.org/drawingml/2006/main" xmlns:r="http://schemas.openxmlformats.org/officeDocument/2006/relationships" xmlns:mc="http://schemas.openxmlformats.org/markup-compatibility/2006" xmlns:mv="urn:schemas-microsoft-com:mac:vml" xmlns:p="http://schemas.openxmlformats.org/presentationml/2006/main" xmlns:c="http://schemas.openxmlformats.org/drawingml/2006/chart" xmlns:dgm="http://schemas.openxmlformats.org/drawingml/2006/diagram" xmlns:o="urn:schemas-microsoft-com:office:office" xmlns:v="urn:schemas-microsoft-com:vml" xmlns:pvml="urn:schemas-microsoft-com:office:powerpoint" xmlns:com="http://schemas.openxmlformats.org/drawingml/2006/compatibility" xmlns:p14="http://schemas.microsoft.com/office/powerpoint/2010/main" xmlns:p15="http://schemas.microsoft.com/office/powerpoint/2012/main" xmlns:ahyp="http://schemas.microsoft.com/office/drawing/2018/hyperlinkcolor" matchingName="Title slide" type="title">
+<p:sldLayout xmlns:a="http://schemas.openxmlformats.org/drawingml/2006/main" xmlns:r="http://schemas.openxmlformats.org/officeDocument/2006/relationships" xmlns:p="http://schemas.openxmlformats.org/presentationml/2006/main" type="title" matchingName="Title slide">
   <p:cSld name="TITLE">
     <p:bg>
       <p:bgPr>
         <a:solidFill>
           <a:schemeClr val="dk1"/>
         </a:solidFill>
+        <a:effectLst/>
       </p:bgPr>
     </p:bg>
     <p:spTree>
@@ -1602,12 +1600,12 @@
             </a:ln>
           </p:spPr>
           <p:txBody>
-            <a:bodyPr anchorCtr="0" anchor="ctr" bIns="91425" lIns="91425" spcFirstLastPara="1" rIns="91425" wrap="square" tIns="91425">
+            <a:bodyPr spcFirstLastPara="1" wrap="square" lIns="91425" tIns="91425" rIns="91425" bIns="91425" anchor="ctr" anchorCtr="0">
               <a:noAutofit/>
             </a:bodyPr>
             <a:lstStyle/>
             <a:p>
-              <a:pPr indent="0" lvl="0" marL="0" rtl="0" algn="l">
+              <a:pPr marL="0" lvl="0" indent="0" algn="l" rtl="0">
                 <a:spcBef>
                   <a:spcPts val="0"/>
                 </a:spcBef>
@@ -1616,10 +1614,6 @@
                 </a:spcAft>
                 <a:buNone/>
               </a:pPr>
-              <a:r>
-                <a:t/>
-              </a:r>
-              <a:endParaRPr/>
             </a:p>
           </p:txBody>
         </p:sp>
@@ -1645,12 +1639,12 @@
             </a:ln>
           </p:spPr>
           <p:txBody>
-            <a:bodyPr anchorCtr="0" anchor="ctr" bIns="91425" lIns="91425" spcFirstLastPara="1" rIns="91425" wrap="square" tIns="91425">
+            <a:bodyPr spcFirstLastPara="1" wrap="square" lIns="91425" tIns="91425" rIns="91425" bIns="91425" anchor="ctr" anchorCtr="0">
               <a:noAutofit/>
             </a:bodyPr>
             <a:lstStyle/>
             <a:p>
-              <a:pPr indent="0" lvl="0" marL="0" rtl="0" algn="l">
+              <a:pPr marL="0" lvl="0" indent="0" algn="l" rtl="0">
                 <a:spcBef>
                   <a:spcPts val="0"/>
                 </a:spcBef>
@@ -1659,10 +1653,6 @@
                 </a:spcAft>
                 <a:buNone/>
               </a:pPr>
-              <a:r>
-                <a:t/>
-              </a:r>
-              <a:endParaRPr/>
             </a:p>
           </p:txBody>
         </p:sp>
@@ -1673,7 +1663,7 @@
             <p:nvPr/>
           </p:nvSpPr>
           <p:spPr>
-            <a:xfrm flipH="1" rot="10800000">
+            <a:xfrm rot="10800000" flipH="1">
               <a:off x="7113588" y="107"/>
               <a:ext cx="1015200" cy="1015200"/>
             </a:xfrm>
@@ -1688,12 +1678,12 @@
             </a:ln>
           </p:spPr>
           <p:txBody>
-            <a:bodyPr anchorCtr="0" anchor="ctr" bIns="91425" lIns="91425" spcFirstLastPara="1" rIns="91425" wrap="square" tIns="91425">
+            <a:bodyPr spcFirstLastPara="1" wrap="square" lIns="91425" tIns="91425" rIns="91425" bIns="91425" anchor="ctr" anchorCtr="0">
               <a:noAutofit/>
             </a:bodyPr>
             <a:lstStyle/>
             <a:p>
-              <a:pPr indent="0" lvl="0" marL="0" rtl="0" algn="l">
+              <a:pPr marL="0" lvl="0" indent="0" algn="l" rtl="0">
                 <a:spcBef>
                   <a:spcPts val="0"/>
                 </a:spcBef>
@@ -1702,10 +1692,6 @@
                 </a:spcAft>
                 <a:buNone/>
               </a:pPr>
-              <a:r>
-                <a:t/>
-              </a:r>
-              <a:endParaRPr/>
             </a:p>
           </p:txBody>
         </p:sp>
@@ -1731,12 +1717,12 @@
             </a:ln>
           </p:spPr>
           <p:txBody>
-            <a:bodyPr anchorCtr="0" anchor="ctr" bIns="91425" lIns="91425" spcFirstLastPara="1" rIns="91425" wrap="square" tIns="91425">
+            <a:bodyPr spcFirstLastPara="1" wrap="square" lIns="91425" tIns="91425" rIns="91425" bIns="91425" anchor="ctr" anchorCtr="0">
               <a:noAutofit/>
             </a:bodyPr>
             <a:lstStyle/>
             <a:p>
-              <a:pPr indent="0" lvl="0" marL="0" rtl="0" algn="l">
+              <a:pPr marL="0" lvl="0" indent="0" algn="l" rtl="0">
                 <a:spcBef>
                   <a:spcPts val="0"/>
                 </a:spcBef>
@@ -1745,10 +1731,6 @@
                 </a:spcAft>
                 <a:buNone/>
               </a:pPr>
-              <a:r>
-                <a:t/>
-              </a:r>
-              <a:endParaRPr/>
             </a:p>
           </p:txBody>
         </p:sp>
@@ -1774,12 +1756,12 @@
             </a:ln>
           </p:spPr>
           <p:txBody>
-            <a:bodyPr anchorCtr="0" anchor="ctr" bIns="91425" lIns="91425" spcFirstLastPara="1" rIns="91425" wrap="square" tIns="91425">
+            <a:bodyPr spcFirstLastPara="1" wrap="square" lIns="91425" tIns="91425" rIns="91425" bIns="91425" anchor="ctr" anchorCtr="0">
               <a:noAutofit/>
             </a:bodyPr>
             <a:lstStyle/>
             <a:p>
-              <a:pPr indent="0" lvl="0" marL="0" rtl="0" algn="l">
+              <a:pPr marL="0" lvl="0" indent="0" algn="l" rtl="0">
                 <a:spcBef>
                   <a:spcPts val="0"/>
                 </a:spcBef>
@@ -1788,10 +1770,6 @@
                 </a:spcAft>
                 <a:buNone/>
               </a:pPr>
-              <a:r>
-                <a:t/>
-              </a:r>
-              <a:endParaRPr/>
             </a:p>
           </p:txBody>
         </p:sp>
@@ -1814,7 +1792,7 @@
           </a:prstGeom>
         </p:spPr>
         <p:txBody>
-          <a:bodyPr anchorCtr="0" anchor="b" bIns="91425" lIns="91425" spcFirstLastPara="1" rIns="91425" wrap="square" tIns="91425">
+          <a:bodyPr spcFirstLastPara="1" wrap="square" lIns="91425" tIns="91425" rIns="91425" bIns="91425" anchor="b" anchorCtr="0">
             <a:normAutofit/>
           </a:bodyPr>
           <a:lstStyle>
@@ -1989,7 +1967,7 @@
           <p:cNvPr id="17" name="Google Shape;17;p2"/>
           <p:cNvSpPr txBox="1"/>
           <p:nvPr>
-            <p:ph idx="1" type="subTitle"/>
+            <p:ph type="subTitle" idx="1"/>
           </p:nvPr>
         </p:nvSpPr>
         <p:spPr>
@@ -2002,7 +1980,7 @@
           </a:prstGeom>
         </p:spPr>
         <p:txBody>
-          <a:bodyPr anchorCtr="0" anchor="t" bIns="91425" lIns="91425" spcFirstLastPara="1" rIns="91425" wrap="square" tIns="91425">
+          <a:bodyPr spcFirstLastPara="1" wrap="square" lIns="91425" tIns="91425" rIns="91425" bIns="91425" anchor="t" anchorCtr="0">
             <a:normAutofit/>
           </a:bodyPr>
           <a:lstStyle>
@@ -2204,7 +2182,7 @@
           <p:cNvPr id="18" name="Google Shape;18;p2"/>
           <p:cNvSpPr txBox="1"/>
           <p:nvPr>
-            <p:ph idx="12" type="sldNum"/>
+            <p:ph type="sldNum" idx="12"/>
           </p:nvPr>
         </p:nvSpPr>
         <p:spPr>
@@ -2217,7 +2195,7 @@
           </a:prstGeom>
         </p:spPr>
         <p:txBody>
-          <a:bodyPr anchorCtr="0" anchor="ctr" bIns="91425" lIns="91425" spcFirstLastPara="1" rIns="91425" wrap="square" tIns="91425">
+          <a:bodyPr spcFirstLastPara="1" wrap="square" lIns="91425" tIns="91425" rIns="91425" bIns="91425" anchor="ctr" anchorCtr="0">
             <a:normAutofit/>
           </a:bodyPr>
           <a:lstStyle>
@@ -2259,7 +2237,7 @@
             </a:lvl9pPr>
           </a:lstStyle>
           <a:p>
-            <a:pPr indent="0" lvl="0" marL="0" rtl="0" algn="r">
+            <a:pPr marL="0" lvl="0" indent="0" algn="r" rtl="0">
               <a:spcBef>
                 <a:spcPts val="0"/>
               </a:spcBef>
@@ -2270,9 +2248,8 @@
             </a:pPr>
             <a:fld id="{00000000-1234-1234-1234-123412341234}" type="slidenum">
               <a:rPr lang="en-GB"/>
-              <a:t>‹#›</a:t>
             </a:fld>
-            <a:endParaRPr/>
+            <a:endParaRPr lang="en-GB"/>
           </a:p>
         </p:txBody>
       </p:sp>
@@ -2285,13 +2262,14 @@
 </file>
 
 <file path=ppt/slideLayouts/slideLayout10.xml><?xml version="1.0" encoding="utf-8"?>
-<p:sldLayout xmlns:a="http://schemas.openxmlformats.org/drawingml/2006/main" xmlns:r="http://schemas.openxmlformats.org/officeDocument/2006/relationships" xmlns:mc="http://schemas.openxmlformats.org/markup-compatibility/2006" xmlns:mv="urn:schemas-microsoft-com:mac:vml" xmlns:p="http://schemas.openxmlformats.org/presentationml/2006/main" xmlns:c="http://schemas.openxmlformats.org/drawingml/2006/chart" xmlns:dgm="http://schemas.openxmlformats.org/drawingml/2006/diagram" xmlns:o="urn:schemas-microsoft-com:office:office" xmlns:v="urn:schemas-microsoft-com:vml" xmlns:pvml="urn:schemas-microsoft-com:office:powerpoint" xmlns:com="http://schemas.openxmlformats.org/drawingml/2006/compatibility" xmlns:p14="http://schemas.microsoft.com/office/powerpoint/2010/main" xmlns:p15="http://schemas.microsoft.com/office/powerpoint/2012/main" xmlns:ahyp="http://schemas.microsoft.com/office/drawing/2018/hyperlinkcolor" matchingName="Big number">
+<p:sldLayout xmlns:a="http://schemas.openxmlformats.org/drawingml/2006/main" xmlns:r="http://schemas.openxmlformats.org/officeDocument/2006/relationships" xmlns:p="http://schemas.openxmlformats.org/presentationml/2006/main" matchingName="Big number">
   <p:cSld name="BIG_NUMBER">
     <p:bg>
       <p:bgPr>
         <a:solidFill>
           <a:schemeClr val="dk1"/>
         </a:solidFill>
+        <a:effectLst/>
       </p:bgPr>
     </p:bg>
     <p:spTree>
@@ -2344,12 +2322,12 @@
             </a:ln>
           </p:spPr>
           <p:txBody>
-            <a:bodyPr anchorCtr="0" anchor="ctr" bIns="91425" lIns="91425" spcFirstLastPara="1" rIns="91425" wrap="square" tIns="91425">
+            <a:bodyPr spcFirstLastPara="1" wrap="square" lIns="91425" tIns="91425" rIns="91425" bIns="91425" anchor="ctr" anchorCtr="0">
               <a:noAutofit/>
             </a:bodyPr>
             <a:lstStyle/>
             <a:p>
-              <a:pPr indent="0" lvl="0" marL="0" rtl="0" algn="l">
+              <a:pPr marL="0" lvl="0" indent="0" algn="l" rtl="0">
                 <a:spcBef>
                   <a:spcPts val="0"/>
                 </a:spcBef>
@@ -2358,10 +2336,6 @@
                 </a:spcAft>
                 <a:buNone/>
               </a:pPr>
-              <a:r>
-                <a:t/>
-              </a:r>
-              <a:endParaRPr/>
             </a:p>
           </p:txBody>
         </p:sp>
@@ -2387,12 +2361,12 @@
             </a:ln>
           </p:spPr>
           <p:txBody>
-            <a:bodyPr anchorCtr="0" anchor="ctr" bIns="91425" lIns="91425" spcFirstLastPara="1" rIns="91425" wrap="square" tIns="91425">
+            <a:bodyPr spcFirstLastPara="1" wrap="square" lIns="91425" tIns="91425" rIns="91425" bIns="91425" anchor="ctr" anchorCtr="0">
               <a:noAutofit/>
             </a:bodyPr>
             <a:lstStyle/>
             <a:p>
-              <a:pPr indent="0" lvl="0" marL="0" rtl="0" algn="l">
+              <a:pPr marL="0" lvl="0" indent="0" algn="l" rtl="0">
                 <a:spcBef>
                   <a:spcPts val="0"/>
                 </a:spcBef>
@@ -2401,10 +2375,6 @@
                 </a:spcAft>
                 <a:buNone/>
               </a:pPr>
-              <a:r>
-                <a:t/>
-              </a:r>
-              <a:endParaRPr/>
             </a:p>
           </p:txBody>
         </p:sp>
@@ -2415,7 +2385,7 @@
             <p:nvPr/>
           </p:nvSpPr>
           <p:spPr>
-            <a:xfrm flipH="1" rot="10800000">
+            <a:xfrm rot="10800000" flipH="1">
               <a:off x="7113588" y="107"/>
               <a:ext cx="1015200" cy="1015200"/>
             </a:xfrm>
@@ -2430,12 +2400,12 @@
             </a:ln>
           </p:spPr>
           <p:txBody>
-            <a:bodyPr anchorCtr="0" anchor="ctr" bIns="91425" lIns="91425" spcFirstLastPara="1" rIns="91425" wrap="square" tIns="91425">
+            <a:bodyPr spcFirstLastPara="1" wrap="square" lIns="91425" tIns="91425" rIns="91425" bIns="91425" anchor="ctr" anchorCtr="0">
               <a:noAutofit/>
             </a:bodyPr>
             <a:lstStyle/>
             <a:p>
-              <a:pPr indent="0" lvl="0" marL="0" rtl="0" algn="l">
+              <a:pPr marL="0" lvl="0" indent="0" algn="l" rtl="0">
                 <a:spcBef>
                   <a:spcPts val="0"/>
                 </a:spcBef>
@@ -2444,10 +2414,6 @@
                 </a:spcAft>
                 <a:buNone/>
               </a:pPr>
-              <a:r>
-                <a:t/>
-              </a:r>
-              <a:endParaRPr/>
             </a:p>
           </p:txBody>
         </p:sp>
@@ -2473,12 +2439,12 @@
             </a:ln>
           </p:spPr>
           <p:txBody>
-            <a:bodyPr anchorCtr="0" anchor="ctr" bIns="91425" lIns="91425" spcFirstLastPara="1" rIns="91425" wrap="square" tIns="91425">
+            <a:bodyPr spcFirstLastPara="1" wrap="square" lIns="91425" tIns="91425" rIns="91425" bIns="91425" anchor="ctr" anchorCtr="0">
               <a:noAutofit/>
             </a:bodyPr>
             <a:lstStyle/>
             <a:p>
-              <a:pPr indent="0" lvl="0" marL="0" rtl="0" algn="l">
+              <a:pPr marL="0" lvl="0" indent="0" algn="l" rtl="0">
                 <a:spcBef>
                   <a:spcPts val="0"/>
                 </a:spcBef>
@@ -2487,10 +2453,6 @@
                 </a:spcAft>
                 <a:buNone/>
               </a:pPr>
-              <a:r>
-                <a:t/>
-              </a:r>
-              <a:endParaRPr/>
             </a:p>
           </p:txBody>
         </p:sp>
@@ -2516,12 +2478,12 @@
             </a:ln>
           </p:spPr>
           <p:txBody>
-            <a:bodyPr anchorCtr="0" anchor="ctr" bIns="91425" lIns="91425" spcFirstLastPara="1" rIns="91425" wrap="square" tIns="91425">
+            <a:bodyPr spcFirstLastPara="1" wrap="square" lIns="91425" tIns="91425" rIns="91425" bIns="91425" anchor="ctr" anchorCtr="0">
               <a:noAutofit/>
             </a:bodyPr>
             <a:lstStyle/>
             <a:p>
-              <a:pPr indent="0" lvl="0" marL="0" rtl="0" algn="l">
+              <a:pPr marL="0" lvl="0" indent="0" algn="l" rtl="0">
                 <a:spcBef>
                   <a:spcPts val="0"/>
                 </a:spcBef>
@@ -2530,10 +2492,6 @@
                 </a:spcAft>
                 <a:buNone/>
               </a:pPr>
-              <a:r>
-                <a:t/>
-              </a:r>
-              <a:endParaRPr/>
             </a:p>
           </p:txBody>
         </p:sp>
@@ -2543,7 +2501,7 @@
           <p:cNvPr id="76" name="Google Shape;76;p11"/>
           <p:cNvSpPr txBox="1"/>
           <p:nvPr>
-            <p:ph hasCustomPrompt="1" type="title"/>
+            <p:ph type="title" hasCustomPrompt="1"/>
           </p:nvPr>
         </p:nvSpPr>
         <p:spPr>
@@ -2556,7 +2514,7 @@
           </a:prstGeom>
         </p:spPr>
         <p:txBody>
-          <a:bodyPr anchorCtr="0" anchor="b" bIns="91425" lIns="91425" spcFirstLastPara="1" rIns="91425" wrap="square" tIns="91425">
+          <a:bodyPr spcFirstLastPara="1" wrap="square" lIns="91425" tIns="91425" rIns="91425" bIns="91425" anchor="b" anchorCtr="0">
             <a:normAutofit/>
           </a:bodyPr>
           <a:lstStyle>
@@ -2735,7 +2693,7 @@
           <p:cNvPr id="77" name="Google Shape;77;p11"/>
           <p:cNvSpPr txBox="1"/>
           <p:nvPr>
-            <p:ph idx="1" type="body"/>
+            <p:ph type="body" idx="1"/>
           </p:nvPr>
         </p:nvSpPr>
         <p:spPr>
@@ -2748,11 +2706,11 @@
           </a:prstGeom>
         </p:spPr>
         <p:txBody>
-          <a:bodyPr anchorCtr="0" anchor="t" bIns="91425" lIns="91425" spcFirstLastPara="1" rIns="91425" wrap="square" tIns="91425">
+          <a:bodyPr spcFirstLastPara="1" wrap="square" lIns="91425" tIns="91425" rIns="91425" bIns="91425" anchor="t" anchorCtr="0">
             <a:normAutofit/>
           </a:bodyPr>
           <a:lstStyle>
-            <a:lvl1pPr indent="-342900" lvl="0" marL="457200" algn="ctr">
+            <a:lvl1pPr marL="457200" lvl="0" indent="-342900" algn="ctr">
               <a:spcBef>
                 <a:spcPts val="0"/>
               </a:spcBef>
@@ -2770,7 +2728,7 @@
                 </a:solidFill>
               </a:defRPr>
             </a:lvl1pPr>
-            <a:lvl2pPr indent="-317500" lvl="1" marL="914400" algn="ctr">
+            <a:lvl2pPr marL="914400" lvl="1" indent="-317500" algn="ctr">
               <a:spcBef>
                 <a:spcPts val="0"/>
               </a:spcBef>
@@ -2788,7 +2746,7 @@
                 </a:solidFill>
               </a:defRPr>
             </a:lvl2pPr>
-            <a:lvl3pPr indent="-317500" lvl="2" marL="1371600" algn="ctr">
+            <a:lvl3pPr marL="1371600" lvl="2" indent="-317500" algn="ctr">
               <a:spcBef>
                 <a:spcPts val="0"/>
               </a:spcBef>
@@ -2806,7 +2764,7 @@
                 </a:solidFill>
               </a:defRPr>
             </a:lvl3pPr>
-            <a:lvl4pPr indent="-317500" lvl="3" marL="1828800" algn="ctr">
+            <a:lvl4pPr marL="1828800" lvl="3" indent="-317500" algn="ctr">
               <a:spcBef>
                 <a:spcPts val="0"/>
               </a:spcBef>
@@ -2824,7 +2782,7 @@
                 </a:solidFill>
               </a:defRPr>
             </a:lvl4pPr>
-            <a:lvl5pPr indent="-317500" lvl="4" marL="2286000" algn="ctr">
+            <a:lvl5pPr marL="2286000" lvl="4" indent="-317500" algn="ctr">
               <a:spcBef>
                 <a:spcPts val="0"/>
               </a:spcBef>
@@ -2842,7 +2800,7 @@
                 </a:solidFill>
               </a:defRPr>
             </a:lvl5pPr>
-            <a:lvl6pPr indent="-317500" lvl="5" marL="2743200" algn="ctr">
+            <a:lvl6pPr marL="2743200" lvl="5" indent="-317500" algn="ctr">
               <a:spcBef>
                 <a:spcPts val="0"/>
               </a:spcBef>
@@ -2860,7 +2818,7 @@
                 </a:solidFill>
               </a:defRPr>
             </a:lvl6pPr>
-            <a:lvl7pPr indent="-317500" lvl="6" marL="3200400" algn="ctr">
+            <a:lvl7pPr marL="3200400" lvl="6" indent="-317500" algn="ctr">
               <a:spcBef>
                 <a:spcPts val="0"/>
               </a:spcBef>
@@ -2878,7 +2836,7 @@
                 </a:solidFill>
               </a:defRPr>
             </a:lvl7pPr>
-            <a:lvl8pPr indent="-317500" lvl="7" marL="3657600" algn="ctr">
+            <a:lvl8pPr marL="3657600" lvl="7" indent="-317500" algn="ctr">
               <a:spcBef>
                 <a:spcPts val="0"/>
               </a:spcBef>
@@ -2896,7 +2854,7 @@
                 </a:solidFill>
               </a:defRPr>
             </a:lvl8pPr>
-            <a:lvl9pPr indent="-317500" lvl="8" marL="4114800" algn="ctr">
+            <a:lvl9pPr marL="4114800" lvl="8" indent="-317500" algn="ctr">
               <a:spcBef>
                 <a:spcPts val="0"/>
               </a:spcBef>
@@ -2923,7 +2881,7 @@
           <p:cNvPr id="78" name="Google Shape;78;p11"/>
           <p:cNvSpPr txBox="1"/>
           <p:nvPr>
-            <p:ph idx="12" type="sldNum"/>
+            <p:ph type="sldNum" idx="12"/>
           </p:nvPr>
         </p:nvSpPr>
         <p:spPr>
@@ -2936,7 +2894,7 @@
           </a:prstGeom>
         </p:spPr>
         <p:txBody>
-          <a:bodyPr anchorCtr="0" anchor="ctr" bIns="91425" lIns="91425" spcFirstLastPara="1" rIns="91425" wrap="square" tIns="91425">
+          <a:bodyPr spcFirstLastPara="1" wrap="square" lIns="91425" tIns="91425" rIns="91425" bIns="91425" anchor="ctr" anchorCtr="0">
             <a:normAutofit/>
           </a:bodyPr>
           <a:lstStyle>
@@ -2978,7 +2936,7 @@
             </a:lvl9pPr>
           </a:lstStyle>
           <a:p>
-            <a:pPr indent="0" lvl="0" marL="0" rtl="0" algn="r">
+            <a:pPr marL="0" lvl="0" indent="0" algn="r" rtl="0">
               <a:spcBef>
                 <a:spcPts val="0"/>
               </a:spcBef>
@@ -2989,9 +2947,8 @@
             </a:pPr>
             <a:fld id="{00000000-1234-1234-1234-123412341234}" type="slidenum">
               <a:rPr lang="en-GB"/>
-              <a:t>‹#›</a:t>
             </a:fld>
-            <a:endParaRPr/>
+            <a:endParaRPr lang="en-GB"/>
           </a:p>
         </p:txBody>
       </p:sp>
@@ -3004,7 +2961,7 @@
 </file>
 
 <file path=ppt/slideLayouts/slideLayout11.xml><?xml version="1.0" encoding="utf-8"?>
-<p:sldLayout xmlns:a="http://schemas.openxmlformats.org/drawingml/2006/main" xmlns:r="http://schemas.openxmlformats.org/officeDocument/2006/relationships" xmlns:mc="http://schemas.openxmlformats.org/markup-compatibility/2006" xmlns:mv="urn:schemas-microsoft-com:mac:vml" xmlns:p="http://schemas.openxmlformats.org/presentationml/2006/main" xmlns:c="http://schemas.openxmlformats.org/drawingml/2006/chart" xmlns:dgm="http://schemas.openxmlformats.org/drawingml/2006/diagram" xmlns:o="urn:schemas-microsoft-com:office:office" xmlns:v="urn:schemas-microsoft-com:vml" xmlns:pvml="urn:schemas-microsoft-com:office:powerpoint" xmlns:com="http://schemas.openxmlformats.org/drawingml/2006/compatibility" xmlns:p14="http://schemas.microsoft.com/office/powerpoint/2010/main" xmlns:p15="http://schemas.microsoft.com/office/powerpoint/2012/main" xmlns:ahyp="http://schemas.microsoft.com/office/drawing/2018/hyperlinkcolor" matchingName="Blank" type="blank">
+<p:sldLayout xmlns:a="http://schemas.openxmlformats.org/drawingml/2006/main" xmlns:r="http://schemas.openxmlformats.org/officeDocument/2006/relationships" xmlns:p="http://schemas.openxmlformats.org/presentationml/2006/main" type="blank" matchingName="Blank">
   <p:cSld name="BLANK">
     <p:spTree>
       <p:nvGrpSpPr>
@@ -3025,7 +2982,7 @@
           <p:cNvPr id="80" name="Google Shape;80;p12"/>
           <p:cNvSpPr txBox="1"/>
           <p:nvPr>
-            <p:ph idx="12" type="sldNum"/>
+            <p:ph type="sldNum" idx="12"/>
           </p:nvPr>
         </p:nvSpPr>
         <p:spPr>
@@ -3038,7 +2995,7 @@
           </a:prstGeom>
         </p:spPr>
         <p:txBody>
-          <a:bodyPr anchorCtr="0" anchor="ctr" bIns="91425" lIns="91425" spcFirstLastPara="1" rIns="91425" wrap="square" tIns="91425">
+          <a:bodyPr spcFirstLastPara="1" wrap="square" lIns="91425" tIns="91425" rIns="91425" bIns="91425" anchor="ctr" anchorCtr="0">
             <a:normAutofit/>
           </a:bodyPr>
           <a:lstStyle>
@@ -3116,7 +3073,7 @@
             </a:lvl9pPr>
           </a:lstStyle>
           <a:p>
-            <a:pPr indent="0" lvl="0" marL="0" rtl="0" algn="r">
+            <a:pPr marL="0" lvl="0" indent="0" algn="r" rtl="0">
               <a:spcBef>
                 <a:spcPts val="0"/>
               </a:spcBef>
@@ -3127,9 +3084,8 @@
             </a:pPr>
             <a:fld id="{00000000-1234-1234-1234-123412341234}" type="slidenum">
               <a:rPr lang="en-GB"/>
-              <a:t>‹#›</a:t>
             </a:fld>
-            <a:endParaRPr/>
+            <a:endParaRPr lang="en-GB"/>
           </a:p>
         </p:txBody>
       </p:sp>
@@ -3142,13 +3098,14 @@
 </file>
 
 <file path=ppt/slideLayouts/slideLayout2.xml><?xml version="1.0" encoding="utf-8"?>
-<p:sldLayout xmlns:a="http://schemas.openxmlformats.org/drawingml/2006/main" xmlns:r="http://schemas.openxmlformats.org/officeDocument/2006/relationships" xmlns:mc="http://schemas.openxmlformats.org/markup-compatibility/2006" xmlns:mv="urn:schemas-microsoft-com:mac:vml" xmlns:p="http://schemas.openxmlformats.org/presentationml/2006/main" xmlns:c="http://schemas.openxmlformats.org/drawingml/2006/chart" xmlns:dgm="http://schemas.openxmlformats.org/drawingml/2006/diagram" xmlns:o="urn:schemas-microsoft-com:office:office" xmlns:v="urn:schemas-microsoft-com:vml" xmlns:pvml="urn:schemas-microsoft-com:office:powerpoint" xmlns:com="http://schemas.openxmlformats.org/drawingml/2006/compatibility" xmlns:p14="http://schemas.microsoft.com/office/powerpoint/2010/main" xmlns:p15="http://schemas.microsoft.com/office/powerpoint/2012/main" xmlns:ahyp="http://schemas.microsoft.com/office/drawing/2018/hyperlinkcolor" matchingName="Section header" type="secHead">
+<p:sldLayout xmlns:a="http://schemas.openxmlformats.org/drawingml/2006/main" xmlns:r="http://schemas.openxmlformats.org/officeDocument/2006/relationships" xmlns:p="http://schemas.openxmlformats.org/presentationml/2006/main" type="secHead" matchingName="Section header">
   <p:cSld name="SECTION_HEADER">
     <p:bg>
       <p:bgPr>
         <a:solidFill>
           <a:schemeClr val="dk1"/>
         </a:solidFill>
+        <a:effectLst/>
       </p:bgPr>
     </p:bg>
     <p:spTree>
@@ -3201,12 +3158,12 @@
             </a:ln>
           </p:spPr>
           <p:txBody>
-            <a:bodyPr anchorCtr="0" anchor="ctr" bIns="91425" lIns="91425" spcFirstLastPara="1" rIns="91425" wrap="square" tIns="91425">
+            <a:bodyPr spcFirstLastPara="1" wrap="square" lIns="91425" tIns="91425" rIns="91425" bIns="91425" anchor="ctr" anchorCtr="0">
               <a:noAutofit/>
             </a:bodyPr>
             <a:lstStyle/>
             <a:p>
-              <a:pPr indent="0" lvl="0" marL="0" rtl="0" algn="l">
+              <a:pPr marL="0" lvl="0" indent="0" algn="l" rtl="0">
                 <a:spcBef>
                   <a:spcPts val="0"/>
                 </a:spcBef>
@@ -3215,10 +3172,6 @@
                 </a:spcAft>
                 <a:buNone/>
               </a:pPr>
-              <a:r>
-                <a:t/>
-              </a:r>
-              <a:endParaRPr/>
             </a:p>
           </p:txBody>
         </p:sp>
@@ -3244,12 +3197,12 @@
             </a:ln>
           </p:spPr>
           <p:txBody>
-            <a:bodyPr anchorCtr="0" anchor="ctr" bIns="91425" lIns="91425" spcFirstLastPara="1" rIns="91425" wrap="square" tIns="91425">
+            <a:bodyPr spcFirstLastPara="1" wrap="square" lIns="91425" tIns="91425" rIns="91425" bIns="91425" anchor="ctr" anchorCtr="0">
               <a:noAutofit/>
             </a:bodyPr>
             <a:lstStyle/>
             <a:p>
-              <a:pPr indent="0" lvl="0" marL="0" rtl="0" algn="l">
+              <a:pPr marL="0" lvl="0" indent="0" algn="l" rtl="0">
                 <a:spcBef>
                   <a:spcPts val="0"/>
                 </a:spcBef>
@@ -3258,10 +3211,6 @@
                 </a:spcAft>
                 <a:buNone/>
               </a:pPr>
-              <a:r>
-                <a:t/>
-              </a:r>
-              <a:endParaRPr/>
             </a:p>
           </p:txBody>
         </p:sp>
@@ -3272,7 +3221,7 @@
             <p:nvPr/>
           </p:nvSpPr>
           <p:spPr>
-            <a:xfrm flipH="1" rot="10800000">
+            <a:xfrm rot="10800000" flipH="1">
               <a:off x="7113588" y="107"/>
               <a:ext cx="1015200" cy="1015200"/>
             </a:xfrm>
@@ -3287,12 +3236,12 @@
             </a:ln>
           </p:spPr>
           <p:txBody>
-            <a:bodyPr anchorCtr="0" anchor="ctr" bIns="91425" lIns="91425" spcFirstLastPara="1" rIns="91425" wrap="square" tIns="91425">
+            <a:bodyPr spcFirstLastPara="1" wrap="square" lIns="91425" tIns="91425" rIns="91425" bIns="91425" anchor="ctr" anchorCtr="0">
               <a:noAutofit/>
             </a:bodyPr>
             <a:lstStyle/>
             <a:p>
-              <a:pPr indent="0" lvl="0" marL="0" rtl="0" algn="l">
+              <a:pPr marL="0" lvl="0" indent="0" algn="l" rtl="0">
                 <a:spcBef>
                   <a:spcPts val="0"/>
                 </a:spcBef>
@@ -3301,10 +3250,6 @@
                 </a:spcAft>
                 <a:buNone/>
               </a:pPr>
-              <a:r>
-                <a:t/>
-              </a:r>
-              <a:endParaRPr/>
             </a:p>
           </p:txBody>
         </p:sp>
@@ -3330,12 +3275,12 @@
             </a:ln>
           </p:spPr>
           <p:txBody>
-            <a:bodyPr anchorCtr="0" anchor="ctr" bIns="91425" lIns="91425" spcFirstLastPara="1" rIns="91425" wrap="square" tIns="91425">
+            <a:bodyPr spcFirstLastPara="1" wrap="square" lIns="91425" tIns="91425" rIns="91425" bIns="91425" anchor="ctr" anchorCtr="0">
               <a:noAutofit/>
             </a:bodyPr>
             <a:lstStyle/>
             <a:p>
-              <a:pPr indent="0" lvl="0" marL="0" rtl="0" algn="l">
+              <a:pPr marL="0" lvl="0" indent="0" algn="l" rtl="0">
                 <a:spcBef>
                   <a:spcPts val="0"/>
                 </a:spcBef>
@@ -3344,10 +3289,6 @@
                 </a:spcAft>
                 <a:buNone/>
               </a:pPr>
-              <a:r>
-                <a:t/>
-              </a:r>
-              <a:endParaRPr/>
             </a:p>
           </p:txBody>
         </p:sp>
@@ -3373,12 +3314,12 @@
             </a:ln>
           </p:spPr>
           <p:txBody>
-            <a:bodyPr anchorCtr="0" anchor="ctr" bIns="91425" lIns="91425" spcFirstLastPara="1" rIns="91425" wrap="square" tIns="91425">
+            <a:bodyPr spcFirstLastPara="1" wrap="square" lIns="91425" tIns="91425" rIns="91425" bIns="91425" anchor="ctr" anchorCtr="0">
               <a:noAutofit/>
             </a:bodyPr>
             <a:lstStyle/>
             <a:p>
-              <a:pPr indent="0" lvl="0" marL="0" rtl="0" algn="l">
+              <a:pPr marL="0" lvl="0" indent="0" algn="l" rtl="0">
                 <a:spcBef>
                   <a:spcPts val="0"/>
                 </a:spcBef>
@@ -3387,10 +3328,6 @@
                 </a:spcAft>
                 <a:buNone/>
               </a:pPr>
-              <a:r>
-                <a:t/>
-              </a:r>
-              <a:endParaRPr/>
             </a:p>
           </p:txBody>
         </p:sp>
@@ -3413,7 +3350,7 @@
           </a:prstGeom>
         </p:spPr>
         <p:txBody>
-          <a:bodyPr anchorCtr="0" anchor="ctr" bIns="91425" lIns="91425" spcFirstLastPara="1" rIns="91425" wrap="square" tIns="91425">
+          <a:bodyPr spcFirstLastPara="1" wrap="square" lIns="91425" tIns="91425" rIns="91425" bIns="91425" anchor="ctr" anchorCtr="0">
             <a:normAutofit/>
           </a:bodyPr>
           <a:lstStyle>
@@ -3588,7 +3525,7 @@
           <p:cNvPr id="27" name="Google Shape;27;p3"/>
           <p:cNvSpPr txBox="1"/>
           <p:nvPr>
-            <p:ph idx="12" type="sldNum"/>
+            <p:ph type="sldNum" idx="12"/>
           </p:nvPr>
         </p:nvSpPr>
         <p:spPr>
@@ -3601,7 +3538,7 @@
           </a:prstGeom>
         </p:spPr>
         <p:txBody>
-          <a:bodyPr anchorCtr="0" anchor="ctr" bIns="91425" lIns="91425" spcFirstLastPara="1" rIns="91425" wrap="square" tIns="91425">
+          <a:bodyPr spcFirstLastPara="1" wrap="square" lIns="91425" tIns="91425" rIns="91425" bIns="91425" anchor="ctr" anchorCtr="0">
             <a:normAutofit/>
           </a:bodyPr>
           <a:lstStyle>
@@ -3643,7 +3580,7 @@
             </a:lvl9pPr>
           </a:lstStyle>
           <a:p>
-            <a:pPr indent="0" lvl="0" marL="0" rtl="0" algn="r">
+            <a:pPr marL="0" lvl="0" indent="0" algn="r" rtl="0">
               <a:spcBef>
                 <a:spcPts val="0"/>
               </a:spcBef>
@@ -3654,9 +3591,8 @@
             </a:pPr>
             <a:fld id="{00000000-1234-1234-1234-123412341234}" type="slidenum">
               <a:rPr lang="en-GB"/>
-              <a:t>‹#›</a:t>
             </a:fld>
-            <a:endParaRPr/>
+            <a:endParaRPr lang="en-GB"/>
           </a:p>
         </p:txBody>
       </p:sp>
@@ -3669,7 +3605,7 @@
 </file>
 
 <file path=ppt/slideLayouts/slideLayout3.xml><?xml version="1.0" encoding="utf-8"?>
-<p:sldLayout xmlns:a="http://schemas.openxmlformats.org/drawingml/2006/main" xmlns:r="http://schemas.openxmlformats.org/officeDocument/2006/relationships" xmlns:mc="http://schemas.openxmlformats.org/markup-compatibility/2006" xmlns:mv="urn:schemas-microsoft-com:mac:vml" xmlns:p="http://schemas.openxmlformats.org/presentationml/2006/main" xmlns:c="http://schemas.openxmlformats.org/drawingml/2006/chart" xmlns:dgm="http://schemas.openxmlformats.org/drawingml/2006/diagram" xmlns:o="urn:schemas-microsoft-com:office:office" xmlns:v="urn:schemas-microsoft-com:vml" xmlns:pvml="urn:schemas-microsoft-com:office:powerpoint" xmlns:com="http://schemas.openxmlformats.org/drawingml/2006/compatibility" xmlns:p14="http://schemas.microsoft.com/office/powerpoint/2010/main" xmlns:p15="http://schemas.microsoft.com/office/powerpoint/2012/main" xmlns:ahyp="http://schemas.microsoft.com/office/drawing/2018/hyperlinkcolor" matchingName="Title and body" type="tx">
+<p:sldLayout xmlns:a="http://schemas.openxmlformats.org/drawingml/2006/main" xmlns:r="http://schemas.openxmlformats.org/officeDocument/2006/relationships" xmlns:p="http://schemas.openxmlformats.org/presentationml/2006/main" type="tx" matchingName="Title and body">
   <p:cSld name="TITLE_AND_BODY">
     <p:spTree>
       <p:nvGrpSpPr>
@@ -3721,12 +3657,12 @@
             </a:ln>
           </p:spPr>
           <p:txBody>
-            <a:bodyPr anchorCtr="0" anchor="ctr" bIns="91425" lIns="91425" spcFirstLastPara="1" rIns="91425" wrap="square" tIns="91425">
+            <a:bodyPr spcFirstLastPara="1" wrap="square" lIns="91425" tIns="91425" rIns="91425" bIns="91425" anchor="ctr" anchorCtr="0">
               <a:noAutofit/>
             </a:bodyPr>
             <a:lstStyle/>
             <a:p>
-              <a:pPr indent="0" lvl="0" marL="0" rtl="0" algn="l">
+              <a:pPr marL="0" lvl="0" indent="0" algn="l" rtl="0">
                 <a:spcBef>
                   <a:spcPts val="0"/>
                 </a:spcBef>
@@ -3735,10 +3671,6 @@
                 </a:spcAft>
                 <a:buNone/>
               </a:pPr>
-              <a:r>
-                <a:t/>
-              </a:r>
-              <a:endParaRPr/>
             </a:p>
           </p:txBody>
         </p:sp>
@@ -3764,12 +3696,12 @@
             </a:ln>
           </p:spPr>
           <p:txBody>
-            <a:bodyPr anchorCtr="0" anchor="ctr" bIns="91425" lIns="91425" spcFirstLastPara="1" rIns="91425" wrap="square" tIns="91425">
+            <a:bodyPr spcFirstLastPara="1" wrap="square" lIns="91425" tIns="91425" rIns="91425" bIns="91425" anchor="ctr" anchorCtr="0">
               <a:noAutofit/>
             </a:bodyPr>
             <a:lstStyle/>
             <a:p>
-              <a:pPr indent="0" lvl="0" marL="0" rtl="0" algn="l">
+              <a:pPr marL="0" lvl="0" indent="0" algn="l" rtl="0">
                 <a:spcBef>
                   <a:spcPts val="0"/>
                 </a:spcBef>
@@ -3778,10 +3710,6 @@
                 </a:spcAft>
                 <a:buNone/>
               </a:pPr>
-              <a:r>
-                <a:t/>
-              </a:r>
-              <a:endParaRPr/>
             </a:p>
           </p:txBody>
         </p:sp>
@@ -3807,12 +3735,12 @@
             </a:ln>
           </p:spPr>
           <p:txBody>
-            <a:bodyPr anchorCtr="0" anchor="ctr" bIns="91425" lIns="91425" spcFirstLastPara="1" rIns="91425" wrap="square" tIns="91425">
+            <a:bodyPr spcFirstLastPara="1" wrap="square" lIns="91425" tIns="91425" rIns="91425" bIns="91425" anchor="ctr" anchorCtr="0">
               <a:noAutofit/>
             </a:bodyPr>
             <a:lstStyle/>
             <a:p>
-              <a:pPr indent="0" lvl="0" marL="0" rtl="0" algn="l">
+              <a:pPr marL="0" lvl="0" indent="0" algn="l" rtl="0">
                 <a:spcBef>
                   <a:spcPts val="0"/>
                 </a:spcBef>
@@ -3821,10 +3749,6 @@
                 </a:spcAft>
                 <a:buNone/>
               </a:pPr>
-              <a:r>
-                <a:t/>
-              </a:r>
-              <a:endParaRPr/>
             </a:p>
           </p:txBody>
         </p:sp>
@@ -3850,12 +3774,12 @@
             </a:ln>
           </p:spPr>
           <p:txBody>
-            <a:bodyPr anchorCtr="0" anchor="ctr" bIns="91425" lIns="91425" spcFirstLastPara="1" rIns="91425" wrap="square" tIns="91425">
+            <a:bodyPr spcFirstLastPara="1" wrap="square" lIns="91425" tIns="91425" rIns="91425" bIns="91425" anchor="ctr" anchorCtr="0">
               <a:noAutofit/>
             </a:bodyPr>
             <a:lstStyle/>
             <a:p>
-              <a:pPr indent="0" lvl="0" marL="0" rtl="0" algn="l">
+              <a:pPr marL="0" lvl="0" indent="0" algn="l" rtl="0">
                 <a:spcBef>
                   <a:spcPts val="0"/>
                 </a:spcBef>
@@ -3864,10 +3788,6 @@
                 </a:spcAft>
                 <a:buNone/>
               </a:pPr>
-              <a:r>
-                <a:t/>
-              </a:r>
-              <a:endParaRPr/>
             </a:p>
           </p:txBody>
         </p:sp>
@@ -3893,12 +3813,12 @@
             </a:ln>
           </p:spPr>
           <p:txBody>
-            <a:bodyPr anchorCtr="0" anchor="ctr" bIns="91425" lIns="91425" spcFirstLastPara="1" rIns="91425" wrap="square" tIns="91425">
+            <a:bodyPr spcFirstLastPara="1" wrap="square" lIns="91425" tIns="91425" rIns="91425" bIns="91425" anchor="ctr" anchorCtr="0">
               <a:noAutofit/>
             </a:bodyPr>
             <a:lstStyle/>
             <a:p>
-              <a:pPr indent="0" lvl="0" marL="0" rtl="0" algn="l">
+              <a:pPr marL="0" lvl="0" indent="0" algn="l" rtl="0">
                 <a:spcBef>
                   <a:spcPts val="0"/>
                 </a:spcBef>
@@ -3907,10 +3827,6 @@
                 </a:spcAft>
                 <a:buNone/>
               </a:pPr>
-              <a:r>
-                <a:t/>
-              </a:r>
-              <a:endParaRPr/>
             </a:p>
           </p:txBody>
         </p:sp>
@@ -3933,7 +3849,7 @@
           </a:prstGeom>
         </p:spPr>
         <p:txBody>
-          <a:bodyPr anchorCtr="0" anchor="t" bIns="91425" lIns="91425" spcFirstLastPara="1" rIns="91425" wrap="square" tIns="91425">
+          <a:bodyPr spcFirstLastPara="1" wrap="square" lIns="91425" tIns="91425" rIns="91425" bIns="91425" anchor="t" anchorCtr="0">
             <a:normAutofit/>
           </a:bodyPr>
           <a:lstStyle>
@@ -4045,7 +3961,7 @@
           <p:cNvPr id="36" name="Google Shape;36;p4"/>
           <p:cNvSpPr txBox="1"/>
           <p:nvPr>
-            <p:ph idx="1" type="body"/>
+            <p:ph type="body" idx="1"/>
           </p:nvPr>
         </p:nvSpPr>
         <p:spPr>
@@ -4058,11 +3974,11 @@
           </a:prstGeom>
         </p:spPr>
         <p:txBody>
-          <a:bodyPr anchorCtr="0" anchor="t" bIns="91425" lIns="91425" spcFirstLastPara="1" rIns="91425" wrap="square" tIns="91425">
+          <a:bodyPr spcFirstLastPara="1" wrap="square" lIns="91425" tIns="91425" rIns="91425" bIns="91425" anchor="t" anchorCtr="0">
             <a:normAutofit/>
           </a:bodyPr>
           <a:lstStyle>
-            <a:lvl1pPr indent="-342900" lvl="0" marL="457200">
+            <a:lvl1pPr marL="457200" lvl="0" indent="-342900">
               <a:spcBef>
                 <a:spcPts val="0"/>
               </a:spcBef>
@@ -4073,7 +3989,7 @@
               <a:buChar char="●"/>
               <a:defRPr/>
             </a:lvl1pPr>
-            <a:lvl2pPr indent="-317500" lvl="1" marL="914400">
+            <a:lvl2pPr marL="914400" lvl="1" indent="-317500">
               <a:spcBef>
                 <a:spcPts val="0"/>
               </a:spcBef>
@@ -4084,7 +4000,7 @@
               <a:buChar char="○"/>
               <a:defRPr/>
             </a:lvl2pPr>
-            <a:lvl3pPr indent="-317500" lvl="2" marL="1371600">
+            <a:lvl3pPr marL="1371600" lvl="2" indent="-317500">
               <a:spcBef>
                 <a:spcPts val="0"/>
               </a:spcBef>
@@ -4095,7 +4011,7 @@
               <a:buChar char="■"/>
               <a:defRPr/>
             </a:lvl3pPr>
-            <a:lvl4pPr indent="-317500" lvl="3" marL="1828800">
+            <a:lvl4pPr marL="1828800" lvl="3" indent="-317500">
               <a:spcBef>
                 <a:spcPts val="0"/>
               </a:spcBef>
@@ -4106,7 +4022,7 @@
               <a:buChar char="●"/>
               <a:defRPr/>
             </a:lvl4pPr>
-            <a:lvl5pPr indent="-317500" lvl="4" marL="2286000">
+            <a:lvl5pPr marL="2286000" lvl="4" indent="-317500">
               <a:spcBef>
                 <a:spcPts val="0"/>
               </a:spcBef>
@@ -4117,7 +4033,7 @@
               <a:buChar char="○"/>
               <a:defRPr/>
             </a:lvl5pPr>
-            <a:lvl6pPr indent="-317500" lvl="5" marL="2743200">
+            <a:lvl6pPr marL="2743200" lvl="5" indent="-317500">
               <a:spcBef>
                 <a:spcPts val="0"/>
               </a:spcBef>
@@ -4128,7 +4044,7 @@
               <a:buChar char="■"/>
               <a:defRPr/>
             </a:lvl6pPr>
-            <a:lvl7pPr indent="-317500" lvl="6" marL="3200400">
+            <a:lvl7pPr marL="3200400" lvl="6" indent="-317500">
               <a:spcBef>
                 <a:spcPts val="0"/>
               </a:spcBef>
@@ -4139,7 +4055,7 @@
               <a:buChar char="●"/>
               <a:defRPr/>
             </a:lvl7pPr>
-            <a:lvl8pPr indent="-317500" lvl="7" marL="3657600">
+            <a:lvl8pPr marL="3657600" lvl="7" indent="-317500">
               <a:spcBef>
                 <a:spcPts val="0"/>
               </a:spcBef>
@@ -4150,7 +4066,7 @@
               <a:buChar char="○"/>
               <a:defRPr/>
             </a:lvl8pPr>
-            <a:lvl9pPr indent="-317500" lvl="8" marL="4114800">
+            <a:lvl9pPr marL="4114800" lvl="8" indent="-317500">
               <a:spcBef>
                 <a:spcPts val="0"/>
               </a:spcBef>
@@ -4170,7 +4086,7 @@
           <p:cNvPr id="37" name="Google Shape;37;p4"/>
           <p:cNvSpPr txBox="1"/>
           <p:nvPr>
-            <p:ph idx="12" type="sldNum"/>
+            <p:ph type="sldNum" idx="12"/>
           </p:nvPr>
         </p:nvSpPr>
         <p:spPr>
@@ -4183,7 +4099,7 @@
           </a:prstGeom>
         </p:spPr>
         <p:txBody>
-          <a:bodyPr anchorCtr="0" anchor="ctr" bIns="91425" lIns="91425" spcFirstLastPara="1" rIns="91425" wrap="square" tIns="91425">
+          <a:bodyPr spcFirstLastPara="1" wrap="square" lIns="91425" tIns="91425" rIns="91425" bIns="91425" anchor="ctr" anchorCtr="0">
             <a:normAutofit/>
           </a:bodyPr>
           <a:lstStyle>
@@ -4225,7 +4141,7 @@
             </a:lvl9pPr>
           </a:lstStyle>
           <a:p>
-            <a:pPr indent="0" lvl="0" marL="0" rtl="0" algn="r">
+            <a:pPr marL="0" lvl="0" indent="0" algn="r" rtl="0">
               <a:spcBef>
                 <a:spcPts val="0"/>
               </a:spcBef>
@@ -4236,9 +4152,8 @@
             </a:pPr>
             <a:fld id="{00000000-1234-1234-1234-123412341234}" type="slidenum">
               <a:rPr lang="en-GB"/>
-              <a:t>‹#›</a:t>
             </a:fld>
-            <a:endParaRPr/>
+            <a:endParaRPr lang="en-GB"/>
           </a:p>
         </p:txBody>
       </p:sp>
@@ -4251,7 +4166,7 @@
 </file>
 
 <file path=ppt/slideLayouts/slideLayout4.xml><?xml version="1.0" encoding="utf-8"?>
-<p:sldLayout xmlns:a="http://schemas.openxmlformats.org/drawingml/2006/main" xmlns:r="http://schemas.openxmlformats.org/officeDocument/2006/relationships" xmlns:mc="http://schemas.openxmlformats.org/markup-compatibility/2006" xmlns:mv="urn:schemas-microsoft-com:mac:vml" xmlns:p="http://schemas.openxmlformats.org/presentationml/2006/main" xmlns:c="http://schemas.openxmlformats.org/drawingml/2006/chart" xmlns:dgm="http://schemas.openxmlformats.org/drawingml/2006/diagram" xmlns:o="urn:schemas-microsoft-com:office:office" xmlns:v="urn:schemas-microsoft-com:vml" xmlns:pvml="urn:schemas-microsoft-com:office:powerpoint" xmlns:com="http://schemas.openxmlformats.org/drawingml/2006/compatibility" xmlns:p14="http://schemas.microsoft.com/office/powerpoint/2010/main" xmlns:p15="http://schemas.microsoft.com/office/powerpoint/2012/main" xmlns:ahyp="http://schemas.microsoft.com/office/drawing/2018/hyperlinkcolor" matchingName="Title and two columns" type="twoColTx">
+<p:sldLayout xmlns:a="http://schemas.openxmlformats.org/drawingml/2006/main" xmlns:r="http://schemas.openxmlformats.org/officeDocument/2006/relationships" xmlns:p="http://schemas.openxmlformats.org/presentationml/2006/main" type="twoColTx" matchingName="Title and two columns">
   <p:cSld name="TITLE_AND_TWO_COLUMNS">
     <p:spTree>
       <p:nvGrpSpPr>
@@ -4285,7 +4200,7 @@
           </a:prstGeom>
         </p:spPr>
         <p:txBody>
-          <a:bodyPr anchorCtr="0" anchor="t" bIns="91425" lIns="91425" spcFirstLastPara="1" rIns="91425" wrap="square" tIns="91425">
+          <a:bodyPr spcFirstLastPara="1" wrap="square" lIns="91425" tIns="91425" rIns="91425" bIns="91425" anchor="t" anchorCtr="0">
             <a:normAutofit/>
           </a:bodyPr>
           <a:lstStyle>
@@ -4397,7 +4312,7 @@
           <p:cNvPr id="40" name="Google Shape;40;p5"/>
           <p:cNvSpPr txBox="1"/>
           <p:nvPr>
-            <p:ph idx="1" type="body"/>
+            <p:ph type="body" idx="1"/>
           </p:nvPr>
         </p:nvSpPr>
         <p:spPr>
@@ -4410,11 +4325,11 @@
           </a:prstGeom>
         </p:spPr>
         <p:txBody>
-          <a:bodyPr anchorCtr="0" anchor="t" bIns="91425" lIns="91425" spcFirstLastPara="1" rIns="91425" wrap="square" tIns="91425">
+          <a:bodyPr spcFirstLastPara="1" wrap="square" lIns="91425" tIns="91425" rIns="91425" bIns="91425" anchor="t" anchorCtr="0">
             <a:normAutofit/>
           </a:bodyPr>
           <a:lstStyle>
-            <a:lvl1pPr indent="-317500" lvl="0" marL="457200">
+            <a:lvl1pPr marL="457200" lvl="0" indent="-317500">
               <a:spcBef>
                 <a:spcPts val="0"/>
               </a:spcBef>
@@ -4425,7 +4340,7 @@
               <a:buChar char="●"/>
               <a:defRPr sz="1400"/>
             </a:lvl1pPr>
-            <a:lvl2pPr indent="-304800" lvl="1" marL="914400">
+            <a:lvl2pPr marL="914400" lvl="1" indent="-304800">
               <a:spcBef>
                 <a:spcPts val="0"/>
               </a:spcBef>
@@ -4436,7 +4351,7 @@
               <a:buChar char="○"/>
               <a:defRPr sz="1200"/>
             </a:lvl2pPr>
-            <a:lvl3pPr indent="-304800" lvl="2" marL="1371600">
+            <a:lvl3pPr marL="1371600" lvl="2" indent="-304800">
               <a:spcBef>
                 <a:spcPts val="0"/>
               </a:spcBef>
@@ -4447,7 +4362,7 @@
               <a:buChar char="■"/>
               <a:defRPr sz="1200"/>
             </a:lvl3pPr>
-            <a:lvl4pPr indent="-304800" lvl="3" marL="1828800">
+            <a:lvl4pPr marL="1828800" lvl="3" indent="-304800">
               <a:spcBef>
                 <a:spcPts val="0"/>
               </a:spcBef>
@@ -4458,7 +4373,7 @@
               <a:buChar char="●"/>
               <a:defRPr sz="1200"/>
             </a:lvl4pPr>
-            <a:lvl5pPr indent="-304800" lvl="4" marL="2286000">
+            <a:lvl5pPr marL="2286000" lvl="4" indent="-304800">
               <a:spcBef>
                 <a:spcPts val="0"/>
               </a:spcBef>
@@ -4469,7 +4384,7 @@
               <a:buChar char="○"/>
               <a:defRPr sz="1200"/>
             </a:lvl5pPr>
-            <a:lvl6pPr indent="-304800" lvl="5" marL="2743200">
+            <a:lvl6pPr marL="2743200" lvl="5" indent="-304800">
               <a:spcBef>
                 <a:spcPts val="0"/>
               </a:spcBef>
@@ -4480,7 +4395,7 @@
               <a:buChar char="■"/>
               <a:defRPr sz="1200"/>
             </a:lvl6pPr>
-            <a:lvl7pPr indent="-304800" lvl="6" marL="3200400">
+            <a:lvl7pPr marL="3200400" lvl="6" indent="-304800">
               <a:spcBef>
                 <a:spcPts val="0"/>
               </a:spcBef>
@@ -4491,7 +4406,7 @@
               <a:buChar char="●"/>
               <a:defRPr sz="1200"/>
             </a:lvl7pPr>
-            <a:lvl8pPr indent="-304800" lvl="7" marL="3657600">
+            <a:lvl8pPr marL="3657600" lvl="7" indent="-304800">
               <a:spcBef>
                 <a:spcPts val="0"/>
               </a:spcBef>
@@ -4502,7 +4417,7 @@
               <a:buChar char="○"/>
               <a:defRPr sz="1200"/>
             </a:lvl8pPr>
-            <a:lvl9pPr indent="-304800" lvl="8" marL="4114800">
+            <a:lvl9pPr marL="4114800" lvl="8" indent="-304800">
               <a:spcBef>
                 <a:spcPts val="0"/>
               </a:spcBef>
@@ -4522,7 +4437,7 @@
           <p:cNvPr id="41" name="Google Shape;41;p5"/>
           <p:cNvSpPr txBox="1"/>
           <p:nvPr>
-            <p:ph idx="2" type="body"/>
+            <p:ph type="body" idx="2"/>
           </p:nvPr>
         </p:nvSpPr>
         <p:spPr>
@@ -4535,11 +4450,11 @@
           </a:prstGeom>
         </p:spPr>
         <p:txBody>
-          <a:bodyPr anchorCtr="0" anchor="t" bIns="91425" lIns="91425" spcFirstLastPara="1" rIns="91425" wrap="square" tIns="91425">
+          <a:bodyPr spcFirstLastPara="1" wrap="square" lIns="91425" tIns="91425" rIns="91425" bIns="91425" anchor="t" anchorCtr="0">
             <a:normAutofit/>
           </a:bodyPr>
           <a:lstStyle>
-            <a:lvl1pPr indent="-317500" lvl="0" marL="457200">
+            <a:lvl1pPr marL="457200" lvl="0" indent="-317500">
               <a:spcBef>
                 <a:spcPts val="0"/>
               </a:spcBef>
@@ -4550,7 +4465,7 @@
               <a:buChar char="●"/>
               <a:defRPr sz="1400"/>
             </a:lvl1pPr>
-            <a:lvl2pPr indent="-304800" lvl="1" marL="914400">
+            <a:lvl2pPr marL="914400" lvl="1" indent="-304800">
               <a:spcBef>
                 <a:spcPts val="0"/>
               </a:spcBef>
@@ -4561,7 +4476,7 @@
               <a:buChar char="○"/>
               <a:defRPr sz="1200"/>
             </a:lvl2pPr>
-            <a:lvl3pPr indent="-304800" lvl="2" marL="1371600">
+            <a:lvl3pPr marL="1371600" lvl="2" indent="-304800">
               <a:spcBef>
                 <a:spcPts val="0"/>
               </a:spcBef>
@@ -4572,7 +4487,7 @@
               <a:buChar char="■"/>
               <a:defRPr sz="1200"/>
             </a:lvl3pPr>
-            <a:lvl4pPr indent="-304800" lvl="3" marL="1828800">
+            <a:lvl4pPr marL="1828800" lvl="3" indent="-304800">
               <a:spcBef>
                 <a:spcPts val="0"/>
               </a:spcBef>
@@ -4583,7 +4498,7 @@
               <a:buChar char="●"/>
               <a:defRPr sz="1200"/>
             </a:lvl4pPr>
-            <a:lvl5pPr indent="-304800" lvl="4" marL="2286000">
+            <a:lvl5pPr marL="2286000" lvl="4" indent="-304800">
               <a:spcBef>
                 <a:spcPts val="0"/>
               </a:spcBef>
@@ -4594,7 +4509,7 @@
               <a:buChar char="○"/>
               <a:defRPr sz="1200"/>
             </a:lvl5pPr>
-            <a:lvl6pPr indent="-304800" lvl="5" marL="2743200">
+            <a:lvl6pPr marL="2743200" lvl="5" indent="-304800">
               <a:spcBef>
                 <a:spcPts val="0"/>
               </a:spcBef>
@@ -4605,7 +4520,7 @@
               <a:buChar char="■"/>
               <a:defRPr sz="1200"/>
             </a:lvl6pPr>
-            <a:lvl7pPr indent="-304800" lvl="6" marL="3200400">
+            <a:lvl7pPr marL="3200400" lvl="6" indent="-304800">
               <a:spcBef>
                 <a:spcPts val="0"/>
               </a:spcBef>
@@ -4616,7 +4531,7 @@
               <a:buChar char="●"/>
               <a:defRPr sz="1200"/>
             </a:lvl7pPr>
-            <a:lvl8pPr indent="-304800" lvl="7" marL="3657600">
+            <a:lvl8pPr marL="3657600" lvl="7" indent="-304800">
               <a:spcBef>
                 <a:spcPts val="0"/>
               </a:spcBef>
@@ -4627,7 +4542,7 @@
               <a:buChar char="○"/>
               <a:defRPr sz="1200"/>
             </a:lvl8pPr>
-            <a:lvl9pPr indent="-304800" lvl="8" marL="4114800">
+            <a:lvl9pPr marL="4114800" lvl="8" indent="-304800">
               <a:spcBef>
                 <a:spcPts val="0"/>
               </a:spcBef>
@@ -4647,7 +4562,7 @@
           <p:cNvPr id="42" name="Google Shape;42;p5"/>
           <p:cNvSpPr txBox="1"/>
           <p:nvPr>
-            <p:ph idx="12" type="sldNum"/>
+            <p:ph type="sldNum" idx="12"/>
           </p:nvPr>
         </p:nvSpPr>
         <p:spPr>
@@ -4660,7 +4575,7 @@
           </a:prstGeom>
         </p:spPr>
         <p:txBody>
-          <a:bodyPr anchorCtr="0" anchor="ctr" bIns="91425" lIns="91425" spcFirstLastPara="1" rIns="91425" wrap="square" tIns="91425">
+          <a:bodyPr spcFirstLastPara="1" wrap="square" lIns="91425" tIns="91425" rIns="91425" bIns="91425" anchor="ctr" anchorCtr="0">
             <a:normAutofit/>
           </a:bodyPr>
           <a:lstStyle>
@@ -4738,7 +4653,7 @@
             </a:lvl9pPr>
           </a:lstStyle>
           <a:p>
-            <a:pPr indent="0" lvl="0" marL="0" rtl="0" algn="r">
+            <a:pPr marL="0" lvl="0" indent="0" algn="r" rtl="0">
               <a:spcBef>
                 <a:spcPts val="0"/>
               </a:spcBef>
@@ -4749,9 +4664,8 @@
             </a:pPr>
             <a:fld id="{00000000-1234-1234-1234-123412341234}" type="slidenum">
               <a:rPr lang="en-GB"/>
-              <a:t>‹#›</a:t>
             </a:fld>
-            <a:endParaRPr/>
+            <a:endParaRPr lang="en-GB"/>
           </a:p>
         </p:txBody>
       </p:sp>
@@ -4764,7 +4678,7 @@
 </file>
 
 <file path=ppt/slideLayouts/slideLayout5.xml><?xml version="1.0" encoding="utf-8"?>
-<p:sldLayout xmlns:a="http://schemas.openxmlformats.org/drawingml/2006/main" xmlns:r="http://schemas.openxmlformats.org/officeDocument/2006/relationships" xmlns:mc="http://schemas.openxmlformats.org/markup-compatibility/2006" xmlns:mv="urn:schemas-microsoft-com:mac:vml" xmlns:p="http://schemas.openxmlformats.org/presentationml/2006/main" xmlns:c="http://schemas.openxmlformats.org/drawingml/2006/chart" xmlns:dgm="http://schemas.openxmlformats.org/drawingml/2006/diagram" xmlns:o="urn:schemas-microsoft-com:office:office" xmlns:v="urn:schemas-microsoft-com:vml" xmlns:pvml="urn:schemas-microsoft-com:office:powerpoint" xmlns:com="http://schemas.openxmlformats.org/drawingml/2006/compatibility" xmlns:p14="http://schemas.microsoft.com/office/powerpoint/2010/main" xmlns:p15="http://schemas.microsoft.com/office/powerpoint/2012/main" xmlns:ahyp="http://schemas.microsoft.com/office/drawing/2018/hyperlinkcolor" matchingName="Title only" type="titleOnly">
+<p:sldLayout xmlns:a="http://schemas.openxmlformats.org/drawingml/2006/main" xmlns:r="http://schemas.openxmlformats.org/officeDocument/2006/relationships" xmlns:p="http://schemas.openxmlformats.org/presentationml/2006/main" type="titleOnly" matchingName="Title only">
   <p:cSld name="TITLE_ONLY">
     <p:spTree>
       <p:nvGrpSpPr>
@@ -4798,7 +4712,7 @@
           </a:prstGeom>
         </p:spPr>
         <p:txBody>
-          <a:bodyPr anchorCtr="0" anchor="t" bIns="91425" lIns="91425" spcFirstLastPara="1" rIns="91425" wrap="square" tIns="91425">
+          <a:bodyPr spcFirstLastPara="1" wrap="square" lIns="91425" tIns="91425" rIns="91425" bIns="91425" anchor="t" anchorCtr="0">
             <a:normAutofit/>
           </a:bodyPr>
           <a:lstStyle>
@@ -4910,7 +4824,7 @@
           <p:cNvPr id="45" name="Google Shape;45;p6"/>
           <p:cNvSpPr txBox="1"/>
           <p:nvPr>
-            <p:ph idx="12" type="sldNum"/>
+            <p:ph type="sldNum" idx="12"/>
           </p:nvPr>
         </p:nvSpPr>
         <p:spPr>
@@ -4923,7 +4837,7 @@
           </a:prstGeom>
         </p:spPr>
         <p:txBody>
-          <a:bodyPr anchorCtr="0" anchor="ctr" bIns="91425" lIns="91425" spcFirstLastPara="1" rIns="91425" wrap="square" tIns="91425">
+          <a:bodyPr spcFirstLastPara="1" wrap="square" lIns="91425" tIns="91425" rIns="91425" bIns="91425" anchor="ctr" anchorCtr="0">
             <a:normAutofit/>
           </a:bodyPr>
           <a:lstStyle>
@@ -5001,7 +4915,7 @@
             </a:lvl9pPr>
           </a:lstStyle>
           <a:p>
-            <a:pPr indent="0" lvl="0" marL="0" rtl="0" algn="r">
+            <a:pPr marL="0" lvl="0" indent="0" algn="r" rtl="0">
               <a:spcBef>
                 <a:spcPts val="0"/>
               </a:spcBef>
@@ -5012,9 +4926,8 @@
             </a:pPr>
             <a:fld id="{00000000-1234-1234-1234-123412341234}" type="slidenum">
               <a:rPr lang="en-GB"/>
-              <a:t>‹#›</a:t>
             </a:fld>
-            <a:endParaRPr/>
+            <a:endParaRPr lang="en-GB"/>
           </a:p>
         </p:txBody>
       </p:sp>
@@ -5027,7 +4940,7 @@
 </file>
 
 <file path=ppt/slideLayouts/slideLayout6.xml><?xml version="1.0" encoding="utf-8"?>
-<p:sldLayout xmlns:a="http://schemas.openxmlformats.org/drawingml/2006/main" xmlns:r="http://schemas.openxmlformats.org/officeDocument/2006/relationships" xmlns:mc="http://schemas.openxmlformats.org/markup-compatibility/2006" xmlns:mv="urn:schemas-microsoft-com:mac:vml" xmlns:p="http://schemas.openxmlformats.org/presentationml/2006/main" xmlns:c="http://schemas.openxmlformats.org/drawingml/2006/chart" xmlns:dgm="http://schemas.openxmlformats.org/drawingml/2006/diagram" xmlns:o="urn:schemas-microsoft-com:office:office" xmlns:v="urn:schemas-microsoft-com:vml" xmlns:pvml="urn:schemas-microsoft-com:office:powerpoint" xmlns:com="http://schemas.openxmlformats.org/drawingml/2006/compatibility" xmlns:p14="http://schemas.microsoft.com/office/powerpoint/2010/main" xmlns:p15="http://schemas.microsoft.com/office/powerpoint/2012/main" xmlns:ahyp="http://schemas.microsoft.com/office/drawing/2018/hyperlinkcolor" matchingName="One column text">
+<p:sldLayout xmlns:a="http://schemas.openxmlformats.org/drawingml/2006/main" xmlns:r="http://schemas.openxmlformats.org/officeDocument/2006/relationships" xmlns:p="http://schemas.openxmlformats.org/presentationml/2006/main" matchingName="One column text">
   <p:cSld name="ONE_COLUMN_TEXT">
     <p:spTree>
       <p:nvGrpSpPr>
@@ -5061,7 +4974,7 @@
           </a:prstGeom>
         </p:spPr>
         <p:txBody>
-          <a:bodyPr anchorCtr="0" anchor="b" bIns="91425" lIns="91425" spcFirstLastPara="1" rIns="91425" wrap="square" tIns="91425">
+          <a:bodyPr spcFirstLastPara="1" wrap="square" lIns="91425" tIns="91425" rIns="91425" bIns="91425" anchor="b" anchorCtr="0">
             <a:normAutofit/>
           </a:bodyPr>
           <a:lstStyle>
@@ -5173,7 +5086,7 @@
           <p:cNvPr id="48" name="Google Shape;48;p7"/>
           <p:cNvSpPr txBox="1"/>
           <p:nvPr>
-            <p:ph idx="1" type="body"/>
+            <p:ph type="body" idx="1"/>
           </p:nvPr>
         </p:nvSpPr>
         <p:spPr>
@@ -5186,11 +5099,11 @@
           </a:prstGeom>
         </p:spPr>
         <p:txBody>
-          <a:bodyPr anchorCtr="0" anchor="t" bIns="91425" lIns="91425" spcFirstLastPara="1" rIns="91425" wrap="square" tIns="91425">
+          <a:bodyPr spcFirstLastPara="1" wrap="square" lIns="91425" tIns="91425" rIns="91425" bIns="91425" anchor="t" anchorCtr="0">
             <a:normAutofit/>
           </a:bodyPr>
           <a:lstStyle>
-            <a:lvl1pPr indent="-304800" lvl="0" marL="457200">
+            <a:lvl1pPr marL="457200" lvl="0" indent="-304800">
               <a:spcBef>
                 <a:spcPts val="0"/>
               </a:spcBef>
@@ -5201,7 +5114,7 @@
               <a:buChar char="●"/>
               <a:defRPr sz="1200"/>
             </a:lvl1pPr>
-            <a:lvl2pPr indent="-304800" lvl="1" marL="914400">
+            <a:lvl2pPr marL="914400" lvl="1" indent="-304800">
               <a:spcBef>
                 <a:spcPts val="0"/>
               </a:spcBef>
@@ -5212,7 +5125,7 @@
               <a:buChar char="○"/>
               <a:defRPr sz="1200"/>
             </a:lvl2pPr>
-            <a:lvl3pPr indent="-304800" lvl="2" marL="1371600">
+            <a:lvl3pPr marL="1371600" lvl="2" indent="-304800">
               <a:spcBef>
                 <a:spcPts val="0"/>
               </a:spcBef>
@@ -5223,7 +5136,7 @@
               <a:buChar char="■"/>
               <a:defRPr sz="1200"/>
             </a:lvl3pPr>
-            <a:lvl4pPr indent="-304800" lvl="3" marL="1828800">
+            <a:lvl4pPr marL="1828800" lvl="3" indent="-304800">
               <a:spcBef>
                 <a:spcPts val="0"/>
               </a:spcBef>
@@ -5234,7 +5147,7 @@
               <a:buChar char="●"/>
               <a:defRPr sz="1200"/>
             </a:lvl4pPr>
-            <a:lvl5pPr indent="-304800" lvl="4" marL="2286000">
+            <a:lvl5pPr marL="2286000" lvl="4" indent="-304800">
               <a:spcBef>
                 <a:spcPts val="0"/>
               </a:spcBef>
@@ -5245,7 +5158,7 @@
               <a:buChar char="○"/>
               <a:defRPr sz="1200"/>
             </a:lvl5pPr>
-            <a:lvl6pPr indent="-304800" lvl="5" marL="2743200">
+            <a:lvl6pPr marL="2743200" lvl="5" indent="-304800">
               <a:spcBef>
                 <a:spcPts val="0"/>
               </a:spcBef>
@@ -5256,7 +5169,7 @@
               <a:buChar char="■"/>
               <a:defRPr sz="1200"/>
             </a:lvl6pPr>
-            <a:lvl7pPr indent="-304800" lvl="6" marL="3200400">
+            <a:lvl7pPr marL="3200400" lvl="6" indent="-304800">
               <a:spcBef>
                 <a:spcPts val="0"/>
               </a:spcBef>
@@ -5267,7 +5180,7 @@
               <a:buChar char="●"/>
               <a:defRPr sz="1200"/>
             </a:lvl7pPr>
-            <a:lvl8pPr indent="-304800" lvl="7" marL="3657600">
+            <a:lvl8pPr marL="3657600" lvl="7" indent="-304800">
               <a:spcBef>
                 <a:spcPts val="0"/>
               </a:spcBef>
@@ -5278,7 +5191,7 @@
               <a:buChar char="○"/>
               <a:defRPr sz="1200"/>
             </a:lvl8pPr>
-            <a:lvl9pPr indent="-304800" lvl="8" marL="4114800">
+            <a:lvl9pPr marL="4114800" lvl="8" indent="-304800">
               <a:spcBef>
                 <a:spcPts val="0"/>
               </a:spcBef>
@@ -5298,7 +5211,7 @@
           <p:cNvPr id="49" name="Google Shape;49;p7"/>
           <p:cNvSpPr txBox="1"/>
           <p:nvPr>
-            <p:ph idx="12" type="sldNum"/>
+            <p:ph type="sldNum" idx="12"/>
           </p:nvPr>
         </p:nvSpPr>
         <p:spPr>
@@ -5311,7 +5224,7 @@
           </a:prstGeom>
         </p:spPr>
         <p:txBody>
-          <a:bodyPr anchorCtr="0" anchor="ctr" bIns="91425" lIns="91425" spcFirstLastPara="1" rIns="91425" wrap="square" tIns="91425">
+          <a:bodyPr spcFirstLastPara="1" wrap="square" lIns="91425" tIns="91425" rIns="91425" bIns="91425" anchor="ctr" anchorCtr="0">
             <a:normAutofit/>
           </a:bodyPr>
           <a:lstStyle>
@@ -5389,7 +5302,7 @@
             </a:lvl9pPr>
           </a:lstStyle>
           <a:p>
-            <a:pPr indent="0" lvl="0" marL="0" rtl="0" algn="r">
+            <a:pPr marL="0" lvl="0" indent="0" algn="r" rtl="0">
               <a:spcBef>
                 <a:spcPts val="0"/>
               </a:spcBef>
@@ -5400,9 +5313,8 @@
             </a:pPr>
             <a:fld id="{00000000-1234-1234-1234-123412341234}" type="slidenum">
               <a:rPr lang="en-GB"/>
-              <a:t>‹#›</a:t>
             </a:fld>
-            <a:endParaRPr/>
+            <a:endParaRPr lang="en-GB"/>
           </a:p>
         </p:txBody>
       </p:sp>
@@ -5415,13 +5327,14 @@
 </file>
 
 <file path=ppt/slideLayouts/slideLayout7.xml><?xml version="1.0" encoding="utf-8"?>
-<p:sldLayout xmlns:a="http://schemas.openxmlformats.org/drawingml/2006/main" xmlns:r="http://schemas.openxmlformats.org/officeDocument/2006/relationships" xmlns:mc="http://schemas.openxmlformats.org/markup-compatibility/2006" xmlns:mv="urn:schemas-microsoft-com:mac:vml" xmlns:p="http://schemas.openxmlformats.org/presentationml/2006/main" xmlns:c="http://schemas.openxmlformats.org/drawingml/2006/chart" xmlns:dgm="http://schemas.openxmlformats.org/drawingml/2006/diagram" xmlns:o="urn:schemas-microsoft-com:office:office" xmlns:v="urn:schemas-microsoft-com:vml" xmlns:pvml="urn:schemas-microsoft-com:office:powerpoint" xmlns:com="http://schemas.openxmlformats.org/drawingml/2006/compatibility" xmlns:p14="http://schemas.microsoft.com/office/powerpoint/2010/main" xmlns:p15="http://schemas.microsoft.com/office/powerpoint/2012/main" xmlns:ahyp="http://schemas.microsoft.com/office/drawing/2018/hyperlinkcolor" matchingName="Main point">
+<p:sldLayout xmlns:a="http://schemas.openxmlformats.org/drawingml/2006/main" xmlns:r="http://schemas.openxmlformats.org/officeDocument/2006/relationships" xmlns:p="http://schemas.openxmlformats.org/presentationml/2006/main" matchingName="Main point">
   <p:cSld name="MAIN_POINT">
     <p:bg>
       <p:bgPr>
         <a:solidFill>
           <a:schemeClr val="accent4"/>
         </a:solidFill>
+        <a:effectLst/>
       </p:bgPr>
     </p:bg>
     <p:spTree>
@@ -5474,12 +5387,12 @@
             </a:ln>
           </p:spPr>
           <p:txBody>
-            <a:bodyPr anchorCtr="0" anchor="ctr" bIns="91425" lIns="91425" spcFirstLastPara="1" rIns="91425" wrap="square" tIns="91425">
+            <a:bodyPr spcFirstLastPara="1" wrap="square" lIns="91425" tIns="91425" rIns="91425" bIns="91425" anchor="ctr" anchorCtr="0">
               <a:noAutofit/>
             </a:bodyPr>
             <a:lstStyle/>
             <a:p>
-              <a:pPr indent="0" lvl="0" marL="0" rtl="0" algn="l">
+              <a:pPr marL="0" lvl="0" indent="0" algn="l" rtl="0">
                 <a:spcBef>
                   <a:spcPts val="0"/>
                 </a:spcBef>
@@ -5488,10 +5401,6 @@
                 </a:spcAft>
                 <a:buNone/>
               </a:pPr>
-              <a:r>
-                <a:t/>
-              </a:r>
-              <a:endParaRPr/>
             </a:p>
           </p:txBody>
         </p:sp>
@@ -5517,12 +5426,12 @@
             </a:ln>
           </p:spPr>
           <p:txBody>
-            <a:bodyPr anchorCtr="0" anchor="ctr" bIns="91425" lIns="91425" spcFirstLastPara="1" rIns="91425" wrap="square" tIns="91425">
+            <a:bodyPr spcFirstLastPara="1" wrap="square" lIns="91425" tIns="91425" rIns="91425" bIns="91425" anchor="ctr" anchorCtr="0">
               <a:noAutofit/>
             </a:bodyPr>
             <a:lstStyle/>
             <a:p>
-              <a:pPr indent="0" lvl="0" marL="0" rtl="0" algn="l">
+              <a:pPr marL="0" lvl="0" indent="0" algn="l" rtl="0">
                 <a:spcBef>
                   <a:spcPts val="0"/>
                 </a:spcBef>
@@ -5531,10 +5440,6 @@
                 </a:spcAft>
                 <a:buNone/>
               </a:pPr>
-              <a:r>
-                <a:t/>
-              </a:r>
-              <a:endParaRPr/>
             </a:p>
           </p:txBody>
         </p:sp>
@@ -5545,7 +5450,7 @@
             <p:nvPr/>
           </p:nvSpPr>
           <p:spPr>
-            <a:xfrm flipH="1" rot="10800000">
+            <a:xfrm rot="10800000" flipH="1">
               <a:off x="7113588" y="107"/>
               <a:ext cx="1015200" cy="1015200"/>
             </a:xfrm>
@@ -5560,12 +5465,12 @@
             </a:ln>
           </p:spPr>
           <p:txBody>
-            <a:bodyPr anchorCtr="0" anchor="ctr" bIns="91425" lIns="91425" spcFirstLastPara="1" rIns="91425" wrap="square" tIns="91425">
+            <a:bodyPr spcFirstLastPara="1" wrap="square" lIns="91425" tIns="91425" rIns="91425" bIns="91425" anchor="ctr" anchorCtr="0">
               <a:noAutofit/>
             </a:bodyPr>
             <a:lstStyle/>
             <a:p>
-              <a:pPr indent="0" lvl="0" marL="0" rtl="0" algn="l">
+              <a:pPr marL="0" lvl="0" indent="0" algn="l" rtl="0">
                 <a:spcBef>
                   <a:spcPts val="0"/>
                 </a:spcBef>
@@ -5574,10 +5479,6 @@
                 </a:spcAft>
                 <a:buNone/>
               </a:pPr>
-              <a:r>
-                <a:t/>
-              </a:r>
-              <a:endParaRPr/>
             </a:p>
           </p:txBody>
         </p:sp>
@@ -5603,12 +5504,12 @@
             </a:ln>
           </p:spPr>
           <p:txBody>
-            <a:bodyPr anchorCtr="0" anchor="ctr" bIns="91425" lIns="91425" spcFirstLastPara="1" rIns="91425" wrap="square" tIns="91425">
+            <a:bodyPr spcFirstLastPara="1" wrap="square" lIns="91425" tIns="91425" rIns="91425" bIns="91425" anchor="ctr" anchorCtr="0">
               <a:noAutofit/>
             </a:bodyPr>
             <a:lstStyle/>
             <a:p>
-              <a:pPr indent="0" lvl="0" marL="0" rtl="0" algn="l">
+              <a:pPr marL="0" lvl="0" indent="0" algn="l" rtl="0">
                 <a:spcBef>
                   <a:spcPts val="0"/>
                 </a:spcBef>
@@ -5617,10 +5518,6 @@
                 </a:spcAft>
                 <a:buNone/>
               </a:pPr>
-              <a:r>
-                <a:t/>
-              </a:r>
-              <a:endParaRPr/>
             </a:p>
           </p:txBody>
         </p:sp>
@@ -5646,12 +5543,12 @@
             </a:ln>
           </p:spPr>
           <p:txBody>
-            <a:bodyPr anchorCtr="0" anchor="ctr" bIns="91425" lIns="91425" spcFirstLastPara="1" rIns="91425" wrap="square" tIns="91425">
+            <a:bodyPr spcFirstLastPara="1" wrap="square" lIns="91425" tIns="91425" rIns="91425" bIns="91425" anchor="ctr" anchorCtr="0">
               <a:noAutofit/>
             </a:bodyPr>
             <a:lstStyle/>
             <a:p>
-              <a:pPr indent="0" lvl="0" marL="0" rtl="0" algn="l">
+              <a:pPr marL="0" lvl="0" indent="0" algn="l" rtl="0">
                 <a:spcBef>
                   <a:spcPts val="0"/>
                 </a:spcBef>
@@ -5660,10 +5557,6 @@
                 </a:spcAft>
                 <a:buNone/>
               </a:pPr>
-              <a:r>
-                <a:t/>
-              </a:r>
-              <a:endParaRPr/>
             </a:p>
           </p:txBody>
         </p:sp>
@@ -5686,7 +5579,7 @@
           </a:prstGeom>
         </p:spPr>
         <p:txBody>
-          <a:bodyPr anchorCtr="0" anchor="ctr" bIns="91425" lIns="91425" spcFirstLastPara="1" rIns="91425" wrap="square" tIns="91425">
+          <a:bodyPr spcFirstLastPara="1" wrap="square" lIns="91425" tIns="91425" rIns="91425" bIns="91425" anchor="ctr" anchorCtr="0">
             <a:normAutofit/>
           </a:bodyPr>
           <a:lstStyle>
@@ -5861,7 +5754,7 @@
           <p:cNvPr id="58" name="Google Shape;58;p8"/>
           <p:cNvSpPr txBox="1"/>
           <p:nvPr>
-            <p:ph idx="12" type="sldNum"/>
+            <p:ph type="sldNum" idx="12"/>
           </p:nvPr>
         </p:nvSpPr>
         <p:spPr>
@@ -5874,7 +5767,7 @@
           </a:prstGeom>
         </p:spPr>
         <p:txBody>
-          <a:bodyPr anchorCtr="0" anchor="ctr" bIns="91425" lIns="91425" spcFirstLastPara="1" rIns="91425" wrap="square" tIns="91425">
+          <a:bodyPr spcFirstLastPara="1" wrap="square" lIns="91425" tIns="91425" rIns="91425" bIns="91425" anchor="ctr" anchorCtr="0">
             <a:normAutofit/>
           </a:bodyPr>
           <a:lstStyle>
@@ -5916,7 +5809,7 @@
             </a:lvl9pPr>
           </a:lstStyle>
           <a:p>
-            <a:pPr indent="0" lvl="0" marL="0" rtl="0" algn="r">
+            <a:pPr marL="0" lvl="0" indent="0" algn="r" rtl="0">
               <a:spcBef>
                 <a:spcPts val="0"/>
               </a:spcBef>
@@ -5927,9 +5820,8 @@
             </a:pPr>
             <a:fld id="{00000000-1234-1234-1234-123412341234}" type="slidenum">
               <a:rPr lang="en-GB"/>
-              <a:t>‹#›</a:t>
             </a:fld>
-            <a:endParaRPr/>
+            <a:endParaRPr lang="en-GB"/>
           </a:p>
         </p:txBody>
       </p:sp>
@@ -5942,7 +5834,7 @@
 </file>
 
 <file path=ppt/slideLayouts/slideLayout8.xml><?xml version="1.0" encoding="utf-8"?>
-<p:sldLayout xmlns:a="http://schemas.openxmlformats.org/drawingml/2006/main" xmlns:r="http://schemas.openxmlformats.org/officeDocument/2006/relationships" xmlns:mc="http://schemas.openxmlformats.org/markup-compatibility/2006" xmlns:mv="urn:schemas-microsoft-com:mac:vml" xmlns:p="http://schemas.openxmlformats.org/presentationml/2006/main" xmlns:c="http://schemas.openxmlformats.org/drawingml/2006/chart" xmlns:dgm="http://schemas.openxmlformats.org/drawingml/2006/diagram" xmlns:o="urn:schemas-microsoft-com:office:office" xmlns:v="urn:schemas-microsoft-com:vml" xmlns:pvml="urn:schemas-microsoft-com:office:powerpoint" xmlns:com="http://schemas.openxmlformats.org/drawingml/2006/compatibility" xmlns:p14="http://schemas.microsoft.com/office/powerpoint/2010/main" xmlns:p15="http://schemas.microsoft.com/office/powerpoint/2012/main" xmlns:ahyp="http://schemas.microsoft.com/office/drawing/2018/hyperlinkcolor" matchingName="Section title and description">
+<p:sldLayout xmlns:a="http://schemas.openxmlformats.org/drawingml/2006/main" xmlns:r="http://schemas.openxmlformats.org/officeDocument/2006/relationships" xmlns:p="http://schemas.openxmlformats.org/presentationml/2006/main" matchingName="Section title and description">
   <p:cSld name="SECTION_TITLE_AND_DESCRIPTION">
     <p:spTree>
       <p:nvGrpSpPr>
@@ -5980,12 +5872,12 @@
           </a:ln>
         </p:spPr>
         <p:txBody>
-          <a:bodyPr anchorCtr="0" anchor="ctr" bIns="91425" lIns="91425" spcFirstLastPara="1" rIns="91425" wrap="square" tIns="91425">
+          <a:bodyPr spcFirstLastPara="1" wrap="square" lIns="91425" tIns="91425" rIns="91425" bIns="91425" anchor="ctr" anchorCtr="0">
             <a:noAutofit/>
           </a:bodyPr>
           <a:lstStyle/>
           <a:p>
-            <a:pPr indent="0" lvl="0" marL="0" rtl="0" algn="l">
+            <a:pPr marL="0" lvl="0" indent="0" algn="l" rtl="0">
               <a:spcBef>
                 <a:spcPts val="0"/>
               </a:spcBef>
@@ -5994,10 +5886,6 @@
               </a:spcAft>
               <a:buNone/>
             </a:pPr>
-            <a:r>
-              <a:t/>
-            </a:r>
-            <a:endParaRPr/>
           </a:p>
         </p:txBody>
       </p:sp>
@@ -6016,14 +5904,14 @@
             <a:avLst/>
           </a:prstGeom>
           <a:noFill/>
-          <a:ln cap="flat" cmpd="sng" w="19050">
+          <a:ln w="19050" cap="flat" cmpd="sng">
             <a:solidFill>
               <a:schemeClr val="lt1"/>
             </a:solidFill>
             <a:prstDash val="solid"/>
             <a:round/>
-            <a:headEnd len="sm" w="sm" type="none"/>
-            <a:tailEnd len="sm" w="sm" type="none"/>
+            <a:headEnd type="none" w="sm" len="sm"/>
+            <a:tailEnd type="none" w="sm" len="sm"/>
           </a:ln>
         </p:spPr>
       </p:cxnSp>
@@ -6045,7 +5933,7 @@
           </a:prstGeom>
         </p:spPr>
         <p:txBody>
-          <a:bodyPr anchorCtr="0" anchor="b" bIns="91425" lIns="91425" spcFirstLastPara="1" rIns="91425" wrap="square" tIns="91425">
+          <a:bodyPr spcFirstLastPara="1" wrap="square" lIns="91425" tIns="91425" rIns="91425" bIns="91425" anchor="b" anchorCtr="0">
             <a:normAutofit/>
           </a:bodyPr>
           <a:lstStyle>
@@ -6157,7 +6045,7 @@
           <p:cNvPr id="63" name="Google Shape;63;p9"/>
           <p:cNvSpPr txBox="1"/>
           <p:nvPr>
-            <p:ph idx="1" type="subTitle"/>
+            <p:ph type="subTitle" idx="1"/>
           </p:nvPr>
         </p:nvSpPr>
         <p:spPr>
@@ -6170,7 +6058,7 @@
           </a:prstGeom>
         </p:spPr>
         <p:txBody>
-          <a:bodyPr anchorCtr="0" anchor="t" bIns="91425" lIns="91425" spcFirstLastPara="1" rIns="91425" wrap="square" tIns="91425">
+          <a:bodyPr spcFirstLastPara="1" wrap="square" lIns="91425" tIns="91425" rIns="91425" bIns="91425" anchor="t" anchorCtr="0">
             <a:normAutofit/>
           </a:bodyPr>
           <a:lstStyle>
@@ -6309,7 +6197,7 @@
           <p:cNvPr id="64" name="Google Shape;64;p9"/>
           <p:cNvSpPr txBox="1"/>
           <p:nvPr>
-            <p:ph idx="2" type="body"/>
+            <p:ph type="body" idx="2"/>
           </p:nvPr>
         </p:nvSpPr>
         <p:spPr>
@@ -6322,11 +6210,11 @@
           </a:prstGeom>
         </p:spPr>
         <p:txBody>
-          <a:bodyPr anchorCtr="0" anchor="ctr" bIns="91425" lIns="91425" spcFirstLastPara="1" rIns="91425" wrap="square" tIns="91425">
+          <a:bodyPr spcFirstLastPara="1" wrap="square" lIns="91425" tIns="91425" rIns="91425" bIns="91425" anchor="ctr" anchorCtr="0">
             <a:normAutofit/>
           </a:bodyPr>
           <a:lstStyle>
-            <a:lvl1pPr indent="-342900" lvl="0" marL="457200">
+            <a:lvl1pPr marL="457200" lvl="0" indent="-342900">
               <a:spcBef>
                 <a:spcPts val="0"/>
               </a:spcBef>
@@ -6344,7 +6232,7 @@
                 </a:solidFill>
               </a:defRPr>
             </a:lvl1pPr>
-            <a:lvl2pPr indent="-317500" lvl="1" marL="914400">
+            <a:lvl2pPr marL="914400" lvl="1" indent="-317500">
               <a:spcBef>
                 <a:spcPts val="0"/>
               </a:spcBef>
@@ -6362,7 +6250,7 @@
                 </a:solidFill>
               </a:defRPr>
             </a:lvl2pPr>
-            <a:lvl3pPr indent="-317500" lvl="2" marL="1371600">
+            <a:lvl3pPr marL="1371600" lvl="2" indent="-317500">
               <a:spcBef>
                 <a:spcPts val="0"/>
               </a:spcBef>
@@ -6380,7 +6268,7 @@
                 </a:solidFill>
               </a:defRPr>
             </a:lvl3pPr>
-            <a:lvl4pPr indent="-317500" lvl="3" marL="1828800">
+            <a:lvl4pPr marL="1828800" lvl="3" indent="-317500">
               <a:spcBef>
                 <a:spcPts val="0"/>
               </a:spcBef>
@@ -6398,7 +6286,7 @@
                 </a:solidFill>
               </a:defRPr>
             </a:lvl4pPr>
-            <a:lvl5pPr indent="-317500" lvl="4" marL="2286000">
+            <a:lvl5pPr marL="2286000" lvl="4" indent="-317500">
               <a:spcBef>
                 <a:spcPts val="0"/>
               </a:spcBef>
@@ -6416,7 +6304,7 @@
                 </a:solidFill>
               </a:defRPr>
             </a:lvl5pPr>
-            <a:lvl6pPr indent="-317500" lvl="5" marL="2743200">
+            <a:lvl6pPr marL="2743200" lvl="5" indent="-317500">
               <a:spcBef>
                 <a:spcPts val="0"/>
               </a:spcBef>
@@ -6434,7 +6322,7 @@
                 </a:solidFill>
               </a:defRPr>
             </a:lvl6pPr>
-            <a:lvl7pPr indent="-317500" lvl="6" marL="3200400">
+            <a:lvl7pPr marL="3200400" lvl="6" indent="-317500">
               <a:spcBef>
                 <a:spcPts val="0"/>
               </a:spcBef>
@@ -6452,7 +6340,7 @@
                 </a:solidFill>
               </a:defRPr>
             </a:lvl7pPr>
-            <a:lvl8pPr indent="-317500" lvl="7" marL="3657600">
+            <a:lvl8pPr marL="3657600" lvl="7" indent="-317500">
               <a:spcBef>
                 <a:spcPts val="0"/>
               </a:spcBef>
@@ -6470,7 +6358,7 @@
                 </a:solidFill>
               </a:defRPr>
             </a:lvl8pPr>
-            <a:lvl9pPr indent="-317500" lvl="8" marL="4114800">
+            <a:lvl9pPr marL="4114800" lvl="8" indent="-317500">
               <a:spcBef>
                 <a:spcPts val="0"/>
               </a:spcBef>
@@ -6497,7 +6385,7 @@
           <p:cNvPr id="65" name="Google Shape;65;p9"/>
           <p:cNvSpPr txBox="1"/>
           <p:nvPr>
-            <p:ph idx="12" type="sldNum"/>
+            <p:ph type="sldNum" idx="12"/>
           </p:nvPr>
         </p:nvSpPr>
         <p:spPr>
@@ -6510,7 +6398,7 @@
           </a:prstGeom>
         </p:spPr>
         <p:txBody>
-          <a:bodyPr anchorCtr="0" anchor="ctr" bIns="91425" lIns="91425" spcFirstLastPara="1" rIns="91425" wrap="square" tIns="91425">
+          <a:bodyPr spcFirstLastPara="1" wrap="square" lIns="91425" tIns="91425" rIns="91425" bIns="91425" anchor="ctr" anchorCtr="0">
             <a:normAutofit/>
           </a:bodyPr>
           <a:lstStyle>
@@ -6552,7 +6440,7 @@
             </a:lvl9pPr>
           </a:lstStyle>
           <a:p>
-            <a:pPr indent="0" lvl="0" marL="0" rtl="0" algn="r">
+            <a:pPr marL="0" lvl="0" indent="0" algn="r" rtl="0">
               <a:spcBef>
                 <a:spcPts val="0"/>
               </a:spcBef>
@@ -6563,9 +6451,8 @@
             </a:pPr>
             <a:fld id="{00000000-1234-1234-1234-123412341234}" type="slidenum">
               <a:rPr lang="en-GB"/>
-              <a:t>‹#›</a:t>
             </a:fld>
-            <a:endParaRPr/>
+            <a:endParaRPr lang="en-GB"/>
           </a:p>
         </p:txBody>
       </p:sp>
@@ -6578,7 +6465,7 @@
 </file>
 
 <file path=ppt/slideLayouts/slideLayout9.xml><?xml version="1.0" encoding="utf-8"?>
-<p:sldLayout xmlns:a="http://schemas.openxmlformats.org/drawingml/2006/main" xmlns:r="http://schemas.openxmlformats.org/officeDocument/2006/relationships" xmlns:mc="http://schemas.openxmlformats.org/markup-compatibility/2006" xmlns:mv="urn:schemas-microsoft-com:mac:vml" xmlns:p="http://schemas.openxmlformats.org/presentationml/2006/main" xmlns:c="http://schemas.openxmlformats.org/drawingml/2006/chart" xmlns:dgm="http://schemas.openxmlformats.org/drawingml/2006/diagram" xmlns:o="urn:schemas-microsoft-com:office:office" xmlns:v="urn:schemas-microsoft-com:vml" xmlns:pvml="urn:schemas-microsoft-com:office:powerpoint" xmlns:com="http://schemas.openxmlformats.org/drawingml/2006/compatibility" xmlns:p14="http://schemas.microsoft.com/office/powerpoint/2010/main" xmlns:p15="http://schemas.microsoft.com/office/powerpoint/2012/main" xmlns:ahyp="http://schemas.microsoft.com/office/drawing/2018/hyperlinkcolor" matchingName="Caption">
+<p:sldLayout xmlns:a="http://schemas.openxmlformats.org/drawingml/2006/main" xmlns:r="http://schemas.openxmlformats.org/officeDocument/2006/relationships" xmlns:p="http://schemas.openxmlformats.org/presentationml/2006/main" matchingName="Caption">
   <p:cSld name="CAPTION_ONLY">
     <p:spTree>
       <p:nvGrpSpPr>
@@ -6599,7 +6486,7 @@
           <p:cNvPr id="67" name="Google Shape;67;p10"/>
           <p:cNvSpPr txBox="1"/>
           <p:nvPr>
-            <p:ph idx="1" type="body"/>
+            <p:ph type="body" idx="1"/>
           </p:nvPr>
         </p:nvSpPr>
         <p:spPr>
@@ -6612,11 +6499,11 @@
           </a:prstGeom>
         </p:spPr>
         <p:txBody>
-          <a:bodyPr anchorCtr="0" anchor="ctr" bIns="91425" lIns="91425" spcFirstLastPara="1" rIns="91425" wrap="square" tIns="91425">
+          <a:bodyPr spcFirstLastPara="1" wrap="square" lIns="91425" tIns="91425" rIns="91425" bIns="91425" anchor="ctr" anchorCtr="0">
             <a:normAutofit/>
           </a:bodyPr>
           <a:lstStyle>
-            <a:lvl1pPr indent="-228600" lvl="0" marL="457200">
+            <a:lvl1pPr marL="457200" lvl="0" indent="-228600">
               <a:lnSpc>
                 <a:spcPct val="100000"/>
               </a:lnSpc>
@@ -6639,7 +6526,7 @@
           <p:cNvPr id="68" name="Google Shape;68;p10"/>
           <p:cNvSpPr txBox="1"/>
           <p:nvPr>
-            <p:ph idx="12" type="sldNum"/>
+            <p:ph type="sldNum" idx="12"/>
           </p:nvPr>
         </p:nvSpPr>
         <p:spPr>
@@ -6652,7 +6539,7 @@
           </a:prstGeom>
         </p:spPr>
         <p:txBody>
-          <a:bodyPr anchorCtr="0" anchor="ctr" bIns="91425" lIns="91425" spcFirstLastPara="1" rIns="91425" wrap="square" tIns="91425">
+          <a:bodyPr spcFirstLastPara="1" wrap="square" lIns="91425" tIns="91425" rIns="91425" bIns="91425" anchor="ctr" anchorCtr="0">
             <a:normAutofit/>
           </a:bodyPr>
           <a:lstStyle>
@@ -6730,7 +6617,7 @@
             </a:lvl9pPr>
           </a:lstStyle>
           <a:p>
-            <a:pPr indent="0" lvl="0" marL="0" rtl="0" algn="r">
+            <a:pPr marL="0" lvl="0" indent="0" algn="r" rtl="0">
               <a:spcBef>
                 <a:spcPts val="0"/>
               </a:spcBef>
@@ -6741,9 +6628,8 @@
             </a:pPr>
             <a:fld id="{00000000-1234-1234-1234-123412341234}" type="slidenum">
               <a:rPr lang="en-GB"/>
-              <a:t>‹#›</a:t>
             </a:fld>
-            <a:endParaRPr/>
+            <a:endParaRPr lang="en-GB"/>
           </a:p>
         </p:txBody>
       </p:sp>
@@ -6756,13 +6642,14 @@
 </file>
 
 <file path=ppt/slideMasters/slideMaster1.xml><?xml version="1.0" encoding="utf-8"?>
-<p:sldMaster xmlns:a="http://schemas.openxmlformats.org/drawingml/2006/main" xmlns:r="http://schemas.openxmlformats.org/officeDocument/2006/relationships" xmlns:mc="http://schemas.openxmlformats.org/markup-compatibility/2006" xmlns:mv="urn:schemas-microsoft-com:mac:vml" xmlns:p="http://schemas.openxmlformats.org/presentationml/2006/main" xmlns:c="http://schemas.openxmlformats.org/drawingml/2006/chart" xmlns:dgm="http://schemas.openxmlformats.org/drawingml/2006/diagram" xmlns:o="urn:schemas-microsoft-com:office:office" xmlns:v="urn:schemas-microsoft-com:vml" xmlns:pvml="urn:schemas-microsoft-com:office:powerpoint" xmlns:com="http://schemas.openxmlformats.org/drawingml/2006/compatibility" xmlns:p14="http://schemas.microsoft.com/office/powerpoint/2010/main" xmlns:p15="http://schemas.microsoft.com/office/powerpoint/2012/main" xmlns:ahyp="http://schemas.microsoft.com/office/drawing/2018/hyperlinkcolor">
-  <p:cSld name="geometric">
+<p:sldMaster xmlns:a="http://schemas.openxmlformats.org/drawingml/2006/main" xmlns:r="http://schemas.openxmlformats.org/officeDocument/2006/relationships" xmlns:p="http://schemas.openxmlformats.org/presentationml/2006/main">
+  <p:cSld>
     <p:bg>
       <p:bgPr>
         <a:solidFill>
           <a:schemeClr val="lt1"/>
         </a:solidFill>
+        <a:effectLst/>
       </p:bgPr>
     </p:bg>
     <p:spTree>
@@ -6801,7 +6688,7 @@
           </a:ln>
         </p:spPr>
         <p:txBody>
-          <a:bodyPr anchorCtr="0" anchor="t" bIns="91425" lIns="91425" spcFirstLastPara="1" rIns="91425" wrap="square" tIns="91425">
+          <a:bodyPr spcFirstLastPara="1" wrap="square" lIns="91425" tIns="91425" rIns="91425" bIns="91425" anchor="t" anchorCtr="0">
             <a:normAutofit/>
           </a:bodyPr>
           <a:lstStyle>
@@ -6816,16 +6703,16 @@
                 <a:schemeClr val="dk1"/>
               </a:buClr>
               <a:buSzPts val="3000"/>
-              <a:buFont typeface="Roboto"/>
+              <a:buFont typeface="Roboto" panose="02000000000000000000"/>
               <a:buNone/>
               <a:defRPr sz="3000">
                 <a:solidFill>
                   <a:schemeClr val="dk1"/>
                 </a:solidFill>
-                <a:latin typeface="Roboto"/>
-                <a:ea typeface="Roboto"/>
-                <a:cs typeface="Roboto"/>
-                <a:sym typeface="Roboto"/>
+                <a:latin typeface="Roboto" panose="02000000000000000000"/>
+                <a:ea typeface="Roboto" panose="02000000000000000000"/>
+                <a:cs typeface="Roboto" panose="02000000000000000000"/>
+                <a:sym typeface="Roboto" panose="02000000000000000000"/>
               </a:defRPr>
             </a:lvl1pPr>
             <a:lvl2pPr lvl="1">
@@ -6839,16 +6726,16 @@
                 <a:schemeClr val="dk1"/>
               </a:buClr>
               <a:buSzPts val="3000"/>
-              <a:buFont typeface="Roboto"/>
+              <a:buFont typeface="Roboto" panose="02000000000000000000"/>
               <a:buNone/>
               <a:defRPr sz="3000">
                 <a:solidFill>
                   <a:schemeClr val="dk1"/>
                 </a:solidFill>
-                <a:latin typeface="Roboto"/>
-                <a:ea typeface="Roboto"/>
-                <a:cs typeface="Roboto"/>
-                <a:sym typeface="Roboto"/>
+                <a:latin typeface="Roboto" panose="02000000000000000000"/>
+                <a:ea typeface="Roboto" panose="02000000000000000000"/>
+                <a:cs typeface="Roboto" panose="02000000000000000000"/>
+                <a:sym typeface="Roboto" panose="02000000000000000000"/>
               </a:defRPr>
             </a:lvl2pPr>
             <a:lvl3pPr lvl="2">
@@ -6862,16 +6749,16 @@
                 <a:schemeClr val="dk1"/>
               </a:buClr>
               <a:buSzPts val="3000"/>
-              <a:buFont typeface="Roboto"/>
+              <a:buFont typeface="Roboto" panose="02000000000000000000"/>
               <a:buNone/>
               <a:defRPr sz="3000">
                 <a:solidFill>
                   <a:schemeClr val="dk1"/>
                 </a:solidFill>
-                <a:latin typeface="Roboto"/>
-                <a:ea typeface="Roboto"/>
-                <a:cs typeface="Roboto"/>
-                <a:sym typeface="Roboto"/>
+                <a:latin typeface="Roboto" panose="02000000000000000000"/>
+                <a:ea typeface="Roboto" panose="02000000000000000000"/>
+                <a:cs typeface="Roboto" panose="02000000000000000000"/>
+                <a:sym typeface="Roboto" panose="02000000000000000000"/>
               </a:defRPr>
             </a:lvl3pPr>
             <a:lvl4pPr lvl="3">
@@ -6885,16 +6772,16 @@
                 <a:schemeClr val="dk1"/>
               </a:buClr>
               <a:buSzPts val="3000"/>
-              <a:buFont typeface="Roboto"/>
+              <a:buFont typeface="Roboto" panose="02000000000000000000"/>
               <a:buNone/>
               <a:defRPr sz="3000">
                 <a:solidFill>
                   <a:schemeClr val="dk1"/>
                 </a:solidFill>
-                <a:latin typeface="Roboto"/>
-                <a:ea typeface="Roboto"/>
-                <a:cs typeface="Roboto"/>
-                <a:sym typeface="Roboto"/>
+                <a:latin typeface="Roboto" panose="02000000000000000000"/>
+                <a:ea typeface="Roboto" panose="02000000000000000000"/>
+                <a:cs typeface="Roboto" panose="02000000000000000000"/>
+                <a:sym typeface="Roboto" panose="02000000000000000000"/>
               </a:defRPr>
             </a:lvl4pPr>
             <a:lvl5pPr lvl="4">
@@ -6908,16 +6795,16 @@
                 <a:schemeClr val="dk1"/>
               </a:buClr>
               <a:buSzPts val="3000"/>
-              <a:buFont typeface="Roboto"/>
+              <a:buFont typeface="Roboto" panose="02000000000000000000"/>
               <a:buNone/>
               <a:defRPr sz="3000">
                 <a:solidFill>
                   <a:schemeClr val="dk1"/>
                 </a:solidFill>
-                <a:latin typeface="Roboto"/>
-                <a:ea typeface="Roboto"/>
-                <a:cs typeface="Roboto"/>
-                <a:sym typeface="Roboto"/>
+                <a:latin typeface="Roboto" panose="02000000000000000000"/>
+                <a:ea typeface="Roboto" panose="02000000000000000000"/>
+                <a:cs typeface="Roboto" panose="02000000000000000000"/>
+                <a:sym typeface="Roboto" panose="02000000000000000000"/>
               </a:defRPr>
             </a:lvl5pPr>
             <a:lvl6pPr lvl="5">
@@ -6931,16 +6818,16 @@
                 <a:schemeClr val="dk1"/>
               </a:buClr>
               <a:buSzPts val="3000"/>
-              <a:buFont typeface="Roboto"/>
+              <a:buFont typeface="Roboto" panose="02000000000000000000"/>
               <a:buNone/>
               <a:defRPr sz="3000">
                 <a:solidFill>
                   <a:schemeClr val="dk1"/>
                 </a:solidFill>
-                <a:latin typeface="Roboto"/>
-                <a:ea typeface="Roboto"/>
-                <a:cs typeface="Roboto"/>
-                <a:sym typeface="Roboto"/>
+                <a:latin typeface="Roboto" panose="02000000000000000000"/>
+                <a:ea typeface="Roboto" panose="02000000000000000000"/>
+                <a:cs typeface="Roboto" panose="02000000000000000000"/>
+                <a:sym typeface="Roboto" panose="02000000000000000000"/>
               </a:defRPr>
             </a:lvl6pPr>
             <a:lvl7pPr lvl="6">
@@ -6954,16 +6841,16 @@
                 <a:schemeClr val="dk1"/>
               </a:buClr>
               <a:buSzPts val="3000"/>
-              <a:buFont typeface="Roboto"/>
+              <a:buFont typeface="Roboto" panose="02000000000000000000"/>
               <a:buNone/>
               <a:defRPr sz="3000">
                 <a:solidFill>
                   <a:schemeClr val="dk1"/>
                 </a:solidFill>
-                <a:latin typeface="Roboto"/>
-                <a:ea typeface="Roboto"/>
-                <a:cs typeface="Roboto"/>
-                <a:sym typeface="Roboto"/>
+                <a:latin typeface="Roboto" panose="02000000000000000000"/>
+                <a:ea typeface="Roboto" panose="02000000000000000000"/>
+                <a:cs typeface="Roboto" panose="02000000000000000000"/>
+                <a:sym typeface="Roboto" panose="02000000000000000000"/>
               </a:defRPr>
             </a:lvl7pPr>
             <a:lvl8pPr lvl="7">
@@ -6977,16 +6864,16 @@
                 <a:schemeClr val="dk1"/>
               </a:buClr>
               <a:buSzPts val="3000"/>
-              <a:buFont typeface="Roboto"/>
+              <a:buFont typeface="Roboto" panose="02000000000000000000"/>
               <a:buNone/>
               <a:defRPr sz="3000">
                 <a:solidFill>
                   <a:schemeClr val="dk1"/>
                 </a:solidFill>
-                <a:latin typeface="Roboto"/>
-                <a:ea typeface="Roboto"/>
-                <a:cs typeface="Roboto"/>
-                <a:sym typeface="Roboto"/>
+                <a:latin typeface="Roboto" panose="02000000000000000000"/>
+                <a:ea typeface="Roboto" panose="02000000000000000000"/>
+                <a:cs typeface="Roboto" panose="02000000000000000000"/>
+                <a:sym typeface="Roboto" panose="02000000000000000000"/>
               </a:defRPr>
             </a:lvl8pPr>
             <a:lvl9pPr lvl="8">
@@ -7000,16 +6887,16 @@
                 <a:schemeClr val="dk1"/>
               </a:buClr>
               <a:buSzPts val="3000"/>
-              <a:buFont typeface="Roboto"/>
+              <a:buFont typeface="Roboto" panose="02000000000000000000"/>
               <a:buNone/>
               <a:defRPr sz="3000">
                 <a:solidFill>
                   <a:schemeClr val="dk1"/>
                 </a:solidFill>
-                <a:latin typeface="Roboto"/>
-                <a:ea typeface="Roboto"/>
-                <a:cs typeface="Roboto"/>
-                <a:sym typeface="Roboto"/>
+                <a:latin typeface="Roboto" panose="02000000000000000000"/>
+                <a:ea typeface="Roboto" panose="02000000000000000000"/>
+                <a:cs typeface="Roboto" panose="02000000000000000000"/>
+                <a:sym typeface="Roboto" panose="02000000000000000000"/>
               </a:defRPr>
             </a:lvl9pPr>
           </a:lstStyle>
@@ -7021,7 +6908,7 @@
           <p:cNvPr id="7" name="Google Shape;7;p1"/>
           <p:cNvSpPr txBox="1"/>
           <p:nvPr>
-            <p:ph idx="1" type="body"/>
+            <p:ph type="body" idx="1"/>
           </p:nvPr>
         </p:nvSpPr>
         <p:spPr>
@@ -7038,11 +6925,11 @@
           </a:ln>
         </p:spPr>
         <p:txBody>
-          <a:bodyPr anchorCtr="0" anchor="t" bIns="91425" lIns="91425" spcFirstLastPara="1" rIns="91425" wrap="square" tIns="91425">
+          <a:bodyPr spcFirstLastPara="1" wrap="square" lIns="91425" tIns="91425" rIns="91425" bIns="91425" anchor="t" anchorCtr="0">
             <a:normAutofit/>
           </a:bodyPr>
           <a:lstStyle>
-            <a:lvl1pPr indent="-342900" lvl="0" marL="457200">
+            <a:lvl1pPr marL="457200" lvl="0" indent="-342900">
               <a:lnSpc>
                 <a:spcPct val="115000"/>
               </a:lnSpc>
@@ -7056,19 +6943,19 @@
                 <a:schemeClr val="dk2"/>
               </a:buClr>
               <a:buSzPts val="1800"/>
-              <a:buFont typeface="Roboto"/>
+              <a:buFont typeface="Roboto" panose="02000000000000000000"/>
               <a:buChar char="●"/>
               <a:defRPr sz="1800">
                 <a:solidFill>
                   <a:schemeClr val="dk2"/>
                 </a:solidFill>
-                <a:latin typeface="Roboto"/>
-                <a:ea typeface="Roboto"/>
-                <a:cs typeface="Roboto"/>
-                <a:sym typeface="Roboto"/>
+                <a:latin typeface="Roboto" panose="02000000000000000000"/>
+                <a:ea typeface="Roboto" panose="02000000000000000000"/>
+                <a:cs typeface="Roboto" panose="02000000000000000000"/>
+                <a:sym typeface="Roboto" panose="02000000000000000000"/>
               </a:defRPr>
             </a:lvl1pPr>
-            <a:lvl2pPr indent="-317500" lvl="1" marL="914400">
+            <a:lvl2pPr marL="914400" lvl="1" indent="-317500">
               <a:lnSpc>
                 <a:spcPct val="115000"/>
               </a:lnSpc>
@@ -7082,19 +6969,19 @@
                 <a:schemeClr val="dk2"/>
               </a:buClr>
               <a:buSzPts val="1400"/>
-              <a:buFont typeface="Roboto"/>
+              <a:buFont typeface="Roboto" panose="02000000000000000000"/>
               <a:buChar char="○"/>
               <a:defRPr>
                 <a:solidFill>
                   <a:schemeClr val="dk2"/>
                 </a:solidFill>
-                <a:latin typeface="Roboto"/>
-                <a:ea typeface="Roboto"/>
-                <a:cs typeface="Roboto"/>
-                <a:sym typeface="Roboto"/>
+                <a:latin typeface="Roboto" panose="02000000000000000000"/>
+                <a:ea typeface="Roboto" panose="02000000000000000000"/>
+                <a:cs typeface="Roboto" panose="02000000000000000000"/>
+                <a:sym typeface="Roboto" panose="02000000000000000000"/>
               </a:defRPr>
             </a:lvl2pPr>
-            <a:lvl3pPr indent="-317500" lvl="2" marL="1371600">
+            <a:lvl3pPr marL="1371600" lvl="2" indent="-317500">
               <a:lnSpc>
                 <a:spcPct val="115000"/>
               </a:lnSpc>
@@ -7108,19 +6995,19 @@
                 <a:schemeClr val="dk2"/>
               </a:buClr>
               <a:buSzPts val="1400"/>
-              <a:buFont typeface="Roboto"/>
+              <a:buFont typeface="Roboto" panose="02000000000000000000"/>
               <a:buChar char="■"/>
               <a:defRPr>
                 <a:solidFill>
                   <a:schemeClr val="dk2"/>
                 </a:solidFill>
-                <a:latin typeface="Roboto"/>
-                <a:ea typeface="Roboto"/>
-                <a:cs typeface="Roboto"/>
-                <a:sym typeface="Roboto"/>
+                <a:latin typeface="Roboto" panose="02000000000000000000"/>
+                <a:ea typeface="Roboto" panose="02000000000000000000"/>
+                <a:cs typeface="Roboto" panose="02000000000000000000"/>
+                <a:sym typeface="Roboto" panose="02000000000000000000"/>
               </a:defRPr>
             </a:lvl3pPr>
-            <a:lvl4pPr indent="-317500" lvl="3" marL="1828800">
+            <a:lvl4pPr marL="1828800" lvl="3" indent="-317500">
               <a:lnSpc>
                 <a:spcPct val="115000"/>
               </a:lnSpc>
@@ -7134,19 +7021,19 @@
                 <a:schemeClr val="dk2"/>
               </a:buClr>
               <a:buSzPts val="1400"/>
-              <a:buFont typeface="Roboto"/>
+              <a:buFont typeface="Roboto" panose="02000000000000000000"/>
               <a:buChar char="●"/>
               <a:defRPr>
                 <a:solidFill>
                   <a:schemeClr val="dk2"/>
                 </a:solidFill>
-                <a:latin typeface="Roboto"/>
-                <a:ea typeface="Roboto"/>
-                <a:cs typeface="Roboto"/>
-                <a:sym typeface="Roboto"/>
+                <a:latin typeface="Roboto" panose="02000000000000000000"/>
+                <a:ea typeface="Roboto" panose="02000000000000000000"/>
+                <a:cs typeface="Roboto" panose="02000000000000000000"/>
+                <a:sym typeface="Roboto" panose="02000000000000000000"/>
               </a:defRPr>
             </a:lvl4pPr>
-            <a:lvl5pPr indent="-317500" lvl="4" marL="2286000">
+            <a:lvl5pPr marL="2286000" lvl="4" indent="-317500">
               <a:lnSpc>
                 <a:spcPct val="115000"/>
               </a:lnSpc>
@@ -7160,19 +7047,19 @@
                 <a:schemeClr val="dk2"/>
               </a:buClr>
               <a:buSzPts val="1400"/>
-              <a:buFont typeface="Roboto"/>
+              <a:buFont typeface="Roboto" panose="02000000000000000000"/>
               <a:buChar char="○"/>
               <a:defRPr>
                 <a:solidFill>
                   <a:schemeClr val="dk2"/>
                 </a:solidFill>
-                <a:latin typeface="Roboto"/>
-                <a:ea typeface="Roboto"/>
-                <a:cs typeface="Roboto"/>
-                <a:sym typeface="Roboto"/>
+                <a:latin typeface="Roboto" panose="02000000000000000000"/>
+                <a:ea typeface="Roboto" panose="02000000000000000000"/>
+                <a:cs typeface="Roboto" panose="02000000000000000000"/>
+                <a:sym typeface="Roboto" panose="02000000000000000000"/>
               </a:defRPr>
             </a:lvl5pPr>
-            <a:lvl6pPr indent="-317500" lvl="5" marL="2743200">
+            <a:lvl6pPr marL="2743200" lvl="5" indent="-317500">
               <a:lnSpc>
                 <a:spcPct val="115000"/>
               </a:lnSpc>
@@ -7186,19 +7073,19 @@
                 <a:schemeClr val="dk2"/>
               </a:buClr>
               <a:buSzPts val="1400"/>
-              <a:buFont typeface="Roboto"/>
+              <a:buFont typeface="Roboto" panose="02000000000000000000"/>
               <a:buChar char="■"/>
               <a:defRPr>
                 <a:solidFill>
                   <a:schemeClr val="dk2"/>
                 </a:solidFill>
-                <a:latin typeface="Roboto"/>
-                <a:ea typeface="Roboto"/>
-                <a:cs typeface="Roboto"/>
-                <a:sym typeface="Roboto"/>
+                <a:latin typeface="Roboto" panose="02000000000000000000"/>
+                <a:ea typeface="Roboto" panose="02000000000000000000"/>
+                <a:cs typeface="Roboto" panose="02000000000000000000"/>
+                <a:sym typeface="Roboto" panose="02000000000000000000"/>
               </a:defRPr>
             </a:lvl6pPr>
-            <a:lvl7pPr indent="-317500" lvl="6" marL="3200400">
+            <a:lvl7pPr marL="3200400" lvl="6" indent="-317500">
               <a:lnSpc>
                 <a:spcPct val="115000"/>
               </a:lnSpc>
@@ -7212,19 +7099,19 @@
                 <a:schemeClr val="dk2"/>
               </a:buClr>
               <a:buSzPts val="1400"/>
-              <a:buFont typeface="Roboto"/>
+              <a:buFont typeface="Roboto" panose="02000000000000000000"/>
               <a:buChar char="●"/>
               <a:defRPr>
                 <a:solidFill>
                   <a:schemeClr val="dk2"/>
                 </a:solidFill>
-                <a:latin typeface="Roboto"/>
-                <a:ea typeface="Roboto"/>
-                <a:cs typeface="Roboto"/>
-                <a:sym typeface="Roboto"/>
+                <a:latin typeface="Roboto" panose="02000000000000000000"/>
+                <a:ea typeface="Roboto" panose="02000000000000000000"/>
+                <a:cs typeface="Roboto" panose="02000000000000000000"/>
+                <a:sym typeface="Roboto" panose="02000000000000000000"/>
               </a:defRPr>
             </a:lvl7pPr>
-            <a:lvl8pPr indent="-317500" lvl="7" marL="3657600">
+            <a:lvl8pPr marL="3657600" lvl="7" indent="-317500">
               <a:lnSpc>
                 <a:spcPct val="115000"/>
               </a:lnSpc>
@@ -7238,19 +7125,19 @@
                 <a:schemeClr val="dk2"/>
               </a:buClr>
               <a:buSzPts val="1400"/>
-              <a:buFont typeface="Roboto"/>
+              <a:buFont typeface="Roboto" panose="02000000000000000000"/>
               <a:buChar char="○"/>
               <a:defRPr>
                 <a:solidFill>
                   <a:schemeClr val="dk2"/>
                 </a:solidFill>
-                <a:latin typeface="Roboto"/>
-                <a:ea typeface="Roboto"/>
-                <a:cs typeface="Roboto"/>
-                <a:sym typeface="Roboto"/>
+                <a:latin typeface="Roboto" panose="02000000000000000000"/>
+                <a:ea typeface="Roboto" panose="02000000000000000000"/>
+                <a:cs typeface="Roboto" panose="02000000000000000000"/>
+                <a:sym typeface="Roboto" panose="02000000000000000000"/>
               </a:defRPr>
             </a:lvl8pPr>
-            <a:lvl9pPr indent="-317500" lvl="8" marL="4114800">
+            <a:lvl9pPr marL="4114800" lvl="8" indent="-317500">
               <a:lnSpc>
                 <a:spcPct val="115000"/>
               </a:lnSpc>
@@ -7264,16 +7151,16 @@
                 <a:schemeClr val="dk2"/>
               </a:buClr>
               <a:buSzPts val="1400"/>
-              <a:buFont typeface="Roboto"/>
+              <a:buFont typeface="Roboto" panose="02000000000000000000"/>
               <a:buChar char="■"/>
               <a:defRPr>
                 <a:solidFill>
                   <a:schemeClr val="dk2"/>
                 </a:solidFill>
-                <a:latin typeface="Roboto"/>
-                <a:ea typeface="Roboto"/>
-                <a:cs typeface="Roboto"/>
-                <a:sym typeface="Roboto"/>
+                <a:latin typeface="Roboto" panose="02000000000000000000"/>
+                <a:ea typeface="Roboto" panose="02000000000000000000"/>
+                <a:cs typeface="Roboto" panose="02000000000000000000"/>
+                <a:sym typeface="Roboto" panose="02000000000000000000"/>
               </a:defRPr>
             </a:lvl9pPr>
           </a:lstStyle>
@@ -7285,7 +7172,7 @@
           <p:cNvPr id="8" name="Google Shape;8;p1"/>
           <p:cNvSpPr txBox="1"/>
           <p:nvPr>
-            <p:ph idx="12" type="sldNum"/>
+            <p:ph type="sldNum" idx="12"/>
           </p:nvPr>
         </p:nvSpPr>
         <p:spPr>
@@ -7302,7 +7189,7 @@
           </a:ln>
         </p:spPr>
         <p:txBody>
-          <a:bodyPr anchorCtr="0" anchor="ctr" bIns="91425" lIns="91425" spcFirstLastPara="1" rIns="91425" wrap="square" tIns="91425">
+          <a:bodyPr spcFirstLastPara="1" wrap="square" lIns="91425" tIns="91425" rIns="91425" bIns="91425" anchor="ctr" anchorCtr="0">
             <a:normAutofit/>
           </a:bodyPr>
           <a:lstStyle>
@@ -7312,10 +7199,10 @@
                 <a:solidFill>
                   <a:schemeClr val="lt1"/>
                 </a:solidFill>
-                <a:latin typeface="Roboto"/>
-                <a:ea typeface="Roboto"/>
-                <a:cs typeface="Roboto"/>
-                <a:sym typeface="Roboto"/>
+                <a:latin typeface="Roboto" panose="02000000000000000000"/>
+                <a:ea typeface="Roboto" panose="02000000000000000000"/>
+                <a:cs typeface="Roboto" panose="02000000000000000000"/>
+                <a:sym typeface="Roboto" panose="02000000000000000000"/>
               </a:defRPr>
             </a:lvl1pPr>
             <a:lvl2pPr lvl="1" algn="r">
@@ -7324,10 +7211,10 @@
                 <a:solidFill>
                   <a:schemeClr val="lt1"/>
                 </a:solidFill>
-                <a:latin typeface="Roboto"/>
-                <a:ea typeface="Roboto"/>
-                <a:cs typeface="Roboto"/>
-                <a:sym typeface="Roboto"/>
+                <a:latin typeface="Roboto" panose="02000000000000000000"/>
+                <a:ea typeface="Roboto" panose="02000000000000000000"/>
+                <a:cs typeface="Roboto" panose="02000000000000000000"/>
+                <a:sym typeface="Roboto" panose="02000000000000000000"/>
               </a:defRPr>
             </a:lvl2pPr>
             <a:lvl3pPr lvl="2" algn="r">
@@ -7336,10 +7223,10 @@
                 <a:solidFill>
                   <a:schemeClr val="lt1"/>
                 </a:solidFill>
-                <a:latin typeface="Roboto"/>
-                <a:ea typeface="Roboto"/>
-                <a:cs typeface="Roboto"/>
-                <a:sym typeface="Roboto"/>
+                <a:latin typeface="Roboto" panose="02000000000000000000"/>
+                <a:ea typeface="Roboto" panose="02000000000000000000"/>
+                <a:cs typeface="Roboto" panose="02000000000000000000"/>
+                <a:sym typeface="Roboto" panose="02000000000000000000"/>
               </a:defRPr>
             </a:lvl3pPr>
             <a:lvl4pPr lvl="3" algn="r">
@@ -7348,10 +7235,10 @@
                 <a:solidFill>
                   <a:schemeClr val="lt1"/>
                 </a:solidFill>
-                <a:latin typeface="Roboto"/>
-                <a:ea typeface="Roboto"/>
-                <a:cs typeface="Roboto"/>
-                <a:sym typeface="Roboto"/>
+                <a:latin typeface="Roboto" panose="02000000000000000000"/>
+                <a:ea typeface="Roboto" panose="02000000000000000000"/>
+                <a:cs typeface="Roboto" panose="02000000000000000000"/>
+                <a:sym typeface="Roboto" panose="02000000000000000000"/>
               </a:defRPr>
             </a:lvl4pPr>
             <a:lvl5pPr lvl="4" algn="r">
@@ -7360,10 +7247,10 @@
                 <a:solidFill>
                   <a:schemeClr val="lt1"/>
                 </a:solidFill>
-                <a:latin typeface="Roboto"/>
-                <a:ea typeface="Roboto"/>
-                <a:cs typeface="Roboto"/>
-                <a:sym typeface="Roboto"/>
+                <a:latin typeface="Roboto" panose="02000000000000000000"/>
+                <a:ea typeface="Roboto" panose="02000000000000000000"/>
+                <a:cs typeface="Roboto" panose="02000000000000000000"/>
+                <a:sym typeface="Roboto" panose="02000000000000000000"/>
               </a:defRPr>
             </a:lvl5pPr>
             <a:lvl6pPr lvl="5" algn="r">
@@ -7372,10 +7259,10 @@
                 <a:solidFill>
                   <a:schemeClr val="lt1"/>
                 </a:solidFill>
-                <a:latin typeface="Roboto"/>
-                <a:ea typeface="Roboto"/>
-                <a:cs typeface="Roboto"/>
-                <a:sym typeface="Roboto"/>
+                <a:latin typeface="Roboto" panose="02000000000000000000"/>
+                <a:ea typeface="Roboto" panose="02000000000000000000"/>
+                <a:cs typeface="Roboto" panose="02000000000000000000"/>
+                <a:sym typeface="Roboto" panose="02000000000000000000"/>
               </a:defRPr>
             </a:lvl6pPr>
             <a:lvl7pPr lvl="6" algn="r">
@@ -7384,10 +7271,10 @@
                 <a:solidFill>
                   <a:schemeClr val="lt1"/>
                 </a:solidFill>
-                <a:latin typeface="Roboto"/>
-                <a:ea typeface="Roboto"/>
-                <a:cs typeface="Roboto"/>
-                <a:sym typeface="Roboto"/>
+                <a:latin typeface="Roboto" panose="02000000000000000000"/>
+                <a:ea typeface="Roboto" panose="02000000000000000000"/>
+                <a:cs typeface="Roboto" panose="02000000000000000000"/>
+                <a:sym typeface="Roboto" panose="02000000000000000000"/>
               </a:defRPr>
             </a:lvl7pPr>
             <a:lvl8pPr lvl="7" algn="r">
@@ -7396,10 +7283,10 @@
                 <a:solidFill>
                   <a:schemeClr val="lt1"/>
                 </a:solidFill>
-                <a:latin typeface="Roboto"/>
-                <a:ea typeface="Roboto"/>
-                <a:cs typeface="Roboto"/>
-                <a:sym typeface="Roboto"/>
+                <a:latin typeface="Roboto" panose="02000000000000000000"/>
+                <a:ea typeface="Roboto" panose="02000000000000000000"/>
+                <a:cs typeface="Roboto" panose="02000000000000000000"/>
+                <a:sym typeface="Roboto" panose="02000000000000000000"/>
               </a:defRPr>
             </a:lvl8pPr>
             <a:lvl9pPr lvl="8" algn="r">
@@ -7408,15 +7295,15 @@
                 <a:solidFill>
                   <a:schemeClr val="lt1"/>
                 </a:solidFill>
-                <a:latin typeface="Roboto"/>
-                <a:ea typeface="Roboto"/>
-                <a:cs typeface="Roboto"/>
-                <a:sym typeface="Roboto"/>
+                <a:latin typeface="Roboto" panose="02000000000000000000"/>
+                <a:ea typeface="Roboto" panose="02000000000000000000"/>
+                <a:cs typeface="Roboto" panose="02000000000000000000"/>
+                <a:sym typeface="Roboto" panose="02000000000000000000"/>
               </a:defRPr>
             </a:lvl9pPr>
           </a:lstStyle>
           <a:p>
-            <a:pPr indent="0" lvl="0" marL="0" rtl="0" algn="r">
+            <a:pPr marL="0" lvl="0" indent="0" algn="r" rtl="0">
               <a:spcBef>
                 <a:spcPts val="0"/>
               </a:spcBef>
@@ -7427,32 +7314,31 @@
             </a:pPr>
             <a:fld id="{00000000-1234-1234-1234-123412341234}" type="slidenum">
               <a:rPr lang="en-GB"/>
-              <a:t>‹#›</a:t>
             </a:fld>
-            <a:endParaRPr/>
+            <a:endParaRPr lang="en-GB"/>
           </a:p>
         </p:txBody>
       </p:sp>
     </p:spTree>
   </p:cSld>
-  <p:clrMap accent1="accent1" accent2="accent2" accent3="accent3" accent4="accent4" accent5="accent5" accent6="accent6" bg1="lt1" bg2="dk2" tx1="dk1" tx2="lt2" folHlink="folHlink" hlink="hlink"/>
+  <p:clrMap bg1="lt1" tx1="dk1" bg2="dk2" tx2="lt2" accent1="accent1" accent2="accent2" accent3="accent3" accent4="accent4" accent5="accent5" accent6="accent6" hlink="hlink" folHlink="folHlink"/>
   <p:sldLayoutIdLst>
-    <p:sldLayoutId id="2147483648" r:id="rId1"/>
-    <p:sldLayoutId id="2147483649" r:id="rId2"/>
-    <p:sldLayoutId id="2147483650" r:id="rId3"/>
-    <p:sldLayoutId id="2147483651" r:id="rId4"/>
-    <p:sldLayoutId id="2147483652" r:id="rId5"/>
-    <p:sldLayoutId id="2147483653" r:id="rId6"/>
-    <p:sldLayoutId id="2147483654" r:id="rId7"/>
-    <p:sldLayoutId id="2147483655" r:id="rId8"/>
-    <p:sldLayoutId id="2147483656" r:id="rId9"/>
-    <p:sldLayoutId id="2147483657" r:id="rId10"/>
-    <p:sldLayoutId id="2147483658" r:id="rId11"/>
+    <p:sldLayoutId id="2147483649" r:id="rId1"/>
+    <p:sldLayoutId id="2147483650" r:id="rId2"/>
+    <p:sldLayoutId id="2147483651" r:id="rId3"/>
+    <p:sldLayoutId id="2147483652" r:id="rId4"/>
+    <p:sldLayoutId id="2147483653" r:id="rId5"/>
+    <p:sldLayoutId id="2147483654" r:id="rId6"/>
+    <p:sldLayoutId id="2147483655" r:id="rId7"/>
+    <p:sldLayoutId id="2147483656" r:id="rId8"/>
+    <p:sldLayoutId id="2147483657" r:id="rId9"/>
+    <p:sldLayoutId id="2147483658" r:id="rId10"/>
+    <p:sldLayoutId id="2147483659" r:id="rId11"/>
   </p:sldLayoutIdLst>
-  <p:hf dt="0" ftr="0" hdr="0" sldNum="0"/>
+  <p:hf sldNum="0" hdr="0" ftr="0" dt="0"/>
   <p:txStyles>
     <p:titleStyle>
-      <a:defPPr lvl="0" marR="0" rtl="0" algn="l">
+      <a:defPPr marR="0" lvl="0" algn="l" rtl="0">
         <a:lnSpc>
           <a:spcPct val="100000"/>
         </a:lnSpc>
@@ -7463,7 +7349,7 @@
           <a:spcPts val="0"/>
         </a:spcAft>
       </a:defPPr>
-      <a:lvl1pPr lvl="0" marR="0" rtl="0" algn="l">
+      <a:lvl1pPr marR="0" lvl="0" algn="l" rtl="0">
         <a:lnSpc>
           <a:spcPct val="100000"/>
         </a:lnSpc>
@@ -7476,18 +7362,18 @@
         <a:buClr>
           <a:srgbClr val="000000"/>
         </a:buClr>
-        <a:buFont typeface="Arial"/>
-        <a:defRPr b="0" i="0" sz="1400" u="none" cap="none" strike="noStrike">
+        <a:buFont typeface="Arial" panose="020B0604020202020204"/>
+        <a:defRPr sz="1400" b="0" i="0" u="none" strike="noStrike" cap="none">
           <a:solidFill>
             <a:srgbClr val="000000"/>
           </a:solidFill>
-          <a:latin typeface="Arial"/>
-          <a:ea typeface="Arial"/>
-          <a:cs typeface="Arial"/>
-          <a:sym typeface="Arial"/>
+          <a:latin typeface="Arial" panose="020B0604020202020204"/>
+          <a:ea typeface="Arial" panose="020B0604020202020204"/>
+          <a:cs typeface="Arial" panose="020B0604020202020204"/>
+          <a:sym typeface="Arial" panose="020B0604020202020204"/>
         </a:defRPr>
       </a:lvl1pPr>
-      <a:lvl2pPr lvl="1" marR="0" rtl="0" algn="l">
+      <a:lvl2pPr marR="0" lvl="1" algn="l" rtl="0">
         <a:lnSpc>
           <a:spcPct val="100000"/>
         </a:lnSpc>
@@ -7500,18 +7386,18 @@
         <a:buClr>
           <a:srgbClr val="000000"/>
         </a:buClr>
-        <a:buFont typeface="Arial"/>
-        <a:defRPr b="0" i="0" sz="1400" u="none" cap="none" strike="noStrike">
+        <a:buFont typeface="Arial" panose="020B0604020202020204"/>
+        <a:defRPr sz="1400" b="0" i="0" u="none" strike="noStrike" cap="none">
           <a:solidFill>
             <a:srgbClr val="000000"/>
           </a:solidFill>
-          <a:latin typeface="Arial"/>
-          <a:ea typeface="Arial"/>
-          <a:cs typeface="Arial"/>
-          <a:sym typeface="Arial"/>
+          <a:latin typeface="Arial" panose="020B0604020202020204"/>
+          <a:ea typeface="Arial" panose="020B0604020202020204"/>
+          <a:cs typeface="Arial" panose="020B0604020202020204"/>
+          <a:sym typeface="Arial" panose="020B0604020202020204"/>
         </a:defRPr>
       </a:lvl2pPr>
-      <a:lvl3pPr lvl="2" marR="0" rtl="0" algn="l">
+      <a:lvl3pPr marR="0" lvl="2" algn="l" rtl="0">
         <a:lnSpc>
           <a:spcPct val="100000"/>
         </a:lnSpc>
@@ -7524,18 +7410,18 @@
         <a:buClr>
           <a:srgbClr val="000000"/>
         </a:buClr>
-        <a:buFont typeface="Arial"/>
-        <a:defRPr b="0" i="0" sz="1400" u="none" cap="none" strike="noStrike">
+        <a:buFont typeface="Arial" panose="020B0604020202020204"/>
+        <a:defRPr sz="1400" b="0" i="0" u="none" strike="noStrike" cap="none">
           <a:solidFill>
             <a:srgbClr val="000000"/>
           </a:solidFill>
-          <a:latin typeface="Arial"/>
-          <a:ea typeface="Arial"/>
-          <a:cs typeface="Arial"/>
-          <a:sym typeface="Arial"/>
+          <a:latin typeface="Arial" panose="020B0604020202020204"/>
+          <a:ea typeface="Arial" panose="020B0604020202020204"/>
+          <a:cs typeface="Arial" panose="020B0604020202020204"/>
+          <a:sym typeface="Arial" panose="020B0604020202020204"/>
         </a:defRPr>
       </a:lvl3pPr>
-      <a:lvl4pPr lvl="3" marR="0" rtl="0" algn="l">
+      <a:lvl4pPr marR="0" lvl="3" algn="l" rtl="0">
         <a:lnSpc>
           <a:spcPct val="100000"/>
         </a:lnSpc>
@@ -7548,18 +7434,18 @@
         <a:buClr>
           <a:srgbClr val="000000"/>
         </a:buClr>
-        <a:buFont typeface="Arial"/>
-        <a:defRPr b="0" i="0" sz="1400" u="none" cap="none" strike="noStrike">
+        <a:buFont typeface="Arial" panose="020B0604020202020204"/>
+        <a:defRPr sz="1400" b="0" i="0" u="none" strike="noStrike" cap="none">
           <a:solidFill>
             <a:srgbClr val="000000"/>
           </a:solidFill>
-          <a:latin typeface="Arial"/>
-          <a:ea typeface="Arial"/>
-          <a:cs typeface="Arial"/>
-          <a:sym typeface="Arial"/>
+          <a:latin typeface="Arial" panose="020B0604020202020204"/>
+          <a:ea typeface="Arial" panose="020B0604020202020204"/>
+          <a:cs typeface="Arial" panose="020B0604020202020204"/>
+          <a:sym typeface="Arial" panose="020B0604020202020204"/>
         </a:defRPr>
       </a:lvl4pPr>
-      <a:lvl5pPr lvl="4" marR="0" rtl="0" algn="l">
+      <a:lvl5pPr marR="0" lvl="4" algn="l" rtl="0">
         <a:lnSpc>
           <a:spcPct val="100000"/>
         </a:lnSpc>
@@ -7572,18 +7458,18 @@
         <a:buClr>
           <a:srgbClr val="000000"/>
         </a:buClr>
-        <a:buFont typeface="Arial"/>
-        <a:defRPr b="0" i="0" sz="1400" u="none" cap="none" strike="noStrike">
+        <a:buFont typeface="Arial" panose="020B0604020202020204"/>
+        <a:defRPr sz="1400" b="0" i="0" u="none" strike="noStrike" cap="none">
           <a:solidFill>
             <a:srgbClr val="000000"/>
           </a:solidFill>
-          <a:latin typeface="Arial"/>
-          <a:ea typeface="Arial"/>
-          <a:cs typeface="Arial"/>
-          <a:sym typeface="Arial"/>
+          <a:latin typeface="Arial" panose="020B0604020202020204"/>
+          <a:ea typeface="Arial" panose="020B0604020202020204"/>
+          <a:cs typeface="Arial" panose="020B0604020202020204"/>
+          <a:sym typeface="Arial" panose="020B0604020202020204"/>
         </a:defRPr>
       </a:lvl5pPr>
-      <a:lvl6pPr lvl="5" marR="0" rtl="0" algn="l">
+      <a:lvl6pPr marR="0" lvl="5" algn="l" rtl="0">
         <a:lnSpc>
           <a:spcPct val="100000"/>
         </a:lnSpc>
@@ -7596,18 +7482,18 @@
         <a:buClr>
           <a:srgbClr val="000000"/>
         </a:buClr>
-        <a:buFont typeface="Arial"/>
-        <a:defRPr b="0" i="0" sz="1400" u="none" cap="none" strike="noStrike">
+        <a:buFont typeface="Arial" panose="020B0604020202020204"/>
+        <a:defRPr sz="1400" b="0" i="0" u="none" strike="noStrike" cap="none">
           <a:solidFill>
             <a:srgbClr val="000000"/>
           </a:solidFill>
-          <a:latin typeface="Arial"/>
-          <a:ea typeface="Arial"/>
-          <a:cs typeface="Arial"/>
-          <a:sym typeface="Arial"/>
+          <a:latin typeface="Arial" panose="020B0604020202020204"/>
+          <a:ea typeface="Arial" panose="020B0604020202020204"/>
+          <a:cs typeface="Arial" panose="020B0604020202020204"/>
+          <a:sym typeface="Arial" panose="020B0604020202020204"/>
         </a:defRPr>
       </a:lvl6pPr>
-      <a:lvl7pPr lvl="6" marR="0" rtl="0" algn="l">
+      <a:lvl7pPr marR="0" lvl="6" algn="l" rtl="0">
         <a:lnSpc>
           <a:spcPct val="100000"/>
         </a:lnSpc>
@@ -7620,18 +7506,18 @@
         <a:buClr>
           <a:srgbClr val="000000"/>
         </a:buClr>
-        <a:buFont typeface="Arial"/>
-        <a:defRPr b="0" i="0" sz="1400" u="none" cap="none" strike="noStrike">
+        <a:buFont typeface="Arial" panose="020B0604020202020204"/>
+        <a:defRPr sz="1400" b="0" i="0" u="none" strike="noStrike" cap="none">
           <a:solidFill>
             <a:srgbClr val="000000"/>
           </a:solidFill>
-          <a:latin typeface="Arial"/>
-          <a:ea typeface="Arial"/>
-          <a:cs typeface="Arial"/>
-          <a:sym typeface="Arial"/>
+          <a:latin typeface="Arial" panose="020B0604020202020204"/>
+          <a:ea typeface="Arial" panose="020B0604020202020204"/>
+          <a:cs typeface="Arial" panose="020B0604020202020204"/>
+          <a:sym typeface="Arial" panose="020B0604020202020204"/>
         </a:defRPr>
       </a:lvl7pPr>
-      <a:lvl8pPr lvl="7" marR="0" rtl="0" algn="l">
+      <a:lvl8pPr marR="0" lvl="7" algn="l" rtl="0">
         <a:lnSpc>
           <a:spcPct val="100000"/>
         </a:lnSpc>
@@ -7644,18 +7530,18 @@
         <a:buClr>
           <a:srgbClr val="000000"/>
         </a:buClr>
-        <a:buFont typeface="Arial"/>
-        <a:defRPr b="0" i="0" sz="1400" u="none" cap="none" strike="noStrike">
+        <a:buFont typeface="Arial" panose="020B0604020202020204"/>
+        <a:defRPr sz="1400" b="0" i="0" u="none" strike="noStrike" cap="none">
           <a:solidFill>
             <a:srgbClr val="000000"/>
           </a:solidFill>
-          <a:latin typeface="Arial"/>
-          <a:ea typeface="Arial"/>
-          <a:cs typeface="Arial"/>
-          <a:sym typeface="Arial"/>
+          <a:latin typeface="Arial" panose="020B0604020202020204"/>
+          <a:ea typeface="Arial" panose="020B0604020202020204"/>
+          <a:cs typeface="Arial" panose="020B0604020202020204"/>
+          <a:sym typeface="Arial" panose="020B0604020202020204"/>
         </a:defRPr>
       </a:lvl8pPr>
-      <a:lvl9pPr lvl="8" marR="0" rtl="0" algn="l">
+      <a:lvl9pPr marR="0" lvl="8" algn="l" rtl="0">
         <a:lnSpc>
           <a:spcPct val="100000"/>
         </a:lnSpc>
@@ -7668,20 +7554,20 @@
         <a:buClr>
           <a:srgbClr val="000000"/>
         </a:buClr>
-        <a:buFont typeface="Arial"/>
-        <a:defRPr b="0" i="0" sz="1400" u="none" cap="none" strike="noStrike">
+        <a:buFont typeface="Arial" panose="020B0604020202020204"/>
+        <a:defRPr sz="1400" b="0" i="0" u="none" strike="noStrike" cap="none">
           <a:solidFill>
             <a:srgbClr val="000000"/>
           </a:solidFill>
-          <a:latin typeface="Arial"/>
-          <a:ea typeface="Arial"/>
-          <a:cs typeface="Arial"/>
-          <a:sym typeface="Arial"/>
+          <a:latin typeface="Arial" panose="020B0604020202020204"/>
+          <a:ea typeface="Arial" panose="020B0604020202020204"/>
+          <a:cs typeface="Arial" panose="020B0604020202020204"/>
+          <a:sym typeface="Arial" panose="020B0604020202020204"/>
         </a:defRPr>
       </a:lvl9pPr>
     </p:titleStyle>
     <p:bodyStyle>
-      <a:defPPr lvl="0" marR="0" rtl="0" algn="l">
+      <a:defPPr marR="0" lvl="0" algn="l" rtl="0">
         <a:lnSpc>
           <a:spcPct val="100000"/>
         </a:lnSpc>
@@ -7692,7 +7578,7 @@
           <a:spcPts val="0"/>
         </a:spcAft>
       </a:defPPr>
-      <a:lvl1pPr lvl="0" marR="0" rtl="0" algn="l">
+      <a:lvl1pPr marR="0" lvl="0" algn="l" rtl="0">
         <a:lnSpc>
           <a:spcPct val="100000"/>
         </a:lnSpc>
@@ -7705,18 +7591,18 @@
         <a:buClr>
           <a:srgbClr val="000000"/>
         </a:buClr>
-        <a:buFont typeface="Arial"/>
-        <a:defRPr b="0" i="0" sz="1400" u="none" cap="none" strike="noStrike">
+        <a:buFont typeface="Arial" panose="020B0604020202020204"/>
+        <a:defRPr sz="1400" b="0" i="0" u="none" strike="noStrike" cap="none">
           <a:solidFill>
             <a:srgbClr val="000000"/>
           </a:solidFill>
-          <a:latin typeface="Arial"/>
-          <a:ea typeface="Arial"/>
-          <a:cs typeface="Arial"/>
-          <a:sym typeface="Arial"/>
+          <a:latin typeface="Arial" panose="020B0604020202020204"/>
+          <a:ea typeface="Arial" panose="020B0604020202020204"/>
+          <a:cs typeface="Arial" panose="020B0604020202020204"/>
+          <a:sym typeface="Arial" panose="020B0604020202020204"/>
         </a:defRPr>
       </a:lvl1pPr>
-      <a:lvl2pPr lvl="1" marR="0" rtl="0" algn="l">
+      <a:lvl2pPr marR="0" lvl="1" algn="l" rtl="0">
         <a:lnSpc>
           <a:spcPct val="100000"/>
         </a:lnSpc>
@@ -7729,18 +7615,18 @@
         <a:buClr>
           <a:srgbClr val="000000"/>
         </a:buClr>
-        <a:buFont typeface="Arial"/>
-        <a:defRPr b="0" i="0" sz="1400" u="none" cap="none" strike="noStrike">
+        <a:buFont typeface="Arial" panose="020B0604020202020204"/>
+        <a:defRPr sz="1400" b="0" i="0" u="none" strike="noStrike" cap="none">
           <a:solidFill>
             <a:srgbClr val="000000"/>
           </a:solidFill>
-          <a:latin typeface="Arial"/>
-          <a:ea typeface="Arial"/>
-          <a:cs typeface="Arial"/>
-          <a:sym typeface="Arial"/>
+          <a:latin typeface="Arial" panose="020B0604020202020204"/>
+          <a:ea typeface="Arial" panose="020B0604020202020204"/>
+          <a:cs typeface="Arial" panose="020B0604020202020204"/>
+          <a:sym typeface="Arial" panose="020B0604020202020204"/>
         </a:defRPr>
       </a:lvl2pPr>
-      <a:lvl3pPr lvl="2" marR="0" rtl="0" algn="l">
+      <a:lvl3pPr marR="0" lvl="2" algn="l" rtl="0">
         <a:lnSpc>
           <a:spcPct val="100000"/>
         </a:lnSpc>
@@ -7753,18 +7639,18 @@
         <a:buClr>
           <a:srgbClr val="000000"/>
         </a:buClr>
-        <a:buFont typeface="Arial"/>
-        <a:defRPr b="0" i="0" sz="1400" u="none" cap="none" strike="noStrike">
+        <a:buFont typeface="Arial" panose="020B0604020202020204"/>
+        <a:defRPr sz="1400" b="0" i="0" u="none" strike="noStrike" cap="none">
           <a:solidFill>
             <a:srgbClr val="000000"/>
           </a:solidFill>
-          <a:latin typeface="Arial"/>
-          <a:ea typeface="Arial"/>
-          <a:cs typeface="Arial"/>
-          <a:sym typeface="Arial"/>
+          <a:latin typeface="Arial" panose="020B0604020202020204"/>
+          <a:ea typeface="Arial" panose="020B0604020202020204"/>
+          <a:cs typeface="Arial" panose="020B0604020202020204"/>
+          <a:sym typeface="Arial" panose="020B0604020202020204"/>
         </a:defRPr>
       </a:lvl3pPr>
-      <a:lvl4pPr lvl="3" marR="0" rtl="0" algn="l">
+      <a:lvl4pPr marR="0" lvl="3" algn="l" rtl="0">
         <a:lnSpc>
           <a:spcPct val="100000"/>
         </a:lnSpc>
@@ -7777,18 +7663,18 @@
         <a:buClr>
           <a:srgbClr val="000000"/>
         </a:buClr>
-        <a:buFont typeface="Arial"/>
-        <a:defRPr b="0" i="0" sz="1400" u="none" cap="none" strike="noStrike">
+        <a:buFont typeface="Arial" panose="020B0604020202020204"/>
+        <a:defRPr sz="1400" b="0" i="0" u="none" strike="noStrike" cap="none">
           <a:solidFill>
             <a:srgbClr val="000000"/>
           </a:solidFill>
-          <a:latin typeface="Arial"/>
-          <a:ea typeface="Arial"/>
-          <a:cs typeface="Arial"/>
-          <a:sym typeface="Arial"/>
+          <a:latin typeface="Arial" panose="020B0604020202020204"/>
+          <a:ea typeface="Arial" panose="020B0604020202020204"/>
+          <a:cs typeface="Arial" panose="020B0604020202020204"/>
+          <a:sym typeface="Arial" panose="020B0604020202020204"/>
         </a:defRPr>
       </a:lvl4pPr>
-      <a:lvl5pPr lvl="4" marR="0" rtl="0" algn="l">
+      <a:lvl5pPr marR="0" lvl="4" algn="l" rtl="0">
         <a:lnSpc>
           <a:spcPct val="100000"/>
         </a:lnSpc>
@@ -7801,18 +7687,18 @@
         <a:buClr>
           <a:srgbClr val="000000"/>
         </a:buClr>
-        <a:buFont typeface="Arial"/>
-        <a:defRPr b="0" i="0" sz="1400" u="none" cap="none" strike="noStrike">
+        <a:buFont typeface="Arial" panose="020B0604020202020204"/>
+        <a:defRPr sz="1400" b="0" i="0" u="none" strike="noStrike" cap="none">
           <a:solidFill>
             <a:srgbClr val="000000"/>
           </a:solidFill>
-          <a:latin typeface="Arial"/>
-          <a:ea typeface="Arial"/>
-          <a:cs typeface="Arial"/>
-          <a:sym typeface="Arial"/>
+          <a:latin typeface="Arial" panose="020B0604020202020204"/>
+          <a:ea typeface="Arial" panose="020B0604020202020204"/>
+          <a:cs typeface="Arial" panose="020B0604020202020204"/>
+          <a:sym typeface="Arial" panose="020B0604020202020204"/>
         </a:defRPr>
       </a:lvl5pPr>
-      <a:lvl6pPr lvl="5" marR="0" rtl="0" algn="l">
+      <a:lvl6pPr marR="0" lvl="5" algn="l" rtl="0">
         <a:lnSpc>
           <a:spcPct val="100000"/>
         </a:lnSpc>
@@ -7825,18 +7711,18 @@
         <a:buClr>
           <a:srgbClr val="000000"/>
         </a:buClr>
-        <a:buFont typeface="Arial"/>
-        <a:defRPr b="0" i="0" sz="1400" u="none" cap="none" strike="noStrike">
+        <a:buFont typeface="Arial" panose="020B0604020202020204"/>
+        <a:defRPr sz="1400" b="0" i="0" u="none" strike="noStrike" cap="none">
           <a:solidFill>
             <a:srgbClr val="000000"/>
           </a:solidFill>
-          <a:latin typeface="Arial"/>
-          <a:ea typeface="Arial"/>
-          <a:cs typeface="Arial"/>
-          <a:sym typeface="Arial"/>
+          <a:latin typeface="Arial" panose="020B0604020202020204"/>
+          <a:ea typeface="Arial" panose="020B0604020202020204"/>
+          <a:cs typeface="Arial" panose="020B0604020202020204"/>
+          <a:sym typeface="Arial" panose="020B0604020202020204"/>
         </a:defRPr>
       </a:lvl6pPr>
-      <a:lvl7pPr lvl="6" marR="0" rtl="0" algn="l">
+      <a:lvl7pPr marR="0" lvl="6" algn="l" rtl="0">
         <a:lnSpc>
           <a:spcPct val="100000"/>
         </a:lnSpc>
@@ -7849,18 +7735,18 @@
         <a:buClr>
           <a:srgbClr val="000000"/>
         </a:buClr>
-        <a:buFont typeface="Arial"/>
-        <a:defRPr b="0" i="0" sz="1400" u="none" cap="none" strike="noStrike">
+        <a:buFont typeface="Arial" panose="020B0604020202020204"/>
+        <a:defRPr sz="1400" b="0" i="0" u="none" strike="noStrike" cap="none">
           <a:solidFill>
             <a:srgbClr val="000000"/>
           </a:solidFill>
-          <a:latin typeface="Arial"/>
-          <a:ea typeface="Arial"/>
-          <a:cs typeface="Arial"/>
-          <a:sym typeface="Arial"/>
+          <a:latin typeface="Arial" panose="020B0604020202020204"/>
+          <a:ea typeface="Arial" panose="020B0604020202020204"/>
+          <a:cs typeface="Arial" panose="020B0604020202020204"/>
+          <a:sym typeface="Arial" panose="020B0604020202020204"/>
         </a:defRPr>
       </a:lvl7pPr>
-      <a:lvl8pPr lvl="7" marR="0" rtl="0" algn="l">
+      <a:lvl8pPr marR="0" lvl="7" algn="l" rtl="0">
         <a:lnSpc>
           <a:spcPct val="100000"/>
         </a:lnSpc>
@@ -7873,18 +7759,18 @@
         <a:buClr>
           <a:srgbClr val="000000"/>
         </a:buClr>
-        <a:buFont typeface="Arial"/>
-        <a:defRPr b="0" i="0" sz="1400" u="none" cap="none" strike="noStrike">
+        <a:buFont typeface="Arial" panose="020B0604020202020204"/>
+        <a:defRPr sz="1400" b="0" i="0" u="none" strike="noStrike" cap="none">
           <a:solidFill>
             <a:srgbClr val="000000"/>
           </a:solidFill>
-          <a:latin typeface="Arial"/>
-          <a:ea typeface="Arial"/>
-          <a:cs typeface="Arial"/>
-          <a:sym typeface="Arial"/>
+          <a:latin typeface="Arial" panose="020B0604020202020204"/>
+          <a:ea typeface="Arial" panose="020B0604020202020204"/>
+          <a:cs typeface="Arial" panose="020B0604020202020204"/>
+          <a:sym typeface="Arial" panose="020B0604020202020204"/>
         </a:defRPr>
       </a:lvl8pPr>
-      <a:lvl9pPr lvl="8" marR="0" rtl="0" algn="l">
+      <a:lvl9pPr marR="0" lvl="8" algn="l" rtl="0">
         <a:lnSpc>
           <a:spcPct val="100000"/>
         </a:lnSpc>
@@ -7897,20 +7783,20 @@
         <a:buClr>
           <a:srgbClr val="000000"/>
         </a:buClr>
-        <a:buFont typeface="Arial"/>
-        <a:defRPr b="0" i="0" sz="1400" u="none" cap="none" strike="noStrike">
+        <a:buFont typeface="Arial" panose="020B0604020202020204"/>
+        <a:defRPr sz="1400" b="0" i="0" u="none" strike="noStrike" cap="none">
           <a:solidFill>
             <a:srgbClr val="000000"/>
           </a:solidFill>
-          <a:latin typeface="Arial"/>
-          <a:ea typeface="Arial"/>
-          <a:cs typeface="Arial"/>
-          <a:sym typeface="Arial"/>
+          <a:latin typeface="Arial" panose="020B0604020202020204"/>
+          <a:ea typeface="Arial" panose="020B0604020202020204"/>
+          <a:cs typeface="Arial" panose="020B0604020202020204"/>
+          <a:sym typeface="Arial" panose="020B0604020202020204"/>
         </a:defRPr>
       </a:lvl9pPr>
     </p:bodyStyle>
     <p:otherStyle>
-      <a:defPPr lvl="0" marR="0" rtl="0" algn="l">
+      <a:defPPr marR="0" lvl="0" algn="l" rtl="0">
         <a:lnSpc>
           <a:spcPct val="100000"/>
         </a:lnSpc>
@@ -7921,7 +7807,7 @@
           <a:spcPts val="0"/>
         </a:spcAft>
       </a:defPPr>
-      <a:lvl1pPr lvl="0" marR="0" rtl="0" algn="l">
+      <a:lvl1pPr marR="0" lvl="0" algn="l" rtl="0">
         <a:lnSpc>
           <a:spcPct val="100000"/>
         </a:lnSpc>
@@ -7934,18 +7820,18 @@
         <a:buClr>
           <a:srgbClr val="000000"/>
         </a:buClr>
-        <a:buFont typeface="Arial"/>
-        <a:defRPr b="0" i="0" sz="1400" u="none" cap="none" strike="noStrike">
+        <a:buFont typeface="Arial" panose="020B0604020202020204"/>
+        <a:defRPr sz="1400" b="0" i="0" u="none" strike="noStrike" cap="none">
           <a:solidFill>
             <a:srgbClr val="000000"/>
           </a:solidFill>
-          <a:latin typeface="Arial"/>
-          <a:ea typeface="Arial"/>
-          <a:cs typeface="Arial"/>
-          <a:sym typeface="Arial"/>
+          <a:latin typeface="Arial" panose="020B0604020202020204"/>
+          <a:ea typeface="Arial" panose="020B0604020202020204"/>
+          <a:cs typeface="Arial" panose="020B0604020202020204"/>
+          <a:sym typeface="Arial" panose="020B0604020202020204"/>
         </a:defRPr>
       </a:lvl1pPr>
-      <a:lvl2pPr lvl="1" marR="0" rtl="0" algn="l">
+      <a:lvl2pPr marR="0" lvl="1" algn="l" rtl="0">
         <a:lnSpc>
           <a:spcPct val="100000"/>
         </a:lnSpc>
@@ -7958,18 +7844,18 @@
         <a:buClr>
           <a:srgbClr val="000000"/>
         </a:buClr>
-        <a:buFont typeface="Arial"/>
-        <a:defRPr b="0" i="0" sz="1400" u="none" cap="none" strike="noStrike">
+        <a:buFont typeface="Arial" panose="020B0604020202020204"/>
+        <a:defRPr sz="1400" b="0" i="0" u="none" strike="noStrike" cap="none">
           <a:solidFill>
             <a:srgbClr val="000000"/>
           </a:solidFill>
-          <a:latin typeface="Arial"/>
-          <a:ea typeface="Arial"/>
-          <a:cs typeface="Arial"/>
-          <a:sym typeface="Arial"/>
+          <a:latin typeface="Arial" panose="020B0604020202020204"/>
+          <a:ea typeface="Arial" panose="020B0604020202020204"/>
+          <a:cs typeface="Arial" panose="020B0604020202020204"/>
+          <a:sym typeface="Arial" panose="020B0604020202020204"/>
         </a:defRPr>
       </a:lvl2pPr>
-      <a:lvl3pPr lvl="2" marR="0" rtl="0" algn="l">
+      <a:lvl3pPr marR="0" lvl="2" algn="l" rtl="0">
         <a:lnSpc>
           <a:spcPct val="100000"/>
         </a:lnSpc>
@@ -7982,18 +7868,18 @@
         <a:buClr>
           <a:srgbClr val="000000"/>
         </a:buClr>
-        <a:buFont typeface="Arial"/>
-        <a:defRPr b="0" i="0" sz="1400" u="none" cap="none" strike="noStrike">
+        <a:buFont typeface="Arial" panose="020B0604020202020204"/>
+        <a:defRPr sz="1400" b="0" i="0" u="none" strike="noStrike" cap="none">
           <a:solidFill>
             <a:srgbClr val="000000"/>
           </a:solidFill>
-          <a:latin typeface="Arial"/>
-          <a:ea typeface="Arial"/>
-          <a:cs typeface="Arial"/>
-          <a:sym typeface="Arial"/>
+          <a:latin typeface="Arial" panose="020B0604020202020204"/>
+          <a:ea typeface="Arial" panose="020B0604020202020204"/>
+          <a:cs typeface="Arial" panose="020B0604020202020204"/>
+          <a:sym typeface="Arial" panose="020B0604020202020204"/>
         </a:defRPr>
       </a:lvl3pPr>
-      <a:lvl4pPr lvl="3" marR="0" rtl="0" algn="l">
+      <a:lvl4pPr marR="0" lvl="3" algn="l" rtl="0">
         <a:lnSpc>
           <a:spcPct val="100000"/>
         </a:lnSpc>
@@ -8006,18 +7892,18 @@
         <a:buClr>
           <a:srgbClr val="000000"/>
         </a:buClr>
-        <a:buFont typeface="Arial"/>
-        <a:defRPr b="0" i="0" sz="1400" u="none" cap="none" strike="noStrike">
+        <a:buFont typeface="Arial" panose="020B0604020202020204"/>
+        <a:defRPr sz="1400" b="0" i="0" u="none" strike="noStrike" cap="none">
           <a:solidFill>
             <a:srgbClr val="000000"/>
           </a:solidFill>
-          <a:latin typeface="Arial"/>
-          <a:ea typeface="Arial"/>
-          <a:cs typeface="Arial"/>
-          <a:sym typeface="Arial"/>
+          <a:latin typeface="Arial" panose="020B0604020202020204"/>
+          <a:ea typeface="Arial" panose="020B0604020202020204"/>
+          <a:cs typeface="Arial" panose="020B0604020202020204"/>
+          <a:sym typeface="Arial" panose="020B0604020202020204"/>
         </a:defRPr>
       </a:lvl4pPr>
-      <a:lvl5pPr lvl="4" marR="0" rtl="0" algn="l">
+      <a:lvl5pPr marR="0" lvl="4" algn="l" rtl="0">
         <a:lnSpc>
           <a:spcPct val="100000"/>
         </a:lnSpc>
@@ -8030,18 +7916,18 @@
         <a:buClr>
           <a:srgbClr val="000000"/>
         </a:buClr>
-        <a:buFont typeface="Arial"/>
-        <a:defRPr b="0" i="0" sz="1400" u="none" cap="none" strike="noStrike">
+        <a:buFont typeface="Arial" panose="020B0604020202020204"/>
+        <a:defRPr sz="1400" b="0" i="0" u="none" strike="noStrike" cap="none">
           <a:solidFill>
             <a:srgbClr val="000000"/>
           </a:solidFill>
-          <a:latin typeface="Arial"/>
-          <a:ea typeface="Arial"/>
-          <a:cs typeface="Arial"/>
-          <a:sym typeface="Arial"/>
+          <a:latin typeface="Arial" panose="020B0604020202020204"/>
+          <a:ea typeface="Arial" panose="020B0604020202020204"/>
+          <a:cs typeface="Arial" panose="020B0604020202020204"/>
+          <a:sym typeface="Arial" panose="020B0604020202020204"/>
         </a:defRPr>
       </a:lvl5pPr>
-      <a:lvl6pPr lvl="5" marR="0" rtl="0" algn="l">
+      <a:lvl6pPr marR="0" lvl="5" algn="l" rtl="0">
         <a:lnSpc>
           <a:spcPct val="100000"/>
         </a:lnSpc>
@@ -8054,18 +7940,18 @@
         <a:buClr>
           <a:srgbClr val="000000"/>
         </a:buClr>
-        <a:buFont typeface="Arial"/>
-        <a:defRPr b="0" i="0" sz="1400" u="none" cap="none" strike="noStrike">
+        <a:buFont typeface="Arial" panose="020B0604020202020204"/>
+        <a:defRPr sz="1400" b="0" i="0" u="none" strike="noStrike" cap="none">
           <a:solidFill>
             <a:srgbClr val="000000"/>
           </a:solidFill>
-          <a:latin typeface="Arial"/>
-          <a:ea typeface="Arial"/>
-          <a:cs typeface="Arial"/>
-          <a:sym typeface="Arial"/>
+          <a:latin typeface="Arial" panose="020B0604020202020204"/>
+          <a:ea typeface="Arial" panose="020B0604020202020204"/>
+          <a:cs typeface="Arial" panose="020B0604020202020204"/>
+          <a:sym typeface="Arial" panose="020B0604020202020204"/>
         </a:defRPr>
       </a:lvl6pPr>
-      <a:lvl7pPr lvl="6" marR="0" rtl="0" algn="l">
+      <a:lvl7pPr marR="0" lvl="6" algn="l" rtl="0">
         <a:lnSpc>
           <a:spcPct val="100000"/>
         </a:lnSpc>
@@ -8078,18 +7964,18 @@
         <a:buClr>
           <a:srgbClr val="000000"/>
         </a:buClr>
-        <a:buFont typeface="Arial"/>
-        <a:defRPr b="0" i="0" sz="1400" u="none" cap="none" strike="noStrike">
+        <a:buFont typeface="Arial" panose="020B0604020202020204"/>
+        <a:defRPr sz="1400" b="0" i="0" u="none" strike="noStrike" cap="none">
           <a:solidFill>
             <a:srgbClr val="000000"/>
           </a:solidFill>
-          <a:latin typeface="Arial"/>
-          <a:ea typeface="Arial"/>
-          <a:cs typeface="Arial"/>
-          <a:sym typeface="Arial"/>
+          <a:latin typeface="Arial" panose="020B0604020202020204"/>
+          <a:ea typeface="Arial" panose="020B0604020202020204"/>
+          <a:cs typeface="Arial" panose="020B0604020202020204"/>
+          <a:sym typeface="Arial" panose="020B0604020202020204"/>
         </a:defRPr>
       </a:lvl7pPr>
-      <a:lvl8pPr lvl="7" marR="0" rtl="0" algn="l">
+      <a:lvl8pPr marR="0" lvl="7" algn="l" rtl="0">
         <a:lnSpc>
           <a:spcPct val="100000"/>
         </a:lnSpc>
@@ -8102,18 +7988,18 @@
         <a:buClr>
           <a:srgbClr val="000000"/>
         </a:buClr>
-        <a:buFont typeface="Arial"/>
-        <a:defRPr b="0" i="0" sz="1400" u="none" cap="none" strike="noStrike">
+        <a:buFont typeface="Arial" panose="020B0604020202020204"/>
+        <a:defRPr sz="1400" b="0" i="0" u="none" strike="noStrike" cap="none">
           <a:solidFill>
             <a:srgbClr val="000000"/>
           </a:solidFill>
-          <a:latin typeface="Arial"/>
-          <a:ea typeface="Arial"/>
-          <a:cs typeface="Arial"/>
-          <a:sym typeface="Arial"/>
+          <a:latin typeface="Arial" panose="020B0604020202020204"/>
+          <a:ea typeface="Arial" panose="020B0604020202020204"/>
+          <a:cs typeface="Arial" panose="020B0604020202020204"/>
+          <a:sym typeface="Arial" panose="020B0604020202020204"/>
         </a:defRPr>
       </a:lvl8pPr>
-      <a:lvl9pPr lvl="8" marR="0" rtl="0" algn="l">
+      <a:lvl9pPr marR="0" lvl="8" algn="l" rtl="0">
         <a:lnSpc>
           <a:spcPct val="100000"/>
         </a:lnSpc>
@@ -8126,15 +8012,15 @@
         <a:buClr>
           <a:srgbClr val="000000"/>
         </a:buClr>
-        <a:buFont typeface="Arial"/>
-        <a:defRPr b="0" i="0" sz="1400" u="none" cap="none" strike="noStrike">
+        <a:buFont typeface="Arial" panose="020B0604020202020204"/>
+        <a:defRPr sz="1400" b="0" i="0" u="none" strike="noStrike" cap="none">
           <a:solidFill>
             <a:srgbClr val="000000"/>
           </a:solidFill>
-          <a:latin typeface="Arial"/>
-          <a:ea typeface="Arial"/>
-          <a:cs typeface="Arial"/>
-          <a:sym typeface="Arial"/>
+          <a:latin typeface="Arial" panose="020B0604020202020204"/>
+          <a:ea typeface="Arial" panose="020B0604020202020204"/>
+          <a:cs typeface="Arial" panose="020B0604020202020204"/>
+          <a:sym typeface="Arial" panose="020B0604020202020204"/>
         </a:defRPr>
       </a:lvl9pPr>
     </p:otherStyle>
@@ -8143,7 +8029,7 @@
 </file>
 
 <file path=ppt/slides/slide1.xml><?xml version="1.0" encoding="utf-8"?>
-<p:sld xmlns:a="http://schemas.openxmlformats.org/drawingml/2006/main" xmlns:r="http://schemas.openxmlformats.org/officeDocument/2006/relationships" xmlns:mc="http://schemas.openxmlformats.org/markup-compatibility/2006" xmlns:mv="urn:schemas-microsoft-com:mac:vml" xmlns:p="http://schemas.openxmlformats.org/presentationml/2006/main" xmlns:c="http://schemas.openxmlformats.org/drawingml/2006/chart" xmlns:dgm="http://schemas.openxmlformats.org/drawingml/2006/diagram" xmlns:o="urn:schemas-microsoft-com:office:office" xmlns:v="urn:schemas-microsoft-com:vml" xmlns:pvml="urn:schemas-microsoft-com:office:powerpoint" xmlns:com="http://schemas.openxmlformats.org/drawingml/2006/compatibility" xmlns:p14="http://schemas.microsoft.com/office/powerpoint/2010/main" xmlns:p15="http://schemas.microsoft.com/office/powerpoint/2012/main" xmlns:ahyp="http://schemas.microsoft.com/office/drawing/2018/hyperlinkcolor">
+<p:sld xmlns:a="http://schemas.openxmlformats.org/drawingml/2006/main" xmlns:r="http://schemas.openxmlformats.org/officeDocument/2006/relationships" xmlns:p="http://schemas.openxmlformats.org/presentationml/2006/main">
   <p:cSld>
     <p:spTree>
       <p:nvGrpSpPr>
@@ -8179,12 +8065,12 @@
           </a:ln>
         </p:spPr>
         <p:txBody>
-          <a:bodyPr anchorCtr="0" anchor="t" bIns="91425" lIns="91425" spcFirstLastPara="1" rIns="91425" wrap="square" tIns="91425">
+          <a:bodyPr spcFirstLastPara="1" wrap="square" lIns="91425" tIns="91425" rIns="91425" bIns="91425" anchor="t" anchorCtr="0">
             <a:spAutoFit/>
           </a:bodyPr>
           <a:lstStyle/>
           <a:p>
-            <a:pPr indent="0" lvl="0" marL="0" rtl="0" algn="l">
+            <a:pPr marL="0" lvl="0" indent="0" algn="l" rtl="0">
               <a:spcBef>
                 <a:spcPts val="0"/>
               </a:spcBef>
@@ -8198,10 +8084,10 @@
                 <a:solidFill>
                   <a:srgbClr val="FFFFFF"/>
                 </a:solidFill>
-                <a:latin typeface="Comic Sans MS"/>
-                <a:ea typeface="Comic Sans MS"/>
-                <a:cs typeface="Comic Sans MS"/>
-                <a:sym typeface="Comic Sans MS"/>
+                <a:latin typeface="Comic Sans MS" panose="030F0702030302020204"/>
+                <a:ea typeface="Comic Sans MS" panose="030F0702030302020204"/>
+                <a:cs typeface="Comic Sans MS" panose="030F0702030302020204"/>
+                <a:sym typeface="Comic Sans MS" panose="030F0702030302020204"/>
               </a:rPr>
               <a:t>Made by Vaibhav Chaudhary</a:t>
             </a:r>
@@ -8210,10 +8096,10 @@
                 <a:solidFill>
                   <a:srgbClr val="FFFFFF"/>
                 </a:solidFill>
-                <a:latin typeface="Roboto"/>
-                <a:ea typeface="Roboto"/>
-                <a:cs typeface="Roboto"/>
-                <a:sym typeface="Roboto"/>
+                <a:latin typeface="Roboto" panose="02000000000000000000"/>
+                <a:ea typeface="Roboto" panose="02000000000000000000"/>
+                <a:cs typeface="Roboto" panose="02000000000000000000"/>
+                <a:sym typeface="Roboto" panose="02000000000000000000"/>
               </a:rPr>
               <a:t> </a:t>
             </a:r>
@@ -8221,10 +8107,10 @@
               <a:solidFill>
                 <a:srgbClr val="FFFFFF"/>
               </a:solidFill>
-              <a:latin typeface="Roboto"/>
-              <a:ea typeface="Roboto"/>
-              <a:cs typeface="Roboto"/>
-              <a:sym typeface="Roboto"/>
+              <a:latin typeface="Roboto" panose="02000000000000000000"/>
+              <a:ea typeface="Roboto" panose="02000000000000000000"/>
+              <a:cs typeface="Roboto" panose="02000000000000000000"/>
+              <a:sym typeface="Roboto" panose="02000000000000000000"/>
             </a:endParaRPr>
           </a:p>
         </p:txBody>
@@ -8236,9 +8122,7 @@
           <p:nvPr/>
         </p:nvPicPr>
         <p:blipFill>
-          <a:blip r:embed="rId3">
-            <a:alphaModFix/>
-          </a:blip>
+          <a:blip r:embed="rId1"/>
           <a:stretch>
             <a:fillRect/>
           </a:stretch>
@@ -8266,7 +8150,7 @@
 </file>
 
 <file path=ppt/slides/slide2.xml><?xml version="1.0" encoding="utf-8"?>
-<p:sld xmlns:a="http://schemas.openxmlformats.org/drawingml/2006/main" xmlns:r="http://schemas.openxmlformats.org/officeDocument/2006/relationships" xmlns:mc="http://schemas.openxmlformats.org/markup-compatibility/2006" xmlns:mv="urn:schemas-microsoft-com:mac:vml" xmlns:p="http://schemas.openxmlformats.org/presentationml/2006/main" xmlns:c="http://schemas.openxmlformats.org/drawingml/2006/chart" xmlns:dgm="http://schemas.openxmlformats.org/drawingml/2006/diagram" xmlns:o="urn:schemas-microsoft-com:office:office" xmlns:v="urn:schemas-microsoft-com:vml" xmlns:pvml="urn:schemas-microsoft-com:office:powerpoint" xmlns:com="http://schemas.openxmlformats.org/drawingml/2006/compatibility" xmlns:p14="http://schemas.microsoft.com/office/powerpoint/2010/main" xmlns:p15="http://schemas.microsoft.com/office/powerpoint/2012/main" xmlns:ahyp="http://schemas.microsoft.com/office/drawing/2018/hyperlinkcolor">
+<p:sld xmlns:a="http://schemas.openxmlformats.org/drawingml/2006/main" xmlns:r="http://schemas.openxmlformats.org/officeDocument/2006/relationships" xmlns:p="http://schemas.openxmlformats.org/presentationml/2006/main">
   <p:cSld>
     <p:spTree>
       <p:nvGrpSpPr>
@@ -8300,12 +8184,12 @@
           </a:prstGeom>
         </p:spPr>
         <p:txBody>
-          <a:bodyPr anchorCtr="0" anchor="t" bIns="91425" lIns="91425" spcFirstLastPara="1" rIns="91425" wrap="square" tIns="91425">
+          <a:bodyPr spcFirstLastPara="1" wrap="square" lIns="91425" tIns="91425" rIns="91425" bIns="91425" anchor="t" anchorCtr="0">
             <a:noAutofit/>
           </a:bodyPr>
           <a:lstStyle/>
           <a:p>
-            <a:pPr indent="0" lvl="0" marL="0" rtl="0" algn="l">
+            <a:pPr marL="0" lvl="0" indent="0" algn="l" rtl="0">
               <a:spcBef>
                 <a:spcPts val="0"/>
               </a:spcBef>
@@ -8315,10 +8199,10 @@
               <a:buNone/>
             </a:pPr>
             <a:r>
-              <a:rPr b="1" lang="en-GB" sz="2800"/>
+              <a:rPr lang="en-GB" sz="2800" b="1"/>
               <a:t>What is Git?</a:t>
             </a:r>
-            <a:endParaRPr b="1" sz="2800"/>
+            <a:endParaRPr sz="2800" b="1"/>
           </a:p>
         </p:txBody>
       </p:sp>
@@ -8327,7 +8211,7 @@
           <p:cNvPr id="92" name="Google Shape;92;p14"/>
           <p:cNvSpPr txBox="1"/>
           <p:nvPr>
-            <p:ph idx="1" type="body"/>
+            <p:ph type="body" idx="1"/>
           </p:nvPr>
         </p:nvSpPr>
         <p:spPr>
@@ -8340,12 +8224,12 @@
           </a:prstGeom>
         </p:spPr>
         <p:txBody>
-          <a:bodyPr anchorCtr="0" anchor="t" bIns="91425" lIns="91425" spcFirstLastPara="1" rIns="91425" wrap="square" tIns="91425">
+          <a:bodyPr spcFirstLastPara="1" wrap="square" lIns="91425" tIns="91425" rIns="91425" bIns="91425" anchor="t" anchorCtr="0">
             <a:normAutofit/>
           </a:bodyPr>
           <a:lstStyle/>
           <a:p>
-            <a:pPr indent="0" lvl="0" marL="0" rtl="0" algn="l">
+            <a:pPr marL="0" lvl="0" indent="0" algn="l" rtl="0">
               <a:spcBef>
                 <a:spcPts val="0"/>
               </a:spcBef>
@@ -8358,10 +8242,10 @@
               <a:rPr lang="en-GB"/>
               <a:t>Git is a distributed version control system, which is free and open source. Created by Linus Torvalds, the developer of Linux operating system kernel, in 2005. Git is used for project collaboration and history exploration.</a:t>
             </a:r>
-            <a:endParaRPr/>
+            <a:endParaRPr lang="en-GB"/>
           </a:p>
           <a:p>
-            <a:pPr indent="0" lvl="0" marL="0" rtl="0" algn="l">
+            <a:pPr marL="0" lvl="0" indent="0" algn="l" rtl="0">
               <a:spcBef>
                 <a:spcPts val="1200"/>
               </a:spcBef>
@@ -8371,7 +8255,7 @@
               <a:buNone/>
             </a:pPr>
             <a:r>
-              <a:rPr b="1" lang="en-GB"/>
+              <a:rPr lang="en-GB" b="1"/>
               <a:t>Version Control System</a:t>
             </a:r>
             <a:r>
@@ -8385,7 +8269,7 @@
             <a:endParaRPr sz="1700"/>
           </a:p>
           <a:p>
-            <a:pPr indent="0" lvl="0" marL="0" rtl="0" algn="l">
+            <a:pPr marL="0" lvl="0" indent="0" algn="l" rtl="0">
               <a:spcBef>
                 <a:spcPts val="1200"/>
               </a:spcBef>
@@ -8395,7 +8279,7 @@
               <a:buNone/>
             </a:pPr>
             <a:r>
-              <a:rPr b="1" lang="en-GB"/>
+              <a:rPr lang="en-GB" b="1"/>
               <a:t>Distributed VCS</a:t>
             </a:r>
             <a:r>
@@ -8410,7 +8294,7 @@
               <a:rPr lang="en-GB"/>
               <a:t> repositories.</a:t>
             </a:r>
-            <a:endParaRPr/>
+            <a:endParaRPr lang="en-GB"/>
           </a:p>
         </p:txBody>
       </p:sp>
@@ -8423,7 +8307,7 @@
 </file>
 
 <file path=ppt/slides/slide3.xml><?xml version="1.0" encoding="utf-8"?>
-<p:sld xmlns:a="http://schemas.openxmlformats.org/drawingml/2006/main" xmlns:r="http://schemas.openxmlformats.org/officeDocument/2006/relationships" xmlns:mc="http://schemas.openxmlformats.org/markup-compatibility/2006" xmlns:mv="urn:schemas-microsoft-com:mac:vml" xmlns:p="http://schemas.openxmlformats.org/presentationml/2006/main" xmlns:c="http://schemas.openxmlformats.org/drawingml/2006/chart" xmlns:dgm="http://schemas.openxmlformats.org/drawingml/2006/diagram" xmlns:o="urn:schemas-microsoft-com:office:office" xmlns:v="urn:schemas-microsoft-com:vml" xmlns:pvml="urn:schemas-microsoft-com:office:powerpoint" xmlns:com="http://schemas.openxmlformats.org/drawingml/2006/compatibility" xmlns:p14="http://schemas.microsoft.com/office/powerpoint/2010/main" xmlns:p15="http://schemas.microsoft.com/office/powerpoint/2012/main" xmlns:ahyp="http://schemas.microsoft.com/office/drawing/2018/hyperlinkcolor">
+<p:sld xmlns:a="http://schemas.openxmlformats.org/drawingml/2006/main" xmlns:r="http://schemas.openxmlformats.org/officeDocument/2006/relationships" xmlns:p="http://schemas.openxmlformats.org/presentationml/2006/main">
   <p:cSld>
     <p:spTree>
       <p:nvGrpSpPr>
@@ -8457,12 +8341,12 @@
           </a:prstGeom>
         </p:spPr>
         <p:txBody>
-          <a:bodyPr anchorCtr="0" anchor="t" bIns="91425" lIns="91425" spcFirstLastPara="1" rIns="91425" wrap="square" tIns="91425">
+          <a:bodyPr spcFirstLastPara="1" wrap="square" lIns="91425" tIns="91425" rIns="91425" bIns="91425" anchor="t" anchorCtr="0">
             <a:normAutofit fontScale="90000"/>
           </a:bodyPr>
           <a:lstStyle/>
           <a:p>
-            <a:pPr indent="0" lvl="0" marL="0" rtl="0" algn="l">
+            <a:pPr marL="0" lvl="0" indent="0" algn="l" rtl="0">
               <a:spcBef>
                 <a:spcPts val="0"/>
               </a:spcBef>
@@ -8475,7 +8359,7 @@
               <a:rPr lang="en-GB"/>
               <a:t>Why do we use it?🤔</a:t>
             </a:r>
-            <a:endParaRPr/>
+            <a:endParaRPr lang="en-GB"/>
           </a:p>
         </p:txBody>
       </p:sp>
@@ -8484,7 +8368,7 @@
           <p:cNvPr id="98" name="Google Shape;98;p15"/>
           <p:cNvSpPr txBox="1"/>
           <p:nvPr>
-            <p:ph idx="1" type="body"/>
+            <p:ph type="body" idx="1"/>
           </p:nvPr>
         </p:nvSpPr>
         <p:spPr>
@@ -8497,12 +8381,12 @@
           </a:prstGeom>
         </p:spPr>
         <p:txBody>
-          <a:bodyPr anchorCtr="0" anchor="t" bIns="91425" lIns="91425" spcFirstLastPara="1" rIns="91425" wrap="square" tIns="91425">
+          <a:bodyPr spcFirstLastPara="1" wrap="square" lIns="91425" tIns="91425" rIns="91425" bIns="91425" anchor="t" anchorCtr="0">
             <a:normAutofit/>
           </a:bodyPr>
           <a:lstStyle/>
           <a:p>
-            <a:pPr indent="-342900" lvl="0" marL="457200" rtl="0" algn="l">
+            <a:pPr marL="457200" lvl="0" indent="-342900" algn="l" rtl="0">
               <a:spcBef>
                 <a:spcPts val="0"/>
               </a:spcBef>
@@ -8520,10 +8404,10 @@
               <a:rPr lang="en-GB"/>
               <a:t>e changes made to the code </a:t>
             </a:r>
-            <a:endParaRPr/>
+            <a:endParaRPr lang="en-GB"/>
           </a:p>
           <a:p>
-            <a:pPr indent="-342900" lvl="0" marL="457200" rtl="0" algn="l">
+            <a:pPr marL="457200" lvl="0" indent="-342900" algn="l" rtl="0">
               <a:spcBef>
                 <a:spcPts val="0"/>
               </a:spcBef>
@@ -8537,10 +8421,10 @@
               <a:rPr lang="en-GB"/>
               <a:t>Simplify code review</a:t>
             </a:r>
-            <a:endParaRPr/>
+            <a:endParaRPr lang="en-GB"/>
           </a:p>
           <a:p>
-            <a:pPr indent="-342900" lvl="0" marL="457200" rtl="0" algn="l">
+            <a:pPr marL="457200" lvl="0" indent="-342900" algn="l" rtl="0">
               <a:spcBef>
                 <a:spcPts val="0"/>
               </a:spcBef>
@@ -8554,10 +8438,10 @@
               <a:rPr lang="en-GB"/>
               <a:t>Modify code efficiently</a:t>
             </a:r>
-            <a:endParaRPr/>
+            <a:endParaRPr lang="en-GB"/>
           </a:p>
           <a:p>
-            <a:pPr indent="-342900" lvl="0" marL="457200" rtl="0" algn="l">
+            <a:pPr marL="457200" lvl="0" indent="-342900" algn="l" rtl="0">
               <a:spcBef>
                 <a:spcPts val="0"/>
               </a:spcBef>
@@ -8571,10 +8455,10 @@
               <a:rPr lang="en-GB"/>
               <a:t>Maintaining multiple versions of the code</a:t>
             </a:r>
-            <a:endParaRPr/>
+            <a:endParaRPr lang="en-GB"/>
           </a:p>
           <a:p>
-            <a:pPr indent="-342900" lvl="0" marL="457200" rtl="0" algn="l">
+            <a:pPr marL="457200" lvl="0" indent="-342900" algn="l" rtl="0">
               <a:spcBef>
                 <a:spcPts val="0"/>
               </a:spcBef>
@@ -8588,10 +8472,10 @@
               <a:rPr lang="en-GB"/>
               <a:t>Better collaboration and improved productivity </a:t>
             </a:r>
-            <a:endParaRPr/>
+            <a:endParaRPr lang="en-GB"/>
           </a:p>
           <a:p>
-            <a:pPr indent="-342900" lvl="0" marL="457200" rtl="0" algn="l">
+            <a:pPr marL="457200" lvl="0" indent="-342900" algn="l" rtl="0">
               <a:spcBef>
                 <a:spcPts val="0"/>
               </a:spcBef>
@@ -8605,7 +8489,7 @@
               <a:rPr lang="en-GB"/>
               <a:t>Lightweight and fast </a:t>
             </a:r>
-            <a:endParaRPr/>
+            <a:endParaRPr lang="en-GB"/>
           </a:p>
         </p:txBody>
       </p:sp>
@@ -8618,7 +8502,7 @@
 </file>
 
 <file path=ppt/slides/slide4.xml><?xml version="1.0" encoding="utf-8"?>
-<p:sld xmlns:a="http://schemas.openxmlformats.org/drawingml/2006/main" xmlns:r="http://schemas.openxmlformats.org/officeDocument/2006/relationships" xmlns:mc="http://schemas.openxmlformats.org/markup-compatibility/2006" xmlns:mv="urn:schemas-microsoft-com:mac:vml" xmlns:p="http://schemas.openxmlformats.org/presentationml/2006/main" xmlns:c="http://schemas.openxmlformats.org/drawingml/2006/chart" xmlns:dgm="http://schemas.openxmlformats.org/drawingml/2006/diagram" xmlns:o="urn:schemas-microsoft-com:office:office" xmlns:v="urn:schemas-microsoft-com:vml" xmlns:pvml="urn:schemas-microsoft-com:office:powerpoint" xmlns:com="http://schemas.openxmlformats.org/drawingml/2006/compatibility" xmlns:p14="http://schemas.microsoft.com/office/powerpoint/2010/main" xmlns:p15="http://schemas.microsoft.com/office/powerpoint/2012/main" xmlns:ahyp="http://schemas.microsoft.com/office/drawing/2018/hyperlinkcolor">
+<p:sld xmlns:a="http://schemas.openxmlformats.org/drawingml/2006/main" xmlns:r="http://schemas.openxmlformats.org/officeDocument/2006/relationships" xmlns:p="http://schemas.openxmlformats.org/presentationml/2006/main">
   <p:cSld>
     <p:spTree>
       <p:nvGrpSpPr>
@@ -8652,12 +8536,12 @@
           </a:prstGeom>
         </p:spPr>
         <p:txBody>
-          <a:bodyPr anchorCtr="0" anchor="t" bIns="91425" lIns="91425" spcFirstLastPara="1" rIns="91425" wrap="square" tIns="91425">
+          <a:bodyPr spcFirstLastPara="1" wrap="square" lIns="91425" tIns="91425" rIns="91425" bIns="91425" anchor="t" anchorCtr="0">
             <a:normAutofit fontScale="90000"/>
           </a:bodyPr>
           <a:lstStyle/>
           <a:p>
-            <a:pPr indent="0" lvl="0" marL="0" rtl="0" algn="l">
+            <a:pPr marL="0" lvl="0" indent="0" algn="l" rtl="0">
               <a:spcBef>
                 <a:spcPts val="0"/>
               </a:spcBef>
@@ -8670,7 +8554,7 @@
               <a:rPr lang="en-GB"/>
               <a:t>How it works?</a:t>
             </a:r>
-            <a:endParaRPr/>
+            <a:endParaRPr lang="en-GB"/>
           </a:p>
         </p:txBody>
       </p:sp>
@@ -8679,7 +8563,7 @@
           <p:cNvPr id="104" name="Google Shape;104;p16"/>
           <p:cNvSpPr txBox="1"/>
           <p:nvPr>
-            <p:ph idx="1" type="body"/>
+            <p:ph type="body" idx="1"/>
           </p:nvPr>
         </p:nvSpPr>
         <p:spPr>
@@ -8692,12 +8576,12 @@
           </a:prstGeom>
         </p:spPr>
         <p:txBody>
-          <a:bodyPr anchorCtr="0" anchor="t" bIns="91425" lIns="91425" spcFirstLastPara="1" rIns="91425" wrap="square" tIns="91425">
+          <a:bodyPr spcFirstLastPara="1" wrap="square" lIns="91425" tIns="91425" rIns="91425" bIns="91425" anchor="t" anchorCtr="0">
             <a:normAutofit/>
           </a:bodyPr>
           <a:lstStyle/>
           <a:p>
-            <a:pPr indent="0" lvl="0" marL="0" rtl="0" algn="l">
+            <a:pPr marL="0" lvl="0" indent="0" algn="l" rtl="0">
               <a:spcBef>
                 <a:spcPts val="0"/>
               </a:spcBef>
@@ -8714,10 +8598,10 @@
               <a:rPr lang="en-GB"/>
               <a:t>:-</a:t>
             </a:r>
-            <a:endParaRPr/>
+            <a:endParaRPr lang="en-GB"/>
           </a:p>
           <a:p>
-            <a:pPr indent="-342900" lvl="0" marL="457200" rtl="0" algn="l">
+            <a:pPr marL="457200" lvl="0" indent="-342900" algn="l" rtl="0">
               <a:spcBef>
                 <a:spcPts val="1200"/>
               </a:spcBef>
@@ -8728,17 +8612,17 @@
               <a:buChar char="●"/>
             </a:pPr>
             <a:r>
-              <a:rPr b="1" lang="en-GB"/>
+              <a:rPr lang="en-GB" b="1"/>
               <a:t>Working tree</a:t>
             </a:r>
             <a:r>
               <a:rPr lang="en-GB"/>
               <a:t>: It contains the files we are currently working on.</a:t>
             </a:r>
-            <a:endParaRPr/>
+            <a:endParaRPr lang="en-GB"/>
           </a:p>
           <a:p>
-            <a:pPr indent="-342900" lvl="0" marL="457200" rtl="0" algn="l">
+            <a:pPr marL="457200" lvl="0" indent="-342900" algn="l" rtl="0">
               <a:spcBef>
                 <a:spcPts val="0"/>
               </a:spcBef>
@@ -8749,17 +8633,17 @@
               <a:buChar char="●"/>
             </a:pPr>
             <a:r>
-              <a:rPr b="1" lang="en-GB"/>
+              <a:rPr lang="en-GB" b="1"/>
               <a:t>Staging area</a:t>
             </a:r>
             <a:r>
               <a:rPr lang="en-GB"/>
               <a:t>: It contains all the added files having new/changed code.All new/changed files are first added to the staging area before commit.</a:t>
             </a:r>
-            <a:endParaRPr/>
+            <a:endParaRPr lang="en-GB"/>
           </a:p>
           <a:p>
-            <a:pPr indent="-342900" lvl="0" marL="457200" rtl="0" algn="l">
+            <a:pPr marL="457200" lvl="0" indent="-342900" algn="l" rtl="0">
               <a:spcBef>
                 <a:spcPts val="0"/>
               </a:spcBef>
@@ -8770,17 +8654,17 @@
               <a:buChar char="●"/>
             </a:pPr>
             <a:r>
-              <a:rPr b="1" lang="en-GB"/>
+              <a:rPr lang="en-GB" b="1"/>
               <a:t>Repository</a:t>
             </a:r>
             <a:r>
               <a:rPr lang="en-GB"/>
               <a:t>: It contains all the files of the project.</a:t>
             </a:r>
-            <a:endParaRPr/>
+            <a:endParaRPr lang="en-GB"/>
           </a:p>
           <a:p>
-            <a:pPr indent="0" lvl="0" marL="0" rtl="0" algn="l">
+            <a:pPr marL="0" lvl="0" indent="0" algn="l" rtl="0">
               <a:spcBef>
                 <a:spcPts val="1200"/>
               </a:spcBef>
@@ -8793,10 +8677,10 @@
               <a:rPr lang="en-GB"/>
               <a:t>Every file goes through 3 stages:</a:t>
             </a:r>
-            <a:endParaRPr/>
+            <a:endParaRPr lang="en-GB"/>
           </a:p>
           <a:p>
-            <a:pPr indent="-342900" lvl="0" marL="457200" rtl="0" algn="l">
+            <a:pPr marL="457200" lvl="0" indent="-342900" algn="l" rtl="0">
               <a:spcBef>
                 <a:spcPts val="1200"/>
               </a:spcBef>
@@ -8807,17 +8691,17 @@
               <a:buChar char="●"/>
             </a:pPr>
             <a:r>
-              <a:rPr b="1" lang="en-GB"/>
+              <a:rPr lang="en-GB" b="1"/>
               <a:t>Modified</a:t>
             </a:r>
             <a:r>
               <a:rPr lang="en-GB"/>
               <a:t>: File is modified/changed in this stage.</a:t>
             </a:r>
-            <a:endParaRPr/>
+            <a:endParaRPr lang="en-GB"/>
           </a:p>
           <a:p>
-            <a:pPr indent="-342900" lvl="0" marL="457200" rtl="0" algn="l">
+            <a:pPr marL="457200" lvl="0" indent="-342900" algn="l" rtl="0">
               <a:spcBef>
                 <a:spcPts val="0"/>
               </a:spcBef>
@@ -8828,17 +8712,17 @@
               <a:buChar char="●"/>
             </a:pPr>
             <a:r>
-              <a:rPr b="1" lang="en-GB"/>
+              <a:rPr lang="en-GB" b="1"/>
               <a:t>Staged: </a:t>
             </a:r>
             <a:r>
               <a:rPr lang="en-GB"/>
               <a:t>Modified files sent into staging area.</a:t>
             </a:r>
-            <a:endParaRPr/>
+            <a:endParaRPr lang="en-GB"/>
           </a:p>
           <a:p>
-            <a:pPr indent="-342900" lvl="0" marL="457200" rtl="0" algn="l">
+            <a:pPr marL="457200" lvl="0" indent="-342900" algn="l" rtl="0">
               <a:spcBef>
                 <a:spcPts val="0"/>
               </a:spcBef>
@@ -8849,14 +8733,14 @@
               <a:buChar char="●"/>
             </a:pPr>
             <a:r>
-              <a:rPr b="1" lang="en-GB"/>
+              <a:rPr lang="en-GB" b="1"/>
               <a:t>Committed</a:t>
             </a:r>
             <a:r>
               <a:rPr lang="en-GB"/>
               <a:t>: Files are committed to reflect the changes                                   and store in the database.</a:t>
             </a:r>
-            <a:endParaRPr/>
+            <a:endParaRPr lang="en-GB"/>
           </a:p>
         </p:txBody>
       </p:sp>
@@ -8869,7 +8753,7 @@
 </file>
 
 <file path=ppt/slides/slide5.xml><?xml version="1.0" encoding="utf-8"?>
-<p:sld xmlns:a="http://schemas.openxmlformats.org/drawingml/2006/main" xmlns:r="http://schemas.openxmlformats.org/officeDocument/2006/relationships" xmlns:mc="http://schemas.openxmlformats.org/markup-compatibility/2006" xmlns:mv="urn:schemas-microsoft-com:mac:vml" xmlns:p="http://schemas.openxmlformats.org/presentationml/2006/main" xmlns:c="http://schemas.openxmlformats.org/drawingml/2006/chart" xmlns:dgm="http://schemas.openxmlformats.org/drawingml/2006/diagram" xmlns:o="urn:schemas-microsoft-com:office:office" xmlns:v="urn:schemas-microsoft-com:vml" xmlns:pvml="urn:schemas-microsoft-com:office:powerpoint" xmlns:com="http://schemas.openxmlformats.org/drawingml/2006/compatibility" xmlns:p14="http://schemas.microsoft.com/office/powerpoint/2010/main" xmlns:p15="http://schemas.microsoft.com/office/powerpoint/2012/main" xmlns:ahyp="http://schemas.microsoft.com/office/drawing/2018/hyperlinkcolor">
+<p:sld xmlns:a="http://schemas.openxmlformats.org/drawingml/2006/main" xmlns:r="http://schemas.openxmlformats.org/officeDocument/2006/relationships" xmlns:p="http://schemas.openxmlformats.org/presentationml/2006/main">
   <p:cSld>
     <p:spTree>
       <p:nvGrpSpPr>
@@ -8903,12 +8787,12 @@
           </a:prstGeom>
         </p:spPr>
         <p:txBody>
-          <a:bodyPr anchorCtr="0" anchor="ctr" bIns="91425" lIns="91425" spcFirstLastPara="1" rIns="91425" wrap="square" tIns="91425">
+          <a:bodyPr spcFirstLastPara="1" wrap="square" lIns="91425" tIns="91425" rIns="91425" bIns="91425" anchor="ctr" anchorCtr="0">
             <a:normAutofit fontScale="90000"/>
           </a:bodyPr>
           <a:lstStyle/>
           <a:p>
-            <a:pPr indent="0" lvl="0" marL="0" rtl="0" algn="l">
+            <a:pPr marL="0" lvl="0" indent="0" algn="l" rtl="0">
               <a:spcBef>
                 <a:spcPts val="0"/>
               </a:spcBef>
@@ -8951,11 +8835,11 @@
           <p:nvPr/>
         </p:nvPicPr>
         <p:blipFill rotWithShape="1">
-          <a:blip r:embed="rId3">
-            <a:alphaModFix/>
-          </a:blip>
-          <a:srcRect b="52615" l="0" r="0" t="0"/>
-          <a:stretch/>
+          <a:blip r:embed="rId1"/>
+          <a:srcRect b="52615"/>
+          <a:stretch>
+            <a:fillRect/>
+          </a:stretch>
         </p:blipFill>
         <p:spPr>
           <a:xfrm>
@@ -8978,11 +8862,11 @@
           <p:nvPr/>
         </p:nvPicPr>
         <p:blipFill rotWithShape="1">
-          <a:blip r:embed="rId4">
-            <a:alphaModFix/>
-          </a:blip>
-          <a:srcRect b="1250" l="0" r="0" t="51364"/>
-          <a:stretch/>
+          <a:blip r:embed="rId1"/>
+          <a:srcRect t="51364" b="1250"/>
+          <a:stretch>
+            <a:fillRect/>
+          </a:stretch>
         </p:blipFill>
         <p:spPr>
           <a:xfrm>
@@ -9007,7 +8891,7 @@
 </file>
 
 <file path=ppt/slides/slide6.xml><?xml version="1.0" encoding="utf-8"?>
-<p:sld xmlns:a="http://schemas.openxmlformats.org/drawingml/2006/main" xmlns:r="http://schemas.openxmlformats.org/officeDocument/2006/relationships" xmlns:mc="http://schemas.openxmlformats.org/markup-compatibility/2006" xmlns:mv="urn:schemas-microsoft-com:mac:vml" xmlns:p="http://schemas.openxmlformats.org/presentationml/2006/main" xmlns:c="http://schemas.openxmlformats.org/drawingml/2006/chart" xmlns:dgm="http://schemas.openxmlformats.org/drawingml/2006/diagram" xmlns:o="urn:schemas-microsoft-com:office:office" xmlns:v="urn:schemas-microsoft-com:vml" xmlns:pvml="urn:schemas-microsoft-com:office:powerpoint" xmlns:com="http://schemas.openxmlformats.org/drawingml/2006/compatibility" xmlns:p14="http://schemas.microsoft.com/office/powerpoint/2010/main" xmlns:p15="http://schemas.microsoft.com/office/powerpoint/2012/main" xmlns:ahyp="http://schemas.microsoft.com/office/drawing/2018/hyperlinkcolor">
+<p:sld xmlns:a="http://schemas.openxmlformats.org/drawingml/2006/main" xmlns:r="http://schemas.openxmlformats.org/officeDocument/2006/relationships" xmlns:p="http://schemas.openxmlformats.org/presentationml/2006/main">
   <p:cSld>
     <p:spTree>
       <p:nvGrpSpPr>
@@ -9041,12 +8925,12 @@
           </a:prstGeom>
         </p:spPr>
         <p:txBody>
-          <a:bodyPr anchorCtr="0" anchor="t" bIns="91425" lIns="91425" spcFirstLastPara="1" rIns="91425" wrap="square" tIns="91425">
+          <a:bodyPr spcFirstLastPara="1" wrap="square" lIns="91425" tIns="91425" rIns="91425" bIns="91425" anchor="t" anchorCtr="0">
             <a:normAutofit fontScale="90000"/>
           </a:bodyPr>
           <a:lstStyle/>
           <a:p>
-            <a:pPr indent="0" lvl="0" marL="0" rtl="0" algn="l">
+            <a:pPr marL="0" lvl="0" indent="0" algn="l" rtl="0">
               <a:spcBef>
                 <a:spcPts val="0"/>
               </a:spcBef>
@@ -9056,9 +8940,16 @@
               <a:buNone/>
             </a:pPr>
             <a:r>
-              <a:t/>
+              <a:rPr lang="en-IN">
+                <a:latin typeface="Bradley Hand ITC" panose="03070402050302030203" charset="0"/>
+                <a:cs typeface="Bradley Hand ITC" panose="03070402050302030203" charset="0"/>
+              </a:rPr>
+              <a:t>Git stash</a:t>
             </a:r>
-            <a:endParaRPr/>
+            <a:endParaRPr lang="en-IN">
+              <a:latin typeface="Bradley Hand ITC" panose="03070402050302030203" charset="0"/>
+              <a:cs typeface="Bradley Hand ITC" panose="03070402050302030203" charset="0"/>
+            </a:endParaRPr>
           </a:p>
         </p:txBody>
       </p:sp>
@@ -9067,25 +8958,25 @@
           <p:cNvPr id="117" name="Google Shape;117;p18"/>
           <p:cNvSpPr txBox="1"/>
           <p:nvPr>
-            <p:ph idx="1" type="body"/>
+            <p:ph type="body" idx="1"/>
           </p:nvPr>
         </p:nvSpPr>
         <p:spPr>
           <a:xfrm>
-            <a:off x="311700" y="1229875"/>
-            <a:ext cx="8520600" cy="3339000"/>
+            <a:off x="311785" y="1018540"/>
+            <a:ext cx="8520430" cy="3808095"/>
           </a:xfrm>
           <a:prstGeom prst="rect">
             <a:avLst/>
           </a:prstGeom>
         </p:spPr>
         <p:txBody>
-          <a:bodyPr anchorCtr="0" anchor="t" bIns="91425" lIns="91425" spcFirstLastPara="1" rIns="91425" wrap="square" tIns="91425">
-            <a:normAutofit/>
+          <a:bodyPr spcFirstLastPara="1" wrap="square" lIns="91425" tIns="91425" rIns="91425" bIns="91425" anchor="t" anchorCtr="0">
+            <a:normAutofit lnSpcReduction="10000"/>
           </a:bodyPr>
           <a:lstStyle/>
           <a:p>
-            <a:pPr indent="0" lvl="0" marL="0" rtl="0" algn="l">
+            <a:pPr marL="0" lvl="0" indent="0" algn="l" rtl="0">
               <a:spcBef>
                 <a:spcPts val="0"/>
               </a:spcBef>
@@ -9095,9 +8986,438 @@
               <a:buNone/>
             </a:pPr>
             <a:r>
-              <a:t/>
+              <a:rPr>
+                <a:latin typeface="Goudy Old Style" panose="02020502050305020303" charset="0"/>
+                <a:cs typeface="Goudy Old Style" panose="02020502050305020303" charset="0"/>
+              </a:rPr>
+              <a:t>Git stash enables you to save your code without making a commit.</a:t>
             </a:r>
-            <a:endParaRPr/>
+            <a:r>
+              <a:rPr lang="en-IN">
+                <a:latin typeface="Goudy Old Style" panose="02020502050305020303" charset="0"/>
+                <a:cs typeface="Goudy Old Style" panose="02020502050305020303" charset="0"/>
+              </a:rPr>
+              <a:t> It stores a snapshot of your code locally in a folder and reverts to previous commit.</a:t>
+            </a:r>
+            <a:endParaRPr lang="en-IN">
+              <a:latin typeface="Goudy Old Style" panose="02020502050305020303" charset="0"/>
+              <a:cs typeface="Goudy Old Style" panose="02020502050305020303" charset="0"/>
+            </a:endParaRPr>
+          </a:p>
+          <a:p>
+            <a:pPr marL="0" lvl="0" indent="0" algn="l" rtl="0">
+              <a:spcBef>
+                <a:spcPts val="0"/>
+              </a:spcBef>
+              <a:spcAft>
+                <a:spcPts val="1200"/>
+              </a:spcAft>
+              <a:buNone/>
+            </a:pPr>
+            <a:r>
+              <a:rPr lang="en-IN" sz="2000" b="1">
+                <a:latin typeface="Goudy Old Style" panose="02020502050305020303" charset="0"/>
+                <a:cs typeface="Goudy Old Style" panose="02020502050305020303" charset="0"/>
+              </a:rPr>
+              <a:t>   Use?</a:t>
+            </a:r>
+            <a:endParaRPr lang="en-IN" sz="2000" b="1">
+              <a:latin typeface="Goudy Old Style" panose="02020502050305020303" charset="0"/>
+              <a:cs typeface="Goudy Old Style" panose="02020502050305020303" charset="0"/>
+            </a:endParaRPr>
+          </a:p>
+          <a:p>
+            <a:pPr marL="342900" lvl="0" algn="l" rtl="0">
+              <a:spcBef>
+                <a:spcPts val="0"/>
+              </a:spcBef>
+              <a:spcAft>
+                <a:spcPts val="1200"/>
+              </a:spcAft>
+              <a:buFont typeface="Wingdings" panose="05000000000000000000" charset="0"/>
+              <a:buChar char="Ø"/>
+            </a:pPr>
+            <a:r>
+              <a:rPr lang="en-IN" sz="1600">
+                <a:latin typeface="Goudy Old Style" panose="02020502050305020303" charset="0"/>
+                <a:cs typeface="Goudy Old Style" panose="02020502050305020303" charset="0"/>
+              </a:rPr>
+              <a:t>Imagine working on a project, we’ve forgot to create a new branch and are working on main, and we are debugging a code or are working on a feature. </a:t>
+            </a:r>
+            <a:r>
+              <a:rPr lang="en-IN" sz="1600">
+                <a:latin typeface="Goudy Old Style" panose="02020502050305020303" charset="0"/>
+                <a:cs typeface="Goudy Old Style" panose="02020502050305020303" charset="0"/>
+                <a:sym typeface="+mn-ea"/>
+              </a:rPr>
+              <a:t>Now, w</a:t>
+            </a:r>
+            <a:r>
+              <a:rPr lang="en-IN" sz="1600">
+                <a:latin typeface="Goudy Old Style" panose="02020502050305020303" charset="0"/>
+                <a:cs typeface="Goudy Old Style" panose="02020502050305020303" charset="0"/>
+                <a:sym typeface="+mn-ea"/>
+              </a:rPr>
+              <a:t>hile working, things start to mess up and for some reason we have to switch branches immediately. So, in this scenario, we don’t want to commit or push these changes before removing the debugging code or completing the work.Now, Git stash is here to save us. What it does is that, just like a commit it stores the snapshot of the code and changes in a folder and reverts the main branch to the previous commit.                                   So, now we can navigate to any branch and work as we like and then come                                      back whenever we want, and get our changes as we left them before.                                                  Just stage the files and stash them.</a:t>
+            </a:r>
+            <a:endParaRPr lang="en-IN" sz="1600">
+              <a:latin typeface="Goudy Old Style" panose="02020502050305020303" charset="0"/>
+              <a:cs typeface="Goudy Old Style" panose="02020502050305020303" charset="0"/>
+            </a:endParaRPr>
+          </a:p>
+        </p:txBody>
+      </p:sp>
+    </p:spTree>
+  </p:cSld>
+  <p:clrMapOvr>
+    <a:masterClrMapping/>
+  </p:clrMapOvr>
+</p:sld>
+</file>
+
+<file path=ppt/slides/slide7.xml><?xml version="1.0" encoding="utf-8"?>
+<p:sld xmlns:a="http://schemas.openxmlformats.org/drawingml/2006/main" xmlns:r="http://schemas.openxmlformats.org/officeDocument/2006/relationships" xmlns:p="http://schemas.openxmlformats.org/presentationml/2006/main">
+  <p:cSld>
+    <p:spTree>
+      <p:nvGrpSpPr>
+        <p:cNvPr id="1" name=""/>
+        <p:cNvGrpSpPr/>
+        <p:nvPr/>
+      </p:nvGrpSpPr>
+      <p:grpSpPr/>
+      <p:sp>
+        <p:nvSpPr>
+          <p:cNvPr id="3" name="Text Placeholder 2"/>
+          <p:cNvSpPr/>
+          <p:nvPr>
+            <p:ph type="body" idx="1"/>
+          </p:nvPr>
+        </p:nvSpPr>
+        <p:spPr>
+          <a:xfrm>
+            <a:off x="311785" y="294005"/>
+            <a:ext cx="8520430" cy="4323715"/>
+          </a:xfrm>
+        </p:spPr>
+        <p:txBody>
+          <a:bodyPr/>
+          <a:p>
+            <a:pPr marL="114300" indent="0">
+              <a:buFont typeface="Wingdings" panose="05000000000000000000" charset="0"/>
+              <a:buNone/>
+            </a:pPr>
+            <a:r>
+              <a:rPr lang="en-IN" altLang="en-US" b="1">
+                <a:latin typeface="Goudy Old Style" panose="02020502050305020303" charset="0"/>
+                <a:cs typeface="Goudy Old Style" panose="02020502050305020303" charset="0"/>
+              </a:rPr>
+              <a:t>Commands used:</a:t>
+            </a:r>
+            <a:r>
+              <a:rPr lang="en-IN" altLang="en-US" sz="1600">
+                <a:latin typeface="Goudy Old Style" panose="02020502050305020303" charset="0"/>
+                <a:cs typeface="Goudy Old Style" panose="02020502050305020303" charset="0"/>
+              </a:rPr>
+              <a:t> (Files must be staged)</a:t>
+            </a:r>
+            <a:endParaRPr lang="en-IN" altLang="en-US" sz="1600">
+              <a:latin typeface="Goudy Old Style" panose="02020502050305020303" charset="0"/>
+              <a:cs typeface="Goudy Old Style" panose="02020502050305020303" charset="0"/>
+            </a:endParaRPr>
+          </a:p>
+          <a:p>
+            <a:pPr>
+              <a:buFont typeface="Arial" panose="020B0604020202020204" pitchFamily="34" charset="0"/>
+              <a:buChar char="•"/>
+            </a:pPr>
+            <a:r>
+              <a:rPr lang="en-IN" altLang="en-US" sz="1600" b="1">
+                <a:latin typeface="Goudy Old Style" panose="02020502050305020303" charset="0"/>
+                <a:cs typeface="Goudy Old Style" panose="02020502050305020303" charset="0"/>
+              </a:rPr>
+              <a:t>git stash</a:t>
+            </a:r>
+            <a:r>
+              <a:rPr lang="en-IN" altLang="en-US" sz="1600">
+                <a:latin typeface="Goudy Old Style" panose="02020502050305020303" charset="0"/>
+                <a:cs typeface="Goudy Old Style" panose="02020502050305020303" charset="0"/>
+              </a:rPr>
+              <a:t> -- Uncommitted code is stored in stash and the state is reverted to previous commit.</a:t>
+            </a:r>
+            <a:endParaRPr lang="en-IN" altLang="en-US" sz="1600">
+              <a:latin typeface="Goudy Old Style" panose="02020502050305020303" charset="0"/>
+              <a:cs typeface="Goudy Old Style" panose="02020502050305020303" charset="0"/>
+            </a:endParaRPr>
+          </a:p>
+          <a:p>
+            <a:pPr>
+              <a:buFont typeface="Arial" panose="020B0604020202020204" pitchFamily="34" charset="0"/>
+              <a:buChar char="•"/>
+            </a:pPr>
+            <a:r>
+              <a:rPr lang="en-IN" altLang="en-US" sz="1600" b="1">
+                <a:latin typeface="Goudy Old Style" panose="02020502050305020303" charset="0"/>
+                <a:cs typeface="Goudy Old Style" panose="02020502050305020303" charset="0"/>
+              </a:rPr>
+              <a:t>git stash list </a:t>
+            </a:r>
+            <a:r>
+              <a:rPr lang="en-IN" altLang="en-US" sz="1600">
+                <a:latin typeface="Goudy Old Style" panose="02020502050305020303" charset="0"/>
+                <a:cs typeface="Goudy Old Style" panose="02020502050305020303" charset="0"/>
+              </a:rPr>
+              <a:t>-- See the list of stashes.</a:t>
+            </a:r>
+            <a:endParaRPr lang="en-IN" altLang="en-US" sz="1600">
+              <a:latin typeface="Goudy Old Style" panose="02020502050305020303" charset="0"/>
+              <a:cs typeface="Goudy Old Style" panose="02020502050305020303" charset="0"/>
+            </a:endParaRPr>
+          </a:p>
+          <a:p>
+            <a:pPr>
+              <a:buFont typeface="Arial" panose="020B0604020202020204" pitchFamily="34" charset="0"/>
+              <a:buChar char="•"/>
+            </a:pPr>
+            <a:r>
+              <a:rPr lang="en-IN" altLang="en-US" sz="1600" b="1">
+                <a:latin typeface="Goudy Old Style" panose="02020502050305020303" charset="0"/>
+                <a:cs typeface="Goudy Old Style" panose="02020502050305020303" charset="0"/>
+              </a:rPr>
+              <a:t>git stash branch &lt;feature&gt; </a:t>
+            </a:r>
+            <a:r>
+              <a:rPr lang="en-IN" altLang="en-US" sz="1600">
+                <a:latin typeface="Goudy Old Style" panose="02020502050305020303" charset="0"/>
+                <a:cs typeface="Goudy Old Style" panose="02020502050305020303" charset="0"/>
+              </a:rPr>
+              <a:t>-- Switches to a new branch named ‘function’ and sends the stashed 				 files to that branch as unstaged files.</a:t>
+            </a:r>
+            <a:endParaRPr lang="en-IN" altLang="en-US" sz="1600">
+              <a:latin typeface="Goudy Old Style" panose="02020502050305020303" charset="0"/>
+              <a:cs typeface="Goudy Old Style" panose="02020502050305020303" charset="0"/>
+            </a:endParaRPr>
+          </a:p>
+          <a:p>
+            <a:pPr>
+              <a:buFont typeface="Arial" panose="020B0604020202020204" pitchFamily="34" charset="0"/>
+              <a:buChar char="•"/>
+            </a:pPr>
+            <a:r>
+              <a:rPr lang="en-IN" altLang="en-US" sz="1600" b="1">
+                <a:latin typeface="Goudy Old Style" panose="02020502050305020303" charset="0"/>
+                <a:cs typeface="Goudy Old Style" panose="02020502050305020303" charset="0"/>
+                <a:sym typeface="+mn-ea"/>
+              </a:rPr>
+              <a:t>git stash apply stash@{n} </a:t>
+            </a:r>
+            <a:r>
+              <a:rPr lang="en-IN" altLang="en-US" sz="1600">
+                <a:latin typeface="Goudy Old Style" panose="02020502050305020303" charset="0"/>
+                <a:cs typeface="Goudy Old Style" panose="02020502050305020303" charset="0"/>
+                <a:sym typeface="+mn-ea"/>
+              </a:rPr>
+              <a:t>-- Apply whichever stash you want.</a:t>
+            </a:r>
+            <a:endParaRPr lang="en-IN" altLang="en-US" sz="1600">
+              <a:latin typeface="Goudy Old Style" panose="02020502050305020303" charset="0"/>
+              <a:cs typeface="Goudy Old Style" panose="02020502050305020303" charset="0"/>
+              <a:sym typeface="+mn-ea"/>
+            </a:endParaRPr>
+          </a:p>
+          <a:p>
+            <a:pPr>
+              <a:buFont typeface="Arial" panose="020B0604020202020204" pitchFamily="34" charset="0"/>
+              <a:buChar char="•"/>
+            </a:pPr>
+            <a:r>
+              <a:rPr lang="en-IN" altLang="en-US" sz="1600" b="1">
+                <a:latin typeface="Goudy Old Style" panose="02020502050305020303" charset="0"/>
+                <a:cs typeface="Goudy Old Style" panose="02020502050305020303" charset="0"/>
+              </a:rPr>
+              <a:t>git stash drop stash@{n} -- </a:t>
+            </a:r>
+            <a:r>
+              <a:rPr lang="en-IN" altLang="en-US" sz="1600">
+                <a:latin typeface="Goudy Old Style" panose="02020502050305020303" charset="0"/>
+                <a:cs typeface="Goudy Old Style" panose="02020502050305020303" charset="0"/>
+              </a:rPr>
+              <a:t>Drop a stash you no longer want to use.</a:t>
+            </a:r>
+            <a:endParaRPr lang="en-IN" altLang="en-US" sz="1600">
+              <a:latin typeface="Goudy Old Style" panose="02020502050305020303" charset="0"/>
+              <a:cs typeface="Goudy Old Style" panose="02020502050305020303" charset="0"/>
+            </a:endParaRPr>
+          </a:p>
+          <a:p>
+            <a:pPr>
+              <a:buFont typeface="Arial" panose="020B0604020202020204" pitchFamily="34" charset="0"/>
+              <a:buChar char="•"/>
+            </a:pPr>
+            <a:r>
+              <a:rPr lang="en-IN" altLang="en-US" sz="1600" b="1">
+                <a:latin typeface="Goudy Old Style" panose="02020502050305020303" charset="0"/>
+                <a:cs typeface="Goudy Old Style" panose="02020502050305020303" charset="0"/>
+              </a:rPr>
+              <a:t>git stash clear </a:t>
+            </a:r>
+            <a:r>
+              <a:rPr lang="en-IN" altLang="en-US" sz="1600">
+                <a:latin typeface="Goudy Old Style" panose="02020502050305020303" charset="0"/>
+                <a:cs typeface="Goudy Old Style" panose="02020502050305020303" charset="0"/>
+              </a:rPr>
+              <a:t>-- Remove all stashes.</a:t>
+            </a:r>
+            <a:endParaRPr lang="en-IN" altLang="en-US" sz="1600">
+              <a:latin typeface="Goudy Old Style" panose="02020502050305020303" charset="0"/>
+              <a:cs typeface="Goudy Old Style" panose="02020502050305020303" charset="0"/>
+            </a:endParaRPr>
+          </a:p>
+          <a:p>
+            <a:pPr>
+              <a:buFont typeface="Arial" panose="020B0604020202020204" pitchFamily="34" charset="0"/>
+              <a:buChar char="•"/>
+            </a:pPr>
+            <a:r>
+              <a:rPr lang="en-IN" altLang="en-US" sz="1600" b="1">
+                <a:latin typeface="Goudy Old Style" panose="02020502050305020303" charset="0"/>
+                <a:cs typeface="Goudy Old Style" panose="02020502050305020303" charset="0"/>
+              </a:rPr>
+              <a:t>git stash pop </a:t>
+            </a:r>
+            <a:r>
+              <a:rPr lang="en-IN" altLang="en-US" sz="1600">
+                <a:latin typeface="Goudy Old Style" panose="02020502050305020303" charset="0"/>
+                <a:cs typeface="Goudy Old Style" panose="02020502050305020303" charset="0"/>
+              </a:rPr>
+              <a:t>-- Restore most recently stashed files.</a:t>
+            </a:r>
+            <a:endParaRPr lang="en-IN" altLang="en-US" sz="1600">
+              <a:latin typeface="Goudy Old Style" panose="02020502050305020303" charset="0"/>
+              <a:cs typeface="Goudy Old Style" panose="02020502050305020303" charset="0"/>
+            </a:endParaRPr>
+          </a:p>
+          <a:p>
+            <a:pPr>
+              <a:buFont typeface="Arial" panose="020B0604020202020204" pitchFamily="34" charset="0"/>
+              <a:buChar char="•"/>
+            </a:pPr>
+            <a:endParaRPr lang="en-IN" altLang="en-US" sz="1600">
+              <a:latin typeface="Goudy Old Style" panose="02020502050305020303" charset="0"/>
+              <a:cs typeface="Goudy Old Style" panose="02020502050305020303" charset="0"/>
+            </a:endParaRPr>
+          </a:p>
+        </p:txBody>
+      </p:sp>
+    </p:spTree>
+  </p:cSld>
+  <p:clrMapOvr>
+    <a:masterClrMapping/>
+  </p:clrMapOvr>
+</p:sld>
+</file>
+
+<file path=ppt/slides/slide8.xml><?xml version="1.0" encoding="utf-8"?>
+<p:sld xmlns:a="http://schemas.openxmlformats.org/drawingml/2006/main" xmlns:r="http://schemas.openxmlformats.org/officeDocument/2006/relationships" xmlns:p="http://schemas.openxmlformats.org/presentationml/2006/main">
+  <p:cSld>
+    <p:spTree>
+      <p:nvGrpSpPr>
+        <p:cNvPr id="1" name=""/>
+        <p:cNvGrpSpPr/>
+        <p:nvPr/>
+      </p:nvGrpSpPr>
+      <p:grpSpPr/>
+      <p:sp>
+        <p:nvSpPr>
+          <p:cNvPr id="2" name="Title 1"/>
+          <p:cNvSpPr/>
+          <p:nvPr>
+            <p:ph type="title"/>
+          </p:nvPr>
+        </p:nvSpPr>
+        <p:spPr/>
+        <p:txBody>
+          <a:bodyPr/>
+          <a:p>
+            <a:r>
+              <a:rPr lang="en-IN" altLang="en-US" sz="2700">
+                <a:latin typeface="Bradley Hand ITC" panose="03070402050302030203" charset="0"/>
+                <a:cs typeface="Bradley Hand ITC" panose="03070402050302030203" charset="0"/>
+              </a:rPr>
+              <a:t>Git bisect</a:t>
+            </a:r>
+            <a:endParaRPr lang="en-IN" altLang="en-US" sz="2700">
+              <a:latin typeface="Bradley Hand ITC" panose="03070402050302030203" charset="0"/>
+              <a:cs typeface="Bradley Hand ITC" panose="03070402050302030203" charset="0"/>
+            </a:endParaRPr>
+          </a:p>
+        </p:txBody>
+      </p:sp>
+      <p:sp>
+        <p:nvSpPr>
+          <p:cNvPr id="3" name="Text Placeholder 2"/>
+          <p:cNvSpPr/>
+          <p:nvPr>
+            <p:ph type="body" idx="1"/>
+          </p:nvPr>
+        </p:nvSpPr>
+        <p:spPr>
+          <a:xfrm>
+            <a:off x="311785" y="963930"/>
+            <a:ext cx="8520430" cy="3604895"/>
+          </a:xfrm>
+        </p:spPr>
+        <p:txBody>
+          <a:bodyPr/>
+          <a:p>
+            <a:pPr marL="114300" indent="0">
+              <a:buNone/>
+            </a:pPr>
+            <a:r>
+              <a:rPr lang="en-IN" altLang="en-US">
+                <a:latin typeface="Goudy Old Style" panose="02020502050305020303" charset="0"/>
+                <a:cs typeface="Goudy Old Style" panose="02020502050305020303" charset="0"/>
+              </a:rPr>
+              <a:t>Git bisect helps us to discover the commit that has introduced a bug in the code. It helps to track down the commit where the code works and commit, where it does not, hence tracking down the commit which introduced the bug in the first place.</a:t>
+            </a:r>
+            <a:endParaRPr lang="en-IN" altLang="en-US">
+              <a:latin typeface="Goudy Old Style" panose="02020502050305020303" charset="0"/>
+              <a:cs typeface="Goudy Old Style" panose="02020502050305020303" charset="0"/>
+            </a:endParaRPr>
+          </a:p>
+          <a:p>
+            <a:pPr marL="114300" indent="0">
+              <a:buNone/>
+            </a:pPr>
+            <a:r>
+              <a:rPr lang="en-IN" altLang="en-US" sz="2000" b="1">
+                <a:latin typeface="Goudy Old Style" panose="02020502050305020303" charset="0"/>
+                <a:cs typeface="Goudy Old Style" panose="02020502050305020303" charset="0"/>
+              </a:rPr>
+              <a:t>   Use?</a:t>
+            </a:r>
+            <a:endParaRPr lang="en-IN" altLang="en-US" sz="2000" b="1">
+              <a:latin typeface="Goudy Old Style" panose="02020502050305020303" charset="0"/>
+              <a:cs typeface="Goudy Old Style" panose="02020502050305020303" charset="0"/>
+            </a:endParaRPr>
+          </a:p>
+          <a:p>
+            <a:pPr>
+              <a:buFont typeface="Wingdings" panose="05000000000000000000" charset="0"/>
+              <a:buChar char="Ø"/>
+            </a:pPr>
+            <a:endParaRPr lang="en-IN" altLang="en-US" sz="2000" b="1">
+              <a:latin typeface="Goudy Old Style" panose="02020502050305020303" charset="0"/>
+              <a:cs typeface="Goudy Old Style" panose="02020502050305020303" charset="0"/>
+            </a:endParaRPr>
+          </a:p>
+          <a:p>
+            <a:pPr marL="114300" indent="0">
+              <a:buNone/>
+            </a:pPr>
+            <a:endParaRPr lang="en-IN" altLang="en-US" sz="2000" b="1">
+              <a:latin typeface="Goudy Old Style" panose="02020502050305020303" charset="0"/>
+              <a:cs typeface="Goudy Old Style" panose="02020502050305020303" charset="0"/>
+            </a:endParaRPr>
           </a:p>
         </p:txBody>
       </p:sp>
@@ -9110,7 +9430,291 @@
 </file>
 
 <file path=ppt/theme/theme1.xml><?xml version="1.0" encoding="utf-8"?>
-<a:theme xmlns:a="http://schemas.openxmlformats.org/drawingml/2006/main" xmlns:r="http://schemas.openxmlformats.org/officeDocument/2006/relationships">
+<a:theme xmlns:a="http://schemas.openxmlformats.org/drawingml/2006/main" name="Geometric">
+  <a:themeElements>
+    <a:clrScheme name="Geometric">
+      <a:dk1>
+        <a:srgbClr val="2A3990"/>
+      </a:dk1>
+      <a:lt1>
+        <a:srgbClr val="FFFFFF"/>
+      </a:lt1>
+      <a:dk2>
+        <a:srgbClr val="434343"/>
+      </a:dk2>
+      <a:lt2>
+        <a:srgbClr val="999999"/>
+      </a:lt2>
+      <a:accent1>
+        <a:srgbClr val="212D74"/>
+      </a:accent1>
+      <a:accent2>
+        <a:srgbClr val="3949AB"/>
+      </a:accent2>
+      <a:accent3>
+        <a:srgbClr val="9C254D"/>
+      </a:accent3>
+      <a:accent4>
+        <a:srgbClr val="D23369"/>
+      </a:accent4>
+      <a:accent5>
+        <a:srgbClr val="F06292"/>
+      </a:accent5>
+      <a:accent6>
+        <a:srgbClr val="7890CD"/>
+      </a:accent6>
+      <a:hlink>
+        <a:srgbClr val="F06292"/>
+      </a:hlink>
+      <a:folHlink>
+        <a:srgbClr val="F06292"/>
+      </a:folHlink>
+    </a:clrScheme>
+    <a:fontScheme name="Office">
+      <a:majorFont>
+        <a:latin typeface="Arial"/>
+        <a:ea typeface=""/>
+        <a:cs typeface=""/>
+        <a:font script="Jpan" typeface="ＭＳ Ｐゴシック"/>
+        <a:font script="Hang" typeface="맑은 고딕"/>
+        <a:font script="Hans" typeface="宋体"/>
+        <a:font script="Hant" typeface="新細明體"/>
+        <a:font script="Arab" typeface="Times New Roman"/>
+        <a:font script="Hebr" typeface="Times New Roman"/>
+        <a:font script="Thai" typeface="Angsana New"/>
+        <a:font script="Ethi" typeface="Nyala"/>
+        <a:font script="Beng" typeface="Vrinda"/>
+        <a:font script="Gujr" typeface="Shruti"/>
+        <a:font script="Khmr" typeface="MoolBoran"/>
+        <a:font script="Knda" typeface="Tunga"/>
+        <a:font script="Guru" typeface="Raavi"/>
+        <a:font script="Cans" typeface="Euphemia"/>
+        <a:font script="Cher" typeface="Plantagenet Cherokee"/>
+        <a:font script="Yiii" typeface="Microsoft Yi Baiti"/>
+        <a:font script="Tibt" typeface="Microsoft Himalaya"/>
+        <a:font script="Thaa" typeface="MV Boli"/>
+        <a:font script="Deva" typeface="Mangal"/>
+        <a:font script="Telu" typeface="Gautami"/>
+        <a:font script="Taml" typeface="Latha"/>
+        <a:font script="Syrc" typeface="Estrangelo Edessa"/>
+        <a:font script="Orya" typeface="Kalinga"/>
+        <a:font script="Mlym" typeface="Kartika"/>
+        <a:font script="Laoo" typeface="DokChampa"/>
+        <a:font script="Sinh" typeface="Iskoola Pota"/>
+        <a:font script="Mong" typeface="Mongolian Baiti"/>
+        <a:font script="Viet" typeface="Times New Roman"/>
+        <a:font script="Uigh" typeface="Microsoft Uighur"/>
+        <a:font script="Geor" typeface="Sylfaen"/>
+      </a:majorFont>
+      <a:minorFont>
+        <a:latin typeface="Arial"/>
+        <a:ea typeface=""/>
+        <a:cs typeface=""/>
+        <a:font script="Jpan" typeface="ＭＳ Ｐゴシック"/>
+        <a:font script="Hang" typeface="맑은 고딕"/>
+        <a:font script="Hans" typeface="宋体"/>
+        <a:font script="Hant" typeface="新細明體"/>
+        <a:font script="Arab" typeface="Arial"/>
+        <a:font script="Hebr" typeface="Arial"/>
+        <a:font script="Thai" typeface="Cordia New"/>
+        <a:font script="Ethi" typeface="Nyala"/>
+        <a:font script="Beng" typeface="Vrinda"/>
+        <a:font script="Gujr" typeface="Shruti"/>
+        <a:font script="Khmr" typeface="DaunPenh"/>
+        <a:font script="Knda" typeface="Tunga"/>
+        <a:font script="Guru" typeface="Raavi"/>
+        <a:font script="Cans" typeface="Euphemia"/>
+        <a:font script="Cher" typeface="Plantagenet Cherokee"/>
+        <a:font script="Yiii" typeface="Microsoft Yi Baiti"/>
+        <a:font script="Tibt" typeface="Microsoft Himalaya"/>
+        <a:font script="Thaa" typeface="MV Boli"/>
+        <a:font script="Deva" typeface="Mangal"/>
+        <a:font script="Telu" typeface="Gautami"/>
+        <a:font script="Taml" typeface="Latha"/>
+        <a:font script="Syrc" typeface="Estrangelo Edessa"/>
+        <a:font script="Orya" typeface="Kalinga"/>
+        <a:font script="Mlym" typeface="Kartika"/>
+        <a:font script="Laoo" typeface="DokChampa"/>
+        <a:font script="Sinh" typeface="Iskoola Pota"/>
+        <a:font script="Mong" typeface="Mongolian Baiti"/>
+        <a:font script="Viet" typeface="Arial"/>
+        <a:font script="Uigh" typeface="Microsoft Uighur"/>
+        <a:font script="Geor" typeface="Sylfaen"/>
+      </a:minorFont>
+    </a:fontScheme>
+    <a:fmtScheme name="Office">
+      <a:fillStyleLst>
+        <a:solidFill>
+          <a:schemeClr val="phClr"/>
+        </a:solidFill>
+        <a:gradFill rotWithShape="1">
+          <a:gsLst>
+            <a:gs pos="0">
+              <a:schemeClr val="phClr">
+                <a:tint val="50000"/>
+                <a:satMod val="300000"/>
+              </a:schemeClr>
+            </a:gs>
+            <a:gs pos="35000">
+              <a:schemeClr val="phClr">
+                <a:tint val="37000"/>
+                <a:satMod val="300000"/>
+              </a:schemeClr>
+            </a:gs>
+            <a:gs pos="100000">
+              <a:schemeClr val="phClr">
+                <a:tint val="15000"/>
+                <a:satMod val="350000"/>
+              </a:schemeClr>
+            </a:gs>
+          </a:gsLst>
+          <a:lin ang="16200000" scaled="1"/>
+        </a:gradFill>
+        <a:gradFill rotWithShape="1">
+          <a:gsLst>
+            <a:gs pos="0">
+              <a:schemeClr val="phClr">
+                <a:tint val="100000"/>
+                <a:shade val="100000"/>
+                <a:satMod val="130000"/>
+              </a:schemeClr>
+            </a:gs>
+            <a:gs pos="100000">
+              <a:schemeClr val="phClr">
+                <a:tint val="50000"/>
+                <a:shade val="100000"/>
+                <a:satMod val="350000"/>
+              </a:schemeClr>
+            </a:gs>
+          </a:gsLst>
+          <a:lin ang="16200000" scaled="0"/>
+        </a:gradFill>
+      </a:fillStyleLst>
+      <a:lnStyleLst>
+        <a:ln w="9525" cap="flat" cmpd="sng" algn="ctr">
+          <a:solidFill>
+            <a:schemeClr val="phClr">
+              <a:shade val="95000"/>
+              <a:satMod val="105000"/>
+            </a:schemeClr>
+          </a:solidFill>
+          <a:prstDash val="solid"/>
+        </a:ln>
+        <a:ln w="25400" cap="flat" cmpd="sng" algn="ctr">
+          <a:solidFill>
+            <a:schemeClr val="phClr"/>
+          </a:solidFill>
+          <a:prstDash val="solid"/>
+        </a:ln>
+        <a:ln w="38100" cap="flat" cmpd="sng" algn="ctr">
+          <a:solidFill>
+            <a:schemeClr val="phClr"/>
+          </a:solidFill>
+          <a:prstDash val="solid"/>
+        </a:ln>
+      </a:lnStyleLst>
+      <a:effectStyleLst>
+        <a:effectStyle>
+          <a:effectLst>
+            <a:outerShdw blurRad="40000" dist="20000" dir="5400000" rotWithShape="0">
+              <a:srgbClr val="000000">
+                <a:alpha val="38000"/>
+              </a:srgbClr>
+            </a:outerShdw>
+          </a:effectLst>
+        </a:effectStyle>
+        <a:effectStyle>
+          <a:effectLst>
+            <a:outerShdw blurRad="40000" dist="23000" dir="5400000" rotWithShape="0">
+              <a:srgbClr val="000000">
+                <a:alpha val="35000"/>
+              </a:srgbClr>
+            </a:outerShdw>
+          </a:effectLst>
+        </a:effectStyle>
+        <a:effectStyle>
+          <a:effectLst>
+            <a:outerShdw blurRad="40000" dist="23000" dir="5400000" rotWithShape="0">
+              <a:srgbClr val="000000">
+                <a:alpha val="35000"/>
+              </a:srgbClr>
+            </a:outerShdw>
+          </a:effectLst>
+          <a:scene3d>
+            <a:camera prst="orthographicFront">
+              <a:rot lat="0" lon="0" rev="0"/>
+            </a:camera>
+            <a:lightRig rig="threePt" dir="t">
+              <a:rot lat="0" lon="0" rev="1200000"/>
+            </a:lightRig>
+          </a:scene3d>
+          <a:sp3d>
+            <a:bevelT w="63500" h="25400"/>
+          </a:sp3d>
+        </a:effectStyle>
+      </a:effectStyleLst>
+      <a:bgFillStyleLst>
+        <a:solidFill>
+          <a:schemeClr val="phClr"/>
+        </a:solidFill>
+        <a:gradFill rotWithShape="1">
+          <a:gsLst>
+            <a:gs pos="0">
+              <a:schemeClr val="phClr">
+                <a:tint val="40000"/>
+                <a:satMod val="350000"/>
+              </a:schemeClr>
+            </a:gs>
+            <a:gs pos="40000">
+              <a:schemeClr val="phClr">
+                <a:tint val="45000"/>
+                <a:shade val="99000"/>
+                <a:satMod val="350000"/>
+              </a:schemeClr>
+            </a:gs>
+            <a:gs pos="100000">
+              <a:schemeClr val="phClr">
+                <a:shade val="20000"/>
+                <a:satMod val="255000"/>
+              </a:schemeClr>
+            </a:gs>
+          </a:gsLst>
+          <a:path path="circle">
+            <a:fillToRect l="50000" t="-80000" r="50000" b="180000"/>
+          </a:path>
+        </a:gradFill>
+        <a:gradFill rotWithShape="1">
+          <a:gsLst>
+            <a:gs pos="0">
+              <a:schemeClr val="phClr">
+                <a:tint val="80000"/>
+                <a:satMod val="300000"/>
+              </a:schemeClr>
+            </a:gs>
+            <a:gs pos="100000">
+              <a:schemeClr val="phClr">
+                <a:shade val="30000"/>
+                <a:satMod val="200000"/>
+              </a:schemeClr>
+            </a:gs>
+          </a:gsLst>
+          <a:path path="circle">
+            <a:fillToRect l="50000" t="50000" r="50000" b="50000"/>
+          </a:path>
+        </a:gradFill>
+      </a:bgFillStyleLst>
+    </a:fmtScheme>
+  </a:themeElements>
+  <a:extLst>
+    <a:ext uri="{05A4C25C-085E-4340-85A3-A5531E510DB2}">
+      <thm15:themeFamily xmlns:thm15="http://schemas.microsoft.com/office/thememl/2012/main" name="Office Theme" id="{62F939B6-93AF-4DB8-9C6B-D6C7DFDC589F}" vid="{4A3C46E8-61CC-4603-A589-7422A47A8E4A}"/>
+    </a:ext>
+  </a:extLst>
+</a:theme>
+</file>
+
+<file path=ppt/theme/theme2.xml><?xml version="1.0" encoding="utf-8"?>
+<a:theme xmlns:a="http://schemas.openxmlformats.org/drawingml/2006/main">
   <a:themeElements>
     <a:clrScheme name="Default">
       <a:dk1>
@@ -9385,284 +9989,10 @@
       </a:bgFillStyleLst>
     </a:fmtScheme>
   </a:themeElements>
-</a:theme>
-</file>
-
-<file path=ppt/theme/theme2.xml><?xml version="1.0" encoding="utf-8"?>
-<a:theme xmlns:a="http://schemas.openxmlformats.org/drawingml/2006/main" xmlns:r="http://schemas.openxmlformats.org/officeDocument/2006/relationships" name="Geometric">
-  <a:themeElements>
-    <a:clrScheme name="Geometric">
-      <a:dk1>
-        <a:srgbClr val="2A3990"/>
-      </a:dk1>
-      <a:lt1>
-        <a:srgbClr val="FFFFFF"/>
-      </a:lt1>
-      <a:dk2>
-        <a:srgbClr val="434343"/>
-      </a:dk2>
-      <a:lt2>
-        <a:srgbClr val="999999"/>
-      </a:lt2>
-      <a:accent1>
-        <a:srgbClr val="212D74"/>
-      </a:accent1>
-      <a:accent2>
-        <a:srgbClr val="3949AB"/>
-      </a:accent2>
-      <a:accent3>
-        <a:srgbClr val="9C254D"/>
-      </a:accent3>
-      <a:accent4>
-        <a:srgbClr val="D23369"/>
-      </a:accent4>
-      <a:accent5>
-        <a:srgbClr val="F06292"/>
-      </a:accent5>
-      <a:accent6>
-        <a:srgbClr val="7890CD"/>
-      </a:accent6>
-      <a:hlink>
-        <a:srgbClr val="F06292"/>
-      </a:hlink>
-      <a:folHlink>
-        <a:srgbClr val="F06292"/>
-      </a:folHlink>
-    </a:clrScheme>
-    <a:fontScheme name="Office">
-      <a:majorFont>
-        <a:latin typeface="Arial"/>
-        <a:ea typeface=""/>
-        <a:cs typeface=""/>
-        <a:font script="Jpan" typeface="ＭＳ Ｐゴシック"/>
-        <a:font script="Hang" typeface="맑은 고딕"/>
-        <a:font script="Hans" typeface="宋体"/>
-        <a:font script="Hant" typeface="新細明體"/>
-        <a:font script="Arab" typeface="Times New Roman"/>
-        <a:font script="Hebr" typeface="Times New Roman"/>
-        <a:font script="Thai" typeface="Angsana New"/>
-        <a:font script="Ethi" typeface="Nyala"/>
-        <a:font script="Beng" typeface="Vrinda"/>
-        <a:font script="Gujr" typeface="Shruti"/>
-        <a:font script="Khmr" typeface="MoolBoran"/>
-        <a:font script="Knda" typeface="Tunga"/>
-        <a:font script="Guru" typeface="Raavi"/>
-        <a:font script="Cans" typeface="Euphemia"/>
-        <a:font script="Cher" typeface="Plantagenet Cherokee"/>
-        <a:font script="Yiii" typeface="Microsoft Yi Baiti"/>
-        <a:font script="Tibt" typeface="Microsoft Himalaya"/>
-        <a:font script="Thaa" typeface="MV Boli"/>
-        <a:font script="Deva" typeface="Mangal"/>
-        <a:font script="Telu" typeface="Gautami"/>
-        <a:font script="Taml" typeface="Latha"/>
-        <a:font script="Syrc" typeface="Estrangelo Edessa"/>
-        <a:font script="Orya" typeface="Kalinga"/>
-        <a:font script="Mlym" typeface="Kartika"/>
-        <a:font script="Laoo" typeface="DokChampa"/>
-        <a:font script="Sinh" typeface="Iskoola Pota"/>
-        <a:font script="Mong" typeface="Mongolian Baiti"/>
-        <a:font script="Viet" typeface="Times New Roman"/>
-        <a:font script="Uigh" typeface="Microsoft Uighur"/>
-        <a:font script="Geor" typeface="Sylfaen"/>
-      </a:majorFont>
-      <a:minorFont>
-        <a:latin typeface="Arial"/>
-        <a:ea typeface=""/>
-        <a:cs typeface=""/>
-        <a:font script="Jpan" typeface="ＭＳ Ｐゴシック"/>
-        <a:font script="Hang" typeface="맑은 고딕"/>
-        <a:font script="Hans" typeface="宋体"/>
-        <a:font script="Hant" typeface="新細明體"/>
-        <a:font script="Arab" typeface="Arial"/>
-        <a:font script="Hebr" typeface="Arial"/>
-        <a:font script="Thai" typeface="Cordia New"/>
-        <a:font script="Ethi" typeface="Nyala"/>
-        <a:font script="Beng" typeface="Vrinda"/>
-        <a:font script="Gujr" typeface="Shruti"/>
-        <a:font script="Khmr" typeface="DaunPenh"/>
-        <a:font script="Knda" typeface="Tunga"/>
-        <a:font script="Guru" typeface="Raavi"/>
-        <a:font script="Cans" typeface="Euphemia"/>
-        <a:font script="Cher" typeface="Plantagenet Cherokee"/>
-        <a:font script="Yiii" typeface="Microsoft Yi Baiti"/>
-        <a:font script="Tibt" typeface="Microsoft Himalaya"/>
-        <a:font script="Thaa" typeface="MV Boli"/>
-        <a:font script="Deva" typeface="Mangal"/>
-        <a:font script="Telu" typeface="Gautami"/>
-        <a:font script="Taml" typeface="Latha"/>
-        <a:font script="Syrc" typeface="Estrangelo Edessa"/>
-        <a:font script="Orya" typeface="Kalinga"/>
-        <a:font script="Mlym" typeface="Kartika"/>
-        <a:font script="Laoo" typeface="DokChampa"/>
-        <a:font script="Sinh" typeface="Iskoola Pota"/>
-        <a:font script="Mong" typeface="Mongolian Baiti"/>
-        <a:font script="Viet" typeface="Arial"/>
-        <a:font script="Uigh" typeface="Microsoft Uighur"/>
-        <a:font script="Geor" typeface="Sylfaen"/>
-      </a:minorFont>
-    </a:fontScheme>
-    <a:fmtScheme name="Office">
-      <a:fillStyleLst>
-        <a:solidFill>
-          <a:schemeClr val="phClr"/>
-        </a:solidFill>
-        <a:gradFill rotWithShape="1">
-          <a:gsLst>
-            <a:gs pos="0">
-              <a:schemeClr val="phClr">
-                <a:tint val="50000"/>
-                <a:satMod val="300000"/>
-              </a:schemeClr>
-            </a:gs>
-            <a:gs pos="35000">
-              <a:schemeClr val="phClr">
-                <a:tint val="37000"/>
-                <a:satMod val="300000"/>
-              </a:schemeClr>
-            </a:gs>
-            <a:gs pos="100000">
-              <a:schemeClr val="phClr">
-                <a:tint val="15000"/>
-                <a:satMod val="350000"/>
-              </a:schemeClr>
-            </a:gs>
-          </a:gsLst>
-          <a:lin ang="16200000" scaled="1"/>
-        </a:gradFill>
-        <a:gradFill rotWithShape="1">
-          <a:gsLst>
-            <a:gs pos="0">
-              <a:schemeClr val="phClr">
-                <a:tint val="100000"/>
-                <a:shade val="100000"/>
-                <a:satMod val="130000"/>
-              </a:schemeClr>
-            </a:gs>
-            <a:gs pos="100000">
-              <a:schemeClr val="phClr">
-                <a:tint val="50000"/>
-                <a:shade val="100000"/>
-                <a:satMod val="350000"/>
-              </a:schemeClr>
-            </a:gs>
-          </a:gsLst>
-          <a:lin ang="16200000" scaled="0"/>
-        </a:gradFill>
-      </a:fillStyleLst>
-      <a:lnStyleLst>
-        <a:ln w="9525" cap="flat" cmpd="sng" algn="ctr">
-          <a:solidFill>
-            <a:schemeClr val="phClr">
-              <a:shade val="95000"/>
-              <a:satMod val="105000"/>
-            </a:schemeClr>
-          </a:solidFill>
-          <a:prstDash val="solid"/>
-        </a:ln>
-        <a:ln w="25400" cap="flat" cmpd="sng" algn="ctr">
-          <a:solidFill>
-            <a:schemeClr val="phClr"/>
-          </a:solidFill>
-          <a:prstDash val="solid"/>
-        </a:ln>
-        <a:ln w="38100" cap="flat" cmpd="sng" algn="ctr">
-          <a:solidFill>
-            <a:schemeClr val="phClr"/>
-          </a:solidFill>
-          <a:prstDash val="solid"/>
-        </a:ln>
-      </a:lnStyleLst>
-      <a:effectStyleLst>
-        <a:effectStyle>
-          <a:effectLst>
-            <a:outerShdw blurRad="40000" dist="20000" dir="5400000" rotWithShape="0">
-              <a:srgbClr val="000000">
-                <a:alpha val="38000"/>
-              </a:srgbClr>
-            </a:outerShdw>
-          </a:effectLst>
-        </a:effectStyle>
-        <a:effectStyle>
-          <a:effectLst>
-            <a:outerShdw blurRad="40000" dist="23000" dir="5400000" rotWithShape="0">
-              <a:srgbClr val="000000">
-                <a:alpha val="35000"/>
-              </a:srgbClr>
-            </a:outerShdw>
-          </a:effectLst>
-        </a:effectStyle>
-        <a:effectStyle>
-          <a:effectLst>
-            <a:outerShdw blurRad="40000" dist="23000" dir="5400000" rotWithShape="0">
-              <a:srgbClr val="000000">
-                <a:alpha val="35000"/>
-              </a:srgbClr>
-            </a:outerShdw>
-          </a:effectLst>
-          <a:scene3d>
-            <a:camera prst="orthographicFront">
-              <a:rot lat="0" lon="0" rev="0"/>
-            </a:camera>
-            <a:lightRig rig="threePt" dir="t">
-              <a:rot lat="0" lon="0" rev="1200000"/>
-            </a:lightRig>
-          </a:scene3d>
-          <a:sp3d>
-            <a:bevelT w="63500" h="25400"/>
-          </a:sp3d>
-        </a:effectStyle>
-      </a:effectStyleLst>
-      <a:bgFillStyleLst>
-        <a:solidFill>
-          <a:schemeClr val="phClr"/>
-        </a:solidFill>
-        <a:gradFill rotWithShape="1">
-          <a:gsLst>
-            <a:gs pos="0">
-              <a:schemeClr val="phClr">
-                <a:tint val="40000"/>
-                <a:satMod val="350000"/>
-              </a:schemeClr>
-            </a:gs>
-            <a:gs pos="40000">
-              <a:schemeClr val="phClr">
-                <a:tint val="45000"/>
-                <a:shade val="99000"/>
-                <a:satMod val="350000"/>
-              </a:schemeClr>
-            </a:gs>
-            <a:gs pos="100000">
-              <a:schemeClr val="phClr">
-                <a:shade val="20000"/>
-                <a:satMod val="255000"/>
-              </a:schemeClr>
-            </a:gs>
-          </a:gsLst>
-          <a:path path="circle">
-            <a:fillToRect l="50000" t="-80000" r="50000" b="180000"/>
-          </a:path>
-        </a:gradFill>
-        <a:gradFill rotWithShape="1">
-          <a:gsLst>
-            <a:gs pos="0">
-              <a:schemeClr val="phClr">
-                <a:tint val="80000"/>
-                <a:satMod val="300000"/>
-              </a:schemeClr>
-            </a:gs>
-            <a:gs pos="100000">
-              <a:schemeClr val="phClr">
-                <a:shade val="30000"/>
-                <a:satMod val="200000"/>
-              </a:schemeClr>
-            </a:gs>
-          </a:gsLst>
-          <a:path path="circle">
-            <a:fillToRect l="50000" t="50000" r="50000" b="50000"/>
-          </a:path>
-        </a:gradFill>
-      </a:bgFillStyleLst>
-    </a:fmtScheme>
-  </a:themeElements>
+  <a:extLst>
+    <a:ext uri="{05A4C25C-085E-4340-85A3-A5531E510DB2}">
+      <thm15:themeFamily xmlns:thm15="http://schemas.microsoft.com/office/thememl/2012/main" name="Office Theme" id="{62F939B6-93AF-4DB8-9C6B-D6C7DFDC589F}" vid="{4A3C46E8-61CC-4603-A589-7422A47A8E4A}"/>
+    </a:ext>
+  </a:extLst>
 </a:theme>
 </file>
--- a/KOSS ppt.pptx
+++ b/KOSS ppt.pptx
@@ -16,35 +16,38 @@
     <p:sldId id="261" r:id="rId9"/>
     <p:sldId id="262" r:id="rId10"/>
     <p:sldId id="263" r:id="rId11"/>
+    <p:sldId id="264" r:id="rId12"/>
+    <p:sldId id="265" r:id="rId13"/>
+    <p:sldId id="266" r:id="rId14"/>
   </p:sldIdLst>
   <p:sldSz cx="9144000" cy="5143500"/>
   <p:notesSz cx="6858000" cy="9144000"/>
   <p:embeddedFontLst>
     <p:embeddedFont>
       <p:font typeface="Roboto" panose="02000000000000000000"/>
-      <p:regular r:id="rId15"/>
+      <p:regular r:id="rId18"/>
     </p:embeddedFont>
     <p:embeddedFont>
       <p:font typeface="Comic Sans MS" panose="030F0702030302020204"/>
-      <p:regular r:id="rId16"/>
-      <p:bold r:id="rId17"/>
-      <p:italic r:id="rId18"/>
-      <p:boldItalic r:id="rId19"/>
+      <p:regular r:id="rId19"/>
+      <p:bold r:id="rId20"/>
+      <p:italic r:id="rId21"/>
+      <p:boldItalic r:id="rId22"/>
     </p:embeddedFont>
     <p:embeddedFont>
       <p:font typeface="Comfortaa"/>
-      <p:regular r:id="rId20"/>
-      <p:bold r:id="rId21"/>
+      <p:regular r:id="rId23"/>
+      <p:bold r:id="rId24"/>
     </p:embeddedFont>
     <p:embeddedFont>
       <p:font typeface="Bradley Hand ITC" panose="03070402050302030203" charset="0"/>
-      <p:regular r:id="rId22"/>
+      <p:regular r:id="rId25"/>
     </p:embeddedFont>
     <p:embeddedFont>
       <p:font typeface="Goudy Old Style" panose="02020502050305020303" charset="0"/>
-      <p:regular r:id="rId23"/>
-      <p:bold r:id="rId24"/>
-      <p:italic r:id="rId25"/>
+      <p:regular r:id="rId26"/>
+      <p:bold r:id="rId27"/>
+      <p:italic r:id="rId28"/>
     </p:embeddedFont>
   </p:embeddedFontLst>
   <p:defaultTextStyle>
@@ -1528,6 +1531,117 @@
               </a:spcAft>
               <a:buNone/>
             </a:pPr>
+          </a:p>
+        </p:txBody>
+      </p:sp>
+    </p:spTree>
+  </p:cSld>
+  <p:clrMapOvr>
+    <a:masterClrMapping/>
+  </p:clrMapOvr>
+</p:notes>
+</file>
+
+<file path=ppt/notesSlides/notesSlide7.xml><?xml version="1.0" encoding="utf-8"?>
+<p:notes xmlns:a="http://schemas.openxmlformats.org/drawingml/2006/main" xmlns:r="http://schemas.openxmlformats.org/officeDocument/2006/relationships" xmlns:p="http://schemas.openxmlformats.org/presentationml/2006/main">
+  <p:cSld>
+    <p:spTree>
+      <p:nvGrpSpPr>
+        <p:cNvPr id="1" name=""/>
+        <p:cNvGrpSpPr/>
+        <p:nvPr/>
+      </p:nvGrpSpPr>
+      <p:grpSpPr/>
+      <p:sp>
+        <p:nvSpPr>
+          <p:cNvPr id="2" name="Slide Image Placeholder 1"/>
+          <p:cNvSpPr/>
+          <p:nvPr>
+            <p:ph type="sldImg" idx="2"/>
+          </p:nvPr>
+        </p:nvSpPr>
+        <p:spPr/>
+      </p:sp>
+      <p:sp>
+        <p:nvSpPr>
+          <p:cNvPr id="3" name="Text Placeholder 2"/>
+          <p:cNvSpPr/>
+          <p:nvPr>
+            <p:ph type="body" idx="1"/>
+          </p:nvPr>
+        </p:nvSpPr>
+        <p:spPr/>
+        <p:txBody>
+          <a:bodyPr/>
+          <a:p>
+            <a:pPr marL="158750" indent="0">
+              <a:buNone/>
+            </a:pPr>
+            <a:r>
+              <a:rPr lang="en-IN" altLang="en-US"/>
+              <a:t>Good commit is the one, where the functionality is working fine.</a:t>
+            </a:r>
+            <a:endParaRPr lang="en-IN" altLang="en-US"/>
+          </a:p>
+          <a:p>
+            <a:pPr marL="158750" indent="0">
+              <a:buNone/>
+            </a:pPr>
+            <a:r>
+              <a:rPr lang="en-IN" altLang="en-US"/>
+              <a:t>Bad commit is one where things are not working as expected.</a:t>
+            </a:r>
+            <a:endParaRPr lang="en-IN" altLang="en-US"/>
+          </a:p>
+          <a:p>
+            <a:pPr marL="158750" indent="0">
+              <a:buNone/>
+            </a:pPr>
+            <a:endParaRPr lang="en-IN" altLang="en-US"/>
+          </a:p>
+        </p:txBody>
+      </p:sp>
+    </p:spTree>
+  </p:cSld>
+  <p:clrMapOvr>
+    <a:masterClrMapping/>
+  </p:clrMapOvr>
+</p:notes>
+</file>
+
+<file path=ppt/notesSlides/notesSlide8.xml><?xml version="1.0" encoding="utf-8"?>
+<p:notes xmlns:a="http://schemas.openxmlformats.org/drawingml/2006/main" xmlns:r="http://schemas.openxmlformats.org/officeDocument/2006/relationships" xmlns:p="http://schemas.openxmlformats.org/presentationml/2006/main">
+  <p:cSld>
+    <p:spTree>
+      <p:nvGrpSpPr>
+        <p:cNvPr id="1" name=""/>
+        <p:cNvGrpSpPr/>
+        <p:nvPr/>
+      </p:nvGrpSpPr>
+      <p:grpSpPr/>
+      <p:sp>
+        <p:nvSpPr>
+          <p:cNvPr id="2" name="Slide Image Placeholder 1"/>
+          <p:cNvSpPr/>
+          <p:nvPr>
+            <p:ph type="sldImg" idx="2"/>
+          </p:nvPr>
+        </p:nvSpPr>
+        <p:spPr/>
+      </p:sp>
+      <p:sp>
+        <p:nvSpPr>
+          <p:cNvPr id="3" name="Text Placeholder 2"/>
+          <p:cNvSpPr/>
+          <p:nvPr>
+            <p:ph type="body" idx="1"/>
+          </p:nvPr>
+        </p:nvSpPr>
+        <p:spPr/>
+        <p:txBody>
+          <a:bodyPr/>
+          <a:p>
+            <a:endParaRPr lang="en-US"/>
           </a:p>
         </p:txBody>
       </p:sp>
@@ -8149,6 +8263,279 @@
 </p:sld>
 </file>
 
+<file path=ppt/slides/slide10.xml><?xml version="1.0" encoding="utf-8"?>
+<p:sld xmlns:a="http://schemas.openxmlformats.org/drawingml/2006/main" xmlns:r="http://schemas.openxmlformats.org/officeDocument/2006/relationships" xmlns:p="http://schemas.openxmlformats.org/presentationml/2006/main">
+  <p:cSld>
+    <p:spTree>
+      <p:nvGrpSpPr>
+        <p:cNvPr id="1" name=""/>
+        <p:cNvGrpSpPr/>
+        <p:nvPr/>
+      </p:nvGrpSpPr>
+      <p:grpSpPr/>
+      <p:sp>
+        <p:nvSpPr>
+          <p:cNvPr id="2" name="Title 1"/>
+          <p:cNvSpPr/>
+          <p:nvPr>
+            <p:ph type="title"/>
+          </p:nvPr>
+        </p:nvSpPr>
+        <p:spPr>
+          <a:xfrm>
+            <a:off x="311785" y="410210"/>
+            <a:ext cx="8520430" cy="425450"/>
+          </a:xfrm>
+        </p:spPr>
+        <p:txBody>
+          <a:bodyPr>
+            <a:normAutofit fontScale="90000"/>
+          </a:bodyPr>
+          <a:p>
+            <a:r>
+              <a:rPr lang="en-IN" altLang="en-US" sz="2000">
+                <a:latin typeface="Goudy Old Style" panose="02020502050305020303" charset="0"/>
+                <a:cs typeface="Goudy Old Style" panose="02020502050305020303" charset="0"/>
+              </a:rPr>
+              <a:t>Commands:</a:t>
+            </a:r>
+            <a:endParaRPr lang="en-IN" altLang="en-US" sz="2000">
+              <a:latin typeface="Goudy Old Style" panose="02020502050305020303" charset="0"/>
+              <a:cs typeface="Goudy Old Style" panose="02020502050305020303" charset="0"/>
+            </a:endParaRPr>
+          </a:p>
+        </p:txBody>
+      </p:sp>
+      <p:sp>
+        <p:nvSpPr>
+          <p:cNvPr id="3" name="Text Placeholder 2"/>
+          <p:cNvSpPr/>
+          <p:nvPr>
+            <p:ph type="body" idx="1"/>
+          </p:nvPr>
+        </p:nvSpPr>
+        <p:spPr>
+          <a:xfrm>
+            <a:off x="311785" y="835660"/>
+            <a:ext cx="8520430" cy="3733165"/>
+          </a:xfrm>
+        </p:spPr>
+        <p:txBody>
+          <a:bodyPr/>
+          <a:p>
+            <a:pPr>
+              <a:buFont typeface="Arial" panose="020B0604020202020204" pitchFamily="34" charset="0"/>
+              <a:buChar char="•"/>
+            </a:pPr>
+            <a:r>
+              <a:rPr lang="en-IN" altLang="en-US" sz="1600" b="1">
+                <a:latin typeface="Goudy Old Style" panose="02020502050305020303" charset="0"/>
+                <a:cs typeface="Goudy Old Style" panose="02020502050305020303" charset="0"/>
+              </a:rPr>
+              <a:t>git bisect start</a:t>
+            </a:r>
+            <a:r>
+              <a:rPr lang="en-IN" altLang="en-US" sz="1600">
+                <a:latin typeface="Goudy Old Style" panose="02020502050305020303" charset="0"/>
+                <a:cs typeface="Goudy Old Style" panose="02020502050305020303" charset="0"/>
+              </a:rPr>
+              <a:t> : To initialise the search.</a:t>
+            </a:r>
+            <a:endParaRPr lang="en-IN" altLang="en-US" sz="1600">
+              <a:latin typeface="Goudy Old Style" panose="02020502050305020303" charset="0"/>
+              <a:cs typeface="Goudy Old Style" panose="02020502050305020303" charset="0"/>
+            </a:endParaRPr>
+          </a:p>
+          <a:p>
+            <a:pPr>
+              <a:buFont typeface="Arial" panose="020B0604020202020204" pitchFamily="34" charset="0"/>
+              <a:buChar char="•"/>
+            </a:pPr>
+            <a:r>
+              <a:rPr lang="en-IN" altLang="en-US" sz="1600" b="1">
+                <a:latin typeface="Goudy Old Style" panose="02020502050305020303" charset="0"/>
+                <a:cs typeface="Goudy Old Style" panose="02020502050305020303" charset="0"/>
+              </a:rPr>
+              <a:t>git bisect bad </a:t>
+            </a:r>
+            <a:r>
+              <a:rPr lang="en-IN" altLang="en-US" sz="1600">
+                <a:latin typeface="Goudy Old Style" panose="02020502050305020303" charset="0"/>
+                <a:cs typeface="Goudy Old Style" panose="02020502050305020303" charset="0"/>
+              </a:rPr>
+              <a:t>: Label the commit as bad.</a:t>
+            </a:r>
+            <a:endParaRPr lang="en-IN" altLang="en-US" sz="1600">
+              <a:latin typeface="Goudy Old Style" panose="02020502050305020303" charset="0"/>
+              <a:cs typeface="Goudy Old Style" panose="02020502050305020303" charset="0"/>
+            </a:endParaRPr>
+          </a:p>
+          <a:p>
+            <a:pPr>
+              <a:buFont typeface="Arial" panose="020B0604020202020204" pitchFamily="34" charset="0"/>
+              <a:buChar char="•"/>
+            </a:pPr>
+            <a:r>
+              <a:rPr lang="en-IN" altLang="en-US" sz="1600" b="1">
+                <a:latin typeface="Goudy Old Style" panose="02020502050305020303" charset="0"/>
+                <a:cs typeface="Goudy Old Style" panose="02020502050305020303" charset="0"/>
+              </a:rPr>
+              <a:t>git bisect good </a:t>
+            </a:r>
+            <a:r>
+              <a:rPr lang="en-IN" altLang="en-US" sz="1600">
+                <a:latin typeface="Goudy Old Style" panose="02020502050305020303" charset="0"/>
+                <a:cs typeface="Goudy Old Style" panose="02020502050305020303" charset="0"/>
+              </a:rPr>
+              <a:t>: Label the commit as good.</a:t>
+            </a:r>
+            <a:endParaRPr lang="en-IN" altLang="en-US" sz="1600">
+              <a:latin typeface="Goudy Old Style" panose="02020502050305020303" charset="0"/>
+              <a:cs typeface="Goudy Old Style" panose="02020502050305020303" charset="0"/>
+            </a:endParaRPr>
+          </a:p>
+          <a:p>
+            <a:pPr>
+              <a:buFont typeface="Arial" panose="020B0604020202020204" pitchFamily="34" charset="0"/>
+              <a:buChar char="•"/>
+            </a:pPr>
+            <a:r>
+              <a:rPr lang="en-IN" altLang="en-US" sz="1600" b="1">
+                <a:latin typeface="Goudy Old Style" panose="02020502050305020303" charset="0"/>
+                <a:cs typeface="Goudy Old Style" panose="02020502050305020303" charset="0"/>
+              </a:rPr>
+              <a:t>git bisect reset </a:t>
+            </a:r>
+            <a:r>
+              <a:rPr lang="en-IN" altLang="en-US" sz="1600">
+                <a:latin typeface="Goudy Old Style" panose="02020502050305020303" charset="0"/>
+                <a:cs typeface="Goudy Old Style" panose="02020502050305020303" charset="0"/>
+              </a:rPr>
+              <a:t>: Reset branch to its normal working state.</a:t>
+            </a:r>
+            <a:endParaRPr lang="en-IN" altLang="en-US" sz="1600">
+              <a:latin typeface="Goudy Old Style" panose="02020502050305020303" charset="0"/>
+              <a:cs typeface="Goudy Old Style" panose="02020502050305020303" charset="0"/>
+            </a:endParaRPr>
+          </a:p>
+        </p:txBody>
+      </p:sp>
+    </p:spTree>
+  </p:cSld>
+  <p:clrMapOvr>
+    <a:masterClrMapping/>
+  </p:clrMapOvr>
+</p:sld>
+</file>
+
+<file path=ppt/slides/slide11.xml><?xml version="1.0" encoding="utf-8"?>
+<p:sld xmlns:a="http://schemas.openxmlformats.org/drawingml/2006/main" xmlns:r="http://schemas.openxmlformats.org/officeDocument/2006/relationships" xmlns:p="http://schemas.openxmlformats.org/presentationml/2006/main">
+  <p:cSld>
+    <p:spTree>
+      <p:nvGrpSpPr>
+        <p:cNvPr id="1" name=""/>
+        <p:cNvGrpSpPr/>
+        <p:nvPr/>
+      </p:nvGrpSpPr>
+      <p:grpSpPr/>
+      <p:sp>
+        <p:nvSpPr>
+          <p:cNvPr id="2" name="Title 1"/>
+          <p:cNvSpPr/>
+          <p:nvPr>
+            <p:ph type="title"/>
+          </p:nvPr>
+        </p:nvSpPr>
+        <p:spPr>
+          <a:xfrm>
+            <a:off x="311785" y="410210"/>
+            <a:ext cx="8520430" cy="527685"/>
+          </a:xfrm>
+        </p:spPr>
+        <p:txBody>
+          <a:bodyPr>
+            <a:normAutofit fontScale="90000"/>
+          </a:bodyPr>
+          <a:p>
+            <a:r>
+              <a:rPr lang="en-IN" altLang="en-US">
+                <a:latin typeface="Bradley Hand ITC" panose="03070402050302030203" charset="0"/>
+                <a:cs typeface="Bradley Hand ITC" panose="03070402050302030203" charset="0"/>
+              </a:rPr>
+              <a:t>Git reflog</a:t>
+            </a:r>
+            <a:endParaRPr lang="en-IN" altLang="en-US">
+              <a:latin typeface="Bradley Hand ITC" panose="03070402050302030203" charset="0"/>
+              <a:cs typeface="Bradley Hand ITC" panose="03070402050302030203" charset="0"/>
+            </a:endParaRPr>
+          </a:p>
+        </p:txBody>
+      </p:sp>
+      <p:sp>
+        <p:nvSpPr>
+          <p:cNvPr id="3" name="Text Placeholder 2"/>
+          <p:cNvSpPr/>
+          <p:nvPr>
+            <p:ph type="body" idx="1"/>
+          </p:nvPr>
+        </p:nvSpPr>
+        <p:spPr>
+          <a:xfrm>
+            <a:off x="311785" y="937895"/>
+            <a:ext cx="8520430" cy="3630930"/>
+          </a:xfrm>
+        </p:spPr>
+        <p:txBody>
+          <a:bodyPr/>
+          <a:p>
+            <a:pPr marL="114300" indent="0">
+              <a:buNone/>
+            </a:pPr>
+            <a:r>
+              <a:rPr lang="en-US">
+                <a:latin typeface="Goudy Old Style" panose="02020502050305020303" charset="0"/>
+                <a:cs typeface="Goudy Old Style" panose="02020502050305020303" charset="0"/>
+              </a:rPr>
+              <a:t>Git maintains a list of checkpoints which can accessed using reflog.</a:t>
+            </a:r>
+            <a:r>
+              <a:rPr lang="en-IN" altLang="en-US">
+                <a:latin typeface="Goudy Old Style" panose="02020502050305020303" charset="0"/>
+                <a:cs typeface="Goudy Old Style" panose="02020502050305020303" charset="0"/>
+              </a:rPr>
+              <a:t> We </a:t>
+            </a:r>
+            <a:r>
+              <a:rPr lang="en-US">
+                <a:latin typeface="Goudy Old Style" panose="02020502050305020303" charset="0"/>
+                <a:cs typeface="Goudy Old Style" panose="02020502050305020303" charset="0"/>
+              </a:rPr>
+              <a:t>can use reflog to undo merges, recover lost commits or branches and a lot more.</a:t>
+            </a:r>
+            <a:endParaRPr lang="en-US">
+              <a:latin typeface="Goudy Old Style" panose="02020502050305020303" charset="0"/>
+              <a:cs typeface="Goudy Old Style" panose="02020502050305020303" charset="0"/>
+            </a:endParaRPr>
+          </a:p>
+          <a:p>
+            <a:pPr marL="114300" indent="0">
+              <a:buNone/>
+            </a:pPr>
+            <a:endParaRPr lang="en-US">
+              <a:latin typeface="Goudy Old Style" panose="02020502050305020303" charset="0"/>
+              <a:cs typeface="Goudy Old Style" panose="02020502050305020303" charset="0"/>
+            </a:endParaRPr>
+          </a:p>
+        </p:txBody>
+      </p:sp>
+    </p:spTree>
+  </p:cSld>
+  <p:clrMapOvr>
+    <a:masterClrMapping/>
+  </p:clrMapOvr>
+</p:sld>
+</file>
+
 <file path=ppt/slides/slide2.xml><?xml version="1.0" encoding="utf-8"?>
 <p:sld xmlns:a="http://schemas.openxmlformats.org/drawingml/2006/main" xmlns:r="http://schemas.openxmlformats.org/officeDocument/2006/relationships" xmlns:p="http://schemas.openxmlformats.org/presentationml/2006/main">
   <p:cSld>
@@ -8229,7 +8616,7 @@
           </a:bodyPr>
           <a:lstStyle/>
           <a:p>
-            <a:pPr marL="0" lvl="0" indent="0" algn="l" rtl="0">
+            <a:pPr marL="0" lvl="0" indent="0" algn="just" rtl="0">
               <a:spcBef>
                 <a:spcPts val="0"/>
               </a:spcBef>
@@ -8245,7 +8632,7 @@
             <a:endParaRPr lang="en-GB"/>
           </a:p>
           <a:p>
-            <a:pPr marL="0" lvl="0" indent="0" algn="l" rtl="0">
+            <a:pPr marL="0" lvl="0" indent="0" algn="just" rtl="0">
               <a:spcBef>
                 <a:spcPts val="1200"/>
               </a:spcBef>
@@ -8284,11 +8671,23 @@
             </a:r>
             <a:r>
               <a:rPr lang="en-GB"/>
-              <a:t>: Every participating node in distributed VCS has a complete copy of the project as well as a full revision history of each file. This allows you to work locally without a network connection all while allowing you to                     collaborate when you are back online via central remote </a:t>
+              <a:t>: Every participating node in distributed VCS has</a:t>
+            </a:r>
+            <a:r>
+              <a:rPr lang="en-US" altLang="en-GB"/>
+              <a:t> </a:t>
             </a:r>
             <a:r>
               <a:rPr lang="en-GB"/>
-              <a:t>                        </a:t>
+              <a:t> a complete copy of the project as well as a full revision history of each file. This allows you to work locally without a network connection all while allowing you to                     collaborate when you are back online via central remote                 </a:t>
+            </a:r>
+            <a:r>
+              <a:rPr lang="en-US" altLang="en-GB"/>
+              <a:t> </a:t>
+            </a:r>
+            <a:r>
+              <a:rPr lang="en-GB"/>
+              <a:t>        </a:t>
             </a:r>
             <a:r>
               <a:rPr lang="en-GB"/>
@@ -8601,7 +9000,7 @@
             <a:endParaRPr lang="en-GB"/>
           </a:p>
           <a:p>
-            <a:pPr marL="457200" lvl="0" indent="-342900" algn="l" rtl="0">
+            <a:pPr marL="457200" lvl="0" indent="-342900" algn="just" rtl="0">
               <a:spcBef>
                 <a:spcPts val="1200"/>
               </a:spcBef>
@@ -8622,7 +9021,7 @@
             <a:endParaRPr lang="en-GB"/>
           </a:p>
           <a:p>
-            <a:pPr marL="457200" lvl="0" indent="-342900" algn="l" rtl="0">
+            <a:pPr marL="457200" lvl="0" indent="-342900" algn="just" rtl="0">
               <a:spcBef>
                 <a:spcPts val="0"/>
               </a:spcBef>
@@ -8638,12 +9037,20 @@
             </a:r>
             <a:r>
               <a:rPr lang="en-GB"/>
-              <a:t>: It contains all the added files having new/changed code.All new/changed files are first added to the staging area before commit.</a:t>
+              <a:t>: It contains all the added files having new/changed code.</a:t>
+            </a:r>
+            <a:r>
+              <a:rPr lang="en-US" altLang="en-GB"/>
+              <a:t>            </a:t>
+            </a:r>
+            <a:r>
+              <a:rPr lang="en-GB"/>
+              <a:t>All new/changed files are first added to the staging area before commit.</a:t>
             </a:r>
             <a:endParaRPr lang="en-GB"/>
           </a:p>
           <a:p>
-            <a:pPr marL="457200" lvl="0" indent="-342900" algn="l" rtl="0">
+            <a:pPr marL="457200" lvl="0" indent="-342900" algn="just" rtl="0">
               <a:spcBef>
                 <a:spcPts val="0"/>
               </a:spcBef>
@@ -9058,7 +9465,7 @@
                 <a:cs typeface="Goudy Old Style" panose="02020502050305020303" charset="0"/>
                 <a:sym typeface="+mn-ea"/>
               </a:rPr>
-              <a:t>hile working, things start to mess up and for some reason we have to switch branches immediately. So, in this scenario, we don’t want to commit or push these changes before removing the debugging code or completing the work.Now, Git stash is here to save us. What it does is that, just like a commit it stores the snapshot of the code and changes in a folder and reverts the main branch to the previous commit.                                   So, now we can navigate to any branch and work as we like and then come                                      back whenever we want, and get our changes as we left them before.                                                  Just stage the files and stash them.</a:t>
+              <a:t>hile working, things start to mess up and for some reason we have to switch branches immediately. So, in this scenario, we don’t want to commit or push these changes before removing the debugging code or completing the work.Now, Git stash is here to save us. What it does is that, just like a commit it stores the snapshot of the code and changes, in a folder and reverts the main branch to the previous commit.                                   So, now we can navigate to any branch and work as we like and then come                                      back whenever we want, and get our changes as we left them before.                                                  Just stage the files and stash them.</a:t>
             </a:r>
             <a:endParaRPr lang="en-IN" sz="1600">
               <a:latin typeface="Goudy Old Style" panose="02020502050305020303" charset="0"/>
@@ -9363,13 +9770,13 @@
         <p:spPr>
           <a:xfrm>
             <a:off x="311785" y="963930"/>
-            <a:ext cx="8520430" cy="3604895"/>
+            <a:ext cx="8520430" cy="3919220"/>
           </a:xfrm>
         </p:spPr>
         <p:txBody>
           <a:bodyPr/>
           <a:p>
-            <a:pPr marL="114300" indent="0">
+            <a:pPr marL="114300" indent="0" algn="just">
               <a:buNone/>
             </a:pPr>
             <a:r>
@@ -9377,7 +9784,56 @@
                 <a:latin typeface="Goudy Old Style" panose="02020502050305020303" charset="0"/>
                 <a:cs typeface="Goudy Old Style" panose="02020502050305020303" charset="0"/>
               </a:rPr>
-              <a:t>Git bisect helps us to discover the commit that has introduced a bug in the code. It helps to track down the commit where the code works and commit, where it does not, hence tracking down the commit which introduced the bug in the first place.</a:t>
+              <a:t>Git bisect helps us to discover the commit that has introduced a bug in the code. It helps to track down the commit</a:t>
+            </a:r>
+            <a:r>
+              <a:rPr lang="en-US" altLang="en-IN">
+                <a:latin typeface="Goudy Old Style" panose="02020502050305020303" charset="0"/>
+                <a:cs typeface="Goudy Old Style" panose="02020502050305020303" charset="0"/>
+              </a:rPr>
+              <a:t>,</a:t>
+            </a:r>
+            <a:r>
+              <a:rPr lang="en-IN" altLang="en-US">
+                <a:latin typeface="Goudy Old Style" panose="02020502050305020303" charset="0"/>
+                <a:cs typeface="Goudy Old Style" panose="02020502050305020303" charset="0"/>
+              </a:rPr>
+              <a:t> where the code works</a:t>
+            </a:r>
+            <a:r>
+              <a:rPr lang="en-US" altLang="en-IN">
+                <a:latin typeface="Goudy Old Style" panose="02020502050305020303" charset="0"/>
+                <a:cs typeface="Goudy Old Style" panose="02020502050305020303" charset="0"/>
+              </a:rPr>
+              <a:t>,</a:t>
+            </a:r>
+            <a:r>
+              <a:rPr lang="en-IN" altLang="en-US">
+                <a:latin typeface="Goudy Old Style" panose="02020502050305020303" charset="0"/>
+                <a:cs typeface="Goudy Old Style" panose="02020502050305020303" charset="0"/>
+              </a:rPr>
+              <a:t> and </a:t>
+            </a:r>
+            <a:r>
+              <a:rPr lang="en-US" altLang="en-IN">
+                <a:latin typeface="Goudy Old Style" panose="02020502050305020303" charset="0"/>
+                <a:cs typeface="Goudy Old Style" panose="02020502050305020303" charset="0"/>
+              </a:rPr>
+              <a:t>the </a:t>
+            </a:r>
+            <a:r>
+              <a:rPr lang="en-IN" altLang="en-US">
+                <a:latin typeface="Goudy Old Style" panose="02020502050305020303" charset="0"/>
+                <a:cs typeface="Goudy Old Style" panose="02020502050305020303" charset="0"/>
+              </a:rPr>
+              <a:t>commit, where it does not, hence tracking down the commit which introduced the bug in the first place.</a:t>
+            </a:r>
+            <a:r>
+              <a:rPr lang="en-US" altLang="en-IN">
+                <a:latin typeface="Goudy Old Style" panose="02020502050305020303" charset="0"/>
+                <a:cs typeface="Goudy Old Style" panose="02020502050305020303" charset="0"/>
+              </a:rPr>
+              <a:t> Uses binary search.</a:t>
             </a:r>
             <a:endParaRPr lang="en-IN" altLang="en-US">
               <a:latin typeface="Goudy Old Style" panose="02020502050305020303" charset="0"/>
@@ -9401,20 +9857,168 @@
             </a:endParaRPr>
           </a:p>
           <a:p>
-            <a:pPr>
+            <a:pPr algn="just">
               <a:buFont typeface="Wingdings" panose="05000000000000000000" charset="0"/>
               <a:buChar char="Ø"/>
             </a:pPr>
-            <a:endParaRPr lang="en-IN" altLang="en-US" sz="2000" b="1">
+            <a:r>
+              <a:rPr lang="en-IN" altLang="en-US" sz="1700">
+                <a:latin typeface="Goudy Old Style" panose="02020502050305020303" charset="0"/>
+                <a:cs typeface="Goudy Old Style" panose="02020502050305020303" charset="0"/>
+              </a:rPr>
+              <a:t>It is helpful when we are not exactly sure when a specific change happened in the code, which introduced the problem. It may be very hard to track the error manually and so, git bisect saves us the labour.</a:t>
+            </a:r>
+            <a:endParaRPr lang="en-IN" altLang="en-US" sz="1700">
               <a:latin typeface="Goudy Old Style" panose="02020502050305020303" charset="0"/>
               <a:cs typeface="Goudy Old Style" panose="02020502050305020303" charset="0"/>
             </a:endParaRPr>
           </a:p>
           <a:p>
             <a:pPr marL="114300" indent="0">
+              <a:buFont typeface="Wingdings" panose="05000000000000000000" charset="0"/>
               <a:buNone/>
             </a:pPr>
-            <a:endParaRPr lang="en-IN" altLang="en-US" sz="2000" b="1">
+            <a:r>
+              <a:rPr lang="en-IN" altLang="en-US">
+                <a:latin typeface="Goudy Old Style" panose="02020502050305020303" charset="0"/>
+                <a:cs typeface="Goudy Old Style" panose="02020502050305020303" charset="0"/>
+              </a:rPr>
+              <a:t>Ex - </a:t>
+            </a:r>
+            <a:r>
+              <a:rPr lang="en-IN" altLang="en-US" sz="1600">
+                <a:latin typeface="Goudy Old Style" panose="02020502050305020303" charset="0"/>
+                <a:cs typeface="Goudy Old Style" panose="02020502050305020303" charset="0"/>
+              </a:rPr>
+              <a:t>We have a bug, but we are sure enough that it was not there a week ago. It is difficult to manually check all the commits made during the week. So, we use bisect. Here, commit                                made a week ago is a good commit. And, the current commit is a bad commit.                                    Now, binary search starts.</a:t>
+            </a:r>
+            <a:endParaRPr lang="en-IN" altLang="en-US" sz="1600">
+              <a:latin typeface="Goudy Old Style" panose="02020502050305020303" charset="0"/>
+              <a:cs typeface="Goudy Old Style" panose="02020502050305020303" charset="0"/>
+            </a:endParaRPr>
+          </a:p>
+        </p:txBody>
+      </p:sp>
+    </p:spTree>
+  </p:cSld>
+  <p:clrMapOvr>
+    <a:masterClrMapping/>
+  </p:clrMapOvr>
+</p:sld>
+</file>
+
+<file path=ppt/slides/slide9.xml><?xml version="1.0" encoding="utf-8"?>
+<p:sld xmlns:a="http://schemas.openxmlformats.org/drawingml/2006/main" xmlns:r="http://schemas.openxmlformats.org/officeDocument/2006/relationships" xmlns:p="http://schemas.openxmlformats.org/presentationml/2006/main">
+  <p:cSld>
+    <p:spTree>
+      <p:nvGrpSpPr>
+        <p:cNvPr id="1" name=""/>
+        <p:cNvGrpSpPr/>
+        <p:nvPr/>
+      </p:nvGrpSpPr>
+      <p:grpSpPr/>
+      <p:sp>
+        <p:nvSpPr>
+          <p:cNvPr id="2" name="Title 1"/>
+          <p:cNvSpPr/>
+          <p:nvPr>
+            <p:ph type="title"/>
+          </p:nvPr>
+        </p:nvSpPr>
+        <p:spPr>
+          <a:xfrm>
+            <a:off x="311785" y="410210"/>
+            <a:ext cx="8520430" cy="455295"/>
+          </a:xfrm>
+        </p:spPr>
+        <p:txBody>
+          <a:bodyPr>
+            <a:normAutofit fontScale="90000"/>
+          </a:bodyPr>
+          <a:p>
+            <a:r>
+              <a:rPr lang="en-IN" altLang="en-US" sz="2000">
+                <a:latin typeface="Goudy Old Style" panose="02020502050305020303" charset="0"/>
+                <a:cs typeface="Goudy Old Style" panose="02020502050305020303" charset="0"/>
+              </a:rPr>
+              <a:t>Working:</a:t>
+            </a:r>
+            <a:endParaRPr lang="en-IN" altLang="en-US" sz="2000">
+              <a:latin typeface="Goudy Old Style" panose="02020502050305020303" charset="0"/>
+              <a:cs typeface="Goudy Old Style" panose="02020502050305020303" charset="0"/>
+            </a:endParaRPr>
+          </a:p>
+        </p:txBody>
+      </p:sp>
+      <p:sp>
+        <p:nvSpPr>
+          <p:cNvPr id="3" name="Text Placeholder 2"/>
+          <p:cNvSpPr/>
+          <p:nvPr>
+            <p:ph type="body" idx="1"/>
+          </p:nvPr>
+        </p:nvSpPr>
+        <p:spPr>
+          <a:xfrm>
+            <a:off x="311785" y="865505"/>
+            <a:ext cx="8520430" cy="4025900"/>
+          </a:xfrm>
+        </p:spPr>
+        <p:txBody>
+          <a:bodyPr/>
+          <a:p>
+            <a:pPr marL="114300" indent="0">
+              <a:buNone/>
+            </a:pPr>
+            <a:r>
+              <a:rPr lang="en-IN" altLang="en-US" sz="1600">
+                <a:latin typeface="Goudy Old Style" panose="02020502050305020303" charset="0"/>
+                <a:cs typeface="Goudy Old Style" panose="02020502050305020303" charset="0"/>
+              </a:rPr>
+              <a:t>The binary search starts with two commits, a good and a bad, and bisects the commits and checkouts the middle one for us and create a detached HEAD to check whether that particular commit is good or bad. And, inputs the feedback from the user that whether that particular commit is a good one or bad. If the commit is good, it now searches between the new found good commit and the bad one. Else, if the commit is bad, it now searches between new found bad commit and the good one. And, the process continues to narrow down the search to that particular commit which introduced the problem. And, now we know which commit caused the problem and who made that particular commit. So, we got the commit causing problems in a detached HEAD and now we can work around with them, make experimental changes and commit if all goes well, without impacting any branch.</a:t>
+            </a:r>
+            <a:endParaRPr lang="en-IN" altLang="en-US" sz="1600">
+              <a:latin typeface="Goudy Old Style" panose="02020502050305020303" charset="0"/>
+              <a:cs typeface="Goudy Old Style" panose="02020502050305020303" charset="0"/>
+            </a:endParaRPr>
+          </a:p>
+          <a:p>
+            <a:pPr marL="114300" indent="0">
+              <a:buNone/>
+            </a:pPr>
+            <a:r>
+              <a:rPr lang="en-IN" altLang="en-US" sz="1600">
+                <a:latin typeface="Goudy Old Style" panose="02020502050305020303" charset="0"/>
+                <a:cs typeface="Goudy Old Style" panose="02020502050305020303" charset="0"/>
+              </a:rPr>
+              <a:t>From this state, we can take this commit to a new branch and work around.</a:t>
+            </a:r>
+            <a:endParaRPr lang="en-IN" altLang="en-US" sz="1600">
+              <a:latin typeface="Goudy Old Style" panose="02020502050305020303" charset="0"/>
+              <a:cs typeface="Goudy Old Style" panose="02020502050305020303" charset="0"/>
+            </a:endParaRPr>
+          </a:p>
+          <a:p>
+            <a:pPr marL="114300" indent="0">
+              <a:buNone/>
+            </a:pPr>
+            <a:endParaRPr lang="en-IN" altLang="en-US" sz="1600">
+              <a:latin typeface="Goudy Old Style" panose="02020502050305020303" charset="0"/>
+              <a:cs typeface="Goudy Old Style" panose="02020502050305020303" charset="0"/>
+            </a:endParaRPr>
+          </a:p>
+          <a:p>
+            <a:pPr marL="114300" indent="0">
+              <a:buNone/>
+            </a:pPr>
+            <a:r>
+              <a:rPr lang="en-IN" altLang="en-US" sz="1600">
+                <a:latin typeface="Goudy Old Style" panose="02020502050305020303" charset="0"/>
+                <a:cs typeface="Goudy Old Style" panose="02020502050305020303" charset="0"/>
+              </a:rPr>
+              <a:t>{good, good, good, ....... , bad, bad, bad} -- That’s how we reach to the first bad 						               commit.</a:t>
+            </a:r>
+            <a:endParaRPr lang="en-IN" altLang="en-US" sz="1600">
               <a:latin typeface="Goudy Old Style" panose="02020502050305020303" charset="0"/>
               <a:cs typeface="Goudy Old Style" panose="02020502050305020303" charset="0"/>
             </a:endParaRPr>

--- a/KOSS ppt.pptx
+++ b/KOSS ppt.pptx
@@ -19,35 +19,36 @@
     <p:sldId id="264" r:id="rId12"/>
     <p:sldId id="265" r:id="rId13"/>
     <p:sldId id="266" r:id="rId14"/>
+    <p:sldId id="267" r:id="rId15"/>
   </p:sldIdLst>
   <p:sldSz cx="9144000" cy="5143500"/>
   <p:notesSz cx="6858000" cy="9144000"/>
   <p:embeddedFontLst>
     <p:embeddedFont>
       <p:font typeface="Roboto" panose="02000000000000000000"/>
-      <p:regular r:id="rId18"/>
+      <p:regular r:id="rId19"/>
     </p:embeddedFont>
     <p:embeddedFont>
       <p:font typeface="Comic Sans MS" panose="030F0702030302020204"/>
-      <p:regular r:id="rId19"/>
-      <p:bold r:id="rId20"/>
-      <p:italic r:id="rId21"/>
-      <p:boldItalic r:id="rId22"/>
+      <p:regular r:id="rId20"/>
+      <p:bold r:id="rId21"/>
+      <p:italic r:id="rId22"/>
+      <p:boldItalic r:id="rId23"/>
     </p:embeddedFont>
     <p:embeddedFont>
       <p:font typeface="Comfortaa"/>
-      <p:regular r:id="rId23"/>
-      <p:bold r:id="rId24"/>
+      <p:regular r:id="rId24"/>
+      <p:bold r:id="rId25"/>
     </p:embeddedFont>
     <p:embeddedFont>
       <p:font typeface="Bradley Hand ITC" panose="03070402050302030203" charset="0"/>
-      <p:regular r:id="rId25"/>
+      <p:regular r:id="rId26"/>
     </p:embeddedFont>
     <p:embeddedFont>
       <p:font typeface="Goudy Old Style" panose="02020502050305020303" charset="0"/>
-      <p:regular r:id="rId26"/>
-      <p:bold r:id="rId27"/>
-      <p:italic r:id="rId28"/>
+      <p:regular r:id="rId27"/>
+      <p:bold r:id="rId28"/>
+      <p:italic r:id="rId29"/>
     </p:embeddedFont>
   </p:embeddedFontLst>
   <p:defaultTextStyle>
@@ -1642,6 +1643,57 @@
           <a:bodyPr/>
           <a:p>
             <a:endParaRPr lang="en-US"/>
+          </a:p>
+        </p:txBody>
+      </p:sp>
+    </p:spTree>
+  </p:cSld>
+  <p:clrMapOvr>
+    <a:masterClrMapping/>
+  </p:clrMapOvr>
+</p:notes>
+</file>
+
+<file path=ppt/notesSlides/notesSlide9.xml><?xml version="1.0" encoding="utf-8"?>
+<p:notes xmlns:a="http://schemas.openxmlformats.org/drawingml/2006/main" xmlns:r="http://schemas.openxmlformats.org/officeDocument/2006/relationships" xmlns:p="http://schemas.openxmlformats.org/presentationml/2006/main">
+  <p:cSld>
+    <p:spTree>
+      <p:nvGrpSpPr>
+        <p:cNvPr id="1" name=""/>
+        <p:cNvGrpSpPr/>
+        <p:nvPr/>
+      </p:nvGrpSpPr>
+      <p:grpSpPr/>
+      <p:sp>
+        <p:nvSpPr>
+          <p:cNvPr id="2" name="Slide Image Placeholder 1"/>
+          <p:cNvSpPr/>
+          <p:nvPr>
+            <p:ph type="sldImg" idx="2"/>
+          </p:nvPr>
+        </p:nvSpPr>
+        <p:spPr/>
+      </p:sp>
+      <p:sp>
+        <p:nvSpPr>
+          <p:cNvPr id="3" name="Text Placeholder 2"/>
+          <p:cNvSpPr/>
+          <p:nvPr>
+            <p:ph type="body" idx="1"/>
+          </p:nvPr>
+        </p:nvSpPr>
+        <p:spPr/>
+        <p:txBody>
+          <a:bodyPr/>
+          <a:p>
+            <a:r>
+              <a:rPr lang="en-IN" altLang="en-US"/>
+              <a:t>HEAD is the last checkout point in the recent history.</a:t>
+            </a:r>
+            <a:endParaRPr lang="en-IN" altLang="en-US"/>
+          </a:p>
+          <a:p>
+            <a:endParaRPr lang="en-IN" altLang="en-US"/>
           </a:p>
         </p:txBody>
       </p:sp>
@@ -8482,11 +8534,13 @@
         <p:spPr>
           <a:xfrm>
             <a:off x="311785" y="937895"/>
-            <a:ext cx="8520430" cy="3630930"/>
+            <a:ext cx="8520430" cy="3727450"/>
           </a:xfrm>
         </p:spPr>
         <p:txBody>
-          <a:bodyPr/>
+          <a:bodyPr>
+            <a:noAutofit/>
+          </a:bodyPr>
           <a:p>
             <a:pPr marL="114300" indent="0">
               <a:buNone/>
@@ -8512,7 +8566,14 @@
               </a:rPr>
               <a:t>can use reflog to undo merges, recover lost commits or branches and a lot more.</a:t>
             </a:r>
-            <a:endParaRPr lang="en-US">
+            <a:r>
+              <a:rPr lang="en-IN" altLang="en-US">
+                <a:latin typeface="Goudy Old Style" panose="02020502050305020303" charset="0"/>
+                <a:cs typeface="Goudy Old Style" panose="02020502050305020303" charset="0"/>
+              </a:rPr>
+              <a:t> It basically helps us to rewrite history. Git log just shows the history of commits. But, git reflog, instead, shows not only the commits we made, but each of the actions that led us there. It is like a safety net that records almost every change we make in our repository. It can be used to reset changes and commit the correct code, or recover lost commits.</a:t>
+            </a:r>
+            <a:endParaRPr lang="en-IN" altLang="en-US">
               <a:latin typeface="Goudy Old Style" panose="02020502050305020303" charset="0"/>
               <a:cs typeface="Goudy Old Style" panose="02020502050305020303" charset="0"/>
             </a:endParaRPr>
@@ -8521,7 +8582,322 @@
             <a:pPr marL="114300" indent="0">
               <a:buNone/>
             </a:pPr>
-            <a:endParaRPr lang="en-US">
+            <a:r>
+              <a:rPr lang="en-IN" altLang="en-US">
+                <a:latin typeface="Goudy Old Style" panose="02020502050305020303" charset="0"/>
+                <a:cs typeface="Goudy Old Style" panose="02020502050305020303" charset="0"/>
+              </a:rPr>
+              <a:t>We have a reflog of HEAD (by default this opens), a reflog of branches, a reflog of stash, a reflog of remotes, etc. It shows all of the changes made and helps us to restore, if there is some problem. We also have timed reflogs(1.day.ago, yesterday, 1.month.ago, etc.).</a:t>
+            </a:r>
+            <a:endParaRPr lang="en-IN" altLang="en-US">
+              <a:latin typeface="Goudy Old Style" panose="02020502050305020303" charset="0"/>
+              <a:cs typeface="Goudy Old Style" panose="02020502050305020303" charset="0"/>
+            </a:endParaRPr>
+          </a:p>
+          <a:p>
+            <a:pPr marL="114300" indent="0">
+              <a:buNone/>
+            </a:pPr>
+            <a:r>
+              <a:rPr lang="en-IN" altLang="en-US">
+                <a:latin typeface="Goudy Old Style" panose="02020502050305020303" charset="0"/>
+                <a:cs typeface="Goudy Old Style" panose="02020502050305020303" charset="0"/>
+              </a:rPr>
+              <a:t>Actually, commits are never being lost in Git, even during history</a:t>
+            </a:r>
+            <a:endParaRPr lang="en-IN" altLang="en-US">
+              <a:latin typeface="Goudy Old Style" panose="02020502050305020303" charset="0"/>
+              <a:cs typeface="Goudy Old Style" panose="02020502050305020303" charset="0"/>
+            </a:endParaRPr>
+          </a:p>
+          <a:p>
+            <a:pPr marL="114300" indent="0">
+              <a:buNone/>
+            </a:pPr>
+            <a:r>
+              <a:rPr lang="en-IN" altLang="en-US">
+                <a:latin typeface="Goudy Old Style" panose="02020502050305020303" charset="0"/>
+                <a:cs typeface="Goudy Old Style" panose="02020502050305020303" charset="0"/>
+              </a:rPr>
+              <a:t>rewriting.</a:t>
+            </a:r>
+            <a:endParaRPr lang="en-IN" altLang="en-US">
+              <a:latin typeface="Goudy Old Style" panose="02020502050305020303" charset="0"/>
+              <a:cs typeface="Goudy Old Style" panose="02020502050305020303" charset="0"/>
+            </a:endParaRPr>
+          </a:p>
+        </p:txBody>
+      </p:sp>
+    </p:spTree>
+  </p:cSld>
+  <p:clrMapOvr>
+    <a:masterClrMapping/>
+  </p:clrMapOvr>
+</p:sld>
+</file>
+
+<file path=ppt/slides/slide12.xml><?xml version="1.0" encoding="utf-8"?>
+<p:sld xmlns:a="http://schemas.openxmlformats.org/drawingml/2006/main" xmlns:r="http://schemas.openxmlformats.org/officeDocument/2006/relationships" xmlns:p="http://schemas.openxmlformats.org/presentationml/2006/main">
+  <p:cSld>
+    <p:spTree>
+      <p:nvGrpSpPr>
+        <p:cNvPr id="1" name=""/>
+        <p:cNvGrpSpPr/>
+        <p:nvPr/>
+      </p:nvGrpSpPr>
+      <p:grpSpPr/>
+      <p:sp>
+        <p:nvSpPr>
+          <p:cNvPr id="2" name="Title 1"/>
+          <p:cNvSpPr/>
+          <p:nvPr>
+            <p:ph type="title"/>
+          </p:nvPr>
+        </p:nvSpPr>
+        <p:spPr>
+          <a:xfrm>
+            <a:off x="311785" y="410210"/>
+            <a:ext cx="8520430" cy="417195"/>
+          </a:xfrm>
+        </p:spPr>
+        <p:txBody>
+          <a:bodyPr>
+            <a:normAutofit fontScale="90000"/>
+          </a:bodyPr>
+          <a:p>
+            <a:pPr>
+              <a:lnSpc>
+                <a:spcPct val="80000"/>
+              </a:lnSpc>
+            </a:pPr>
+            <a:r>
+              <a:rPr lang="en-IN" altLang="en-US" sz="2400">
+                <a:latin typeface="Goudy Old Style" panose="02020502050305020303" charset="0"/>
+                <a:cs typeface="Goudy Old Style" panose="02020502050305020303" charset="0"/>
+              </a:rPr>
+              <a:t>Commands:</a:t>
+            </a:r>
+            <a:endParaRPr lang="en-IN" altLang="en-US" sz="2400">
+              <a:latin typeface="Goudy Old Style" panose="02020502050305020303" charset="0"/>
+              <a:cs typeface="Goudy Old Style" panose="02020502050305020303" charset="0"/>
+            </a:endParaRPr>
+          </a:p>
+        </p:txBody>
+      </p:sp>
+      <p:sp>
+        <p:nvSpPr>
+          <p:cNvPr id="3" name="Text Placeholder 2"/>
+          <p:cNvSpPr/>
+          <p:nvPr>
+            <p:ph type="body" idx="1"/>
+          </p:nvPr>
+        </p:nvSpPr>
+        <p:spPr>
+          <a:xfrm>
+            <a:off x="311785" y="827405"/>
+            <a:ext cx="8520430" cy="3741420"/>
+          </a:xfrm>
+        </p:spPr>
+        <p:txBody>
+          <a:bodyPr/>
+          <a:p>
+            <a:pPr>
+              <a:buFont typeface="Arial" panose="020B0604020202020204" pitchFamily="34" charset="0"/>
+              <a:buChar char="•"/>
+            </a:pPr>
+            <a:r>
+              <a:rPr lang="en-IN" altLang="en-US" b="1">
+                <a:latin typeface="Goudy Old Style" panose="02020502050305020303" charset="0"/>
+                <a:cs typeface="Goudy Old Style" panose="02020502050305020303" charset="0"/>
+              </a:rPr>
+              <a:t>git reflog: </a:t>
+            </a:r>
+            <a:r>
+              <a:rPr lang="en-IN" altLang="en-US">
+                <a:latin typeface="Goudy Old Style" panose="02020502050305020303" charset="0"/>
+                <a:cs typeface="Goudy Old Style" panose="02020502050305020303" charset="0"/>
+              </a:rPr>
+              <a:t>The most basic command, will output the HEAD reflog.</a:t>
+            </a:r>
+            <a:endParaRPr lang="en-IN" altLang="en-US">
+              <a:latin typeface="Goudy Old Style" panose="02020502050305020303" charset="0"/>
+              <a:cs typeface="Goudy Old Style" panose="02020502050305020303" charset="0"/>
+            </a:endParaRPr>
+          </a:p>
+          <a:p>
+            <a:pPr>
+              <a:buFont typeface="Arial" panose="020B0604020202020204" pitchFamily="34" charset="0"/>
+              <a:buChar char="•"/>
+            </a:pPr>
+            <a:r>
+              <a:rPr lang="en-IN" altLang="en-US" b="1">
+                <a:latin typeface="Goudy Old Style" panose="02020502050305020303" charset="0"/>
+                <a:cs typeface="Goudy Old Style" panose="02020502050305020303" charset="0"/>
+              </a:rPr>
+              <a:t>git reflog &lt;branch_name&gt;: </a:t>
+            </a:r>
+            <a:r>
+              <a:rPr lang="en-IN" altLang="en-US">
+                <a:latin typeface="Goudy Old Style" panose="02020502050305020303" charset="0"/>
+                <a:cs typeface="Goudy Old Style" panose="02020502050305020303" charset="0"/>
+              </a:rPr>
+              <a:t>Output reflog of that particular branch.</a:t>
+            </a:r>
+            <a:endParaRPr lang="en-IN" altLang="en-US">
+              <a:latin typeface="Goudy Old Style" panose="02020502050305020303" charset="0"/>
+              <a:cs typeface="Goudy Old Style" panose="02020502050305020303" charset="0"/>
+            </a:endParaRPr>
+          </a:p>
+          <a:p>
+            <a:pPr>
+              <a:buFont typeface="Arial" panose="020B0604020202020204" pitchFamily="34" charset="0"/>
+              <a:buChar char="•"/>
+            </a:pPr>
+            <a:r>
+              <a:rPr lang="en-IN" altLang="en-US" b="1">
+                <a:latin typeface="Goudy Old Style" panose="02020502050305020303" charset="0"/>
+                <a:cs typeface="Goudy Old Style" panose="02020502050305020303" charset="0"/>
+              </a:rPr>
+              <a:t>git reflog stash: </a:t>
+            </a:r>
+            <a:r>
+              <a:rPr lang="en-IN" altLang="en-US">
+                <a:latin typeface="Goudy Old Style" panose="02020502050305020303" charset="0"/>
+                <a:cs typeface="Goudy Old Style" panose="02020502050305020303" charset="0"/>
+              </a:rPr>
+              <a:t>Output reflog for a git stash.</a:t>
+            </a:r>
+            <a:endParaRPr lang="en-IN" altLang="en-US">
+              <a:latin typeface="Goudy Old Style" panose="02020502050305020303" charset="0"/>
+              <a:cs typeface="Goudy Old Style" panose="02020502050305020303" charset="0"/>
+            </a:endParaRPr>
+          </a:p>
+          <a:p>
+            <a:pPr>
+              <a:buFont typeface="Arial" panose="020B0604020202020204" pitchFamily="34" charset="0"/>
+              <a:buChar char="•"/>
+            </a:pPr>
+            <a:r>
+              <a:rPr lang="en-IN" altLang="en-US" b="1">
+                <a:latin typeface="Goudy Old Style" panose="02020502050305020303" charset="0"/>
+                <a:cs typeface="Goudy Old Style" panose="02020502050305020303" charset="0"/>
+              </a:rPr>
+              <a:t>git reflog show --all: </a:t>
+            </a:r>
+            <a:r>
+              <a:rPr lang="en-IN" altLang="en-US">
+                <a:latin typeface="Goudy Old Style" panose="02020502050305020303" charset="0"/>
+                <a:cs typeface="Goudy Old Style" panose="02020502050305020303" charset="0"/>
+              </a:rPr>
+              <a:t>Gives complete reflog of all refs.</a:t>
+            </a:r>
+            <a:endParaRPr lang="en-IN" altLang="en-US">
+              <a:latin typeface="Goudy Old Style" panose="02020502050305020303" charset="0"/>
+              <a:cs typeface="Goudy Old Style" panose="02020502050305020303" charset="0"/>
+            </a:endParaRPr>
+          </a:p>
+          <a:p>
+            <a:pPr>
+              <a:buFont typeface="Arial" panose="020B0604020202020204" pitchFamily="34" charset="0"/>
+              <a:buChar char="•"/>
+            </a:pPr>
+            <a:r>
+              <a:rPr lang="en-IN" altLang="en-US" b="1">
+                <a:latin typeface="Goudy Old Style" panose="02020502050305020303" charset="0"/>
+                <a:cs typeface="Goudy Old Style" panose="02020502050305020303" charset="0"/>
+              </a:rPr>
+              <a:t>git diff master@{0} master@{1.week.ago}: </a:t>
+            </a:r>
+            <a:r>
+              <a:rPr lang="en-IN" altLang="en-US">
+                <a:latin typeface="Goudy Old Style" panose="02020502050305020303" charset="0"/>
+                <a:cs typeface="Goudy Old Style" panose="02020502050305020303" charset="0"/>
+              </a:rPr>
+              <a:t>Filter git reflogs by time, gives difference in 					           branch now and 1 week ago.</a:t>
+            </a:r>
+            <a:endParaRPr lang="en-IN" altLang="en-US">
+              <a:latin typeface="Goudy Old Style" panose="02020502050305020303" charset="0"/>
+              <a:cs typeface="Goudy Old Style" panose="02020502050305020303" charset="0"/>
+            </a:endParaRPr>
+          </a:p>
+          <a:p>
+            <a:pPr>
+              <a:buFont typeface="Arial" panose="020B0604020202020204" pitchFamily="34" charset="0"/>
+              <a:buChar char="•"/>
+            </a:pPr>
+            <a:r>
+              <a:rPr lang="en-IN" altLang="en-US" b="1">
+                <a:latin typeface="Goudy Old Style" panose="02020502050305020303" charset="0"/>
+                <a:cs typeface="Goudy Old Style" panose="02020502050305020303" charset="0"/>
+              </a:rPr>
+              <a:t>git reflog master@{0}: </a:t>
+            </a:r>
+            <a:r>
+              <a:rPr lang="en-IN" altLang="en-US">
+                <a:latin typeface="Goudy Old Style" panose="02020502050305020303" charset="0"/>
+                <a:cs typeface="Goudy Old Style" panose="02020502050305020303" charset="0"/>
+              </a:rPr>
+              <a:t>Display one line log for the passed.</a:t>
+            </a:r>
+            <a:endParaRPr lang="en-IN" altLang="en-US">
+              <a:latin typeface="Goudy Old Style" panose="02020502050305020303" charset="0"/>
+              <a:cs typeface="Goudy Old Style" panose="02020502050305020303" charset="0"/>
+            </a:endParaRPr>
+          </a:p>
+          <a:p>
+            <a:pPr>
+              <a:buFont typeface="Arial" panose="020B0604020202020204" pitchFamily="34" charset="0"/>
+              <a:buChar char="•"/>
+            </a:pPr>
+            <a:r>
+              <a:rPr lang="en-IN" altLang="en-US" b="1">
+                <a:latin typeface="Goudy Old Style" panose="02020502050305020303" charset="0"/>
+                <a:cs typeface="Goudy Old Style" panose="02020502050305020303" charset="0"/>
+              </a:rPr>
+              <a:t>git reflog expire: </a:t>
+            </a:r>
+            <a:r>
+              <a:rPr lang="en-IN" altLang="en-US">
+                <a:latin typeface="Goudy Old Style" panose="02020502050305020303" charset="0"/>
+                <a:cs typeface="Goudy Old Style" panose="02020502050305020303" charset="0"/>
+              </a:rPr>
+              <a:t>By default, expiry date is 90 days. Can be changed if required.</a:t>
+            </a:r>
+            <a:endParaRPr lang="en-IN" altLang="en-US">
+              <a:latin typeface="Goudy Old Style" panose="02020502050305020303" charset="0"/>
+              <a:cs typeface="Goudy Old Style" panose="02020502050305020303" charset="0"/>
+            </a:endParaRPr>
+          </a:p>
+          <a:p>
+            <a:pPr>
+              <a:buFont typeface="Arial" panose="020B0604020202020204" pitchFamily="34" charset="0"/>
+              <a:buChar char="•"/>
+            </a:pPr>
+            <a:r>
+              <a:rPr lang="en-IN" altLang="en-US" b="1">
+                <a:latin typeface="Goudy Old Style" panose="02020502050305020303" charset="0"/>
+                <a:cs typeface="Goudy Old Style" panose="02020502050305020303" charset="0"/>
+              </a:rPr>
+              <a:t>git reflog delete: </a:t>
+            </a:r>
+            <a:r>
+              <a:rPr lang="en-IN" altLang="en-US">
+                <a:latin typeface="Goudy Old Style" panose="02020502050305020303" charset="0"/>
+                <a:cs typeface="Goudy Old Style" panose="02020502050305020303" charset="0"/>
+              </a:rPr>
+              <a:t>Deletes passed reflog entries.</a:t>
+            </a:r>
+            <a:endParaRPr lang="en-IN" altLang="en-US">
+              <a:latin typeface="Goudy Old Style" panose="02020502050305020303" charset="0"/>
+              <a:cs typeface="Goudy Old Style" panose="02020502050305020303" charset="0"/>
+            </a:endParaRPr>
+          </a:p>
+          <a:p>
+            <a:pPr>
+              <a:buFont typeface="Arial" panose="020B0604020202020204" pitchFamily="34" charset="0"/>
+              <a:buChar char="•"/>
+            </a:pPr>
+            <a:endParaRPr lang="en-IN" altLang="en-US">
               <a:latin typeface="Goudy Old Style" panose="02020502050305020303" charset="0"/>
               <a:cs typeface="Goudy Old Style" panose="02020502050305020303" charset="0"/>
             </a:endParaRPr>

--- a/KOSS ppt.pptx
+++ b/KOSS ppt.pptx
@@ -20,35 +20,38 @@
     <p:sldId id="265" r:id="rId13"/>
     <p:sldId id="266" r:id="rId14"/>
     <p:sldId id="267" r:id="rId15"/>
+    <p:sldId id="268" r:id="rId16"/>
+    <p:sldId id="269" r:id="rId17"/>
+    <p:sldId id="270" r:id="rId18"/>
   </p:sldIdLst>
   <p:sldSz cx="9144000" cy="5143500"/>
   <p:notesSz cx="6858000" cy="9144000"/>
   <p:embeddedFontLst>
     <p:embeddedFont>
       <p:font typeface="Roboto" panose="02000000000000000000"/>
-      <p:regular r:id="rId19"/>
+      <p:regular r:id="rId22"/>
     </p:embeddedFont>
     <p:embeddedFont>
       <p:font typeface="Comic Sans MS" panose="030F0702030302020204"/>
-      <p:regular r:id="rId20"/>
-      <p:bold r:id="rId21"/>
-      <p:italic r:id="rId22"/>
-      <p:boldItalic r:id="rId23"/>
+      <p:regular r:id="rId23"/>
+      <p:bold r:id="rId24"/>
+      <p:italic r:id="rId25"/>
+      <p:boldItalic r:id="rId26"/>
     </p:embeddedFont>
     <p:embeddedFont>
       <p:font typeface="Comfortaa"/>
-      <p:regular r:id="rId24"/>
-      <p:bold r:id="rId25"/>
+      <p:regular r:id="rId27"/>
+      <p:bold r:id="rId28"/>
     </p:embeddedFont>
     <p:embeddedFont>
       <p:font typeface="Bradley Hand ITC" panose="03070402050302030203" charset="0"/>
-      <p:regular r:id="rId26"/>
+      <p:regular r:id="rId29"/>
     </p:embeddedFont>
     <p:embeddedFont>
       <p:font typeface="Goudy Old Style" panose="02020502050305020303" charset="0"/>
-      <p:regular r:id="rId27"/>
-      <p:bold r:id="rId28"/>
-      <p:italic r:id="rId29"/>
+      <p:regular r:id="rId30"/>
+      <p:bold r:id="rId31"/>
+      <p:italic r:id="rId32"/>
     </p:embeddedFont>
   </p:embeddedFontLst>
   <p:defaultTextStyle>
@@ -806,6 +809,50 @@
               </a:spcAft>
               <a:buNone/>
             </a:pPr>
+          </a:p>
+        </p:txBody>
+      </p:sp>
+    </p:spTree>
+  </p:cSld>
+  <p:clrMapOvr>
+    <a:masterClrMapping/>
+  </p:clrMapOvr>
+</p:notes>
+</file>
+
+<file path=ppt/notesSlides/notesSlide10.xml><?xml version="1.0" encoding="utf-8"?>
+<p:notes xmlns:a="http://schemas.openxmlformats.org/drawingml/2006/main" xmlns:r="http://schemas.openxmlformats.org/officeDocument/2006/relationships" xmlns:p="http://schemas.openxmlformats.org/presentationml/2006/main">
+  <p:cSld>
+    <p:spTree>
+      <p:nvGrpSpPr>
+        <p:cNvPr id="1" name=""/>
+        <p:cNvGrpSpPr/>
+        <p:nvPr/>
+      </p:nvGrpSpPr>
+      <p:grpSpPr/>
+      <p:sp>
+        <p:nvSpPr>
+          <p:cNvPr id="2" name="Slide Image Placeholder 1"/>
+          <p:cNvSpPr/>
+          <p:nvPr>
+            <p:ph type="sldImg" idx="2"/>
+          </p:nvPr>
+        </p:nvSpPr>
+        <p:spPr/>
+      </p:sp>
+      <p:sp>
+        <p:nvSpPr>
+          <p:cNvPr id="3" name="Text Placeholder 2"/>
+          <p:cNvSpPr/>
+          <p:nvPr>
+            <p:ph type="body" idx="1"/>
+          </p:nvPr>
+        </p:nvSpPr>
+        <p:spPr/>
+        <p:txBody>
+          <a:bodyPr/>
+          <a:p>
+            <a:endParaRPr lang="en-US"/>
           </a:p>
         </p:txBody>
       </p:sp>
@@ -8912,6 +8959,530 @@
 </p:sld>
 </file>
 
+<file path=ppt/slides/slide13.xml><?xml version="1.0" encoding="utf-8"?>
+<p:sld xmlns:a="http://schemas.openxmlformats.org/drawingml/2006/main" xmlns:r="http://schemas.openxmlformats.org/officeDocument/2006/relationships" xmlns:p="http://schemas.openxmlformats.org/presentationml/2006/main">
+  <p:cSld>
+    <p:spTree>
+      <p:nvGrpSpPr>
+        <p:cNvPr id="1" name=""/>
+        <p:cNvGrpSpPr/>
+        <p:nvPr/>
+      </p:nvGrpSpPr>
+      <p:grpSpPr/>
+      <p:sp>
+        <p:nvSpPr>
+          <p:cNvPr id="2" name="Title 1"/>
+          <p:cNvSpPr/>
+          <p:nvPr>
+            <p:ph type="title"/>
+          </p:nvPr>
+        </p:nvSpPr>
+        <p:spPr>
+          <a:xfrm>
+            <a:off x="311785" y="410210"/>
+            <a:ext cx="8520430" cy="501650"/>
+          </a:xfrm>
+        </p:spPr>
+        <p:txBody>
+          <a:bodyPr>
+            <a:normAutofit fontScale="90000"/>
+          </a:bodyPr>
+          <a:p>
+            <a:r>
+              <a:rPr lang="en-IN" altLang="en-US">
+                <a:latin typeface="Bradley Hand ITC" panose="03070402050302030203" charset="0"/>
+                <a:cs typeface="Bradley Hand ITC" panose="03070402050302030203" charset="0"/>
+              </a:rPr>
+              <a:t>Git diff</a:t>
+            </a:r>
+            <a:endParaRPr lang="en-IN" altLang="en-US">
+              <a:latin typeface="Bradley Hand ITC" panose="03070402050302030203" charset="0"/>
+              <a:cs typeface="Bradley Hand ITC" panose="03070402050302030203" charset="0"/>
+            </a:endParaRPr>
+          </a:p>
+        </p:txBody>
+      </p:sp>
+      <p:sp>
+        <p:nvSpPr>
+          <p:cNvPr id="3" name="Text Placeholder 2"/>
+          <p:cNvSpPr/>
+          <p:nvPr>
+            <p:ph type="body" idx="1"/>
+          </p:nvPr>
+        </p:nvSpPr>
+        <p:spPr>
+          <a:xfrm>
+            <a:off x="311785" y="1052195"/>
+            <a:ext cx="8520430" cy="3516630"/>
+          </a:xfrm>
+        </p:spPr>
+        <p:txBody>
+          <a:bodyPr>
+            <a:normAutofit lnSpcReduction="20000"/>
+          </a:bodyPr>
+          <a:p>
+            <a:pPr marL="114300" indent="0">
+              <a:buNone/>
+            </a:pPr>
+            <a:r>
+              <a:rPr lang="en-US">
+                <a:latin typeface="Goudy Old Style" panose="02020502050305020303" charset="0"/>
+                <a:cs typeface="Goudy Old Style" panose="02020502050305020303" charset="0"/>
+              </a:rPr>
+              <a:t>A diff takes two data sets and shows you what has changed between them.</a:t>
+            </a:r>
+            <a:r>
+              <a:rPr lang="en-IN" altLang="en-US">
+                <a:latin typeface="Goudy Old Style" panose="02020502050305020303" charset="0"/>
+                <a:cs typeface="Goudy Old Style" panose="02020502050305020303" charset="0"/>
+              </a:rPr>
+              <a:t> The diff will compare the differences between the two commits, showing what files were added, deleted, or modified. When examining the diff of each file, added lines of text are commonly highlighted in green or denoted with a + sign. Similarly, deleted lines of text are commonly highlighted in red or donated with a – sign.</a:t>
+            </a:r>
+            <a:endParaRPr lang="en-IN" altLang="en-US">
+              <a:latin typeface="Goudy Old Style" panose="02020502050305020303" charset="0"/>
+              <a:cs typeface="Goudy Old Style" panose="02020502050305020303" charset="0"/>
+            </a:endParaRPr>
+          </a:p>
+          <a:p>
+            <a:pPr marL="114300" indent="0">
+              <a:buNone/>
+            </a:pPr>
+            <a:r>
+              <a:rPr lang="en-IN" altLang="en-US" sz="2000" b="1">
+                <a:latin typeface="Goudy Old Style" panose="02020502050305020303" charset="0"/>
+                <a:cs typeface="Goudy Old Style" panose="02020502050305020303" charset="0"/>
+              </a:rPr>
+              <a:t>  Why?</a:t>
+            </a:r>
+            <a:endParaRPr lang="en-IN" altLang="en-US" sz="2000" b="1">
+              <a:latin typeface="Goudy Old Style" panose="02020502050305020303" charset="0"/>
+              <a:cs typeface="Goudy Old Style" panose="02020502050305020303" charset="0"/>
+            </a:endParaRPr>
+          </a:p>
+          <a:p>
+            <a:pPr marL="114300" indent="0">
+              <a:lnSpc>
+                <a:spcPct val="115000"/>
+              </a:lnSpc>
+              <a:buNone/>
+            </a:pPr>
+            <a:r>
+              <a:rPr lang="en-IN" altLang="en-US">
+                <a:latin typeface="Goudy Old Style" panose="02020502050305020303" charset="0"/>
+                <a:cs typeface="Goudy Old Style" panose="02020502050305020303" charset="0"/>
+              </a:rPr>
+              <a:t>Diffs provide useful information about your repository in a legible format, making it easier to perform the following actions: </a:t>
+            </a:r>
+            <a:endParaRPr lang="en-IN" altLang="en-US">
+              <a:latin typeface="Goudy Old Style" panose="02020502050305020303" charset="0"/>
+              <a:cs typeface="Goudy Old Style" panose="02020502050305020303" charset="0"/>
+            </a:endParaRPr>
+          </a:p>
+          <a:p>
+            <a:pPr>
+              <a:lnSpc>
+                <a:spcPct val="115000"/>
+              </a:lnSpc>
+              <a:buFont typeface="Arial" panose="020B0604020202020204" pitchFamily="34" charset="0"/>
+              <a:buChar char="•"/>
+            </a:pPr>
+            <a:r>
+              <a:rPr lang="en-IN" altLang="en-US">
+                <a:latin typeface="Goudy Old Style" panose="02020502050305020303" charset="0"/>
+                <a:cs typeface="Goudy Old Style" panose="02020502050305020303" charset="0"/>
+              </a:rPr>
+              <a:t>Review changes while staging. </a:t>
+            </a:r>
+            <a:endParaRPr lang="en-IN" altLang="en-US">
+              <a:latin typeface="Goudy Old Style" panose="02020502050305020303" charset="0"/>
+              <a:cs typeface="Goudy Old Style" panose="02020502050305020303" charset="0"/>
+            </a:endParaRPr>
+          </a:p>
+          <a:p>
+            <a:pPr>
+              <a:lnSpc>
+                <a:spcPct val="115000"/>
+              </a:lnSpc>
+              <a:buFont typeface="Arial" panose="020B0604020202020204" pitchFamily="34" charset="0"/>
+              <a:buChar char="•"/>
+            </a:pPr>
+            <a:r>
+              <a:rPr lang="en-IN" altLang="en-US">
+                <a:latin typeface="Goudy Old Style" panose="02020502050305020303" charset="0"/>
+                <a:cs typeface="Goudy Old Style" panose="02020502050305020303" charset="0"/>
+              </a:rPr>
+              <a:t>Decide whether to rebase or merge a branch.</a:t>
+            </a:r>
+            <a:endParaRPr lang="en-IN" altLang="en-US">
+              <a:latin typeface="Goudy Old Style" panose="02020502050305020303" charset="0"/>
+              <a:cs typeface="Goudy Old Style" panose="02020502050305020303" charset="0"/>
+            </a:endParaRPr>
+          </a:p>
+          <a:p>
+            <a:pPr>
+              <a:lnSpc>
+                <a:spcPct val="115000"/>
+              </a:lnSpc>
+              <a:buFont typeface="Arial" panose="020B0604020202020204" pitchFamily="34" charset="0"/>
+              <a:buChar char="•"/>
+            </a:pPr>
+            <a:r>
+              <a:rPr lang="en-IN" altLang="en-US">
+                <a:latin typeface="Goudy Old Style" panose="02020502050305020303" charset="0"/>
+                <a:cs typeface="Goudy Old Style" panose="02020502050305020303" charset="0"/>
+              </a:rPr>
+              <a:t>Copy and paste code from a file.</a:t>
+            </a:r>
+            <a:endParaRPr lang="en-IN" altLang="en-US">
+              <a:latin typeface="Goudy Old Style" panose="02020502050305020303" charset="0"/>
+              <a:cs typeface="Goudy Old Style" panose="02020502050305020303" charset="0"/>
+            </a:endParaRPr>
+          </a:p>
+        </p:txBody>
+      </p:sp>
+    </p:spTree>
+  </p:cSld>
+  <p:clrMapOvr>
+    <a:masterClrMapping/>
+  </p:clrMapOvr>
+</p:sld>
+</file>
+
+<file path=ppt/slides/slide14.xml><?xml version="1.0" encoding="utf-8"?>
+<p:sld xmlns:a="http://schemas.openxmlformats.org/drawingml/2006/main" xmlns:r="http://schemas.openxmlformats.org/officeDocument/2006/relationships" xmlns:p="http://schemas.openxmlformats.org/presentationml/2006/main">
+  <p:cSld>
+    <p:spTree>
+      <p:nvGrpSpPr>
+        <p:cNvPr id="1" name=""/>
+        <p:cNvGrpSpPr/>
+        <p:nvPr/>
+      </p:nvGrpSpPr>
+      <p:grpSpPr/>
+      <p:sp>
+        <p:nvSpPr>
+          <p:cNvPr id="2" name="Title 1"/>
+          <p:cNvSpPr/>
+          <p:nvPr>
+            <p:ph type="title"/>
+          </p:nvPr>
+        </p:nvSpPr>
+        <p:spPr/>
+        <p:txBody>
+          <a:bodyPr>
+            <a:noAutofit/>
+          </a:bodyPr>
+          <a:p>
+            <a:r>
+              <a:rPr lang="en-IN" altLang="en-US" sz="2000">
+                <a:latin typeface="Goudy Old Style" panose="02020502050305020303" charset="0"/>
+                <a:cs typeface="Goudy Old Style" panose="02020502050305020303" charset="0"/>
+              </a:rPr>
+              <a:t>Commands:</a:t>
+            </a:r>
+            <a:endParaRPr lang="en-IN" altLang="en-US" sz="2000">
+              <a:latin typeface="Goudy Old Style" panose="02020502050305020303" charset="0"/>
+              <a:cs typeface="Goudy Old Style" panose="02020502050305020303" charset="0"/>
+            </a:endParaRPr>
+          </a:p>
+        </p:txBody>
+      </p:sp>
+      <p:sp>
+        <p:nvSpPr>
+          <p:cNvPr id="3" name="Text Placeholder 2"/>
+          <p:cNvSpPr/>
+          <p:nvPr>
+            <p:ph type="body" idx="1"/>
+          </p:nvPr>
+        </p:nvSpPr>
+        <p:spPr>
+          <a:xfrm>
+            <a:off x="311785" y="1017270"/>
+            <a:ext cx="8520430" cy="3551555"/>
+          </a:xfrm>
+        </p:spPr>
+        <p:txBody>
+          <a:bodyPr/>
+          <a:p>
+            <a:pPr>
+              <a:buFont typeface="Arial" panose="020B0604020202020204" pitchFamily="34" charset="0"/>
+              <a:buChar char="•"/>
+            </a:pPr>
+            <a:r>
+              <a:rPr lang="en-IN" altLang="en-US" b="1">
+                <a:latin typeface="Goudy Old Style" panose="02020502050305020303" charset="0"/>
+                <a:cs typeface="Goudy Old Style" panose="02020502050305020303" charset="0"/>
+              </a:rPr>
+              <a:t>git diff: </a:t>
+            </a:r>
+            <a:r>
+              <a:rPr lang="en-IN" altLang="en-US">
+                <a:latin typeface="Goudy Old Style" panose="02020502050305020303" charset="0"/>
+                <a:cs typeface="Goudy Old Style" panose="02020502050305020303" charset="0"/>
+              </a:rPr>
+              <a:t>Shows all of the uncommitted changes since the most recent commit.</a:t>
+            </a:r>
+            <a:endParaRPr lang="en-IN" altLang="en-US">
+              <a:latin typeface="Goudy Old Style" panose="02020502050305020303" charset="0"/>
+              <a:cs typeface="Goudy Old Style" panose="02020502050305020303" charset="0"/>
+            </a:endParaRPr>
+          </a:p>
+          <a:p>
+            <a:pPr>
+              <a:buFont typeface="Arial" panose="020B0604020202020204" pitchFamily="34" charset="0"/>
+              <a:buChar char="•"/>
+            </a:pPr>
+            <a:r>
+              <a:rPr lang="en-IN" altLang="en-US" b="1">
+                <a:latin typeface="Goudy Old Style" panose="02020502050305020303" charset="0"/>
+                <a:cs typeface="Goudy Old Style" panose="02020502050305020303" charset="0"/>
+              </a:rPr>
+              <a:t>git diff commitId1 commitId2: </a:t>
+            </a:r>
+            <a:r>
+              <a:rPr lang="en-IN" altLang="en-US">
+                <a:latin typeface="Goudy Old Style" panose="02020502050305020303" charset="0"/>
+                <a:cs typeface="Goudy Old Style" panose="02020502050305020303" charset="0"/>
+              </a:rPr>
+              <a:t>Changes between the two commits.</a:t>
+            </a:r>
+            <a:endParaRPr lang="en-IN" altLang="en-US">
+              <a:latin typeface="Goudy Old Style" panose="02020502050305020303" charset="0"/>
+              <a:cs typeface="Goudy Old Style" panose="02020502050305020303" charset="0"/>
+            </a:endParaRPr>
+          </a:p>
+          <a:p>
+            <a:pPr>
+              <a:buFont typeface="Arial" panose="020B0604020202020204" pitchFamily="34" charset="0"/>
+              <a:buChar char="•"/>
+            </a:pPr>
+            <a:r>
+              <a:rPr lang="en-IN" altLang="en-US" b="1">
+                <a:latin typeface="Goudy Old Style" panose="02020502050305020303" charset="0"/>
+                <a:cs typeface="Goudy Old Style" panose="02020502050305020303" charset="0"/>
+              </a:rPr>
+              <a:t>git diff branch1 branch2: </a:t>
+            </a:r>
+            <a:r>
+              <a:rPr lang="en-IN" altLang="en-US">
+                <a:latin typeface="Goudy Old Style" panose="02020502050305020303" charset="0"/>
+                <a:cs typeface="Goudy Old Style" panose="02020502050305020303" charset="0"/>
+              </a:rPr>
+              <a:t>Changes between the two branches.</a:t>
+            </a:r>
+            <a:endParaRPr lang="en-IN" altLang="en-US">
+              <a:latin typeface="Goudy Old Style" panose="02020502050305020303" charset="0"/>
+              <a:cs typeface="Goudy Old Style" panose="02020502050305020303" charset="0"/>
+            </a:endParaRPr>
+          </a:p>
+          <a:p>
+            <a:pPr>
+              <a:buFont typeface="Arial" panose="020B0604020202020204" pitchFamily="34" charset="0"/>
+              <a:buChar char="•"/>
+            </a:pPr>
+            <a:r>
+              <a:rPr lang="en-IN" altLang="en-US" b="1">
+                <a:latin typeface="Goudy Old Style" panose="02020502050305020303" charset="0"/>
+                <a:cs typeface="Goudy Old Style" panose="02020502050305020303" charset="0"/>
+              </a:rPr>
+              <a:t>git diff --staged: </a:t>
+            </a:r>
+            <a:r>
+              <a:rPr lang="en-IN" altLang="en-US">
+                <a:latin typeface="Goudy Old Style" panose="02020502050305020303" charset="0"/>
+                <a:cs typeface="Goudy Old Style" panose="02020502050305020303" charset="0"/>
+              </a:rPr>
+              <a:t>Changes between previous commit and current staged files.</a:t>
+            </a:r>
+            <a:endParaRPr lang="en-IN" altLang="en-US">
+              <a:latin typeface="Goudy Old Style" panose="02020502050305020303" charset="0"/>
+              <a:cs typeface="Goudy Old Style" panose="02020502050305020303" charset="0"/>
+            </a:endParaRPr>
+          </a:p>
+          <a:p>
+            <a:pPr>
+              <a:buFont typeface="Arial" panose="020B0604020202020204" pitchFamily="34" charset="0"/>
+              <a:buChar char="•"/>
+            </a:pPr>
+            <a:r>
+              <a:rPr lang="en-IN" altLang="en-US" b="1">
+                <a:latin typeface="Goudy Old Style" panose="02020502050305020303" charset="0"/>
+                <a:cs typeface="Goudy Old Style" panose="02020502050305020303" charset="0"/>
+              </a:rPr>
+              <a:t>git diff HEAD: </a:t>
+            </a:r>
+            <a:r>
+              <a:rPr lang="en-IN" altLang="en-US">
+                <a:latin typeface="Goudy Old Style" panose="02020502050305020303" charset="0"/>
+                <a:cs typeface="Goudy Old Style" panose="02020502050305020303" charset="0"/>
+              </a:rPr>
+              <a:t>See all staged and unstaged changes.</a:t>
+            </a:r>
+            <a:endParaRPr lang="en-IN" altLang="en-US">
+              <a:latin typeface="Goudy Old Style" panose="02020502050305020303" charset="0"/>
+              <a:cs typeface="Goudy Old Style" panose="02020502050305020303" charset="0"/>
+            </a:endParaRPr>
+          </a:p>
+          <a:p>
+            <a:pPr>
+              <a:buFont typeface="Arial" panose="020B0604020202020204" pitchFamily="34" charset="0"/>
+              <a:buChar char="•"/>
+            </a:pPr>
+            <a:r>
+              <a:rPr lang="en-IN" altLang="en-US" b="1">
+                <a:latin typeface="Goudy Old Style" panose="02020502050305020303" charset="0"/>
+                <a:cs typeface="Goudy Old Style" panose="02020502050305020303" charset="0"/>
+              </a:rPr>
+              <a:t>git diff file_name: </a:t>
+            </a:r>
+            <a:r>
+              <a:rPr lang="en-IN" altLang="en-US">
+                <a:latin typeface="Goudy Old Style" panose="02020502050305020303" charset="0"/>
+                <a:cs typeface="Goudy Old Style" panose="02020502050305020303" charset="0"/>
+              </a:rPr>
+              <a:t>Difference in that file between current state and previous commit.</a:t>
+            </a:r>
+            <a:endParaRPr lang="en-IN" altLang="en-US">
+              <a:latin typeface="Goudy Old Style" panose="02020502050305020303" charset="0"/>
+              <a:cs typeface="Goudy Old Style" panose="02020502050305020303" charset="0"/>
+            </a:endParaRPr>
+          </a:p>
+          <a:p>
+            <a:pPr>
+              <a:buFont typeface="Arial" panose="020B0604020202020204" pitchFamily="34" charset="0"/>
+              <a:buChar char="•"/>
+            </a:pPr>
+            <a:r>
+              <a:rPr lang="en-IN" altLang="en-US" b="1">
+                <a:latin typeface="Goudy Old Style" panose="02020502050305020303" charset="0"/>
+                <a:cs typeface="Goudy Old Style" panose="02020502050305020303" charset="0"/>
+              </a:rPr>
+              <a:t>git diff HEAD^ HEAD: </a:t>
+            </a:r>
+            <a:r>
+              <a:rPr lang="en-IN" altLang="en-US">
+                <a:latin typeface="Goudy Old Style" panose="02020502050305020303" charset="0"/>
+                <a:cs typeface="Goudy Old Style" panose="02020502050305020303" charset="0"/>
+              </a:rPr>
+              <a:t>Changes between previous and present commit.</a:t>
+            </a:r>
+            <a:endParaRPr lang="en-IN" altLang="en-US">
+              <a:latin typeface="Goudy Old Style" panose="02020502050305020303" charset="0"/>
+              <a:cs typeface="Goudy Old Style" panose="02020502050305020303" charset="0"/>
+            </a:endParaRPr>
+          </a:p>
+          <a:p>
+            <a:pPr>
+              <a:buFont typeface="Arial" panose="020B0604020202020204" pitchFamily="34" charset="0"/>
+              <a:buChar char="•"/>
+            </a:pPr>
+            <a:r>
+              <a:rPr lang="en-IN" altLang="en-US" b="1">
+                <a:latin typeface="Goudy Old Style" panose="02020502050305020303" charset="0"/>
+                <a:cs typeface="Goudy Old Style" panose="02020502050305020303" charset="0"/>
+              </a:rPr>
+              <a:t>git diff --stat branch: </a:t>
+            </a:r>
+            <a:r>
+              <a:rPr lang="en-IN" altLang="en-US">
+                <a:latin typeface="Goudy Old Style" panose="02020502050305020303" charset="0"/>
+                <a:cs typeface="Goudy Old Style" panose="02020502050305020303" charset="0"/>
+              </a:rPr>
+              <a:t>View summary of changes</a:t>
+            </a:r>
+            <a:endParaRPr lang="en-IN" altLang="en-US">
+              <a:latin typeface="Goudy Old Style" panose="02020502050305020303" charset="0"/>
+              <a:cs typeface="Goudy Old Style" panose="02020502050305020303" charset="0"/>
+            </a:endParaRPr>
+          </a:p>
+        </p:txBody>
+      </p:sp>
+    </p:spTree>
+  </p:cSld>
+  <p:clrMapOvr>
+    <a:masterClrMapping/>
+  </p:clrMapOvr>
+</p:sld>
+</file>
+
+<file path=ppt/slides/slide15.xml><?xml version="1.0" encoding="utf-8"?>
+<p:sld xmlns:a="http://schemas.openxmlformats.org/drawingml/2006/main" xmlns:r="http://schemas.openxmlformats.org/officeDocument/2006/relationships" xmlns:p="http://schemas.openxmlformats.org/presentationml/2006/main">
+  <p:cSld>
+    <p:spTree>
+      <p:nvGrpSpPr>
+        <p:cNvPr id="1" name=""/>
+        <p:cNvGrpSpPr/>
+        <p:nvPr/>
+      </p:nvGrpSpPr>
+      <p:grpSpPr/>
+      <p:sp>
+        <p:nvSpPr>
+          <p:cNvPr id="2" name="Title 1"/>
+          <p:cNvSpPr/>
+          <p:nvPr>
+            <p:ph type="title"/>
+          </p:nvPr>
+        </p:nvSpPr>
+        <p:spPr>
+          <a:xfrm>
+            <a:off x="311785" y="410210"/>
+            <a:ext cx="8520430" cy="461645"/>
+          </a:xfrm>
+        </p:spPr>
+        <p:txBody>
+          <a:bodyPr>
+            <a:normAutofit fontScale="90000"/>
+          </a:bodyPr>
+          <a:p>
+            <a:r>
+              <a:rPr lang="en-IN" altLang="en-US">
+                <a:latin typeface="Bradley Hand ITC" panose="03070402050302030203" charset="0"/>
+                <a:cs typeface="Bradley Hand ITC" panose="03070402050302030203" charset="0"/>
+              </a:rPr>
+              <a:t>Git switch</a:t>
+            </a:r>
+            <a:endParaRPr lang="en-IN" altLang="en-US">
+              <a:latin typeface="Bradley Hand ITC" panose="03070402050302030203" charset="0"/>
+              <a:cs typeface="Bradley Hand ITC" panose="03070402050302030203" charset="0"/>
+            </a:endParaRPr>
+          </a:p>
+        </p:txBody>
+      </p:sp>
+      <p:sp>
+        <p:nvSpPr>
+          <p:cNvPr id="3" name="Text Placeholder 2"/>
+          <p:cNvSpPr/>
+          <p:nvPr>
+            <p:ph type="body" idx="1"/>
+          </p:nvPr>
+        </p:nvSpPr>
+        <p:spPr>
+          <a:xfrm>
+            <a:off x="311785" y="871855"/>
+            <a:ext cx="8520430" cy="3696970"/>
+          </a:xfrm>
+        </p:spPr>
+        <p:txBody>
+          <a:bodyPr/>
+          <a:p>
+            <a:pPr marL="114300" indent="0">
+              <a:buFont typeface="Arial" panose="020B0604020202020204" pitchFamily="34" charset="0"/>
+              <a:buNone/>
+            </a:pPr>
+            <a:endParaRPr lang="en-US">
+              <a:latin typeface="Goudy Old Style" panose="02020502050305020303" charset="0"/>
+              <a:cs typeface="Goudy Old Style" panose="02020502050305020303" charset="0"/>
+            </a:endParaRPr>
+          </a:p>
+        </p:txBody>
+      </p:sp>
+    </p:spTree>
+  </p:cSld>
+  <p:clrMapOvr>
+    <a:masterClrMapping/>
+  </p:clrMapOvr>
+</p:sld>
+</file>
+
 <file path=ppt/slides/slide2.xml><?xml version="1.0" encoding="utf-8"?>
 <p:sld xmlns:a="http://schemas.openxmlformats.org/drawingml/2006/main" xmlns:r="http://schemas.openxmlformats.org/officeDocument/2006/relationships" xmlns:p="http://schemas.openxmlformats.org/presentationml/2006/main">
   <p:cSld>

--- a/KOSS ppt.pptx
+++ b/KOSS ppt.pptx
@@ -23,35 +23,54 @@
     <p:sldId id="268" r:id="rId16"/>
     <p:sldId id="269" r:id="rId17"/>
     <p:sldId id="270" r:id="rId18"/>
+    <p:sldId id="271" r:id="rId19"/>
+    <p:sldId id="272" r:id="rId20"/>
+    <p:sldId id="273" r:id="rId21"/>
+    <p:sldId id="275" r:id="rId22"/>
+    <p:sldId id="276" r:id="rId23"/>
+    <p:sldId id="277" r:id="rId24"/>
+    <p:sldId id="278" r:id="rId25"/>
   </p:sldIdLst>
   <p:sldSz cx="9144000" cy="5143500"/>
   <p:notesSz cx="6858000" cy="9144000"/>
   <p:embeddedFontLst>
     <p:embeddedFont>
-      <p:font typeface="Roboto" panose="02000000000000000000"/>
-      <p:regular r:id="rId22"/>
+      <p:font typeface="Roboto" panose="020B0704020202020204"/>
+      <p:bold r:id="rId29"/>
+      <p:boldItalic r:id="rId30"/>
     </p:embeddedFont>
     <p:embeddedFont>
       <p:font typeface="Comic Sans MS" panose="030F0702030302020204"/>
-      <p:regular r:id="rId23"/>
-      <p:bold r:id="rId24"/>
-      <p:italic r:id="rId25"/>
-      <p:boldItalic r:id="rId26"/>
-    </p:embeddedFont>
-    <p:embeddedFont>
-      <p:font typeface="Comfortaa"/>
-      <p:regular r:id="rId27"/>
-      <p:bold r:id="rId28"/>
+      <p:regular r:id="rId31"/>
+      <p:bold r:id="rId32"/>
+      <p:italic r:id="rId33"/>
+      <p:boldItalic r:id="rId34"/>
     </p:embeddedFont>
     <p:embeddedFont>
       <p:font typeface="Bradley Hand ITC" panose="03070402050302030203" charset="0"/>
-      <p:regular r:id="rId29"/>
+      <p:regular r:id="rId35"/>
     </p:embeddedFont>
     <p:embeddedFont>
       <p:font typeface="Goudy Old Style" panose="02020502050305020303" charset="0"/>
-      <p:regular r:id="rId30"/>
-      <p:bold r:id="rId31"/>
-      <p:italic r:id="rId32"/>
+      <p:regular r:id="rId36"/>
+      <p:bold r:id="rId37"/>
+      <p:italic r:id="rId38"/>
+    </p:embeddedFont>
+    <p:embeddedFont>
+      <p:font typeface="Berlin Sans FB" panose="020E0602020502020306" charset="0"/>
+      <p:regular r:id="rId39"/>
+      <p:bold r:id="rId40"/>
+    </p:embeddedFont>
+    <p:embeddedFont>
+      <p:font typeface="Comfortaa" panose="020B0704020202020204"/>
+      <p:bold r:id="rId41"/>
+      <p:boldItalic r:id="rId42"/>
+    </p:embeddedFont>
+    <p:embeddedFont>
+      <p:font typeface="Bookman Old Style" panose="02050604050505020204" charset="0"/>
+      <p:regular r:id="rId43"/>
+      <p:bold r:id="rId44"/>
+      <p:italic r:id="rId45"/>
     </p:embeddedFont>
   </p:embeddedFontLst>
   <p:defaultTextStyle>
@@ -864,6 +883,61 @@
 </p:notes>
 </file>
 
+<file path=ppt/notesSlides/notesSlide11.xml><?xml version="1.0" encoding="utf-8"?>
+<p:notes xmlns:a="http://schemas.openxmlformats.org/drawingml/2006/main" xmlns:r="http://schemas.openxmlformats.org/officeDocument/2006/relationships" xmlns:p="http://schemas.openxmlformats.org/presentationml/2006/main">
+  <p:cSld>
+    <p:spTree>
+      <p:nvGrpSpPr>
+        <p:cNvPr id="1" name=""/>
+        <p:cNvGrpSpPr/>
+        <p:nvPr/>
+      </p:nvGrpSpPr>
+      <p:grpSpPr/>
+      <p:sp>
+        <p:nvSpPr>
+          <p:cNvPr id="2" name="Slide Image Placeholder 1"/>
+          <p:cNvSpPr/>
+          <p:nvPr>
+            <p:ph type="sldImg" idx="2"/>
+          </p:nvPr>
+        </p:nvSpPr>
+        <p:spPr/>
+      </p:sp>
+      <p:sp>
+        <p:nvSpPr>
+          <p:cNvPr id="3" name="Text Placeholder 2"/>
+          <p:cNvSpPr/>
+          <p:nvPr>
+            <p:ph type="body" idx="1"/>
+          </p:nvPr>
+        </p:nvSpPr>
+        <p:spPr/>
+        <p:txBody>
+          <a:bodyPr/>
+          <a:p>
+            <a:r>
+              <a:rPr lang="en-US"/>
+              <a:t>On public branch if you do git rebase then it may cause problem for the people who are pulling that, because it will overwrite their commits.</a:t>
+            </a:r>
+            <a:endParaRPr lang="en-US"/>
+          </a:p>
+          <a:p>
+            <a:r>
+              <a:rPr lang="en-US"/>
+              <a:t>And, then to resolve that, you will have to use git reflog.</a:t>
+            </a:r>
+            <a:endParaRPr lang="en-US"/>
+          </a:p>
+        </p:txBody>
+      </p:sp>
+    </p:spTree>
+  </p:cSld>
+  <p:clrMapOvr>
+    <a:masterClrMapping/>
+  </p:clrMapOvr>
+</p:notes>
+</file>
+
 <file path=ppt/notesSlides/notesSlide2.xml><?xml version="1.0" encoding="utf-8"?>
 <p:notes xmlns:a="http://schemas.openxmlformats.org/drawingml/2006/main" xmlns:r="http://schemas.openxmlformats.org/officeDocument/2006/relationships" xmlns:p="http://schemas.openxmlformats.org/presentationml/2006/main" showMasterPhAnim="0" showMasterSp="0">
   <p:cSld>
@@ -6916,16 +6990,16 @@
                 <a:schemeClr val="dk1"/>
               </a:buClr>
               <a:buSzPts val="3000"/>
-              <a:buFont typeface="Roboto" panose="02000000000000000000"/>
+              <a:buFont typeface="Roboto" panose="020B0704020202020204"/>
               <a:buNone/>
               <a:defRPr sz="3000">
                 <a:solidFill>
                   <a:schemeClr val="dk1"/>
                 </a:solidFill>
-                <a:latin typeface="Roboto" panose="02000000000000000000"/>
-                <a:ea typeface="Roboto" panose="02000000000000000000"/>
-                <a:cs typeface="Roboto" panose="02000000000000000000"/>
-                <a:sym typeface="Roboto" panose="02000000000000000000"/>
+                <a:latin typeface="Roboto" panose="020B0704020202020204"/>
+                <a:ea typeface="Roboto" panose="020B0704020202020204"/>
+                <a:cs typeface="Roboto" panose="020B0704020202020204"/>
+                <a:sym typeface="Roboto" panose="020B0704020202020204"/>
               </a:defRPr>
             </a:lvl1pPr>
             <a:lvl2pPr lvl="1">
@@ -6939,16 +7013,16 @@
                 <a:schemeClr val="dk1"/>
               </a:buClr>
               <a:buSzPts val="3000"/>
-              <a:buFont typeface="Roboto" panose="02000000000000000000"/>
+              <a:buFont typeface="Roboto" panose="020B0704020202020204"/>
               <a:buNone/>
               <a:defRPr sz="3000">
                 <a:solidFill>
                   <a:schemeClr val="dk1"/>
                 </a:solidFill>
-                <a:latin typeface="Roboto" panose="02000000000000000000"/>
-                <a:ea typeface="Roboto" panose="02000000000000000000"/>
-                <a:cs typeface="Roboto" panose="02000000000000000000"/>
-                <a:sym typeface="Roboto" panose="02000000000000000000"/>
+                <a:latin typeface="Roboto" panose="020B0704020202020204"/>
+                <a:ea typeface="Roboto" panose="020B0704020202020204"/>
+                <a:cs typeface="Roboto" panose="020B0704020202020204"/>
+                <a:sym typeface="Roboto" panose="020B0704020202020204"/>
               </a:defRPr>
             </a:lvl2pPr>
             <a:lvl3pPr lvl="2">
@@ -6962,16 +7036,16 @@
                 <a:schemeClr val="dk1"/>
               </a:buClr>
               <a:buSzPts val="3000"/>
-              <a:buFont typeface="Roboto" panose="02000000000000000000"/>
+              <a:buFont typeface="Roboto" panose="020B0704020202020204"/>
               <a:buNone/>
               <a:defRPr sz="3000">
                 <a:solidFill>
                   <a:schemeClr val="dk1"/>
                 </a:solidFill>
-                <a:latin typeface="Roboto" panose="02000000000000000000"/>
-                <a:ea typeface="Roboto" panose="02000000000000000000"/>
-                <a:cs typeface="Roboto" panose="02000000000000000000"/>
-                <a:sym typeface="Roboto" panose="02000000000000000000"/>
+                <a:latin typeface="Roboto" panose="020B0704020202020204"/>
+                <a:ea typeface="Roboto" panose="020B0704020202020204"/>
+                <a:cs typeface="Roboto" panose="020B0704020202020204"/>
+                <a:sym typeface="Roboto" panose="020B0704020202020204"/>
               </a:defRPr>
             </a:lvl3pPr>
             <a:lvl4pPr lvl="3">
@@ -6985,16 +7059,16 @@
                 <a:schemeClr val="dk1"/>
               </a:buClr>
               <a:buSzPts val="3000"/>
-              <a:buFont typeface="Roboto" panose="02000000000000000000"/>
+              <a:buFont typeface="Roboto" panose="020B0704020202020204"/>
               <a:buNone/>
               <a:defRPr sz="3000">
                 <a:solidFill>
                   <a:schemeClr val="dk1"/>
                 </a:solidFill>
-                <a:latin typeface="Roboto" panose="02000000000000000000"/>
-                <a:ea typeface="Roboto" panose="02000000000000000000"/>
-                <a:cs typeface="Roboto" panose="02000000000000000000"/>
-                <a:sym typeface="Roboto" panose="02000000000000000000"/>
+                <a:latin typeface="Roboto" panose="020B0704020202020204"/>
+                <a:ea typeface="Roboto" panose="020B0704020202020204"/>
+                <a:cs typeface="Roboto" panose="020B0704020202020204"/>
+                <a:sym typeface="Roboto" panose="020B0704020202020204"/>
               </a:defRPr>
             </a:lvl4pPr>
             <a:lvl5pPr lvl="4">
@@ -7008,16 +7082,16 @@
                 <a:schemeClr val="dk1"/>
               </a:buClr>
               <a:buSzPts val="3000"/>
-              <a:buFont typeface="Roboto" panose="02000000000000000000"/>
+              <a:buFont typeface="Roboto" panose="020B0704020202020204"/>
               <a:buNone/>
               <a:defRPr sz="3000">
                 <a:solidFill>
                   <a:schemeClr val="dk1"/>
                 </a:solidFill>
-                <a:latin typeface="Roboto" panose="02000000000000000000"/>
-                <a:ea typeface="Roboto" panose="02000000000000000000"/>
-                <a:cs typeface="Roboto" panose="02000000000000000000"/>
-                <a:sym typeface="Roboto" panose="02000000000000000000"/>
+                <a:latin typeface="Roboto" panose="020B0704020202020204"/>
+                <a:ea typeface="Roboto" panose="020B0704020202020204"/>
+                <a:cs typeface="Roboto" panose="020B0704020202020204"/>
+                <a:sym typeface="Roboto" panose="020B0704020202020204"/>
               </a:defRPr>
             </a:lvl5pPr>
             <a:lvl6pPr lvl="5">
@@ -7031,16 +7105,16 @@
                 <a:schemeClr val="dk1"/>
               </a:buClr>
               <a:buSzPts val="3000"/>
-              <a:buFont typeface="Roboto" panose="02000000000000000000"/>
+              <a:buFont typeface="Roboto" panose="020B0704020202020204"/>
               <a:buNone/>
               <a:defRPr sz="3000">
                 <a:solidFill>
                   <a:schemeClr val="dk1"/>
                 </a:solidFill>
-                <a:latin typeface="Roboto" panose="02000000000000000000"/>
-                <a:ea typeface="Roboto" panose="02000000000000000000"/>
-                <a:cs typeface="Roboto" panose="02000000000000000000"/>
-                <a:sym typeface="Roboto" panose="02000000000000000000"/>
+                <a:latin typeface="Roboto" panose="020B0704020202020204"/>
+                <a:ea typeface="Roboto" panose="020B0704020202020204"/>
+                <a:cs typeface="Roboto" panose="020B0704020202020204"/>
+                <a:sym typeface="Roboto" panose="020B0704020202020204"/>
               </a:defRPr>
             </a:lvl6pPr>
             <a:lvl7pPr lvl="6">
@@ -7054,16 +7128,16 @@
                 <a:schemeClr val="dk1"/>
               </a:buClr>
               <a:buSzPts val="3000"/>
-              <a:buFont typeface="Roboto" panose="02000000000000000000"/>
+              <a:buFont typeface="Roboto" panose="020B0704020202020204"/>
               <a:buNone/>
               <a:defRPr sz="3000">
                 <a:solidFill>
                   <a:schemeClr val="dk1"/>
                 </a:solidFill>
-                <a:latin typeface="Roboto" panose="02000000000000000000"/>
-                <a:ea typeface="Roboto" panose="02000000000000000000"/>
-                <a:cs typeface="Roboto" panose="02000000000000000000"/>
-                <a:sym typeface="Roboto" panose="02000000000000000000"/>
+                <a:latin typeface="Roboto" panose="020B0704020202020204"/>
+                <a:ea typeface="Roboto" panose="020B0704020202020204"/>
+                <a:cs typeface="Roboto" panose="020B0704020202020204"/>
+                <a:sym typeface="Roboto" panose="020B0704020202020204"/>
               </a:defRPr>
             </a:lvl7pPr>
             <a:lvl8pPr lvl="7">
@@ -7077,16 +7151,16 @@
                 <a:schemeClr val="dk1"/>
               </a:buClr>
               <a:buSzPts val="3000"/>
-              <a:buFont typeface="Roboto" panose="02000000000000000000"/>
+              <a:buFont typeface="Roboto" panose="020B0704020202020204"/>
               <a:buNone/>
               <a:defRPr sz="3000">
                 <a:solidFill>
                   <a:schemeClr val="dk1"/>
                 </a:solidFill>
-                <a:latin typeface="Roboto" panose="02000000000000000000"/>
-                <a:ea typeface="Roboto" panose="02000000000000000000"/>
-                <a:cs typeface="Roboto" panose="02000000000000000000"/>
-                <a:sym typeface="Roboto" panose="02000000000000000000"/>
+                <a:latin typeface="Roboto" panose="020B0704020202020204"/>
+                <a:ea typeface="Roboto" panose="020B0704020202020204"/>
+                <a:cs typeface="Roboto" panose="020B0704020202020204"/>
+                <a:sym typeface="Roboto" panose="020B0704020202020204"/>
               </a:defRPr>
             </a:lvl8pPr>
             <a:lvl9pPr lvl="8">
@@ -7100,16 +7174,16 @@
                 <a:schemeClr val="dk1"/>
               </a:buClr>
               <a:buSzPts val="3000"/>
-              <a:buFont typeface="Roboto" panose="02000000000000000000"/>
+              <a:buFont typeface="Roboto" panose="020B0704020202020204"/>
               <a:buNone/>
               <a:defRPr sz="3000">
                 <a:solidFill>
                   <a:schemeClr val="dk1"/>
                 </a:solidFill>
-                <a:latin typeface="Roboto" panose="02000000000000000000"/>
-                <a:ea typeface="Roboto" panose="02000000000000000000"/>
-                <a:cs typeface="Roboto" panose="02000000000000000000"/>
-                <a:sym typeface="Roboto" panose="02000000000000000000"/>
+                <a:latin typeface="Roboto" panose="020B0704020202020204"/>
+                <a:ea typeface="Roboto" panose="020B0704020202020204"/>
+                <a:cs typeface="Roboto" panose="020B0704020202020204"/>
+                <a:sym typeface="Roboto" panose="020B0704020202020204"/>
               </a:defRPr>
             </a:lvl9pPr>
           </a:lstStyle>
@@ -7156,16 +7230,16 @@
                 <a:schemeClr val="dk2"/>
               </a:buClr>
               <a:buSzPts val="1800"/>
-              <a:buFont typeface="Roboto" panose="02000000000000000000"/>
+              <a:buFont typeface="Roboto" panose="020B0704020202020204"/>
               <a:buChar char="●"/>
               <a:defRPr sz="1800">
                 <a:solidFill>
                   <a:schemeClr val="dk2"/>
                 </a:solidFill>
-                <a:latin typeface="Roboto" panose="02000000000000000000"/>
-                <a:ea typeface="Roboto" panose="02000000000000000000"/>
-                <a:cs typeface="Roboto" panose="02000000000000000000"/>
-                <a:sym typeface="Roboto" panose="02000000000000000000"/>
+                <a:latin typeface="Roboto" panose="020B0704020202020204"/>
+                <a:ea typeface="Roboto" panose="020B0704020202020204"/>
+                <a:cs typeface="Roboto" panose="020B0704020202020204"/>
+                <a:sym typeface="Roboto" panose="020B0704020202020204"/>
               </a:defRPr>
             </a:lvl1pPr>
             <a:lvl2pPr marL="914400" lvl="1" indent="-317500">
@@ -7182,16 +7256,16 @@
                 <a:schemeClr val="dk2"/>
               </a:buClr>
               <a:buSzPts val="1400"/>
-              <a:buFont typeface="Roboto" panose="02000000000000000000"/>
+              <a:buFont typeface="Roboto" panose="020B0704020202020204"/>
               <a:buChar char="○"/>
               <a:defRPr>
                 <a:solidFill>
                   <a:schemeClr val="dk2"/>
                 </a:solidFill>
-                <a:latin typeface="Roboto" panose="02000000000000000000"/>
-                <a:ea typeface="Roboto" panose="02000000000000000000"/>
-                <a:cs typeface="Roboto" panose="02000000000000000000"/>
-                <a:sym typeface="Roboto" panose="02000000000000000000"/>
+                <a:latin typeface="Roboto" panose="020B0704020202020204"/>
+                <a:ea typeface="Roboto" panose="020B0704020202020204"/>
+                <a:cs typeface="Roboto" panose="020B0704020202020204"/>
+                <a:sym typeface="Roboto" panose="020B0704020202020204"/>
               </a:defRPr>
             </a:lvl2pPr>
             <a:lvl3pPr marL="1371600" lvl="2" indent="-317500">
@@ -7208,16 +7282,16 @@
                 <a:schemeClr val="dk2"/>
               </a:buClr>
               <a:buSzPts val="1400"/>
-              <a:buFont typeface="Roboto" panose="02000000000000000000"/>
+              <a:buFont typeface="Roboto" panose="020B0704020202020204"/>
               <a:buChar char="■"/>
               <a:defRPr>
                 <a:solidFill>
                   <a:schemeClr val="dk2"/>
                 </a:solidFill>
-                <a:latin typeface="Roboto" panose="02000000000000000000"/>
-                <a:ea typeface="Roboto" panose="02000000000000000000"/>
-                <a:cs typeface="Roboto" panose="02000000000000000000"/>
-                <a:sym typeface="Roboto" panose="02000000000000000000"/>
+                <a:latin typeface="Roboto" panose="020B0704020202020204"/>
+                <a:ea typeface="Roboto" panose="020B0704020202020204"/>
+                <a:cs typeface="Roboto" panose="020B0704020202020204"/>
+                <a:sym typeface="Roboto" panose="020B0704020202020204"/>
               </a:defRPr>
             </a:lvl3pPr>
             <a:lvl4pPr marL="1828800" lvl="3" indent="-317500">
@@ -7234,16 +7308,16 @@
                 <a:schemeClr val="dk2"/>
               </a:buClr>
               <a:buSzPts val="1400"/>
-              <a:buFont typeface="Roboto" panose="02000000000000000000"/>
+              <a:buFont typeface="Roboto" panose="020B0704020202020204"/>
               <a:buChar char="●"/>
               <a:defRPr>
                 <a:solidFill>
                   <a:schemeClr val="dk2"/>
                 </a:solidFill>
-                <a:latin typeface="Roboto" panose="02000000000000000000"/>
-                <a:ea typeface="Roboto" panose="02000000000000000000"/>
-                <a:cs typeface="Roboto" panose="02000000000000000000"/>
-                <a:sym typeface="Roboto" panose="02000000000000000000"/>
+                <a:latin typeface="Roboto" panose="020B0704020202020204"/>
+                <a:ea typeface="Roboto" panose="020B0704020202020204"/>
+                <a:cs typeface="Roboto" panose="020B0704020202020204"/>
+                <a:sym typeface="Roboto" panose="020B0704020202020204"/>
               </a:defRPr>
             </a:lvl4pPr>
             <a:lvl5pPr marL="2286000" lvl="4" indent="-317500">
@@ -7260,16 +7334,16 @@
                 <a:schemeClr val="dk2"/>
               </a:buClr>
               <a:buSzPts val="1400"/>
-              <a:buFont typeface="Roboto" panose="02000000000000000000"/>
+              <a:buFont typeface="Roboto" panose="020B0704020202020204"/>
               <a:buChar char="○"/>
               <a:defRPr>
                 <a:solidFill>
                   <a:schemeClr val="dk2"/>
                 </a:solidFill>
-                <a:latin typeface="Roboto" panose="02000000000000000000"/>
-                <a:ea typeface="Roboto" panose="02000000000000000000"/>
-                <a:cs typeface="Roboto" panose="02000000000000000000"/>
-                <a:sym typeface="Roboto" panose="02000000000000000000"/>
+                <a:latin typeface="Roboto" panose="020B0704020202020204"/>
+                <a:ea typeface="Roboto" panose="020B0704020202020204"/>
+                <a:cs typeface="Roboto" panose="020B0704020202020204"/>
+                <a:sym typeface="Roboto" panose="020B0704020202020204"/>
               </a:defRPr>
             </a:lvl5pPr>
             <a:lvl6pPr marL="2743200" lvl="5" indent="-317500">
@@ -7286,16 +7360,16 @@
                 <a:schemeClr val="dk2"/>
               </a:buClr>
               <a:buSzPts val="1400"/>
-              <a:buFont typeface="Roboto" panose="02000000000000000000"/>
+              <a:buFont typeface="Roboto" panose="020B0704020202020204"/>
               <a:buChar char="■"/>
               <a:defRPr>
                 <a:solidFill>
                   <a:schemeClr val="dk2"/>
                 </a:solidFill>
-                <a:latin typeface="Roboto" panose="02000000000000000000"/>
-                <a:ea typeface="Roboto" panose="02000000000000000000"/>
-                <a:cs typeface="Roboto" panose="02000000000000000000"/>
-                <a:sym typeface="Roboto" panose="02000000000000000000"/>
+                <a:latin typeface="Roboto" panose="020B0704020202020204"/>
+                <a:ea typeface="Roboto" panose="020B0704020202020204"/>
+                <a:cs typeface="Roboto" panose="020B0704020202020204"/>
+                <a:sym typeface="Roboto" panose="020B0704020202020204"/>
               </a:defRPr>
             </a:lvl6pPr>
             <a:lvl7pPr marL="3200400" lvl="6" indent="-317500">
@@ -7312,16 +7386,16 @@
                 <a:schemeClr val="dk2"/>
               </a:buClr>
               <a:buSzPts val="1400"/>
-              <a:buFont typeface="Roboto" panose="02000000000000000000"/>
+              <a:buFont typeface="Roboto" panose="020B0704020202020204"/>
               <a:buChar char="●"/>
               <a:defRPr>
                 <a:solidFill>
                   <a:schemeClr val="dk2"/>
                 </a:solidFill>
-                <a:latin typeface="Roboto" panose="02000000000000000000"/>
-                <a:ea typeface="Roboto" panose="02000000000000000000"/>
-                <a:cs typeface="Roboto" panose="02000000000000000000"/>
-                <a:sym typeface="Roboto" panose="02000000000000000000"/>
+                <a:latin typeface="Roboto" panose="020B0704020202020204"/>
+                <a:ea typeface="Roboto" panose="020B0704020202020204"/>
+                <a:cs typeface="Roboto" panose="020B0704020202020204"/>
+                <a:sym typeface="Roboto" panose="020B0704020202020204"/>
               </a:defRPr>
             </a:lvl7pPr>
             <a:lvl8pPr marL="3657600" lvl="7" indent="-317500">
@@ -7338,16 +7412,16 @@
                 <a:schemeClr val="dk2"/>
               </a:buClr>
               <a:buSzPts val="1400"/>
-              <a:buFont typeface="Roboto" panose="02000000000000000000"/>
+              <a:buFont typeface="Roboto" panose="020B0704020202020204"/>
               <a:buChar char="○"/>
               <a:defRPr>
                 <a:solidFill>
                   <a:schemeClr val="dk2"/>
                 </a:solidFill>
-                <a:latin typeface="Roboto" panose="02000000000000000000"/>
-                <a:ea typeface="Roboto" panose="02000000000000000000"/>
-                <a:cs typeface="Roboto" panose="02000000000000000000"/>
-                <a:sym typeface="Roboto" panose="02000000000000000000"/>
+                <a:latin typeface="Roboto" panose="020B0704020202020204"/>
+                <a:ea typeface="Roboto" panose="020B0704020202020204"/>
+                <a:cs typeface="Roboto" panose="020B0704020202020204"/>
+                <a:sym typeface="Roboto" panose="020B0704020202020204"/>
               </a:defRPr>
             </a:lvl8pPr>
             <a:lvl9pPr marL="4114800" lvl="8" indent="-317500">
@@ -7364,16 +7438,16 @@
                 <a:schemeClr val="dk2"/>
               </a:buClr>
               <a:buSzPts val="1400"/>
-              <a:buFont typeface="Roboto" panose="02000000000000000000"/>
+              <a:buFont typeface="Roboto" panose="020B0704020202020204"/>
               <a:buChar char="■"/>
               <a:defRPr>
                 <a:solidFill>
                   <a:schemeClr val="dk2"/>
                 </a:solidFill>
-                <a:latin typeface="Roboto" panose="02000000000000000000"/>
-                <a:ea typeface="Roboto" panose="02000000000000000000"/>
-                <a:cs typeface="Roboto" panose="02000000000000000000"/>
-                <a:sym typeface="Roboto" panose="02000000000000000000"/>
+                <a:latin typeface="Roboto" panose="020B0704020202020204"/>
+                <a:ea typeface="Roboto" panose="020B0704020202020204"/>
+                <a:cs typeface="Roboto" panose="020B0704020202020204"/>
+                <a:sym typeface="Roboto" panose="020B0704020202020204"/>
               </a:defRPr>
             </a:lvl9pPr>
           </a:lstStyle>
@@ -7412,10 +7486,10 @@
                 <a:solidFill>
                   <a:schemeClr val="lt1"/>
                 </a:solidFill>
-                <a:latin typeface="Roboto" panose="02000000000000000000"/>
-                <a:ea typeface="Roboto" panose="02000000000000000000"/>
-                <a:cs typeface="Roboto" panose="02000000000000000000"/>
-                <a:sym typeface="Roboto" panose="02000000000000000000"/>
+                <a:latin typeface="Roboto" panose="020B0704020202020204"/>
+                <a:ea typeface="Roboto" panose="020B0704020202020204"/>
+                <a:cs typeface="Roboto" panose="020B0704020202020204"/>
+                <a:sym typeface="Roboto" panose="020B0704020202020204"/>
               </a:defRPr>
             </a:lvl1pPr>
             <a:lvl2pPr lvl="1" algn="r">
@@ -7424,10 +7498,10 @@
                 <a:solidFill>
                   <a:schemeClr val="lt1"/>
                 </a:solidFill>
-                <a:latin typeface="Roboto" panose="02000000000000000000"/>
-                <a:ea typeface="Roboto" panose="02000000000000000000"/>
-                <a:cs typeface="Roboto" panose="02000000000000000000"/>
-                <a:sym typeface="Roboto" panose="02000000000000000000"/>
+                <a:latin typeface="Roboto" panose="020B0704020202020204"/>
+                <a:ea typeface="Roboto" panose="020B0704020202020204"/>
+                <a:cs typeface="Roboto" panose="020B0704020202020204"/>
+                <a:sym typeface="Roboto" panose="020B0704020202020204"/>
               </a:defRPr>
             </a:lvl2pPr>
             <a:lvl3pPr lvl="2" algn="r">
@@ -7436,10 +7510,10 @@
                 <a:solidFill>
                   <a:schemeClr val="lt1"/>
                 </a:solidFill>
-                <a:latin typeface="Roboto" panose="02000000000000000000"/>
-                <a:ea typeface="Roboto" panose="02000000000000000000"/>
-                <a:cs typeface="Roboto" panose="02000000000000000000"/>
-                <a:sym typeface="Roboto" panose="02000000000000000000"/>
+                <a:latin typeface="Roboto" panose="020B0704020202020204"/>
+                <a:ea typeface="Roboto" panose="020B0704020202020204"/>
+                <a:cs typeface="Roboto" panose="020B0704020202020204"/>
+                <a:sym typeface="Roboto" panose="020B0704020202020204"/>
               </a:defRPr>
             </a:lvl3pPr>
             <a:lvl4pPr lvl="3" algn="r">
@@ -7448,10 +7522,10 @@
                 <a:solidFill>
                   <a:schemeClr val="lt1"/>
                 </a:solidFill>
-                <a:latin typeface="Roboto" panose="02000000000000000000"/>
-                <a:ea typeface="Roboto" panose="02000000000000000000"/>
-                <a:cs typeface="Roboto" panose="02000000000000000000"/>
-                <a:sym typeface="Roboto" panose="02000000000000000000"/>
+                <a:latin typeface="Roboto" panose="020B0704020202020204"/>
+                <a:ea typeface="Roboto" panose="020B0704020202020204"/>
+                <a:cs typeface="Roboto" panose="020B0704020202020204"/>
+                <a:sym typeface="Roboto" panose="020B0704020202020204"/>
               </a:defRPr>
             </a:lvl4pPr>
             <a:lvl5pPr lvl="4" algn="r">
@@ -7460,10 +7534,10 @@
                 <a:solidFill>
                   <a:schemeClr val="lt1"/>
                 </a:solidFill>
-                <a:latin typeface="Roboto" panose="02000000000000000000"/>
-                <a:ea typeface="Roboto" panose="02000000000000000000"/>
-                <a:cs typeface="Roboto" panose="02000000000000000000"/>
-                <a:sym typeface="Roboto" panose="02000000000000000000"/>
+                <a:latin typeface="Roboto" panose="020B0704020202020204"/>
+                <a:ea typeface="Roboto" panose="020B0704020202020204"/>
+                <a:cs typeface="Roboto" panose="020B0704020202020204"/>
+                <a:sym typeface="Roboto" panose="020B0704020202020204"/>
               </a:defRPr>
             </a:lvl5pPr>
             <a:lvl6pPr lvl="5" algn="r">
@@ -7472,10 +7546,10 @@
                 <a:solidFill>
                   <a:schemeClr val="lt1"/>
                 </a:solidFill>
-                <a:latin typeface="Roboto" panose="02000000000000000000"/>
-                <a:ea typeface="Roboto" panose="02000000000000000000"/>
-                <a:cs typeface="Roboto" panose="02000000000000000000"/>
-                <a:sym typeface="Roboto" panose="02000000000000000000"/>
+                <a:latin typeface="Roboto" panose="020B0704020202020204"/>
+                <a:ea typeface="Roboto" panose="020B0704020202020204"/>
+                <a:cs typeface="Roboto" panose="020B0704020202020204"/>
+                <a:sym typeface="Roboto" panose="020B0704020202020204"/>
               </a:defRPr>
             </a:lvl6pPr>
             <a:lvl7pPr lvl="6" algn="r">
@@ -7484,10 +7558,10 @@
                 <a:solidFill>
                   <a:schemeClr val="lt1"/>
                 </a:solidFill>
-                <a:latin typeface="Roboto" panose="02000000000000000000"/>
-                <a:ea typeface="Roboto" panose="02000000000000000000"/>
-                <a:cs typeface="Roboto" panose="02000000000000000000"/>
-                <a:sym typeface="Roboto" panose="02000000000000000000"/>
+                <a:latin typeface="Roboto" panose="020B0704020202020204"/>
+                <a:ea typeface="Roboto" panose="020B0704020202020204"/>
+                <a:cs typeface="Roboto" panose="020B0704020202020204"/>
+                <a:sym typeface="Roboto" panose="020B0704020202020204"/>
               </a:defRPr>
             </a:lvl7pPr>
             <a:lvl8pPr lvl="7" algn="r">
@@ -7496,10 +7570,10 @@
                 <a:solidFill>
                   <a:schemeClr val="lt1"/>
                 </a:solidFill>
-                <a:latin typeface="Roboto" panose="02000000000000000000"/>
-                <a:ea typeface="Roboto" panose="02000000000000000000"/>
-                <a:cs typeface="Roboto" panose="02000000000000000000"/>
-                <a:sym typeface="Roboto" panose="02000000000000000000"/>
+                <a:latin typeface="Roboto" panose="020B0704020202020204"/>
+                <a:ea typeface="Roboto" panose="020B0704020202020204"/>
+                <a:cs typeface="Roboto" panose="020B0704020202020204"/>
+                <a:sym typeface="Roboto" panose="020B0704020202020204"/>
               </a:defRPr>
             </a:lvl8pPr>
             <a:lvl9pPr lvl="8" algn="r">
@@ -7508,10 +7582,10 @@
                 <a:solidFill>
                   <a:schemeClr val="lt1"/>
                 </a:solidFill>
-                <a:latin typeface="Roboto" panose="02000000000000000000"/>
-                <a:ea typeface="Roboto" panose="02000000000000000000"/>
-                <a:cs typeface="Roboto" panose="02000000000000000000"/>
-                <a:sym typeface="Roboto" panose="02000000000000000000"/>
+                <a:latin typeface="Roboto" panose="020B0704020202020204"/>
+                <a:ea typeface="Roboto" panose="020B0704020202020204"/>
+                <a:cs typeface="Roboto" panose="020B0704020202020204"/>
+                <a:sym typeface="Roboto" panose="020B0704020202020204"/>
               </a:defRPr>
             </a:lvl9pPr>
           </a:lstStyle>
@@ -8309,10 +8383,10 @@
                 <a:solidFill>
                   <a:srgbClr val="FFFFFF"/>
                 </a:solidFill>
-                <a:latin typeface="Roboto" panose="02000000000000000000"/>
-                <a:ea typeface="Roboto" panose="02000000000000000000"/>
-                <a:cs typeface="Roboto" panose="02000000000000000000"/>
-                <a:sym typeface="Roboto" panose="02000000000000000000"/>
+                <a:latin typeface="Roboto" panose="020B0704020202020204"/>
+                <a:ea typeface="Roboto" panose="020B0704020202020204"/>
+                <a:cs typeface="Roboto" panose="020B0704020202020204"/>
+                <a:sym typeface="Roboto" panose="020B0704020202020204"/>
               </a:rPr>
               <a:t> </a:t>
             </a:r>
@@ -8320,10 +8394,10 @@
               <a:solidFill>
                 <a:srgbClr val="FFFFFF"/>
               </a:solidFill>
-              <a:latin typeface="Roboto" panose="02000000000000000000"/>
-              <a:ea typeface="Roboto" panose="02000000000000000000"/>
-              <a:cs typeface="Roboto" panose="02000000000000000000"/>
-              <a:sym typeface="Roboto" panose="02000000000000000000"/>
+              <a:latin typeface="Roboto" panose="020B0704020202020204"/>
+              <a:ea typeface="Roboto" panose="020B0704020202020204"/>
+              <a:cs typeface="Roboto" panose="020B0704020202020204"/>
+              <a:sym typeface="Roboto" panose="020B0704020202020204"/>
             </a:endParaRPr>
           </a:p>
         </p:txBody>
@@ -8557,13 +8631,13 @@
           </a:bodyPr>
           <a:p>
             <a:r>
-              <a:rPr lang="en-IN" altLang="en-US">
+              <a:rPr lang="en-IN" altLang="en-US" b="1">
                 <a:latin typeface="Bradley Hand ITC" panose="03070402050302030203" charset="0"/>
                 <a:cs typeface="Bradley Hand ITC" panose="03070402050302030203" charset="0"/>
               </a:rPr>
               <a:t>Git reflog</a:t>
             </a:r>
-            <a:endParaRPr lang="en-IN" altLang="en-US">
+            <a:endParaRPr lang="en-IN" altLang="en-US" b="1">
               <a:latin typeface="Bradley Hand ITC" panose="03070402050302030203" charset="0"/>
               <a:cs typeface="Bradley Hand ITC" panose="03070402050302030203" charset="0"/>
             </a:endParaRPr>
@@ -8989,13 +9063,13 @@
           </a:bodyPr>
           <a:p>
             <a:r>
-              <a:rPr lang="en-IN" altLang="en-US">
+              <a:rPr lang="en-IN" altLang="en-US" b="1">
                 <a:latin typeface="Bradley Hand ITC" panose="03070402050302030203" charset="0"/>
                 <a:cs typeface="Bradley Hand ITC" panose="03070402050302030203" charset="0"/>
               </a:rPr>
               <a:t>Git diff</a:t>
             </a:r>
-            <a:endParaRPr lang="en-IN" altLang="en-US">
+            <a:endParaRPr lang="en-IN" altLang="en-US" b="1">
               <a:latin typeface="Bradley Hand ITC" panose="03070402050302030203" charset="0"/>
               <a:cs typeface="Bradley Hand ITC" panose="03070402050302030203" charset="0"/>
             </a:endParaRPr>
@@ -9173,13 +9247,13 @@
           </a:bodyPr>
           <a:p>
             <a:r>
-              <a:rPr lang="en-IN" altLang="en-US" sz="2000">
+              <a:rPr lang="en-IN" altLang="en-US" sz="2200">
                 <a:latin typeface="Goudy Old Style" panose="02020502050305020303" charset="0"/>
                 <a:cs typeface="Goudy Old Style" panose="02020502050305020303" charset="0"/>
               </a:rPr>
               <a:t>Commands:</a:t>
             </a:r>
-            <a:endParaRPr lang="en-IN" altLang="en-US" sz="2000">
+            <a:endParaRPr lang="en-IN" altLang="en-US" sz="2200">
               <a:latin typeface="Goudy Old Style" panose="02020502050305020303" charset="0"/>
               <a:cs typeface="Goudy Old Style" panose="02020502050305020303" charset="0"/>
             </a:endParaRPr>
@@ -9434,13 +9508,13 @@
           </a:bodyPr>
           <a:p>
             <a:r>
-              <a:rPr lang="en-IN" altLang="en-US">
+              <a:rPr lang="en-IN" altLang="en-US" b="1">
                 <a:latin typeface="Bradley Hand ITC" panose="03070402050302030203" charset="0"/>
                 <a:cs typeface="Bradley Hand ITC" panose="03070402050302030203" charset="0"/>
               </a:rPr>
               <a:t>Git switch</a:t>
             </a:r>
-            <a:endParaRPr lang="en-IN" altLang="en-US">
+            <a:endParaRPr lang="en-IN" altLang="en-US" b="1">
               <a:latin typeface="Bradley Hand ITC" panose="03070402050302030203" charset="0"/>
               <a:cs typeface="Bradley Hand ITC" panose="03070402050302030203" charset="0"/>
             </a:endParaRPr>
@@ -9468,7 +9542,1016 @@
               <a:buFont typeface="Arial" panose="020B0604020202020204" pitchFamily="34" charset="0"/>
               <a:buNone/>
             </a:pPr>
+            <a:r>
+              <a:rPr lang="en-US">
+                <a:latin typeface="Goudy Old Style" panose="02020502050305020303" charset="0"/>
+                <a:cs typeface="Goudy Old Style" panose="02020502050305020303" charset="0"/>
+                <a:sym typeface="+mn-ea"/>
+              </a:rPr>
+              <a:t>It is a fairly new command whichis used to switch between branches as well as create new branches. It was introduced very recently to decrease the load on </a:t>
+            </a:r>
+            <a:r>
+              <a:rPr lang="en-US" b="1">
+                <a:latin typeface="Goudy Old Style" panose="02020502050305020303" charset="0"/>
+                <a:cs typeface="Goudy Old Style" panose="02020502050305020303" charset="0"/>
+                <a:sym typeface="+mn-ea"/>
+              </a:rPr>
+              <a:t>git</a:t>
+            </a:r>
+            <a:r>
+              <a:rPr lang="en-US">
+                <a:latin typeface="Goudy Old Style" panose="02020502050305020303" charset="0"/>
+                <a:cs typeface="Goudy Old Style" panose="02020502050305020303" charset="0"/>
+                <a:sym typeface="+mn-ea"/>
+              </a:rPr>
+              <a:t> </a:t>
+            </a:r>
+            <a:r>
+              <a:rPr lang="en-US" b="1">
+                <a:latin typeface="Goudy Old Style" panose="02020502050305020303" charset="0"/>
+                <a:cs typeface="Goudy Old Style" panose="02020502050305020303" charset="0"/>
+                <a:sym typeface="+mn-ea"/>
+              </a:rPr>
+              <a:t>checkout</a:t>
+            </a:r>
+            <a:r>
+              <a:rPr lang="en-US">
+                <a:latin typeface="Goudy Old Style" panose="02020502050305020303" charset="0"/>
+                <a:cs typeface="Goudy Old Style" panose="02020502050305020303" charset="0"/>
+                <a:sym typeface="+mn-ea"/>
+              </a:rPr>
+              <a:t>,</a:t>
+            </a:r>
+            <a:r>
+              <a:rPr lang="en-US" b="1">
+                <a:latin typeface="Goudy Old Style" panose="02020502050305020303" charset="0"/>
+                <a:cs typeface="Goudy Old Style" panose="02020502050305020303" charset="0"/>
+                <a:sym typeface="+mn-ea"/>
+              </a:rPr>
+              <a:t> </a:t>
+            </a:r>
+            <a:r>
+              <a:rPr lang="en-US">
+                <a:latin typeface="Goudy Old Style" panose="02020502050305020303" charset="0"/>
+                <a:cs typeface="Goudy Old Style" panose="02020502050305020303" charset="0"/>
+                <a:sym typeface="+mn-ea"/>
+              </a:rPr>
+              <a:t>which was already loaded much with other commands. Also, it created confusion, especially in the minds of beginners. So, </a:t>
+            </a:r>
+            <a:r>
+              <a:rPr lang="en-US" b="1">
+                <a:latin typeface="Goudy Old Style" panose="02020502050305020303" charset="0"/>
+                <a:cs typeface="Goudy Old Style" panose="02020502050305020303" charset="0"/>
+                <a:sym typeface="+mn-ea"/>
+              </a:rPr>
+              <a:t>git switch </a:t>
+            </a:r>
+            <a:r>
+              <a:rPr lang="en-US">
+                <a:latin typeface="Goudy Old Style" panose="02020502050305020303" charset="0"/>
+                <a:cs typeface="Goudy Old Style" panose="02020502050305020303" charset="0"/>
+                <a:sym typeface="+mn-ea"/>
+              </a:rPr>
+              <a:t>was introduced, but </a:t>
+            </a:r>
+            <a:r>
+              <a:rPr lang="en-US" b="1">
+                <a:latin typeface="Goudy Old Style" panose="02020502050305020303" charset="0"/>
+                <a:cs typeface="Goudy Old Style" panose="02020502050305020303" charset="0"/>
+                <a:sym typeface="+mn-ea"/>
+              </a:rPr>
+              <a:t>git checkout </a:t>
+            </a:r>
+            <a:r>
+              <a:rPr lang="en-US">
+                <a:latin typeface="Goudy Old Style" panose="02020502050305020303" charset="0"/>
+                <a:cs typeface="Goudy Old Style" panose="02020502050305020303" charset="0"/>
+                <a:sym typeface="+mn-ea"/>
+              </a:rPr>
+              <a:t>was also continued, so as not to create a problem for people familiar with the previous commands. So </a:t>
+            </a:r>
+            <a:r>
+              <a:rPr lang="en-US" b="1">
+                <a:latin typeface="Goudy Old Style" panose="02020502050305020303" charset="0"/>
+                <a:cs typeface="Goudy Old Style" panose="02020502050305020303" charset="0"/>
+                <a:sym typeface="+mn-ea"/>
+              </a:rPr>
+              <a:t>git switch </a:t>
+            </a:r>
+            <a:r>
+              <a:rPr lang="en-US">
+                <a:latin typeface="Goudy Old Style" panose="02020502050305020303" charset="0"/>
+                <a:cs typeface="Goudy Old Style" panose="02020502050305020303" charset="0"/>
+                <a:sym typeface="+mn-ea"/>
+              </a:rPr>
+              <a:t>is essentially a new way to switch between branches.</a:t>
+            </a:r>
             <a:endParaRPr lang="en-US">
+              <a:latin typeface="Goudy Old Style" panose="02020502050305020303" charset="0"/>
+              <a:cs typeface="Goudy Old Style" panose="02020502050305020303" charset="0"/>
+            </a:endParaRPr>
+          </a:p>
+          <a:p>
+            <a:pPr marL="114300" indent="0">
+              <a:buFont typeface="Arial" panose="020B0604020202020204" pitchFamily="34" charset="0"/>
+              <a:buNone/>
+            </a:pPr>
+            <a:r>
+              <a:rPr lang="en-US">
+                <a:latin typeface="Goudy Old Style" panose="02020502050305020303" charset="0"/>
+                <a:cs typeface="Goudy Old Style" panose="02020502050305020303" charset="0"/>
+                <a:sym typeface="+mn-ea"/>
+              </a:rPr>
+              <a:t>An example of confusion due to </a:t>
+            </a:r>
+            <a:r>
+              <a:rPr lang="en-US" b="1">
+                <a:latin typeface="Goudy Old Style" panose="02020502050305020303" charset="0"/>
+                <a:cs typeface="Goudy Old Style" panose="02020502050305020303" charset="0"/>
+                <a:sym typeface="+mn-ea"/>
+              </a:rPr>
+              <a:t>git checkout </a:t>
+            </a:r>
+            <a:r>
+              <a:rPr lang="en-US">
+                <a:latin typeface="Goudy Old Style" panose="02020502050305020303" charset="0"/>
+                <a:cs typeface="Goudy Old Style" panose="02020502050305020303" charset="0"/>
+                <a:sym typeface="+mn-ea"/>
+              </a:rPr>
+              <a:t>is:-</a:t>
+            </a:r>
+            <a:endParaRPr lang="en-US">
+              <a:latin typeface="Goudy Old Style" panose="02020502050305020303" charset="0"/>
+              <a:cs typeface="Goudy Old Style" panose="02020502050305020303" charset="0"/>
+            </a:endParaRPr>
+          </a:p>
+          <a:p>
+            <a:pPr marL="400050" indent="-285750">
+              <a:buFont typeface="Arial" panose="020B0604020202020204"/>
+              <a:buChar char="•"/>
+            </a:pPr>
+            <a:r>
+              <a:rPr lang="en-US" b="1">
+                <a:latin typeface="Goudy Old Style" panose="02020502050305020303" charset="0"/>
+                <a:cs typeface="Goudy Old Style" panose="02020502050305020303" charset="0"/>
+                <a:sym typeface="+mn-ea"/>
+              </a:rPr>
+              <a:t>git checkout &lt;file_name&gt; : </a:t>
+            </a:r>
+            <a:r>
+              <a:rPr lang="en-US">
+                <a:latin typeface="Goudy Old Style" panose="02020502050305020303" charset="0"/>
+                <a:cs typeface="Goudy Old Style" panose="02020502050305020303" charset="0"/>
+                <a:sym typeface="+mn-ea"/>
+              </a:rPr>
+              <a:t>Reverses the modifications of unstaged file.</a:t>
+            </a:r>
+            <a:endParaRPr lang="en-US">
+              <a:latin typeface="Goudy Old Style" panose="02020502050305020303" charset="0"/>
+              <a:cs typeface="Goudy Old Style" panose="02020502050305020303" charset="0"/>
+            </a:endParaRPr>
+          </a:p>
+          <a:p>
+            <a:pPr marL="400050" indent="-285750">
+              <a:buFont typeface="Arial" panose="020B0604020202020204"/>
+              <a:buChar char="•"/>
+            </a:pPr>
+            <a:r>
+              <a:rPr lang="en-US" b="1">
+                <a:latin typeface="Goudy Old Style" panose="02020502050305020303" charset="0"/>
+                <a:cs typeface="Goudy Old Style" panose="02020502050305020303" charset="0"/>
+                <a:sym typeface="+mn-ea"/>
+              </a:rPr>
+              <a:t>git checkout &lt;branch_name&gt; </a:t>
+            </a:r>
+            <a:r>
+              <a:rPr lang="en-US">
+                <a:latin typeface="Goudy Old Style" panose="02020502050305020303" charset="0"/>
+                <a:cs typeface="Goudy Old Style" panose="02020502050305020303" charset="0"/>
+                <a:sym typeface="+mn-ea"/>
+              </a:rPr>
+              <a:t>: Switches to the branch.</a:t>
+            </a:r>
+            <a:r>
+              <a:rPr lang="en-US" b="1">
+                <a:latin typeface="Goudy Old Style" panose="02020502050305020303" charset="0"/>
+                <a:cs typeface="Goudy Old Style" panose="02020502050305020303" charset="0"/>
+                <a:sym typeface="+mn-ea"/>
+              </a:rPr>
+              <a:t> </a:t>
+            </a:r>
+            <a:r>
+              <a:rPr lang="en-US">
+                <a:latin typeface="Goudy Old Style" panose="02020502050305020303" charset="0"/>
+                <a:cs typeface="Goudy Old Style" panose="02020502050305020303" charset="0"/>
+                <a:sym typeface="+mn-ea"/>
+              </a:rPr>
+              <a:t>   </a:t>
+            </a:r>
+            <a:endParaRPr lang="en-US">
+              <a:latin typeface="Goudy Old Style" panose="02020502050305020303" charset="0"/>
+              <a:cs typeface="Goudy Old Style" panose="02020502050305020303" charset="0"/>
+            </a:endParaRPr>
+          </a:p>
+          <a:p>
+            <a:pPr marL="114300" indent="0">
+              <a:buFont typeface="Arial" panose="020B0604020202020204" pitchFamily="34" charset="0"/>
+              <a:buNone/>
+            </a:pPr>
+            <a:endParaRPr lang="en-US">
+              <a:latin typeface="Goudy Old Style" panose="02020502050305020303" charset="0"/>
+              <a:cs typeface="Goudy Old Style" panose="02020502050305020303" charset="0"/>
+            </a:endParaRPr>
+          </a:p>
+        </p:txBody>
+      </p:sp>
+    </p:spTree>
+  </p:cSld>
+  <p:clrMapOvr>
+    <a:masterClrMapping/>
+  </p:clrMapOvr>
+</p:sld>
+</file>
+
+<file path=ppt/slides/slide16.xml><?xml version="1.0" encoding="utf-8"?>
+<p:sld xmlns:a="http://schemas.openxmlformats.org/drawingml/2006/main" xmlns:r="http://schemas.openxmlformats.org/officeDocument/2006/relationships" xmlns:p="http://schemas.openxmlformats.org/presentationml/2006/main">
+  <p:cSld>
+    <p:spTree>
+      <p:nvGrpSpPr>
+        <p:cNvPr id="1" name=""/>
+        <p:cNvGrpSpPr/>
+        <p:nvPr/>
+      </p:nvGrpSpPr>
+      <p:grpSpPr/>
+      <p:sp>
+        <p:nvSpPr>
+          <p:cNvPr id="2" name="Title 1"/>
+          <p:cNvSpPr/>
+          <p:nvPr>
+            <p:ph type="title"/>
+          </p:nvPr>
+        </p:nvSpPr>
+        <p:spPr>
+          <a:xfrm>
+            <a:off x="311785" y="365125"/>
+            <a:ext cx="8520430" cy="476250"/>
+          </a:xfrm>
+        </p:spPr>
+        <p:txBody>
+          <a:bodyPr>
+            <a:noAutofit/>
+          </a:bodyPr>
+          <a:p>
+            <a:r>
+              <a:rPr lang="en-US" sz="2200">
+                <a:latin typeface="Goudy Old Style" panose="02020502050305020303" charset="0"/>
+                <a:cs typeface="Goudy Old Style" panose="02020502050305020303" charset="0"/>
+              </a:rPr>
+              <a:t>Commands:</a:t>
+            </a:r>
+            <a:endParaRPr lang="en-US" sz="2200">
+              <a:latin typeface="Goudy Old Style" panose="02020502050305020303" charset="0"/>
+              <a:cs typeface="Goudy Old Style" panose="02020502050305020303" charset="0"/>
+            </a:endParaRPr>
+          </a:p>
+        </p:txBody>
+      </p:sp>
+      <p:sp>
+        <p:nvSpPr>
+          <p:cNvPr id="3" name="Text Placeholder 2"/>
+          <p:cNvSpPr/>
+          <p:nvPr>
+            <p:ph type="body" idx="1"/>
+          </p:nvPr>
+        </p:nvSpPr>
+        <p:spPr>
+          <a:xfrm>
+            <a:off x="311785" y="842010"/>
+            <a:ext cx="8520430" cy="3726815"/>
+          </a:xfrm>
+        </p:spPr>
+        <p:txBody>
+          <a:bodyPr/>
+          <a:p>
+            <a:pPr>
+              <a:buFont typeface="Arial" panose="020B0604020202020204" pitchFamily="34" charset="0"/>
+              <a:buChar char="•"/>
+            </a:pPr>
+            <a:r>
+              <a:rPr lang="en-US" b="1">
+                <a:latin typeface="Goudy Old Style" panose="02020502050305020303" charset="0"/>
+                <a:cs typeface="Goudy Old Style" panose="02020502050305020303" charset="0"/>
+                <a:sym typeface="+mn-ea"/>
+              </a:rPr>
+              <a:t>git switch example</a:t>
+            </a:r>
+            <a:r>
+              <a:rPr lang="en-US">
+                <a:latin typeface="Goudy Old Style" panose="02020502050305020303" charset="0"/>
+                <a:cs typeface="Goudy Old Style" panose="02020502050305020303" charset="0"/>
+                <a:sym typeface="+mn-ea"/>
+              </a:rPr>
+              <a:t>: Switches to example branch.(Searches for remote branch                                       if local is not available with that name)</a:t>
+            </a:r>
+            <a:endParaRPr lang="en-US">
+              <a:latin typeface="Goudy Old Style" panose="02020502050305020303" charset="0"/>
+              <a:cs typeface="Goudy Old Style" panose="02020502050305020303" charset="0"/>
+            </a:endParaRPr>
+          </a:p>
+          <a:p>
+            <a:pPr>
+              <a:buFont typeface="Arial" panose="020B0604020202020204" pitchFamily="34" charset="0"/>
+              <a:buChar char="•"/>
+            </a:pPr>
+            <a:r>
+              <a:rPr lang="en-US" b="1">
+                <a:latin typeface="Goudy Old Style" panose="02020502050305020303" charset="0"/>
+                <a:cs typeface="Goudy Old Style" panose="02020502050305020303" charset="0"/>
+                <a:sym typeface="+mn-ea"/>
+              </a:rPr>
+              <a:t>git switch - </a:t>
+            </a:r>
+            <a:r>
+              <a:rPr lang="en-US">
+                <a:latin typeface="Goudy Old Style" panose="02020502050305020303" charset="0"/>
+                <a:cs typeface="Goudy Old Style" panose="02020502050305020303" charset="0"/>
+                <a:sym typeface="+mn-ea"/>
+              </a:rPr>
+              <a:t>: Switches to the previous branch without using branch name again.</a:t>
+            </a:r>
+            <a:endParaRPr lang="en-US">
+              <a:latin typeface="Goudy Old Style" panose="02020502050305020303" charset="0"/>
+              <a:cs typeface="Goudy Old Style" panose="02020502050305020303" charset="0"/>
+            </a:endParaRPr>
+          </a:p>
+          <a:p>
+            <a:pPr>
+              <a:buFont typeface="Arial" panose="020B0604020202020204" pitchFamily="34" charset="0"/>
+              <a:buChar char="•"/>
+            </a:pPr>
+            <a:r>
+              <a:rPr lang="en-US" b="1">
+                <a:latin typeface="Goudy Old Style" panose="02020502050305020303" charset="0"/>
+                <a:cs typeface="Goudy Old Style" panose="02020502050305020303" charset="0"/>
+                <a:sym typeface="+mn-ea"/>
+              </a:rPr>
+              <a:t>git switch -c example </a:t>
+            </a:r>
+            <a:r>
+              <a:rPr lang="en-US">
+                <a:latin typeface="Goudy Old Style" panose="02020502050305020303" charset="0"/>
+                <a:cs typeface="Goudy Old Style" panose="02020502050305020303" charset="0"/>
+                <a:sym typeface="+mn-ea"/>
+              </a:rPr>
+              <a:t>: Creates a new branch example and switches to it.</a:t>
+            </a:r>
+            <a:endParaRPr lang="en-US">
+              <a:latin typeface="Goudy Old Style" panose="02020502050305020303" charset="0"/>
+              <a:cs typeface="Goudy Old Style" panose="02020502050305020303" charset="0"/>
+            </a:endParaRPr>
+          </a:p>
+          <a:p>
+            <a:pPr marL="114300" indent="0">
+              <a:buNone/>
+            </a:pPr>
+            <a:endParaRPr lang="en-US">
+              <a:latin typeface="Goudy Old Style" panose="02020502050305020303" charset="0"/>
+              <a:cs typeface="Goudy Old Style" panose="02020502050305020303" charset="0"/>
+            </a:endParaRPr>
+          </a:p>
+        </p:txBody>
+      </p:sp>
+    </p:spTree>
+  </p:cSld>
+  <p:clrMapOvr>
+    <a:masterClrMapping/>
+  </p:clrMapOvr>
+</p:sld>
+</file>
+
+<file path=ppt/slides/slide17.xml><?xml version="1.0" encoding="utf-8"?>
+<p:sld xmlns:a="http://schemas.openxmlformats.org/drawingml/2006/main" xmlns:r="http://schemas.openxmlformats.org/officeDocument/2006/relationships" xmlns:p="http://schemas.openxmlformats.org/presentationml/2006/main">
+  <p:cSld>
+    <p:spTree>
+      <p:nvGrpSpPr>
+        <p:cNvPr id="1" name=""/>
+        <p:cNvGrpSpPr/>
+        <p:nvPr/>
+      </p:nvGrpSpPr>
+      <p:grpSpPr/>
+      <p:sp>
+        <p:nvSpPr>
+          <p:cNvPr id="2" name="Title 1"/>
+          <p:cNvSpPr/>
+          <p:nvPr>
+            <p:ph type="title"/>
+          </p:nvPr>
+        </p:nvSpPr>
+        <p:spPr/>
+        <p:txBody>
+          <a:bodyPr>
+            <a:normAutofit fontScale="90000"/>
+          </a:bodyPr>
+          <a:p>
+            <a:r>
+              <a:rPr lang="en-US" b="1">
+                <a:latin typeface="Bradley Hand ITC" panose="03070402050302030203" charset="0"/>
+                <a:cs typeface="Bradley Hand ITC" panose="03070402050302030203" charset="0"/>
+              </a:rPr>
+              <a:t>Git rebase</a:t>
+            </a:r>
+            <a:endParaRPr lang="en-US" b="1">
+              <a:latin typeface="Bradley Hand ITC" panose="03070402050302030203" charset="0"/>
+              <a:cs typeface="Bradley Hand ITC" panose="03070402050302030203" charset="0"/>
+            </a:endParaRPr>
+          </a:p>
+        </p:txBody>
+      </p:sp>
+      <p:sp>
+        <p:nvSpPr>
+          <p:cNvPr id="3" name="Text Placeholder 2"/>
+          <p:cNvSpPr/>
+          <p:nvPr>
+            <p:ph type="body" idx="1"/>
+          </p:nvPr>
+        </p:nvSpPr>
+        <p:spPr>
+          <a:xfrm>
+            <a:off x="311785" y="1018540"/>
+            <a:ext cx="8520430" cy="3550285"/>
+          </a:xfrm>
+        </p:spPr>
+        <p:txBody>
+          <a:bodyPr/>
+          <a:p>
+            <a:pPr marL="114300" indent="0">
+              <a:buNone/>
+            </a:pPr>
+            <a:r>
+              <a:rPr lang="en-US">
+                <a:latin typeface="Goudy Old Style" panose="02020502050305020303" charset="0"/>
+                <a:cs typeface="Goudy Old Style" panose="02020502050305020303" charset="0"/>
+              </a:rPr>
+              <a:t>It is a git utility designed to integrate changes from one branch onto another. Rebasing is the process of moving or combining a sequence of commits to a new base commit. As the name suggests, it is moving or combining a sequence of commits to a new base commit. </a:t>
+            </a:r>
+            <a:r>
+              <a:rPr lang="en-IN" altLang="en-US">
+                <a:latin typeface="Goudy Old Style" panose="02020502050305020303" charset="0"/>
+                <a:cs typeface="Goudy Old Style" panose="02020502050305020303" charset="0"/>
+              </a:rPr>
+              <a:t>When we rebase, it is done in a linear manner. </a:t>
+            </a:r>
+            <a:endParaRPr lang="en-IN" altLang="en-US">
+              <a:latin typeface="Goudy Old Style" panose="02020502050305020303" charset="0"/>
+              <a:cs typeface="Goudy Old Style" panose="02020502050305020303" charset="0"/>
+            </a:endParaRPr>
+          </a:p>
+          <a:p>
+            <a:pPr marL="114300" indent="0">
+              <a:buNone/>
+            </a:pPr>
+            <a:r>
+              <a:rPr lang="en-US" altLang="en-IN" sz="2000" b="1">
+                <a:latin typeface="Goudy Old Style" panose="02020502050305020303" charset="0"/>
+                <a:cs typeface="Goudy Old Style" panose="02020502050305020303" charset="0"/>
+              </a:rPr>
+              <a:t>Why?</a:t>
+            </a:r>
+            <a:endParaRPr lang="en-US" altLang="en-IN" sz="2000" b="1">
+              <a:latin typeface="Goudy Old Style" panose="02020502050305020303" charset="0"/>
+              <a:cs typeface="Goudy Old Style" panose="02020502050305020303" charset="0"/>
+            </a:endParaRPr>
+          </a:p>
+          <a:p>
+            <a:pPr marL="114300" indent="0">
+              <a:buNone/>
+            </a:pPr>
+            <a:r>
+              <a:rPr lang="en-US" altLang="en-IN" sz="1600">
+                <a:latin typeface="Goudy Old Style" panose="02020502050305020303" charset="0"/>
+                <a:cs typeface="Goudy Old Style" panose="02020502050305020303" charset="0"/>
+              </a:rPr>
+              <a:t>For maintaining a linear project history. We want to get the latest updates(to the main branch) in our feature branch, but want to keep our branch's history clean so it appears as if we've been working off the latest main branch. Or, a real world scenario can be like a bug is identified in the main branch, now to debug the code, we want a cleaner history, so that using </a:t>
+            </a:r>
+            <a:r>
+              <a:rPr lang="en-US" altLang="en-IN" sz="1600" b="1">
+                <a:latin typeface="Goudy Old Style" panose="02020502050305020303" charset="0"/>
+                <a:cs typeface="Goudy Old Style" panose="02020502050305020303" charset="0"/>
+              </a:rPr>
+              <a:t>git log </a:t>
+            </a:r>
+            <a:r>
+              <a:rPr lang="en-US" altLang="en-IN" sz="1600">
+                <a:latin typeface="Goudy Old Style" panose="02020502050305020303" charset="0"/>
+                <a:cs typeface="Goudy Old Style" panose="02020502050305020303" charset="0"/>
+              </a:rPr>
+              <a:t>or </a:t>
+            </a:r>
+            <a:r>
+              <a:rPr lang="en-US" altLang="en-IN" sz="1600" b="1">
+                <a:latin typeface="Goudy Old Style" panose="02020502050305020303" charset="0"/>
+                <a:cs typeface="Goudy Old Style" panose="02020502050305020303" charset="0"/>
+              </a:rPr>
+              <a:t>git bisect</a:t>
+            </a:r>
+            <a:r>
+              <a:rPr lang="en-US" altLang="en-IN" sz="1600">
+                <a:latin typeface="Goudy Old Style" panose="02020502050305020303" charset="0"/>
+                <a:cs typeface="Goudy Old Style" panose="02020502050305020303" charset="0"/>
+              </a:rPr>
+              <a:t> becomes easier and we are quickly able to find out the bug.</a:t>
+            </a:r>
+            <a:endParaRPr lang="en-US" altLang="en-IN" sz="1600">
+              <a:latin typeface="Goudy Old Style" panose="02020502050305020303" charset="0"/>
+              <a:cs typeface="Goudy Old Style" panose="02020502050305020303" charset="0"/>
+            </a:endParaRPr>
+          </a:p>
+        </p:txBody>
+      </p:sp>
+    </p:spTree>
+  </p:cSld>
+  <p:clrMapOvr>
+    <a:masterClrMapping/>
+  </p:clrMapOvr>
+</p:sld>
+</file>
+
+<file path=ppt/slides/slide18.xml><?xml version="1.0" encoding="utf-8"?>
+<p:sld xmlns:a="http://schemas.openxmlformats.org/drawingml/2006/main" xmlns:r="http://schemas.openxmlformats.org/officeDocument/2006/relationships" xmlns:p="http://schemas.openxmlformats.org/presentationml/2006/main">
+  <p:cSld>
+    <p:spTree>
+      <p:nvGrpSpPr>
+        <p:cNvPr id="1" name=""/>
+        <p:cNvGrpSpPr/>
+        <p:nvPr/>
+      </p:nvGrpSpPr>
+      <p:grpSpPr/>
+      <p:pic>
+        <p:nvPicPr>
+          <p:cNvPr id="7" name="Picture 6" descr="1"/>
+          <p:cNvPicPr>
+            <a:picLocks noChangeAspect="1"/>
+          </p:cNvPicPr>
+          <p:nvPr/>
+        </p:nvPicPr>
+        <p:blipFill>
+          <a:blip r:embed="rId1"/>
+          <a:srcRect l="9670" t="4069" r="7298"/>
+          <a:stretch>
+            <a:fillRect/>
+          </a:stretch>
+        </p:blipFill>
+        <p:spPr>
+          <a:xfrm>
+            <a:off x="1362075" y="457200"/>
+            <a:ext cx="4855845" cy="3926840"/>
+          </a:xfrm>
+          <a:prstGeom prst="rect">
+            <a:avLst/>
+          </a:prstGeom>
+        </p:spPr>
+      </p:pic>
+    </p:spTree>
+  </p:cSld>
+  <p:clrMapOvr>
+    <a:masterClrMapping/>
+  </p:clrMapOvr>
+</p:sld>
+</file>
+
+<file path=ppt/slides/slide19.xml><?xml version="1.0" encoding="utf-8"?>
+<p:sld xmlns:a="http://schemas.openxmlformats.org/drawingml/2006/main" xmlns:r="http://schemas.openxmlformats.org/officeDocument/2006/relationships" xmlns:p="http://schemas.openxmlformats.org/presentationml/2006/main">
+  <p:cSld>
+    <p:spTree>
+      <p:nvGrpSpPr>
+        <p:cNvPr id="1" name=""/>
+        <p:cNvGrpSpPr/>
+        <p:nvPr/>
+      </p:nvGrpSpPr>
+      <p:grpSpPr/>
+      <p:sp>
+        <p:nvSpPr>
+          <p:cNvPr id="4" name="Title 3"/>
+          <p:cNvSpPr/>
+          <p:nvPr>
+            <p:ph type="title"/>
+          </p:nvPr>
+        </p:nvSpPr>
+        <p:spPr/>
+        <p:txBody>
+          <a:bodyPr>
+            <a:normAutofit fontScale="90000"/>
+          </a:bodyPr>
+          <a:p>
+            <a:pPr algn="ctr"/>
+            <a:r>
+              <a:rPr lang="en-US" b="1">
+                <a:latin typeface="Goudy Old Style" panose="02020502050305020303" charset="0"/>
+                <a:cs typeface="Goudy Old Style" panose="02020502050305020303" charset="0"/>
+              </a:rPr>
+              <a:t>Git merge 	</a:t>
+            </a:r>
+            <a:r>
+              <a:rPr lang="en-US">
+                <a:latin typeface="Goudy Old Style" panose="02020502050305020303" charset="0"/>
+                <a:cs typeface="Goudy Old Style" panose="02020502050305020303" charset="0"/>
+              </a:rPr>
+              <a:t>	vs	     </a:t>
+            </a:r>
+            <a:r>
+              <a:rPr lang="en-US" b="1">
+                <a:latin typeface="Goudy Old Style" panose="02020502050305020303" charset="0"/>
+                <a:cs typeface="Goudy Old Style" panose="02020502050305020303" charset="0"/>
+              </a:rPr>
+              <a:t> Git rebase</a:t>
+            </a:r>
+            <a:endParaRPr lang="en-US" b="1">
+              <a:latin typeface="Goudy Old Style" panose="02020502050305020303" charset="0"/>
+              <a:cs typeface="Goudy Old Style" panose="02020502050305020303" charset="0"/>
+            </a:endParaRPr>
+          </a:p>
+        </p:txBody>
+      </p:sp>
+      <p:sp>
+        <p:nvSpPr>
+          <p:cNvPr id="5" name="Text Placeholder 4"/>
+          <p:cNvSpPr/>
+          <p:nvPr>
+            <p:ph type="body" idx="1"/>
+          </p:nvPr>
+        </p:nvSpPr>
+        <p:spPr>
+          <a:xfrm>
+            <a:off x="311785" y="1229995"/>
+            <a:ext cx="3999865" cy="1860550"/>
+          </a:xfrm>
+        </p:spPr>
+        <p:txBody>
+          <a:bodyPr>
+            <a:normAutofit lnSpcReduction="10000"/>
+          </a:bodyPr>
+          <a:p>
+            <a:r>
+              <a:rPr lang="en-US" sz="1600">
+                <a:latin typeface="Goudy Old Style" panose="02020502050305020303" charset="0"/>
+                <a:cs typeface="Goudy Old Style" panose="02020502050305020303" charset="0"/>
+              </a:rPr>
+              <a:t>Creates a final commit at merging</a:t>
+            </a:r>
+            <a:endParaRPr lang="en-US" sz="1600">
+              <a:latin typeface="Goudy Old Style" panose="02020502050305020303" charset="0"/>
+              <a:cs typeface="Goudy Old Style" panose="02020502050305020303" charset="0"/>
+            </a:endParaRPr>
+          </a:p>
+          <a:p>
+            <a:r>
+              <a:rPr lang="en-US" sz="1600">
+                <a:latin typeface="Goudy Old Style" panose="02020502050305020303" charset="0"/>
+                <a:cs typeface="Goudy Old Style" panose="02020502050305020303" charset="0"/>
+              </a:rPr>
+              <a:t>All commits merged as a single one</a:t>
+            </a:r>
+            <a:endParaRPr lang="en-US" sz="1600">
+              <a:latin typeface="Goudy Old Style" panose="02020502050305020303" charset="0"/>
+              <a:cs typeface="Goudy Old Style" panose="02020502050305020303" charset="0"/>
+            </a:endParaRPr>
+          </a:p>
+          <a:p>
+            <a:r>
+              <a:rPr lang="en-US" sz="1600">
+                <a:latin typeface="Goudy Old Style" panose="02020502050305020303" charset="0"/>
+                <a:cs typeface="Goudy Old Style" panose="02020502050305020303" charset="0"/>
+              </a:rPr>
+              <a:t>Graphical history, complex to understand</a:t>
+            </a:r>
+            <a:endParaRPr lang="en-US" sz="1600">
+              <a:latin typeface="Goudy Old Style" panose="02020502050305020303" charset="0"/>
+              <a:cs typeface="Goudy Old Style" panose="02020502050305020303" charset="0"/>
+            </a:endParaRPr>
+          </a:p>
+          <a:p>
+            <a:r>
+              <a:rPr lang="en-US" sz="1600">
+                <a:latin typeface="Goudy Old Style" panose="02020502050305020303" charset="0"/>
+                <a:cs typeface="Goudy Old Style" panose="02020502050305020303" charset="0"/>
+              </a:rPr>
+              <a:t>Can be done on private or public branch</a:t>
+            </a:r>
+            <a:endParaRPr lang="en-US" sz="1600">
+              <a:latin typeface="Goudy Old Style" panose="02020502050305020303" charset="0"/>
+              <a:cs typeface="Goudy Old Style" panose="02020502050305020303" charset="0"/>
+            </a:endParaRPr>
+          </a:p>
+          <a:p>
+            <a:r>
+              <a:rPr lang="en-US" sz="1600">
+                <a:latin typeface="Goudy Old Style" panose="02020502050305020303" charset="0"/>
+                <a:cs typeface="Goudy Old Style" panose="02020502050305020303" charset="0"/>
+              </a:rPr>
+              <a:t>Preserves history</a:t>
+            </a:r>
+            <a:endParaRPr lang="en-US" sz="1600">
+              <a:latin typeface="Goudy Old Style" panose="02020502050305020303" charset="0"/>
+              <a:cs typeface="Goudy Old Style" panose="02020502050305020303" charset="0"/>
+            </a:endParaRPr>
+          </a:p>
+          <a:p>
+            <a:r>
+              <a:rPr lang="en-US" sz="1600">
+                <a:latin typeface="Goudy Old Style" panose="02020502050305020303" charset="0"/>
+                <a:cs typeface="Goudy Old Style" panose="02020502050305020303" charset="0"/>
+              </a:rPr>
+              <a:t>Presents all conflicts at once</a:t>
+            </a:r>
+            <a:endParaRPr lang="en-US" sz="1600">
+              <a:latin typeface="Goudy Old Style" panose="02020502050305020303" charset="0"/>
+              <a:cs typeface="Goudy Old Style" panose="02020502050305020303" charset="0"/>
+            </a:endParaRPr>
+          </a:p>
+        </p:txBody>
+      </p:sp>
+      <p:sp>
+        <p:nvSpPr>
+          <p:cNvPr id="6" name="Text Placeholder 5"/>
+          <p:cNvSpPr/>
+          <p:nvPr>
+            <p:ph type="body" idx="2"/>
+          </p:nvPr>
+        </p:nvSpPr>
+        <p:spPr>
+          <a:xfrm>
+            <a:off x="4832350" y="1229995"/>
+            <a:ext cx="3999865" cy="1860550"/>
+          </a:xfrm>
+        </p:spPr>
+        <p:txBody>
+          <a:bodyPr>
+            <a:normAutofit lnSpcReduction="10000"/>
+          </a:bodyPr>
+          <a:p>
+            <a:r>
+              <a:rPr lang="en-US" sz="1600">
+                <a:latin typeface="Goudy Old Style" panose="02020502050305020303" charset="0"/>
+                <a:cs typeface="Goudy Old Style" panose="02020502050305020303" charset="0"/>
+              </a:rPr>
+              <a:t>No new commits are made</a:t>
+            </a:r>
+            <a:endParaRPr lang="en-US" sz="1600">
+              <a:latin typeface="Goudy Old Style" panose="02020502050305020303" charset="0"/>
+              <a:cs typeface="Goudy Old Style" panose="02020502050305020303" charset="0"/>
+            </a:endParaRPr>
+          </a:p>
+          <a:p>
+            <a:r>
+              <a:rPr lang="en-US" sz="1600">
+                <a:latin typeface="Goudy Old Style" panose="02020502050305020303" charset="0"/>
+                <a:cs typeface="Goudy Old Style" panose="02020502050305020303" charset="0"/>
+              </a:rPr>
+              <a:t>A linear track of commits is made</a:t>
+            </a:r>
+            <a:endParaRPr lang="en-US" sz="1600">
+              <a:latin typeface="Goudy Old Style" panose="02020502050305020303" charset="0"/>
+              <a:cs typeface="Goudy Old Style" panose="02020502050305020303" charset="0"/>
+            </a:endParaRPr>
+          </a:p>
+          <a:p>
+            <a:r>
+              <a:rPr lang="en-US" sz="1600">
+                <a:latin typeface="Goudy Old Style" panose="02020502050305020303" charset="0"/>
+                <a:cs typeface="Goudy Old Style" panose="02020502050305020303" charset="0"/>
+              </a:rPr>
+              <a:t>Linear history, easier to understand</a:t>
+            </a:r>
+            <a:endParaRPr lang="en-US" sz="1600">
+              <a:latin typeface="Goudy Old Style" panose="02020502050305020303" charset="0"/>
+              <a:cs typeface="Goudy Old Style" panose="02020502050305020303" charset="0"/>
+            </a:endParaRPr>
+          </a:p>
+          <a:p>
+            <a:r>
+              <a:rPr lang="en-US" sz="1600">
+                <a:latin typeface="Goudy Old Style" panose="02020502050305020303" charset="0"/>
+                <a:cs typeface="Goudy Old Style" panose="02020502050305020303" charset="0"/>
+              </a:rPr>
+              <a:t>Do not do this on public branch</a:t>
+            </a:r>
+            <a:endParaRPr lang="en-US" sz="1600">
+              <a:latin typeface="Goudy Old Style" panose="02020502050305020303" charset="0"/>
+              <a:cs typeface="Goudy Old Style" panose="02020502050305020303" charset="0"/>
+            </a:endParaRPr>
+          </a:p>
+          <a:p>
+            <a:r>
+              <a:rPr lang="en-US" sz="1600">
+                <a:latin typeface="Goudy Old Style" panose="02020502050305020303" charset="0"/>
+                <a:cs typeface="Goudy Old Style" panose="02020502050305020303" charset="0"/>
+              </a:rPr>
+              <a:t>Rewrites history</a:t>
+            </a:r>
+            <a:endParaRPr lang="en-US" sz="1600">
+              <a:latin typeface="Goudy Old Style" panose="02020502050305020303" charset="0"/>
+              <a:cs typeface="Goudy Old Style" panose="02020502050305020303" charset="0"/>
+            </a:endParaRPr>
+          </a:p>
+          <a:p>
+            <a:r>
+              <a:rPr lang="en-US" sz="1600">
+                <a:latin typeface="Goudy Old Style" panose="02020502050305020303" charset="0"/>
+                <a:cs typeface="Goudy Old Style" panose="02020502050305020303" charset="0"/>
+              </a:rPr>
+              <a:t>Presents conflicts one by one</a:t>
+            </a:r>
+            <a:endParaRPr lang="en-US" sz="1600">
+              <a:latin typeface="Goudy Old Style" panose="02020502050305020303" charset="0"/>
+              <a:cs typeface="Goudy Old Style" panose="02020502050305020303" charset="0"/>
+            </a:endParaRPr>
+          </a:p>
+        </p:txBody>
+      </p:sp>
+      <p:sp>
+        <p:nvSpPr>
+          <p:cNvPr id="7" name="Text Box 6"/>
+          <p:cNvSpPr txBox="1"/>
+          <p:nvPr/>
+        </p:nvSpPr>
+        <p:spPr>
+          <a:xfrm>
+            <a:off x="549910" y="3526155"/>
+            <a:ext cx="8043545" cy="1522095"/>
+          </a:xfrm>
+          <a:prstGeom prst="rect">
+            <a:avLst/>
+          </a:prstGeom>
+          <a:noFill/>
+        </p:spPr>
+        <p:txBody>
+          <a:bodyPr wrap="square" rtlCol="0">
+            <a:spAutoFit/>
+          </a:bodyPr>
+          <a:p>
+            <a:pPr marL="342900" indent="-342900">
+              <a:buFont typeface="Arial" panose="020B0604020202020204" pitchFamily="34" charset="0"/>
+              <a:buChar char="•"/>
+            </a:pPr>
+            <a:r>
+              <a:rPr lang="en-US" sz="1600" b="1">
+                <a:latin typeface="Goudy Old Style" panose="02020502050305020303" charset="0"/>
+                <a:cs typeface="Goudy Old Style" panose="02020502050305020303" charset="0"/>
+              </a:rPr>
+              <a:t>git rebase &lt;base&gt;</a:t>
+            </a:r>
+            <a:r>
+              <a:rPr lang="en-US" sz="1600">
+                <a:latin typeface="Goudy Old Style" panose="02020502050305020303" charset="0"/>
+                <a:cs typeface="Goudy Old Style" panose="02020502050305020303" charset="0"/>
+              </a:rPr>
+              <a:t>: </a:t>
+            </a:r>
+            <a:r>
+              <a:rPr lang="en-US" sz="1500">
+                <a:latin typeface="Goudy Old Style" panose="02020502050305020303" charset="0"/>
+                <a:cs typeface="Goudy Old Style" panose="02020502050305020303" charset="0"/>
+              </a:rPr>
+              <a:t>Performs the standard rebase.(to be given from branch which is to rebased, 		and base is the branch where it is to be based now)</a:t>
+            </a:r>
+            <a:endParaRPr lang="en-US" sz="1500">
+              <a:latin typeface="Goudy Old Style" panose="02020502050305020303" charset="0"/>
+              <a:cs typeface="Goudy Old Style" panose="02020502050305020303" charset="0"/>
+            </a:endParaRPr>
+          </a:p>
+          <a:p>
+            <a:pPr marL="342900" indent="-342900">
+              <a:buFont typeface="Arial" panose="020B0604020202020204" pitchFamily="34" charset="0"/>
+              <a:buChar char="•"/>
+            </a:pPr>
+            <a:r>
+              <a:rPr lang="en-US" sz="1600" b="1">
+                <a:latin typeface="Goudy Old Style" panose="02020502050305020303" charset="0"/>
+                <a:cs typeface="Goudy Old Style" panose="02020502050305020303" charset="0"/>
+              </a:rPr>
+              <a:t>git rebase --continue</a:t>
+            </a:r>
+            <a:r>
+              <a:rPr lang="en-US" sz="1600">
+                <a:latin typeface="Goudy Old Style" panose="02020502050305020303" charset="0"/>
+                <a:cs typeface="Goudy Old Style" panose="02020502050305020303" charset="0"/>
+              </a:rPr>
+              <a:t>: </a:t>
+            </a:r>
+            <a:r>
+              <a:rPr lang="en-US" sz="1500">
+                <a:latin typeface="Goudy Old Style" panose="02020502050305020303" charset="0"/>
+                <a:cs typeface="Goudy Old Style" panose="02020502050305020303" charset="0"/>
+              </a:rPr>
+              <a:t>Continue with the changes we made after solving conflict, and carry the 		     rebasing forward.</a:t>
+            </a:r>
+            <a:endParaRPr lang="en-US" sz="1600">
+              <a:latin typeface="Goudy Old Style" panose="02020502050305020303" charset="0"/>
+              <a:cs typeface="Goudy Old Style" panose="02020502050305020303" charset="0"/>
+            </a:endParaRPr>
+          </a:p>
+          <a:p>
+            <a:pPr marL="342900" indent="-342900">
+              <a:buFont typeface="Arial" panose="020B0604020202020204" pitchFamily="34" charset="0"/>
+              <a:buChar char="•"/>
+            </a:pPr>
+            <a:r>
+              <a:rPr lang="en-US" sz="1600" b="1">
+                <a:latin typeface="Goudy Old Style" panose="02020502050305020303" charset="0"/>
+                <a:cs typeface="Goudy Old Style" panose="02020502050305020303" charset="0"/>
+              </a:rPr>
+              <a:t>git rebase --skip</a:t>
+            </a:r>
+            <a:r>
+              <a:rPr lang="en-US" sz="1600">
+                <a:latin typeface="Goudy Old Style" panose="02020502050305020303" charset="0"/>
+                <a:cs typeface="Goudy Old Style" panose="02020502050305020303" charset="0"/>
+              </a:rPr>
+              <a:t>: </a:t>
+            </a:r>
+            <a:r>
+              <a:rPr lang="en-US" sz="1500">
+                <a:latin typeface="Goudy Old Style" panose="02020502050305020303" charset="0"/>
+                <a:cs typeface="Goudy Old Style" panose="02020502050305020303" charset="0"/>
+              </a:rPr>
+              <a:t>Skip the changes and ignore that particular commit which brought those changes.</a:t>
+            </a:r>
+            <a:endParaRPr lang="en-US" sz="1500">
+              <a:latin typeface="Goudy Old Style" panose="02020502050305020303" charset="0"/>
+              <a:cs typeface="Goudy Old Style" panose="02020502050305020303" charset="0"/>
+            </a:endParaRPr>
+          </a:p>
+          <a:p>
+            <a:pPr marL="342900" indent="-342900">
+              <a:buFont typeface="Arial" panose="020B0604020202020204" pitchFamily="34" charset="0"/>
+              <a:buChar char="•"/>
+            </a:pPr>
+            <a:r>
+              <a:rPr lang="en-US" sz="1500" b="1">
+                <a:latin typeface="Goudy Old Style" panose="02020502050305020303" charset="0"/>
+                <a:cs typeface="Goudy Old Style" panose="02020502050305020303" charset="0"/>
+              </a:rPr>
+              <a:t>git rebase --interactive &lt;base&gt;</a:t>
+            </a:r>
+            <a:r>
+              <a:rPr lang="en-US" sz="1500">
+                <a:latin typeface="Goudy Old Style" panose="02020502050305020303" charset="0"/>
+                <a:cs typeface="Goudy Old Style" panose="02020502050305020303" charset="0"/>
+              </a:rPr>
+              <a:t>: Provides an interactive method to do rebase.</a:t>
+            </a:r>
+            <a:endParaRPr lang="en-US" sz="1500">
+              <a:latin typeface="Goudy Old Style" panose="02020502050305020303" charset="0"/>
+              <a:cs typeface="Goudy Old Style" panose="02020502050305020303" charset="0"/>
+            </a:endParaRPr>
+          </a:p>
+        </p:txBody>
+      </p:sp>
+      <p:sp>
+        <p:nvSpPr>
+          <p:cNvPr id="8" name="Text Box 7"/>
+          <p:cNvSpPr txBox="1"/>
+          <p:nvPr/>
+        </p:nvSpPr>
+        <p:spPr>
+          <a:xfrm>
+            <a:off x="550545" y="3157855"/>
+            <a:ext cx="4304665" cy="368300"/>
+          </a:xfrm>
+          <a:prstGeom prst="rect">
+            <a:avLst/>
+          </a:prstGeom>
+          <a:noFill/>
+        </p:spPr>
+        <p:txBody>
+          <a:bodyPr wrap="square" rtlCol="0">
+            <a:spAutoFit/>
+          </a:bodyPr>
+          <a:p>
+            <a:r>
+              <a:rPr lang="en-US" sz="1800" b="1">
+                <a:solidFill>
+                  <a:schemeClr val="tx1"/>
+                </a:solidFill>
+                <a:latin typeface="Goudy Old Style" panose="02020502050305020303" charset="0"/>
+                <a:cs typeface="Goudy Old Style" panose="02020502050305020303" charset="0"/>
+              </a:rPr>
+              <a:t>Commands</a:t>
+            </a:r>
+            <a:r>
+              <a:rPr lang="en-US" sz="1800">
+                <a:solidFill>
+                  <a:schemeClr val="tx1"/>
+                </a:solidFill>
+                <a:latin typeface="Goudy Old Style" panose="02020502050305020303" charset="0"/>
+                <a:cs typeface="Goudy Old Style" panose="02020502050305020303" charset="0"/>
+              </a:rPr>
+              <a:t>:</a:t>
+            </a:r>
+            <a:endParaRPr lang="en-US" sz="1800">
+              <a:solidFill>
+                <a:schemeClr val="tx1"/>
+              </a:solidFill>
               <a:latin typeface="Goudy Old Style" panose="02020502050305020303" charset="0"/>
               <a:cs typeface="Goudy Old Style" panose="02020502050305020303" charset="0"/>
             </a:endParaRPr>
@@ -9533,10 +10616,16 @@
               <a:buNone/>
             </a:pPr>
             <a:r>
-              <a:rPr lang="en-GB" sz="2800" b="1"/>
+              <a:rPr lang="en-GB" sz="2800" b="1">
+                <a:latin typeface="Bradley Hand ITC" panose="03070402050302030203" charset="0"/>
+                <a:cs typeface="Bradley Hand ITC" panose="03070402050302030203" charset="0"/>
+              </a:rPr>
               <a:t>What is Git?</a:t>
             </a:r>
-            <a:endParaRPr sz="2800" b="1"/>
+            <a:endParaRPr lang="en-GB" sz="2800" b="1">
+              <a:latin typeface="Bradley Hand ITC" panose="03070402050302030203" charset="0"/>
+              <a:cs typeface="Bradley Hand ITC" panose="03070402050302030203" charset="0"/>
+            </a:endParaRPr>
           </a:p>
         </p:txBody>
       </p:sp>
@@ -9550,8 +10639,8 @@
         </p:nvSpPr>
         <p:spPr>
           <a:xfrm>
-            <a:off x="311700" y="1017800"/>
-            <a:ext cx="8520600" cy="4125600"/>
+            <a:off x="311785" y="1017905"/>
+            <a:ext cx="8520430" cy="3524250"/>
           </a:xfrm>
           <a:prstGeom prst="rect">
             <a:avLst/>
@@ -9559,88 +10648,490 @@
         </p:spPr>
         <p:txBody>
           <a:bodyPr spcFirstLastPara="1" wrap="square" lIns="91425" tIns="91425" rIns="91425" bIns="91425" anchor="t" anchorCtr="0">
+            <a:normAutofit lnSpcReduction="10000"/>
+          </a:bodyPr>
+          <a:lstStyle/>
+          <a:p>
+            <a:pPr marL="0" lvl="0" indent="0" algn="just" rtl="0">
+              <a:spcBef>
+                <a:spcPts val="0"/>
+              </a:spcBef>
+              <a:spcAft>
+                <a:spcPts val="0"/>
+              </a:spcAft>
+              <a:buNone/>
+            </a:pPr>
+            <a:r>
+              <a:rPr lang="en-GB">
+                <a:latin typeface="Goudy Old Style" panose="02020502050305020303" charset="0"/>
+                <a:cs typeface="Goudy Old Style" panose="02020502050305020303" charset="0"/>
+              </a:rPr>
+              <a:t>Git is a distributed version control system, which is free and open source. Created by Linus Torvalds, the developer of Linux operating system kernel, in 2005. Git is used for project collaboration and history exploration.</a:t>
+            </a:r>
+            <a:endParaRPr lang="en-GB">
+              <a:latin typeface="Goudy Old Style" panose="02020502050305020303" charset="0"/>
+              <a:cs typeface="Goudy Old Style" panose="02020502050305020303" charset="0"/>
+            </a:endParaRPr>
+          </a:p>
+          <a:p>
+            <a:pPr marL="0" lvl="0" indent="0" algn="just" rtl="0">
+              <a:spcBef>
+                <a:spcPts val="1200"/>
+              </a:spcBef>
+              <a:spcAft>
+                <a:spcPts val="0"/>
+              </a:spcAft>
+              <a:buNone/>
+            </a:pPr>
+            <a:r>
+              <a:rPr lang="en-GB" b="1">
+                <a:latin typeface="Goudy Old Style" panose="02020502050305020303" charset="0"/>
+                <a:cs typeface="Goudy Old Style" panose="02020502050305020303" charset="0"/>
+              </a:rPr>
+              <a:t>Version Control System</a:t>
+            </a:r>
+            <a:r>
+              <a:rPr lang="en-GB">
+                <a:latin typeface="Goudy Old Style" panose="02020502050305020303" charset="0"/>
+                <a:cs typeface="Goudy Old Style" panose="02020502050305020303" charset="0"/>
+              </a:rPr>
+              <a:t>: </a:t>
+            </a:r>
+            <a:r>
+              <a:rPr lang="en-GB" sz="1700">
+                <a:latin typeface="Goudy Old Style" panose="02020502050305020303" charset="0"/>
+                <a:cs typeface="Goudy Old Style" panose="02020502050305020303" charset="0"/>
+              </a:rPr>
+              <a:t>Version control refers to the practice of tracking and managing changes to software code, and Version Control Systems refers to software tools that assist software teams in managing changes to source code over time.</a:t>
+            </a:r>
+            <a:endParaRPr sz="1700">
+              <a:latin typeface="Goudy Old Style" panose="02020502050305020303" charset="0"/>
+              <a:cs typeface="Goudy Old Style" panose="02020502050305020303" charset="0"/>
+            </a:endParaRPr>
+          </a:p>
+          <a:p>
+            <a:pPr marL="0" lvl="0" indent="0" algn="l" rtl="0">
+              <a:spcBef>
+                <a:spcPts val="1200"/>
+              </a:spcBef>
+              <a:spcAft>
+                <a:spcPts val="1200"/>
+              </a:spcAft>
+              <a:buNone/>
+            </a:pPr>
+            <a:r>
+              <a:rPr lang="en-GB" b="1">
+                <a:latin typeface="Goudy Old Style" panose="02020502050305020303" charset="0"/>
+                <a:cs typeface="Goudy Old Style" panose="02020502050305020303" charset="0"/>
+              </a:rPr>
+              <a:t>Distributed VCS</a:t>
+            </a:r>
+            <a:r>
+              <a:rPr lang="en-GB">
+                <a:latin typeface="Goudy Old Style" panose="02020502050305020303" charset="0"/>
+                <a:cs typeface="Goudy Old Style" panose="02020502050305020303" charset="0"/>
+              </a:rPr>
+              <a:t>: Every participating node in distributed VCS has</a:t>
+            </a:r>
+            <a:r>
+              <a:rPr lang="en-US" altLang="en-GB">
+                <a:latin typeface="Goudy Old Style" panose="02020502050305020303" charset="0"/>
+                <a:cs typeface="Goudy Old Style" panose="02020502050305020303" charset="0"/>
+              </a:rPr>
+              <a:t> </a:t>
+            </a:r>
+            <a:r>
+              <a:rPr lang="en-GB">
+                <a:latin typeface="Goudy Old Style" panose="02020502050305020303" charset="0"/>
+                <a:cs typeface="Goudy Old Style" panose="02020502050305020303" charset="0"/>
+              </a:rPr>
+              <a:t> a complete copy of the project as well as a full revision history of each file. This allows you to work locally without a network connection all while allowing you to collaborate when you are back online via central remote repositories.</a:t>
+            </a:r>
+            <a:endParaRPr lang="en-GB">
+              <a:latin typeface="Goudy Old Style" panose="02020502050305020303" charset="0"/>
+              <a:cs typeface="Goudy Old Style" panose="02020502050305020303" charset="0"/>
+            </a:endParaRPr>
+          </a:p>
+        </p:txBody>
+      </p:sp>
+    </p:spTree>
+  </p:cSld>
+  <p:clrMapOvr>
+    <a:masterClrMapping/>
+  </p:clrMapOvr>
+</p:sld>
+</file>
+
+<file path=ppt/slides/slide20.xml><?xml version="1.0" encoding="utf-8"?>
+<p:sld xmlns:a="http://schemas.openxmlformats.org/drawingml/2006/main" xmlns:r="http://schemas.openxmlformats.org/officeDocument/2006/relationships" xmlns:p="http://schemas.openxmlformats.org/presentationml/2006/main">
+  <p:cSld>
+    <p:spTree>
+      <p:nvGrpSpPr>
+        <p:cNvPr id="1" name=""/>
+        <p:cNvGrpSpPr/>
+        <p:nvPr/>
+      </p:nvGrpSpPr>
+      <p:grpSpPr/>
+      <p:sp>
+        <p:nvSpPr>
+          <p:cNvPr id="5" name="Title 4"/>
+          <p:cNvSpPr/>
+          <p:nvPr>
+            <p:ph type="title"/>
+          </p:nvPr>
+        </p:nvSpPr>
+        <p:spPr>
+          <a:xfrm>
+            <a:off x="311785" y="200660"/>
+            <a:ext cx="8520430" cy="655955"/>
+          </a:xfrm>
+        </p:spPr>
+        <p:txBody>
+          <a:bodyPr>
             <a:normAutofit/>
           </a:bodyPr>
-          <a:lstStyle/>
-          <a:p>
-            <a:pPr marL="0" lvl="0" indent="0" algn="just" rtl="0">
-              <a:spcBef>
-                <a:spcPts val="0"/>
-              </a:spcBef>
-              <a:spcAft>
-                <a:spcPts val="0"/>
-              </a:spcAft>
-              <a:buNone/>
-            </a:pPr>
-            <a:r>
-              <a:rPr lang="en-GB"/>
-              <a:t>Git is a distributed version control system, which is free and open source. Created by Linus Torvalds, the developer of Linux operating system kernel, in 2005. Git is used for project collaboration and history exploration.</a:t>
-            </a:r>
-            <a:endParaRPr lang="en-GB"/>
-          </a:p>
-          <a:p>
-            <a:pPr marL="0" lvl="0" indent="0" algn="just" rtl="0">
-              <a:spcBef>
-                <a:spcPts val="1200"/>
-              </a:spcBef>
-              <a:spcAft>
-                <a:spcPts val="0"/>
-              </a:spcAft>
-              <a:buNone/>
-            </a:pPr>
-            <a:r>
-              <a:rPr lang="en-GB" b="1"/>
-              <a:t>Version Control System</a:t>
-            </a:r>
-            <a:r>
-              <a:rPr lang="en-GB"/>
-              <a:t>: </a:t>
-            </a:r>
-            <a:r>
-              <a:rPr lang="en-GB" sz="1700"/>
-              <a:t>Version control refers to the practice of tracking and managing changes to software code, and Version Control Systems refers to software tools that assist software teams in managing changes to source code over time.</a:t>
-            </a:r>
-            <a:endParaRPr sz="1700"/>
-          </a:p>
-          <a:p>
-            <a:pPr marL="0" lvl="0" indent="0" algn="l" rtl="0">
-              <a:spcBef>
-                <a:spcPts val="1200"/>
-              </a:spcBef>
-              <a:spcAft>
-                <a:spcPts val="1200"/>
-              </a:spcAft>
-              <a:buNone/>
-            </a:pPr>
-            <a:r>
-              <a:rPr lang="en-GB" b="1"/>
-              <a:t>Distributed VCS</a:t>
-            </a:r>
-            <a:r>
-              <a:rPr lang="en-GB"/>
-              <a:t>: Every participating node in distributed VCS has</a:t>
-            </a:r>
-            <a:r>
-              <a:rPr lang="en-US" altLang="en-GB"/>
+          <a:p>
+            <a:r>
+              <a:rPr lang="en-US" b="1">
+                <a:latin typeface="Bradley Hand ITC" panose="03070402050302030203" charset="0"/>
+                <a:cs typeface="Bradley Hand ITC" panose="03070402050302030203" charset="0"/>
+              </a:rPr>
+              <a:t>Git cherry-pick</a:t>
+            </a:r>
+            <a:endParaRPr lang="en-US" b="1">
+              <a:latin typeface="Bradley Hand ITC" panose="03070402050302030203" charset="0"/>
+              <a:cs typeface="Bradley Hand ITC" panose="03070402050302030203" charset="0"/>
+            </a:endParaRPr>
+          </a:p>
+        </p:txBody>
+      </p:sp>
+      <p:sp>
+        <p:nvSpPr>
+          <p:cNvPr id="6" name="Text Placeholder 5"/>
+          <p:cNvSpPr/>
+          <p:nvPr>
+            <p:ph type="body" idx="1"/>
+          </p:nvPr>
+        </p:nvSpPr>
+        <p:spPr>
+          <a:xfrm>
+            <a:off x="311785" y="856615"/>
+            <a:ext cx="8520430" cy="3998595"/>
+          </a:xfrm>
+        </p:spPr>
+        <p:txBody>
+          <a:bodyPr/>
+          <a:p>
+            <a:pPr marL="114300" indent="0">
+              <a:buFont typeface="Arial" panose="020B0604020202020204" pitchFamily="34" charset="0"/>
+              <a:buNone/>
+            </a:pPr>
+            <a:r>
+              <a:rPr lang="en-IN" altLang="en-US" sz="1600">
+                <a:latin typeface="Goudy Old Style" panose="02020502050305020303" charset="0"/>
+                <a:cs typeface="Goudy Old Style" panose="02020502050305020303" charset="0"/>
+              </a:rPr>
+              <a:t>It stands for applying some commit from one branch into another branch. In case we made a mistake and committed a change into the wrong branch, but do not want to merge the whole branch. We can revert the commit and apply it on another branch. A cherry-pick looks at a previous commit in the repository history and update the changes that were part of that last commit to the current working tree.</a:t>
+            </a:r>
+            <a:endParaRPr lang="en-IN" altLang="en-US" sz="1600">
+              <a:latin typeface="Goudy Old Style" panose="02020502050305020303" charset="0"/>
+              <a:cs typeface="Goudy Old Style" panose="02020502050305020303" charset="0"/>
+            </a:endParaRPr>
+          </a:p>
+          <a:p>
+            <a:pPr marL="114300" indent="0">
+              <a:buFont typeface="Arial" panose="020B0604020202020204" pitchFamily="34" charset="0"/>
+              <a:buNone/>
+            </a:pPr>
+            <a:r>
+              <a:rPr lang="en-IN" altLang="en-US" b="1">
+                <a:latin typeface="Goudy Old Style" panose="02020502050305020303" charset="0"/>
+                <a:cs typeface="Goudy Old Style" panose="02020502050305020303" charset="0"/>
+              </a:rPr>
+              <a:t>  Use?</a:t>
+            </a:r>
+            <a:endParaRPr lang="en-IN" altLang="en-US" b="1">
+              <a:latin typeface="Goudy Old Style" panose="02020502050305020303" charset="0"/>
+              <a:cs typeface="Goudy Old Style" panose="02020502050305020303" charset="0"/>
+            </a:endParaRPr>
+          </a:p>
+          <a:p>
+            <a:pPr>
+              <a:buFont typeface="Arial" panose="020B0604020202020204" pitchFamily="34" charset="0"/>
+              <a:buChar char="•"/>
+            </a:pPr>
+            <a:r>
+              <a:rPr lang="en-IN" altLang="en-US" b="1">
+                <a:latin typeface="Goudy Old Style" panose="02020502050305020303" charset="0"/>
+                <a:cs typeface="Goudy Old Style" panose="02020502050305020303" charset="0"/>
+              </a:rPr>
+              <a:t>Team Collaboration:</a:t>
+            </a:r>
+            <a:r>
+              <a:rPr lang="en-IN" altLang="en-US" sz="1600" b="1">
+                <a:latin typeface="Goudy Old Style" panose="02020502050305020303" charset="0"/>
+                <a:cs typeface="Goudy Old Style" panose="02020502050305020303" charset="0"/>
+              </a:rPr>
               <a:t> </a:t>
             </a:r>
             <a:r>
-              <a:rPr lang="en-GB"/>
-              <a:t> a complete copy of the project as well as a full revision history of each file. This allows you to work locally without a network connection all while allowing you to                     collaborate when you are back online via central remote                 </a:t>
-            </a:r>
-            <a:r>
-              <a:rPr lang="en-US" altLang="en-GB"/>
-              <a:t> </a:t>
-            </a:r>
-            <a:r>
-              <a:rPr lang="en-GB"/>
-              <a:t>        </a:t>
-            </a:r>
-            <a:r>
-              <a:rPr lang="en-GB"/>
-              <a:t> repositories.</a:t>
-            </a:r>
-            <a:endParaRPr lang="en-GB"/>
+              <a:rPr lang="en-IN" altLang="en-US" sz="1600">
+                <a:latin typeface="Goudy Old Style" panose="02020502050305020303" charset="0"/>
+                <a:cs typeface="Goudy Old Style" panose="02020502050305020303" charset="0"/>
+              </a:rPr>
+              <a:t>One person created a code, which is to be used by other members as well, 		             then they can cherry pick that particular commit.</a:t>
+            </a:r>
+            <a:endParaRPr lang="en-IN" altLang="en-US" sz="1600">
+              <a:latin typeface="Goudy Old Style" panose="02020502050305020303" charset="0"/>
+              <a:cs typeface="Goudy Old Style" panose="02020502050305020303" charset="0"/>
+            </a:endParaRPr>
+          </a:p>
+          <a:p>
+            <a:pPr>
+              <a:buFont typeface="Arial" panose="020B0604020202020204" pitchFamily="34" charset="0"/>
+              <a:buChar char="•"/>
+            </a:pPr>
+            <a:r>
+              <a:rPr lang="en-IN" altLang="en-US" b="1">
+                <a:latin typeface="Goudy Old Style" panose="02020502050305020303" charset="0"/>
+                <a:cs typeface="Goudy Old Style" panose="02020502050305020303" charset="0"/>
+              </a:rPr>
+              <a:t>Bug Fixes: </a:t>
+            </a:r>
+            <a:r>
+              <a:rPr lang="en-IN" altLang="en-US" sz="1600">
+                <a:latin typeface="Goudy Old Style" panose="02020502050305020303" charset="0"/>
+                <a:cs typeface="Goudy Old Style" panose="02020502050305020303" charset="0"/>
+              </a:rPr>
+              <a:t>When a developer finds a bug and fixes it, everyone can cherry pick that commit to 		           fix the bug.</a:t>
+            </a:r>
+            <a:endParaRPr lang="en-IN" altLang="en-US" sz="1600">
+              <a:latin typeface="Goudy Old Style" panose="02020502050305020303" charset="0"/>
+              <a:cs typeface="Goudy Old Style" panose="02020502050305020303" charset="0"/>
+            </a:endParaRPr>
+          </a:p>
+          <a:p>
+            <a:pPr>
+              <a:buFont typeface="Arial" panose="020B0604020202020204" pitchFamily="34" charset="0"/>
+              <a:buChar char="•"/>
+            </a:pPr>
+            <a:r>
+              <a:rPr lang="en-IN" altLang="en-US" b="1">
+                <a:latin typeface="Goudy Old Style" panose="02020502050305020303" charset="0"/>
+                <a:cs typeface="Goudy Old Style" panose="02020502050305020303" charset="0"/>
+              </a:rPr>
+              <a:t>Avoid useless commits: </a:t>
+            </a:r>
+            <a:r>
+              <a:rPr lang="en-IN" altLang="en-US" sz="1600">
+                <a:latin typeface="Goudy Old Style" panose="02020502050305020303" charset="0"/>
+                <a:cs typeface="Goudy Old Style" panose="02020502050305020303" charset="0"/>
+              </a:rPr>
+              <a:t>Instead of using git merge, we use cherry-pick, and</a:t>
+            </a:r>
+            <a:endParaRPr lang="en-IN" altLang="en-US" sz="1600">
+              <a:latin typeface="Goudy Old Style" panose="02020502050305020303" charset="0"/>
+              <a:cs typeface="Goudy Old Style" panose="02020502050305020303" charset="0"/>
+            </a:endParaRPr>
+          </a:p>
+          <a:p>
+            <a:pPr marL="2425700" lvl="5" indent="0">
+              <a:buFont typeface="Arial" panose="020B0604020202020204" pitchFamily="34" charset="0"/>
+              <a:buNone/>
+            </a:pPr>
+            <a:r>
+              <a:rPr lang="en-IN" altLang="en-US" sz="1240" b="1">
+                <a:latin typeface="Goudy Old Style" panose="02020502050305020303" charset="0"/>
+                <a:cs typeface="Goudy Old Style" panose="02020502050305020303" charset="0"/>
+              </a:rPr>
+              <a:t>      </a:t>
+            </a:r>
+            <a:r>
+              <a:rPr lang="en-IN" altLang="en-US" sz="1600">
+                <a:latin typeface="Goudy Old Style" panose="02020502050305020303" charset="0"/>
+                <a:cs typeface="Goudy Old Style" panose="02020502050305020303" charset="0"/>
+              </a:rPr>
+              <a:t>avoid useless commits to get into our branch.</a:t>
+            </a:r>
+            <a:endParaRPr lang="en-IN" altLang="en-US" sz="1600">
+              <a:latin typeface="Goudy Old Style" panose="02020502050305020303" charset="0"/>
+              <a:cs typeface="Goudy Old Style" panose="02020502050305020303" charset="0"/>
+            </a:endParaRPr>
+          </a:p>
+        </p:txBody>
+      </p:sp>
+    </p:spTree>
+  </p:cSld>
+  <p:clrMapOvr>
+    <a:masterClrMapping/>
+  </p:clrMapOvr>
+</p:sld>
+</file>
+
+<file path=ppt/slides/slide21.xml><?xml version="1.0" encoding="utf-8"?>
+<p:sld xmlns:a="http://schemas.openxmlformats.org/drawingml/2006/main" xmlns:r="http://schemas.openxmlformats.org/officeDocument/2006/relationships" xmlns:p="http://schemas.openxmlformats.org/presentationml/2006/main">
+  <p:cSld>
+    <p:spTree>
+      <p:nvGrpSpPr>
+        <p:cNvPr id="1" name=""/>
+        <p:cNvGrpSpPr/>
+        <p:nvPr/>
+      </p:nvGrpSpPr>
+      <p:grpSpPr/>
+      <p:sp>
+        <p:nvSpPr>
+          <p:cNvPr id="2" name="Title 1"/>
+          <p:cNvSpPr/>
+          <p:nvPr>
+            <p:ph type="title"/>
+          </p:nvPr>
+        </p:nvSpPr>
+        <p:spPr>
+          <a:xfrm>
+            <a:off x="311785" y="212725"/>
+            <a:ext cx="8520430" cy="576580"/>
+          </a:xfrm>
+        </p:spPr>
+        <p:txBody>
+          <a:bodyPr>
+            <a:normAutofit/>
+          </a:bodyPr>
+          <a:p>
+            <a:r>
+              <a:rPr lang="en-IN" altLang="en-US" sz="2445">
+                <a:latin typeface="Goudy Old Style" panose="02020502050305020303" charset="0"/>
+                <a:cs typeface="Goudy Old Style" panose="02020502050305020303" charset="0"/>
+              </a:rPr>
+              <a:t>Commands:</a:t>
+            </a:r>
+            <a:endParaRPr lang="en-IN" altLang="en-US" sz="2445">
+              <a:latin typeface="Goudy Old Style" panose="02020502050305020303" charset="0"/>
+              <a:cs typeface="Goudy Old Style" panose="02020502050305020303" charset="0"/>
+            </a:endParaRPr>
+          </a:p>
+        </p:txBody>
+      </p:sp>
+      <p:sp>
+        <p:nvSpPr>
+          <p:cNvPr id="3" name="Text Placeholder 2"/>
+          <p:cNvSpPr/>
+          <p:nvPr>
+            <p:ph type="body" idx="1"/>
+          </p:nvPr>
+        </p:nvSpPr>
+        <p:spPr>
+          <a:xfrm>
+            <a:off x="311785" y="789305"/>
+            <a:ext cx="8520430" cy="3779520"/>
+          </a:xfrm>
+        </p:spPr>
+        <p:txBody>
+          <a:bodyPr/>
+          <a:p>
+            <a:pPr>
+              <a:buFont typeface="Arial" panose="020B0604020202020204" pitchFamily="34" charset="0"/>
+              <a:buChar char="•"/>
+            </a:pPr>
+            <a:r>
+              <a:rPr lang="en-IN" altLang="en-US" b="1">
+                <a:latin typeface="Goudy Old Style" panose="02020502050305020303" charset="0"/>
+                <a:cs typeface="Goudy Old Style" panose="02020502050305020303" charset="0"/>
+              </a:rPr>
+              <a:t>git cherry-pick &lt;commit-id&gt;: </a:t>
+            </a:r>
+            <a:r>
+              <a:rPr lang="en-IN" altLang="en-US">
+                <a:latin typeface="Goudy Old Style" panose="02020502050305020303" charset="0"/>
+                <a:cs typeface="Goudy Old Style" panose="02020502050305020303" charset="0"/>
+              </a:rPr>
+              <a:t>Cherry pick your desired commit.</a:t>
+            </a:r>
+            <a:endParaRPr lang="en-IN" altLang="en-US">
+              <a:latin typeface="Goudy Old Style" panose="02020502050305020303" charset="0"/>
+              <a:cs typeface="Goudy Old Style" panose="02020502050305020303" charset="0"/>
+            </a:endParaRPr>
+          </a:p>
+          <a:p>
+            <a:pPr>
+              <a:buFont typeface="Arial" panose="020B0604020202020204" pitchFamily="34" charset="0"/>
+              <a:buChar char="•"/>
+            </a:pPr>
+            <a:r>
+              <a:rPr lang="en-IN" altLang="en-US" b="1">
+                <a:latin typeface="Goudy Old Style" panose="02020502050305020303" charset="0"/>
+                <a:cs typeface="Goudy Old Style" panose="02020502050305020303" charset="0"/>
+                <a:sym typeface="+mn-ea"/>
+              </a:rPr>
+              <a:t>git cherry-pick -x &lt;commit-id&gt;: </a:t>
+            </a:r>
+            <a:r>
+              <a:rPr lang="en-IN" altLang="en-US">
+                <a:latin typeface="Goudy Old Style" panose="02020502050305020303" charset="0"/>
+                <a:cs typeface="Goudy Old Style" panose="02020502050305020303" charset="0"/>
+                <a:sym typeface="+mn-ea"/>
+              </a:rPr>
+              <a:t>Use this to cherry pick your desired commit from the 				           public branch.</a:t>
+            </a:r>
+            <a:endParaRPr lang="en-IN" altLang="en-US">
+              <a:latin typeface="Goudy Old Style" panose="02020502050305020303" charset="0"/>
+              <a:cs typeface="Goudy Old Style" panose="02020502050305020303" charset="0"/>
+            </a:endParaRPr>
+          </a:p>
+        </p:txBody>
+      </p:sp>
+    </p:spTree>
+  </p:cSld>
+  <p:clrMapOvr>
+    <a:masterClrMapping/>
+  </p:clrMapOvr>
+</p:sld>
+</file>
+
+<file path=ppt/slides/slide22.xml><?xml version="1.0" encoding="utf-8"?>
+<p:sld xmlns:a="http://schemas.openxmlformats.org/drawingml/2006/main" xmlns:r="http://schemas.openxmlformats.org/officeDocument/2006/relationships" xmlns:p="http://schemas.openxmlformats.org/presentationml/2006/main">
+  <p:cSld>
+    <p:spTree>
+      <p:nvGrpSpPr>
+        <p:cNvPr id="1" name=""/>
+        <p:cNvGrpSpPr/>
+        <p:nvPr/>
+      </p:nvGrpSpPr>
+      <p:grpSpPr/>
+      <p:sp>
+        <p:nvSpPr>
+          <p:cNvPr id="4" name="Title 3"/>
+          <p:cNvSpPr/>
+          <p:nvPr>
+            <p:ph type="title"/>
+          </p:nvPr>
+        </p:nvSpPr>
+        <p:spPr>
+          <a:xfrm>
+            <a:off x="1456085" y="526350"/>
+            <a:ext cx="5618700" cy="4090800"/>
+          </a:xfrm>
+        </p:spPr>
+        <p:txBody>
+          <a:bodyPr/>
+          <a:p>
+            <a:pPr algn="ctr"/>
+            <a:r>
+              <a:rPr lang="en-IN" altLang="en-US">
+                <a:solidFill>
+                  <a:schemeClr val="tx1"/>
+                </a:solidFill>
+                <a:latin typeface="Bookman Old Style" panose="02050604050505020204" charset="0"/>
+                <a:cs typeface="Bookman Old Style" panose="02050604050505020204" charset="0"/>
+              </a:rPr>
+              <a:t>Thank You!</a:t>
+            </a:r>
+            <a:endParaRPr lang="en-IN" altLang="en-US">
+              <a:solidFill>
+                <a:schemeClr val="tx1"/>
+              </a:solidFill>
+              <a:latin typeface="Bookman Old Style" panose="02050604050505020204" charset="0"/>
+              <a:cs typeface="Bookman Old Style" panose="02050604050505020204" charset="0"/>
+            </a:endParaRPr>
           </a:p>
         </p:txBody>
       </p:sp>
@@ -9702,10 +11193,21 @@
               <a:buNone/>
             </a:pPr>
             <a:r>
-              <a:rPr lang="en-GB"/>
-              <a:t>Why do we use it?🤔</a:t>
-            </a:r>
-            <a:endParaRPr lang="en-GB"/>
+              <a:rPr lang="en-GB" b="1">
+                <a:latin typeface="Bradley Hand ITC" panose="03070402050302030203" charset="0"/>
+                <a:cs typeface="Bradley Hand ITC" panose="03070402050302030203" charset="0"/>
+              </a:rPr>
+              <a:t>Why do we use it?</a:t>
+            </a:r>
+            <a:r>
+              <a:rPr lang="en-GB" b="1">
+                <a:latin typeface="Bradley Hand ITC" panose="03070402050302030203" charset="0"/>
+              </a:rPr>
+              <a:t>🤔</a:t>
+            </a:r>
+            <a:endParaRPr lang="en-GB" b="1">
+              <a:latin typeface="Bradley Hand ITC" panose="03070402050302030203" charset="0"/>
+            </a:endParaRPr>
           </a:p>
         </p:txBody>
       </p:sp>
@@ -9719,8 +11221,8 @@
         </p:nvSpPr>
         <p:spPr>
           <a:xfrm>
-            <a:off x="623400" y="1278432"/>
-            <a:ext cx="8520600" cy="3339000"/>
+            <a:off x="311785" y="1017905"/>
+            <a:ext cx="8520430" cy="3599815"/>
           </a:xfrm>
           <a:prstGeom prst="rect">
             <a:avLst/>
@@ -9743,14 +11245,23 @@
               <a:buChar char="●"/>
             </a:pPr>
             <a:r>
-              <a:rPr lang="en-GB"/>
+              <a:rPr lang="en-GB">
+                <a:latin typeface="Goudy Old Style" panose="02020502050305020303" charset="0"/>
+                <a:cs typeface="Goudy Old Style" panose="02020502050305020303" charset="0"/>
+              </a:rPr>
               <a:t>Trace th</a:t>
             </a:r>
             <a:r>
-              <a:rPr lang="en-GB"/>
+              <a:rPr lang="en-GB">
+                <a:latin typeface="Goudy Old Style" panose="02020502050305020303" charset="0"/>
+                <a:cs typeface="Goudy Old Style" panose="02020502050305020303" charset="0"/>
+              </a:rPr>
               <a:t>e changes made to the code </a:t>
             </a:r>
-            <a:endParaRPr lang="en-GB"/>
+            <a:endParaRPr lang="en-GB">
+              <a:latin typeface="Goudy Old Style" panose="02020502050305020303" charset="0"/>
+              <a:cs typeface="Goudy Old Style" panose="02020502050305020303" charset="0"/>
+            </a:endParaRPr>
           </a:p>
           <a:p>
             <a:pPr marL="457200" lvl="0" indent="-342900" algn="l" rtl="0">
@@ -9764,10 +11275,16 @@
               <a:buChar char="●"/>
             </a:pPr>
             <a:r>
-              <a:rPr lang="en-GB"/>
+              <a:rPr lang="en-GB">
+                <a:latin typeface="Goudy Old Style" panose="02020502050305020303" charset="0"/>
+                <a:cs typeface="Goudy Old Style" panose="02020502050305020303" charset="0"/>
+              </a:rPr>
               <a:t>Simplify code review</a:t>
             </a:r>
-            <a:endParaRPr lang="en-GB"/>
+            <a:endParaRPr lang="en-GB">
+              <a:latin typeface="Goudy Old Style" panose="02020502050305020303" charset="0"/>
+              <a:cs typeface="Goudy Old Style" panose="02020502050305020303" charset="0"/>
+            </a:endParaRPr>
           </a:p>
           <a:p>
             <a:pPr marL="457200" lvl="0" indent="-342900" algn="l" rtl="0">
@@ -9781,10 +11298,16 @@
               <a:buChar char="●"/>
             </a:pPr>
             <a:r>
-              <a:rPr lang="en-GB"/>
+              <a:rPr lang="en-GB">
+                <a:latin typeface="Goudy Old Style" panose="02020502050305020303" charset="0"/>
+                <a:cs typeface="Goudy Old Style" panose="02020502050305020303" charset="0"/>
+              </a:rPr>
               <a:t>Modify code efficiently</a:t>
             </a:r>
-            <a:endParaRPr lang="en-GB"/>
+            <a:endParaRPr lang="en-GB">
+              <a:latin typeface="Goudy Old Style" panose="02020502050305020303" charset="0"/>
+              <a:cs typeface="Goudy Old Style" panose="02020502050305020303" charset="0"/>
+            </a:endParaRPr>
           </a:p>
           <a:p>
             <a:pPr marL="457200" lvl="0" indent="-342900" algn="l" rtl="0">
@@ -9798,10 +11321,16 @@
               <a:buChar char="●"/>
             </a:pPr>
             <a:r>
-              <a:rPr lang="en-GB"/>
+              <a:rPr lang="en-GB">
+                <a:latin typeface="Goudy Old Style" panose="02020502050305020303" charset="0"/>
+                <a:cs typeface="Goudy Old Style" panose="02020502050305020303" charset="0"/>
+              </a:rPr>
               <a:t>Maintaining multiple versions of the code</a:t>
             </a:r>
-            <a:endParaRPr lang="en-GB"/>
+            <a:endParaRPr lang="en-GB">
+              <a:latin typeface="Goudy Old Style" panose="02020502050305020303" charset="0"/>
+              <a:cs typeface="Goudy Old Style" panose="02020502050305020303" charset="0"/>
+            </a:endParaRPr>
           </a:p>
           <a:p>
             <a:pPr marL="457200" lvl="0" indent="-342900" algn="l" rtl="0">
@@ -9815,10 +11344,16 @@
               <a:buChar char="●"/>
             </a:pPr>
             <a:r>
-              <a:rPr lang="en-GB"/>
+              <a:rPr lang="en-GB">
+                <a:latin typeface="Goudy Old Style" panose="02020502050305020303" charset="0"/>
+                <a:cs typeface="Goudy Old Style" panose="02020502050305020303" charset="0"/>
+              </a:rPr>
               <a:t>Better collaboration and improved productivity </a:t>
             </a:r>
-            <a:endParaRPr lang="en-GB"/>
+            <a:endParaRPr lang="en-GB">
+              <a:latin typeface="Goudy Old Style" panose="02020502050305020303" charset="0"/>
+              <a:cs typeface="Goudy Old Style" panose="02020502050305020303" charset="0"/>
+            </a:endParaRPr>
           </a:p>
           <a:p>
             <a:pPr marL="457200" lvl="0" indent="-342900" algn="l" rtl="0">
@@ -9832,10 +11367,16 @@
               <a:buChar char="●"/>
             </a:pPr>
             <a:r>
-              <a:rPr lang="en-GB"/>
+              <a:rPr lang="en-GB">
+                <a:latin typeface="Goudy Old Style" panose="02020502050305020303" charset="0"/>
+                <a:cs typeface="Goudy Old Style" panose="02020502050305020303" charset="0"/>
+              </a:rPr>
               <a:t>Lightweight and fast </a:t>
             </a:r>
-            <a:endParaRPr lang="en-GB"/>
+            <a:endParaRPr lang="en-GB">
+              <a:latin typeface="Goudy Old Style" panose="02020502050305020303" charset="0"/>
+              <a:cs typeface="Goudy Old Style" panose="02020502050305020303" charset="0"/>
+            </a:endParaRPr>
           </a:p>
         </p:txBody>
       </p:sp>
@@ -9897,10 +11438,16 @@
               <a:buNone/>
             </a:pPr>
             <a:r>
-              <a:rPr lang="en-GB"/>
+              <a:rPr lang="en-GB" b="1">
+                <a:latin typeface="Bradley Hand ITC" panose="03070402050302030203" charset="0"/>
+                <a:cs typeface="Bradley Hand ITC" panose="03070402050302030203" charset="0"/>
+              </a:rPr>
               <a:t>How it works?</a:t>
             </a:r>
-            <a:endParaRPr lang="en-GB"/>
+            <a:endParaRPr lang="en-GB" b="1">
+              <a:latin typeface="Bradley Hand ITC" panose="03070402050302030203" charset="0"/>
+              <a:cs typeface="Bradley Hand ITC" panose="03070402050302030203" charset="0"/>
+            </a:endParaRPr>
           </a:p>
         </p:txBody>
       </p:sp>
@@ -9914,8 +11461,8 @@
         </p:nvSpPr>
         <p:spPr>
           <a:xfrm>
-            <a:off x="311700" y="1229875"/>
-            <a:ext cx="8520600" cy="4159500"/>
+            <a:off x="311785" y="1017905"/>
+            <a:ext cx="8520430" cy="4033520"/>
           </a:xfrm>
           <a:prstGeom prst="rect">
             <a:avLst/>
@@ -9923,7 +11470,7 @@
         </p:spPr>
         <p:txBody>
           <a:bodyPr spcFirstLastPara="1" wrap="square" lIns="91425" tIns="91425" rIns="91425" bIns="91425" anchor="t" anchorCtr="0">
-            <a:normAutofit/>
+            <a:normAutofit lnSpcReduction="10000"/>
           </a:bodyPr>
           <a:lstStyle/>
           <a:p>
@@ -9937,17 +11484,26 @@
               <a:buNone/>
             </a:pPr>
             <a:r>
-              <a:rPr lang="en-GB"/>
+              <a:rPr lang="en-GB">
+                <a:latin typeface="Goudy Old Style" panose="02020502050305020303" charset="0"/>
+                <a:cs typeface="Goudy Old Style" panose="02020502050305020303" charset="0"/>
+              </a:rPr>
               <a:t>Three main areas where code lives</a:t>
             </a:r>
             <a:r>
-              <a:rPr lang="en-GB"/>
+              <a:rPr lang="en-GB">
+                <a:latin typeface="Goudy Old Style" panose="02020502050305020303" charset="0"/>
+                <a:cs typeface="Goudy Old Style" panose="02020502050305020303" charset="0"/>
+              </a:rPr>
               <a:t>:-</a:t>
             </a:r>
-            <a:endParaRPr lang="en-GB"/>
-          </a:p>
-          <a:p>
-            <a:pPr marL="457200" lvl="0" indent="-342900" algn="just" rtl="0">
+            <a:endParaRPr lang="en-GB">
+              <a:latin typeface="Goudy Old Style" panose="02020502050305020303" charset="0"/>
+              <a:cs typeface="Goudy Old Style" panose="02020502050305020303" charset="0"/>
+            </a:endParaRPr>
+          </a:p>
+          <a:p>
+            <a:pPr marL="457200" lvl="0" indent="-342900" algn="l" rtl="0">
               <a:spcBef>
                 <a:spcPts val="1200"/>
               </a:spcBef>
@@ -9958,17 +11514,33 @@
               <a:buChar char="●"/>
             </a:pPr>
             <a:r>
-              <a:rPr lang="en-GB" b="1"/>
+              <a:rPr lang="en-GB" b="1">
+                <a:latin typeface="Goudy Old Style" panose="02020502050305020303" charset="0"/>
+                <a:cs typeface="Goudy Old Style" panose="02020502050305020303" charset="0"/>
+              </a:rPr>
               <a:t>Working tree</a:t>
             </a:r>
             <a:r>
-              <a:rPr lang="en-GB"/>
-              <a:t>: It contains the files we are currently working on.</a:t>
-            </a:r>
-            <a:endParaRPr lang="en-GB"/>
-          </a:p>
-          <a:p>
-            <a:pPr marL="457200" lvl="0" indent="-342900" algn="just" rtl="0">
+              <a:rPr lang="en-GB">
+                <a:latin typeface="Goudy Old Style" panose="02020502050305020303" charset="0"/>
+                <a:cs typeface="Goudy Old Style" panose="02020502050305020303" charset="0"/>
+              </a:rPr>
+              <a:t>: </a:t>
+            </a:r>
+            <a:r>
+              <a:rPr lang="en-GB" sz="1700">
+                <a:latin typeface="Goudy Old Style" panose="02020502050305020303" charset="0"/>
+                <a:cs typeface="Goudy Old Style" panose="02020502050305020303" charset="0"/>
+              </a:rPr>
+              <a:t>It contains the files we are currently working on.</a:t>
+            </a:r>
+            <a:endParaRPr lang="en-GB" sz="1700">
+              <a:latin typeface="Goudy Old Style" panose="02020502050305020303" charset="0"/>
+              <a:cs typeface="Goudy Old Style" panose="02020502050305020303" charset="0"/>
+            </a:endParaRPr>
+          </a:p>
+          <a:p>
+            <a:pPr marL="457200" lvl="0" indent="-342900" algn="l" rtl="0">
               <a:spcBef>
                 <a:spcPts val="0"/>
               </a:spcBef>
@@ -9979,25 +11551,75 @@
               <a:buChar char="●"/>
             </a:pPr>
             <a:r>
-              <a:rPr lang="en-GB" b="1"/>
+              <a:rPr lang="en-GB" b="1">
+                <a:latin typeface="Goudy Old Style" panose="02020502050305020303" charset="0"/>
+                <a:cs typeface="Goudy Old Style" panose="02020502050305020303" charset="0"/>
+              </a:rPr>
               <a:t>Staging area</a:t>
             </a:r>
             <a:r>
-              <a:rPr lang="en-GB"/>
-              <a:t>: It contains all the added files having new/changed code.</a:t>
-            </a:r>
-            <a:r>
-              <a:rPr lang="en-US" altLang="en-GB"/>
-              <a:t>            </a:t>
-            </a:r>
-            <a:r>
-              <a:rPr lang="en-GB"/>
-              <a:t>All new/changed files are first added to the staging area before commit.</a:t>
-            </a:r>
-            <a:endParaRPr lang="en-GB"/>
-          </a:p>
-          <a:p>
-            <a:pPr marL="457200" lvl="0" indent="-342900" algn="just" rtl="0">
+              <a:rPr lang="en-GB">
+                <a:latin typeface="Goudy Old Style" panose="02020502050305020303" charset="0"/>
+                <a:cs typeface="Goudy Old Style" panose="02020502050305020303" charset="0"/>
+              </a:rPr>
+              <a:t>:</a:t>
+            </a:r>
+            <a:r>
+              <a:rPr lang="en-GB" sz="1700">
+                <a:latin typeface="Goudy Old Style" panose="02020502050305020303" charset="0"/>
+                <a:cs typeface="Goudy Old Style" panose="02020502050305020303" charset="0"/>
+              </a:rPr>
+              <a:t> It contains all the added files having new/changed code.</a:t>
+            </a:r>
+            <a:r>
+              <a:rPr lang="en-US" altLang="en-GB" sz="1700">
+                <a:latin typeface="Goudy Old Style" panose="02020502050305020303" charset="0"/>
+                <a:cs typeface="Goudy Old Style" panose="02020502050305020303" charset="0"/>
+              </a:rPr>
+              <a:t> </a:t>
+            </a:r>
+            <a:r>
+              <a:rPr lang="en-GB" sz="1700">
+                <a:latin typeface="Goudy Old Style" panose="02020502050305020303" charset="0"/>
+                <a:cs typeface="Goudy Old Style" panose="02020502050305020303" charset="0"/>
+              </a:rPr>
+              <a:t>All</a:t>
+            </a:r>
+            <a:r>
+              <a:rPr lang="en-US" altLang="en-GB" sz="1700">
+                <a:latin typeface="Goudy Old Style" panose="02020502050305020303" charset="0"/>
+                <a:cs typeface="Goudy Old Style" panose="02020502050305020303" charset="0"/>
+              </a:rPr>
+              <a:t> </a:t>
+            </a:r>
+            <a:r>
+              <a:rPr lang="en-GB" sz="1700">
+                <a:latin typeface="Goudy Old Style" panose="02020502050305020303" charset="0"/>
+                <a:cs typeface="Goudy Old Style" panose="02020502050305020303" charset="0"/>
+              </a:rPr>
+              <a:t>new/changed </a:t>
+            </a:r>
+            <a:r>
+              <a:rPr lang="en-US" altLang="en-GB" sz="1700">
+                <a:latin typeface="Goudy Old Style" panose="02020502050305020303" charset="0"/>
+                <a:cs typeface="Goudy Old Style" panose="02020502050305020303" charset="0"/>
+              </a:rPr>
+              <a:t>		              </a:t>
+            </a:r>
+            <a:r>
+              <a:rPr lang="en-GB" sz="1700">
+                <a:latin typeface="Goudy Old Style" panose="02020502050305020303" charset="0"/>
+                <a:cs typeface="Goudy Old Style" panose="02020502050305020303" charset="0"/>
+              </a:rPr>
+              <a:t>files are first added to the staging area before commit.</a:t>
+            </a:r>
+            <a:endParaRPr lang="en-GB">
+              <a:latin typeface="Goudy Old Style" panose="02020502050305020303" charset="0"/>
+              <a:cs typeface="Goudy Old Style" panose="02020502050305020303" charset="0"/>
+            </a:endParaRPr>
+          </a:p>
+          <a:p>
+            <a:pPr marL="457200" lvl="0" indent="-342900" algn="l" rtl="0">
               <a:spcBef>
                 <a:spcPts val="0"/>
               </a:spcBef>
@@ -10008,14 +11630,30 @@
               <a:buChar char="●"/>
             </a:pPr>
             <a:r>
-              <a:rPr lang="en-GB" b="1"/>
+              <a:rPr lang="en-GB" b="1">
+                <a:latin typeface="Goudy Old Style" panose="02020502050305020303" charset="0"/>
+                <a:cs typeface="Goudy Old Style" panose="02020502050305020303" charset="0"/>
+              </a:rPr>
               <a:t>Repository</a:t>
             </a:r>
             <a:r>
-              <a:rPr lang="en-GB"/>
-              <a:t>: It contains all the files of the project.</a:t>
-            </a:r>
-            <a:endParaRPr lang="en-GB"/>
+              <a:rPr lang="en-GB">
+                <a:latin typeface="Goudy Old Style" panose="02020502050305020303" charset="0"/>
+                <a:cs typeface="Goudy Old Style" panose="02020502050305020303" charset="0"/>
+              </a:rPr>
+              <a:t>: </a:t>
+            </a:r>
+            <a:r>
+              <a:rPr lang="en-GB" sz="1700">
+                <a:latin typeface="Goudy Old Style" panose="02020502050305020303" charset="0"/>
+                <a:cs typeface="Goudy Old Style" panose="02020502050305020303" charset="0"/>
+              </a:rPr>
+              <a:t>It contains all the files of the project.</a:t>
+            </a:r>
+            <a:endParaRPr lang="en-GB">
+              <a:latin typeface="Goudy Old Style" panose="02020502050305020303" charset="0"/>
+              <a:cs typeface="Goudy Old Style" panose="02020502050305020303" charset="0"/>
+            </a:endParaRPr>
           </a:p>
           <a:p>
             <a:pPr marL="0" lvl="0" indent="0" algn="l" rtl="0">
@@ -10028,10 +11666,16 @@
               <a:buNone/>
             </a:pPr>
             <a:r>
-              <a:rPr lang="en-GB"/>
+              <a:rPr lang="en-GB">
+                <a:latin typeface="Goudy Old Style" panose="02020502050305020303" charset="0"/>
+                <a:cs typeface="Goudy Old Style" panose="02020502050305020303" charset="0"/>
+              </a:rPr>
               <a:t>Every file goes through 3 stages:</a:t>
             </a:r>
-            <a:endParaRPr lang="en-GB"/>
+            <a:endParaRPr lang="en-GB">
+              <a:latin typeface="Goudy Old Style" panose="02020502050305020303" charset="0"/>
+              <a:cs typeface="Goudy Old Style" panose="02020502050305020303" charset="0"/>
+            </a:endParaRPr>
           </a:p>
           <a:p>
             <a:pPr marL="457200" lvl="0" indent="-342900" algn="l" rtl="0">
@@ -10045,14 +11689,30 @@
               <a:buChar char="●"/>
             </a:pPr>
             <a:r>
-              <a:rPr lang="en-GB" b="1"/>
+              <a:rPr lang="en-GB" b="1">
+                <a:latin typeface="Goudy Old Style" panose="02020502050305020303" charset="0"/>
+                <a:cs typeface="Goudy Old Style" panose="02020502050305020303" charset="0"/>
+              </a:rPr>
               <a:t>Modified</a:t>
             </a:r>
             <a:r>
-              <a:rPr lang="en-GB"/>
-              <a:t>: File is modified/changed in this stage.</a:t>
-            </a:r>
-            <a:endParaRPr lang="en-GB"/>
+              <a:rPr lang="en-GB">
+                <a:latin typeface="Goudy Old Style" panose="02020502050305020303" charset="0"/>
+                <a:cs typeface="Goudy Old Style" panose="02020502050305020303" charset="0"/>
+              </a:rPr>
+              <a:t>: </a:t>
+            </a:r>
+            <a:r>
+              <a:rPr lang="en-GB" sz="1700">
+                <a:latin typeface="Goudy Old Style" panose="02020502050305020303" charset="0"/>
+                <a:cs typeface="Goudy Old Style" panose="02020502050305020303" charset="0"/>
+              </a:rPr>
+              <a:t>File is modified/changed in this stage.</a:t>
+            </a:r>
+            <a:endParaRPr lang="en-GB">
+              <a:latin typeface="Goudy Old Style" panose="02020502050305020303" charset="0"/>
+              <a:cs typeface="Goudy Old Style" panose="02020502050305020303" charset="0"/>
+            </a:endParaRPr>
           </a:p>
           <a:p>
             <a:pPr marL="457200" lvl="0" indent="-342900" algn="l" rtl="0">
@@ -10066,14 +11726,23 @@
               <a:buChar char="●"/>
             </a:pPr>
             <a:r>
-              <a:rPr lang="en-GB" b="1"/>
+              <a:rPr lang="en-GB" b="1">
+                <a:latin typeface="Goudy Old Style" panose="02020502050305020303" charset="0"/>
+                <a:cs typeface="Goudy Old Style" panose="02020502050305020303" charset="0"/>
+              </a:rPr>
               <a:t>Staged: </a:t>
             </a:r>
             <a:r>
-              <a:rPr lang="en-GB"/>
+              <a:rPr lang="en-GB" sz="1700">
+                <a:latin typeface="Goudy Old Style" panose="02020502050305020303" charset="0"/>
+                <a:cs typeface="Goudy Old Style" panose="02020502050305020303" charset="0"/>
+              </a:rPr>
               <a:t>Modified files sent into staging area.</a:t>
             </a:r>
-            <a:endParaRPr lang="en-GB"/>
+            <a:endParaRPr lang="en-GB">
+              <a:latin typeface="Goudy Old Style" panose="02020502050305020303" charset="0"/>
+              <a:cs typeface="Goudy Old Style" panose="02020502050305020303" charset="0"/>
+            </a:endParaRPr>
           </a:p>
           <a:p>
             <a:pPr marL="457200" lvl="0" indent="-342900" algn="l" rtl="0">
@@ -10087,14 +11756,58 @@
               <a:buChar char="●"/>
             </a:pPr>
             <a:r>
-              <a:rPr lang="en-GB" b="1"/>
+              <a:rPr lang="en-GB" b="1">
+                <a:latin typeface="Goudy Old Style" panose="02020502050305020303" charset="0"/>
+                <a:cs typeface="Goudy Old Style" panose="02020502050305020303" charset="0"/>
+              </a:rPr>
               <a:t>Committed</a:t>
             </a:r>
             <a:r>
-              <a:rPr lang="en-GB"/>
-              <a:t>: Files are committed to reflect the changes                                   and store in the database.</a:t>
-            </a:r>
-            <a:endParaRPr lang="en-GB"/>
+              <a:rPr lang="en-GB">
+                <a:latin typeface="Goudy Old Style" panose="02020502050305020303" charset="0"/>
+                <a:cs typeface="Goudy Old Style" panose="02020502050305020303" charset="0"/>
+              </a:rPr>
+              <a:t>: </a:t>
+            </a:r>
+            <a:r>
+              <a:rPr lang="en-GB" sz="1700">
+                <a:latin typeface="Goudy Old Style" panose="02020502050305020303" charset="0"/>
+                <a:cs typeface="Goudy Old Style" panose="02020502050305020303" charset="0"/>
+              </a:rPr>
+              <a:t>Files are committed to reflect the changes and store in</a:t>
+            </a:r>
+            <a:r>
+              <a:rPr lang="en-US" altLang="en-GB" sz="1700">
+                <a:latin typeface="Goudy Old Style" panose="02020502050305020303" charset="0"/>
+                <a:cs typeface="Goudy Old Style" panose="02020502050305020303" charset="0"/>
+              </a:rPr>
+              <a:t>			</a:t>
+            </a:r>
+            <a:r>
+              <a:rPr lang="en-GB" sz="1700">
+                <a:latin typeface="Goudy Old Style" panose="02020502050305020303" charset="0"/>
+                <a:cs typeface="Goudy Old Style" panose="02020502050305020303" charset="0"/>
+              </a:rPr>
+              <a:t> </a:t>
+            </a:r>
+            <a:r>
+              <a:rPr lang="en-US" altLang="en-GB" sz="1700">
+                <a:latin typeface="Goudy Old Style" panose="02020502050305020303" charset="0"/>
+                <a:cs typeface="Goudy Old Style" panose="02020502050305020303" charset="0"/>
+              </a:rPr>
+              <a:t>	              </a:t>
+            </a:r>
+            <a:r>
+              <a:rPr lang="en-GB" sz="1700">
+                <a:latin typeface="Goudy Old Style" panose="02020502050305020303" charset="0"/>
+                <a:cs typeface="Goudy Old Style" panose="02020502050305020303" charset="0"/>
+              </a:rPr>
+              <a:t>the database.</a:t>
+            </a:r>
+            <a:endParaRPr lang="en-GB" sz="1700">
+              <a:latin typeface="Goudy Old Style" panose="02020502050305020303" charset="0"/>
+              <a:cs typeface="Goudy Old Style" panose="02020502050305020303" charset="0"/>
+            </a:endParaRPr>
           </a:p>
         </p:txBody>
       </p:sp>
@@ -10142,7 +11855,7 @@
         </p:spPr>
         <p:txBody>
           <a:bodyPr spcFirstLastPara="1" wrap="square" lIns="91425" tIns="91425" rIns="91425" bIns="91425" anchor="ctr" anchorCtr="0">
-            <a:normAutofit fontScale="90000"/>
+            <a:normAutofit/>
           </a:bodyPr>
           <a:lstStyle/>
           <a:p>
@@ -10157,27 +11870,18 @@
             </a:pPr>
             <a:r>
               <a:rPr lang="en-GB">
-                <a:latin typeface="Comfortaa"/>
-                <a:ea typeface="Comfortaa"/>
-                <a:cs typeface="Comfortaa"/>
-                <a:sym typeface="Comfortaa"/>
-              </a:rPr>
-              <a:t>Newer </a:t>
-            </a:r>
-            <a:r>
-              <a:rPr lang="en-GB">
-                <a:latin typeface="Comfortaa"/>
-                <a:ea typeface="Comfortaa"/>
-                <a:cs typeface="Comfortaa"/>
-                <a:sym typeface="Comfortaa"/>
-              </a:rPr>
-              <a:t>Git concepts…</a:t>
+                <a:latin typeface="Berlin Sans FB" panose="020E0602020502020306" charset="0"/>
+                <a:ea typeface="Comfortaa" panose="020B0704020202020204"/>
+                <a:cs typeface="Berlin Sans FB" panose="020E0602020502020306" charset="0"/>
+                <a:sym typeface="Comfortaa" panose="020B0704020202020204"/>
+              </a:rPr>
+              <a:t>Newer Git concepts…</a:t>
             </a:r>
             <a:endParaRPr>
-              <a:latin typeface="Comfortaa"/>
-              <a:ea typeface="Comfortaa"/>
-              <a:cs typeface="Comfortaa"/>
-              <a:sym typeface="Comfortaa"/>
+              <a:latin typeface="Berlin Sans FB" panose="020E0602020502020306" charset="0"/>
+              <a:ea typeface="Comfortaa" panose="020B0704020202020204"/>
+              <a:cs typeface="Berlin Sans FB" panose="020E0602020502020306" charset="0"/>
+              <a:sym typeface="Comfortaa" panose="020B0704020202020204"/>
             </a:endParaRPr>
           </a:p>
         </p:txBody>
@@ -10294,13 +11998,13 @@
               <a:buNone/>
             </a:pPr>
             <a:r>
-              <a:rPr lang="en-IN">
+              <a:rPr lang="en-IN" b="1">
                 <a:latin typeface="Bradley Hand ITC" panose="03070402050302030203" charset="0"/>
                 <a:cs typeface="Bradley Hand ITC" panose="03070402050302030203" charset="0"/>
               </a:rPr>
               <a:t>Git stash</a:t>
             </a:r>
-            <a:endParaRPr lang="en-IN">
+            <a:endParaRPr lang="en-IN" b="1">
               <a:latin typeface="Bradley Hand ITC" panose="03070402050302030203" charset="0"/>
               <a:cs typeface="Bradley Hand ITC" panose="03070402050302030203" charset="0"/>
             </a:endParaRPr>
@@ -10462,17 +12166,30 @@
             </a:pPr>
             <a:r>
               <a:rPr lang="en-IN" altLang="en-US" b="1">
-                <a:latin typeface="Goudy Old Style" panose="02020502050305020303" charset="0"/>
-                <a:cs typeface="Goudy Old Style" panose="02020502050305020303" charset="0"/>
-              </a:rPr>
-              <a:t>Commands used:</a:t>
+                <a:solidFill>
+                  <a:schemeClr val="tx1"/>
+                </a:solidFill>
+                <a:latin typeface="Goudy Old Style" panose="02020502050305020303" charset="0"/>
+                <a:cs typeface="Goudy Old Style" panose="02020502050305020303" charset="0"/>
+              </a:rPr>
+              <a:t>Commands:</a:t>
             </a:r>
             <a:r>
               <a:rPr lang="en-IN" altLang="en-US" sz="1600">
-                <a:latin typeface="Goudy Old Style" panose="02020502050305020303" charset="0"/>
-                <a:cs typeface="Goudy Old Style" panose="02020502050305020303" charset="0"/>
-              </a:rPr>
-              <a:t> (Files must be staged)</a:t>
+                <a:solidFill>
+                  <a:schemeClr val="tx1"/>
+                </a:solidFill>
+                <a:latin typeface="Goudy Old Style" panose="02020502050305020303" charset="0"/>
+                <a:cs typeface="Goudy Old Style" panose="02020502050305020303" charset="0"/>
+              </a:rPr>
+              <a:t> </a:t>
+            </a:r>
+            <a:r>
+              <a:rPr lang="en-IN" altLang="en-US" sz="1600">
+                <a:latin typeface="Goudy Old Style" panose="02020502050305020303" charset="0"/>
+                <a:cs typeface="Goudy Old Style" panose="02020502050305020303" charset="0"/>
+              </a:rPr>
+              <a:t>(Files must be staged)</a:t>
             </a:r>
             <a:endParaRPr lang="en-IN" altLang="en-US" sz="1600">
               <a:latin typeface="Goudy Old Style" panose="02020502050305020303" charset="0"/>
@@ -10693,13 +12410,13 @@
           <a:bodyPr/>
           <a:p>
             <a:r>
-              <a:rPr lang="en-IN" altLang="en-US" sz="2700">
+              <a:rPr lang="en-IN" altLang="en-US" sz="2700" b="1">
                 <a:latin typeface="Bradley Hand ITC" panose="03070402050302030203" charset="0"/>
                 <a:cs typeface="Bradley Hand ITC" panose="03070402050302030203" charset="0"/>
               </a:rPr>
               <a:t>Git bisect</a:t>
             </a:r>
-            <a:endParaRPr lang="en-IN" altLang="en-US" sz="2700">
+            <a:endParaRPr lang="en-IN" altLang="en-US" sz="2700" b="1">
               <a:latin typeface="Bradley Hand ITC" panose="03070402050302030203" charset="0"/>
               <a:cs typeface="Bradley Hand ITC" panose="03070402050302030203" charset="0"/>
             </a:endParaRPr>

--- a/KOSS ppt.pptx
+++ b/KOSS ppt.pptx
@@ -12,65 +12,66 @@
     <p:sldId id="257" r:id="rId5"/>
     <p:sldId id="258" r:id="rId6"/>
     <p:sldId id="259" r:id="rId7"/>
-    <p:sldId id="260" r:id="rId8"/>
-    <p:sldId id="261" r:id="rId9"/>
-    <p:sldId id="262" r:id="rId10"/>
-    <p:sldId id="263" r:id="rId11"/>
-    <p:sldId id="264" r:id="rId12"/>
-    <p:sldId id="265" r:id="rId13"/>
-    <p:sldId id="266" r:id="rId14"/>
-    <p:sldId id="267" r:id="rId15"/>
-    <p:sldId id="268" r:id="rId16"/>
-    <p:sldId id="269" r:id="rId17"/>
-    <p:sldId id="270" r:id="rId18"/>
-    <p:sldId id="271" r:id="rId19"/>
-    <p:sldId id="272" r:id="rId20"/>
-    <p:sldId id="273" r:id="rId21"/>
-    <p:sldId id="275" r:id="rId22"/>
-    <p:sldId id="276" r:id="rId23"/>
-    <p:sldId id="277" r:id="rId24"/>
-    <p:sldId id="278" r:id="rId25"/>
+    <p:sldId id="279" r:id="rId8"/>
+    <p:sldId id="260" r:id="rId9"/>
+    <p:sldId id="261" r:id="rId10"/>
+    <p:sldId id="262" r:id="rId11"/>
+    <p:sldId id="263" r:id="rId12"/>
+    <p:sldId id="264" r:id="rId13"/>
+    <p:sldId id="265" r:id="rId14"/>
+    <p:sldId id="266" r:id="rId15"/>
+    <p:sldId id="267" r:id="rId16"/>
+    <p:sldId id="268" r:id="rId17"/>
+    <p:sldId id="269" r:id="rId18"/>
+    <p:sldId id="270" r:id="rId19"/>
+    <p:sldId id="271" r:id="rId20"/>
+    <p:sldId id="272" r:id="rId21"/>
+    <p:sldId id="273" r:id="rId22"/>
+    <p:sldId id="275" r:id="rId23"/>
+    <p:sldId id="276" r:id="rId24"/>
+    <p:sldId id="277" r:id="rId25"/>
+    <p:sldId id="278" r:id="rId26"/>
   </p:sldIdLst>
   <p:sldSz cx="9144000" cy="5143500"/>
   <p:notesSz cx="6858000" cy="9144000"/>
   <p:embeddedFontLst>
     <p:embeddedFont>
       <p:font typeface="Roboto" panose="020B0704020202020204"/>
-      <p:bold r:id="rId29"/>
-      <p:boldItalic r:id="rId30"/>
+      <p:bold r:id="rId31"/>
+      <p:boldItalic r:id="rId32"/>
     </p:embeddedFont>
     <p:embeddedFont>
       <p:font typeface="Comic Sans MS" panose="030F0702030302020204"/>
-      <p:regular r:id="rId31"/>
-      <p:bold r:id="rId32"/>
-      <p:italic r:id="rId33"/>
-      <p:boldItalic r:id="rId34"/>
+      <p:regular r:id="rId33"/>
+      <p:bold r:id="rId34"/>
+      <p:italic r:id="rId35"/>
+      <p:boldItalic r:id="rId36"/>
     </p:embeddedFont>
     <p:embeddedFont>
       <p:font typeface="Bradley Hand ITC" panose="03070402050302030203" charset="0"/>
-      <p:regular r:id="rId35"/>
+      <p:regular r:id="rId37"/>
     </p:embeddedFont>
     <p:embeddedFont>
       <p:font typeface="Goudy Old Style" panose="02020502050305020303" charset="0"/>
-      <p:regular r:id="rId36"/>
-      <p:bold r:id="rId37"/>
-      <p:italic r:id="rId38"/>
+      <p:regular r:id="rId38"/>
+      <p:bold r:id="rId39"/>
+      <p:italic r:id="rId40"/>
     </p:embeddedFont>
     <p:embeddedFont>
       <p:font typeface="Berlin Sans FB" panose="020E0602020502020306" charset="0"/>
-      <p:regular r:id="rId39"/>
-      <p:bold r:id="rId40"/>
+      <p:regular r:id="rId41"/>
+      <p:bold r:id="rId42"/>
     </p:embeddedFont>
     <p:embeddedFont>
       <p:font typeface="Comfortaa" panose="020B0704020202020204"/>
-      <p:bold r:id="rId41"/>
-      <p:boldItalic r:id="rId42"/>
+      <p:bold r:id="rId43"/>
+      <p:boldItalic r:id="rId44"/>
     </p:embeddedFont>
     <p:embeddedFont>
       <p:font typeface="Bookman Old Style" panose="02050604050505020204" charset="0"/>
-      <p:regular r:id="rId43"/>
-      <p:bold r:id="rId44"/>
-      <p:italic r:id="rId45"/>
+      <p:regular r:id="rId45"/>
+      <p:bold r:id="rId46"/>
+      <p:italic r:id="rId47"/>
     </p:embeddedFont>
   </p:embeddedFontLst>
   <p:defaultTextStyle>
@@ -303,6 +304,12 @@
     </a:lvl9pPr>
   </p:defaultTextStyle>
 </p:presentation>
+</file>
+
+<file path=ppt/commentAuthors.xml><?xml version="1.0" encoding="utf-8"?>
+<p:cmAuthorLst xmlns:a="http://schemas.openxmlformats.org/drawingml/2006/main" xmlns:r="http://schemas.openxmlformats.org/officeDocument/2006/relationships" xmlns:p="http://schemas.openxmlformats.org/presentationml/2006/main">
+  <p:cmAuthor id="1" name="vaibh" initials="v" lastIdx="1" clrIdx="0"/>
+</p:cmAuthorLst>
 </file>
 
 <file path=ppt/notesMasters/notesMaster1.xml><?xml version="1.0" encoding="utf-8"?>
@@ -2545,6 +2552,18 @@
   <p:clrMapOvr>
     <a:masterClrMapping/>
   </p:clrMapOvr>
+  <mc:AlternateContent xmlns:mc="http://schemas.openxmlformats.org/markup-compatibility/2006">
+    <mc:Choice xmlns:p14="http://schemas.microsoft.com/office/powerpoint/2010/main" Requires="p14">
+      <p:transition p14:dur="500">
+        <p:pull/>
+      </p:transition>
+    </mc:Choice>
+    <mc:Fallback>
+      <p:transition>
+        <p:pull/>
+      </p:transition>
+    </mc:Fallback>
+  </mc:AlternateContent>
 </p:sldLayout>
 </file>
 
@@ -3244,6 +3263,18 @@
   <p:clrMapOvr>
     <a:masterClrMapping/>
   </p:clrMapOvr>
+  <mc:AlternateContent xmlns:mc="http://schemas.openxmlformats.org/markup-compatibility/2006">
+    <mc:Choice xmlns:p14="http://schemas.microsoft.com/office/powerpoint/2010/main" Requires="p14">
+      <p:transition p14:dur="500">
+        <p:pull/>
+      </p:transition>
+    </mc:Choice>
+    <mc:Fallback>
+      <p:transition>
+        <p:pull/>
+      </p:transition>
+    </mc:Fallback>
+  </mc:AlternateContent>
 </p:sldLayout>
 </file>
 
@@ -3381,6 +3412,18 @@
   <p:clrMapOvr>
     <a:masterClrMapping/>
   </p:clrMapOvr>
+  <mc:AlternateContent xmlns:mc="http://schemas.openxmlformats.org/markup-compatibility/2006">
+    <mc:Choice xmlns:p14="http://schemas.microsoft.com/office/powerpoint/2010/main" Requires="p14">
+      <p:transition p14:dur="500">
+        <p:pull/>
+      </p:transition>
+    </mc:Choice>
+    <mc:Fallback>
+      <p:transition>
+        <p:pull/>
+      </p:transition>
+    </mc:Fallback>
+  </mc:AlternateContent>
 </p:sldLayout>
 </file>
 
@@ -3888,6 +3931,18 @@
   <p:clrMapOvr>
     <a:masterClrMapping/>
   </p:clrMapOvr>
+  <mc:AlternateContent xmlns:mc="http://schemas.openxmlformats.org/markup-compatibility/2006">
+    <mc:Choice xmlns:p14="http://schemas.microsoft.com/office/powerpoint/2010/main" Requires="p14">
+      <p:transition p14:dur="500">
+        <p:pull/>
+      </p:transition>
+    </mc:Choice>
+    <mc:Fallback>
+      <p:transition>
+        <p:pull/>
+      </p:transition>
+    </mc:Fallback>
+  </mc:AlternateContent>
 </p:sldLayout>
 </file>
 
@@ -4449,6 +4504,18 @@
   <p:clrMapOvr>
     <a:masterClrMapping/>
   </p:clrMapOvr>
+  <mc:AlternateContent xmlns:mc="http://schemas.openxmlformats.org/markup-compatibility/2006">
+    <mc:Choice xmlns:p14="http://schemas.microsoft.com/office/powerpoint/2010/main" Requires="p14">
+      <p:transition p14:dur="500">
+        <p:pull/>
+      </p:transition>
+    </mc:Choice>
+    <mc:Fallback>
+      <p:transition>
+        <p:pull/>
+      </p:transition>
+    </mc:Fallback>
+  </mc:AlternateContent>
 </p:sldLayout>
 </file>
 
@@ -4961,6 +5028,18 @@
   <p:clrMapOvr>
     <a:masterClrMapping/>
   </p:clrMapOvr>
+  <mc:AlternateContent xmlns:mc="http://schemas.openxmlformats.org/markup-compatibility/2006">
+    <mc:Choice xmlns:p14="http://schemas.microsoft.com/office/powerpoint/2010/main" Requires="p14">
+      <p:transition p14:dur="500">
+        <p:pull/>
+      </p:transition>
+    </mc:Choice>
+    <mc:Fallback>
+      <p:transition>
+        <p:pull/>
+      </p:transition>
+    </mc:Fallback>
+  </mc:AlternateContent>
 </p:sldLayout>
 </file>
 
@@ -5223,6 +5302,18 @@
   <p:clrMapOvr>
     <a:masterClrMapping/>
   </p:clrMapOvr>
+  <mc:AlternateContent xmlns:mc="http://schemas.openxmlformats.org/markup-compatibility/2006">
+    <mc:Choice xmlns:p14="http://schemas.microsoft.com/office/powerpoint/2010/main" Requires="p14">
+      <p:transition p14:dur="500">
+        <p:pull/>
+      </p:transition>
+    </mc:Choice>
+    <mc:Fallback>
+      <p:transition>
+        <p:pull/>
+      </p:transition>
+    </mc:Fallback>
+  </mc:AlternateContent>
 </p:sldLayout>
 </file>
 
@@ -5610,6 +5701,18 @@
   <p:clrMapOvr>
     <a:masterClrMapping/>
   </p:clrMapOvr>
+  <mc:AlternateContent xmlns:mc="http://schemas.openxmlformats.org/markup-compatibility/2006">
+    <mc:Choice xmlns:p14="http://schemas.microsoft.com/office/powerpoint/2010/main" Requires="p14">
+      <p:transition p14:dur="500">
+        <p:pull/>
+      </p:transition>
+    </mc:Choice>
+    <mc:Fallback>
+      <p:transition>
+        <p:pull/>
+      </p:transition>
+    </mc:Fallback>
+  </mc:AlternateContent>
 </p:sldLayout>
 </file>
 
@@ -6117,6 +6220,18 @@
   <p:clrMapOvr>
     <a:masterClrMapping/>
   </p:clrMapOvr>
+  <mc:AlternateContent xmlns:mc="http://schemas.openxmlformats.org/markup-compatibility/2006">
+    <mc:Choice xmlns:p14="http://schemas.microsoft.com/office/powerpoint/2010/main" Requires="p14">
+      <p:transition p14:dur="500">
+        <p:pull/>
+      </p:transition>
+    </mc:Choice>
+    <mc:Fallback>
+      <p:transition>
+        <p:pull/>
+      </p:transition>
+    </mc:Fallback>
+  </mc:AlternateContent>
 </p:sldLayout>
 </file>
 
@@ -6748,6 +6863,18 @@
   <p:clrMapOvr>
     <a:masterClrMapping/>
   </p:clrMapOvr>
+  <mc:AlternateContent xmlns:mc="http://schemas.openxmlformats.org/markup-compatibility/2006">
+    <mc:Choice xmlns:p14="http://schemas.microsoft.com/office/powerpoint/2010/main" Requires="p14">
+      <p:transition p14:dur="500">
+        <p:pull/>
+      </p:transition>
+    </mc:Choice>
+    <mc:Fallback>
+      <p:transition>
+        <p:pull/>
+      </p:transition>
+    </mc:Fallback>
+  </mc:AlternateContent>
 </p:sldLayout>
 </file>
 
@@ -6925,6 +7052,18 @@
   <p:clrMapOvr>
     <a:masterClrMapping/>
   </p:clrMapOvr>
+  <mc:AlternateContent xmlns:mc="http://schemas.openxmlformats.org/markup-compatibility/2006">
+    <mc:Choice xmlns:p14="http://schemas.microsoft.com/office/powerpoint/2010/main" Requires="p14">
+      <p:transition p14:dur="500">
+        <p:pull/>
+      </p:transition>
+    </mc:Choice>
+    <mc:Fallback>
+      <p:transition>
+        <p:pull/>
+      </p:transition>
+    </mc:Fallback>
+  </mc:AlternateContent>
 </p:sldLayout>
 </file>
 
@@ -7622,6 +7761,18 @@
     <p:sldLayoutId id="2147483658" r:id="rId10"/>
     <p:sldLayoutId id="2147483659" r:id="rId11"/>
   </p:sldLayoutIdLst>
+  <mc:AlternateContent xmlns:mc="http://schemas.openxmlformats.org/markup-compatibility/2006">
+    <mc:Choice xmlns:p14="http://schemas.microsoft.com/office/powerpoint/2010/main" Requires="p14">
+      <p:transition p14:dur="500">
+        <p:pull/>
+      </p:transition>
+    </mc:Choice>
+    <mc:Fallback>
+      <p:transition>
+        <p:pull/>
+      </p:transition>
+    </mc:Fallback>
+  </mc:AlternateContent>
   <p:hf sldNum="0" hdr="0" ftr="0" dt="0"/>
   <p:txStyles>
     <p:titleStyle>
@@ -8433,10 +8584,160 @@
   <p:clrMapOvr>
     <a:masterClrMapping/>
   </p:clrMapOvr>
+  <mc:AlternateContent xmlns:mc="http://schemas.openxmlformats.org/markup-compatibility/2006">
+    <mc:Choice xmlns:p14="http://schemas.microsoft.com/office/powerpoint/2010/main" Requires="p14">
+      <p:transition p14:dur="500">
+        <p:pull/>
+      </p:transition>
+    </mc:Choice>
+    <mc:Fallback>
+      <p:transition>
+        <p:pull/>
+      </p:transition>
+    </mc:Fallback>
+  </mc:AlternateContent>
 </p:sld>
 </file>
 
 <file path=ppt/slides/slide10.xml><?xml version="1.0" encoding="utf-8"?>
+<p:sld xmlns:a="http://schemas.openxmlformats.org/drawingml/2006/main" xmlns:r="http://schemas.openxmlformats.org/officeDocument/2006/relationships" xmlns:p="http://schemas.openxmlformats.org/presentationml/2006/main">
+  <p:cSld>
+    <p:spTree>
+      <p:nvGrpSpPr>
+        <p:cNvPr id="1" name=""/>
+        <p:cNvGrpSpPr/>
+        <p:nvPr/>
+      </p:nvGrpSpPr>
+      <p:grpSpPr/>
+      <p:sp>
+        <p:nvSpPr>
+          <p:cNvPr id="2" name="Title 1"/>
+          <p:cNvSpPr/>
+          <p:nvPr>
+            <p:ph type="title"/>
+          </p:nvPr>
+        </p:nvSpPr>
+        <p:spPr>
+          <a:xfrm>
+            <a:off x="311785" y="410210"/>
+            <a:ext cx="8520430" cy="455295"/>
+          </a:xfrm>
+        </p:spPr>
+        <p:txBody>
+          <a:bodyPr>
+            <a:normAutofit fontScale="90000"/>
+          </a:bodyPr>
+          <a:p>
+            <a:r>
+              <a:rPr lang="en-IN" altLang="en-US" sz="2000">
+                <a:latin typeface="Goudy Old Style" panose="02020502050305020303" charset="0"/>
+                <a:cs typeface="Goudy Old Style" panose="02020502050305020303" charset="0"/>
+              </a:rPr>
+              <a:t>Working:</a:t>
+            </a:r>
+            <a:endParaRPr lang="en-IN" altLang="en-US" sz="2000">
+              <a:latin typeface="Goudy Old Style" panose="02020502050305020303" charset="0"/>
+              <a:cs typeface="Goudy Old Style" panose="02020502050305020303" charset="0"/>
+            </a:endParaRPr>
+          </a:p>
+        </p:txBody>
+      </p:sp>
+      <p:sp>
+        <p:nvSpPr>
+          <p:cNvPr id="3" name="Text Placeholder 2"/>
+          <p:cNvSpPr/>
+          <p:nvPr>
+            <p:ph type="body" idx="1"/>
+          </p:nvPr>
+        </p:nvSpPr>
+        <p:spPr>
+          <a:xfrm>
+            <a:off x="311785" y="865505"/>
+            <a:ext cx="8520430" cy="4025900"/>
+          </a:xfrm>
+        </p:spPr>
+        <p:txBody>
+          <a:bodyPr/>
+          <a:p>
+            <a:pPr marL="114300" indent="0">
+              <a:buNone/>
+            </a:pPr>
+            <a:r>
+              <a:rPr lang="en-IN" altLang="en-US" sz="1600">
+                <a:latin typeface="Goudy Old Style" panose="02020502050305020303" charset="0"/>
+                <a:cs typeface="Goudy Old Style" panose="02020502050305020303" charset="0"/>
+              </a:rPr>
+              <a:t>The binary search starts with two commits, a good and a bad, and bisects the commits and checkouts the middle one for us and create a detached HEAD to check whether that particular commit is good or bad. And, inputs the feedback from the user that whether that particular commit is a good one or bad. If the commit is good, it now searches between the new found good commit and the bad one. Else, if the commit is bad, it now searches between new found bad commit and the good one. And, the process continues to narrow down the search to that particular commit which introduced the problem. And, now we know which commit caused the problem and who made that particular commit. So, we got the commit causing problems in a detached HEAD and now we can work around with them, make experimental changes and commit if all goes well, without impacting any branch.</a:t>
+            </a:r>
+            <a:endParaRPr lang="en-IN" altLang="en-US" sz="1600">
+              <a:latin typeface="Goudy Old Style" panose="02020502050305020303" charset="0"/>
+              <a:cs typeface="Goudy Old Style" panose="02020502050305020303" charset="0"/>
+            </a:endParaRPr>
+          </a:p>
+          <a:p>
+            <a:pPr marL="114300" indent="0">
+              <a:buNone/>
+            </a:pPr>
+            <a:r>
+              <a:rPr lang="en-IN" altLang="en-US" sz="1600">
+                <a:latin typeface="Goudy Old Style" panose="02020502050305020303" charset="0"/>
+                <a:cs typeface="Goudy Old Style" panose="02020502050305020303" charset="0"/>
+              </a:rPr>
+              <a:t>From this state, we can take this commit to a new branch and work around.</a:t>
+            </a:r>
+            <a:endParaRPr lang="en-IN" altLang="en-US" sz="1600">
+              <a:latin typeface="Goudy Old Style" panose="02020502050305020303" charset="0"/>
+              <a:cs typeface="Goudy Old Style" panose="02020502050305020303" charset="0"/>
+            </a:endParaRPr>
+          </a:p>
+          <a:p>
+            <a:pPr marL="114300" indent="0">
+              <a:buNone/>
+            </a:pPr>
+            <a:endParaRPr lang="en-IN" altLang="en-US" sz="1600">
+              <a:latin typeface="Goudy Old Style" panose="02020502050305020303" charset="0"/>
+              <a:cs typeface="Goudy Old Style" panose="02020502050305020303" charset="0"/>
+            </a:endParaRPr>
+          </a:p>
+          <a:p>
+            <a:pPr marL="114300" indent="0">
+              <a:buNone/>
+            </a:pPr>
+            <a:r>
+              <a:rPr lang="en-IN" altLang="en-US" sz="1600">
+                <a:latin typeface="Goudy Old Style" panose="02020502050305020303" charset="0"/>
+                <a:cs typeface="Goudy Old Style" panose="02020502050305020303" charset="0"/>
+              </a:rPr>
+              <a:t>{good, good, good, ....... , bad, bad, bad} -- That’s how we reach to the first bad 						               commit.</a:t>
+            </a:r>
+            <a:endParaRPr lang="en-IN" altLang="en-US" sz="1600">
+              <a:latin typeface="Goudy Old Style" panose="02020502050305020303" charset="0"/>
+              <a:cs typeface="Goudy Old Style" panose="02020502050305020303" charset="0"/>
+            </a:endParaRPr>
+          </a:p>
+        </p:txBody>
+      </p:sp>
+    </p:spTree>
+  </p:cSld>
+  <p:clrMapOvr>
+    <a:masterClrMapping/>
+  </p:clrMapOvr>
+  <mc:AlternateContent xmlns:mc="http://schemas.openxmlformats.org/markup-compatibility/2006">
+    <mc:Choice xmlns:p14="http://schemas.microsoft.com/office/powerpoint/2010/main" Requires="p14">
+      <p:transition p14:dur="500">
+        <p:pull/>
+      </p:transition>
+    </mc:Choice>
+    <mc:Fallback>
+      <p:transition>
+        <p:pull/>
+      </p:transition>
+    </mc:Fallback>
+  </mc:AlternateContent>
+</p:sld>
+</file>
+
+<file path=ppt/slides/slide11.xml><?xml version="1.0" encoding="utf-8"?>
 <p:sld xmlns:a="http://schemas.openxmlformats.org/drawingml/2006/main" xmlns:r="http://schemas.openxmlformats.org/officeDocument/2006/relationships" xmlns:p="http://schemas.openxmlformats.org/presentationml/2006/main">
   <p:cSld>
     <p:spTree>
@@ -8598,10 +8899,22 @@
   <p:clrMapOvr>
     <a:masterClrMapping/>
   </p:clrMapOvr>
+  <mc:AlternateContent xmlns:mc="http://schemas.openxmlformats.org/markup-compatibility/2006">
+    <mc:Choice xmlns:p14="http://schemas.microsoft.com/office/powerpoint/2010/main" Requires="p14">
+      <p:transition p14:dur="500">
+        <p:pull/>
+      </p:transition>
+    </mc:Choice>
+    <mc:Fallback>
+      <p:transition>
+        <p:pull/>
+      </p:transition>
+    </mc:Fallback>
+  </mc:AlternateContent>
 </p:sld>
 </file>
 
-<file path=ppt/slides/slide11.xml><?xml version="1.0" encoding="utf-8"?>
+<file path=ppt/slides/slide12.xml><?xml version="1.0" encoding="utf-8"?>
 <p:sld xmlns:a="http://schemas.openxmlformats.org/drawingml/2006/main" xmlns:r="http://schemas.openxmlformats.org/officeDocument/2006/relationships" xmlns:p="http://schemas.openxmlformats.org/presentationml/2006/main">
   <p:cSld>
     <p:spTree>
@@ -8754,10 +9067,22 @@
   <p:clrMapOvr>
     <a:masterClrMapping/>
   </p:clrMapOvr>
+  <mc:AlternateContent xmlns:mc="http://schemas.openxmlformats.org/markup-compatibility/2006">
+    <mc:Choice xmlns:p14="http://schemas.microsoft.com/office/powerpoint/2010/main" Requires="p14">
+      <p:transition spd="slow" p14:dur="1000">
+        <p:pull/>
+      </p:transition>
+    </mc:Choice>
+    <mc:Fallback>
+      <p:transition spd="slow">
+        <p:pull/>
+      </p:transition>
+    </mc:Fallback>
+  </mc:AlternateContent>
 </p:sld>
 </file>
 
-<file path=ppt/slides/slide12.xml><?xml version="1.0" encoding="utf-8"?>
+<file path=ppt/slides/slide13.xml><?xml version="1.0" encoding="utf-8"?>
 <p:sld xmlns:a="http://schemas.openxmlformats.org/drawingml/2006/main" xmlns:r="http://schemas.openxmlformats.org/officeDocument/2006/relationships" xmlns:p="http://schemas.openxmlformats.org/presentationml/2006/main">
   <p:cSld>
     <p:spTree>
@@ -9030,10 +9355,22 @@
   <p:clrMapOvr>
     <a:masterClrMapping/>
   </p:clrMapOvr>
+  <mc:AlternateContent xmlns:mc="http://schemas.openxmlformats.org/markup-compatibility/2006">
+    <mc:Choice xmlns:p14="http://schemas.microsoft.com/office/powerpoint/2010/main" Requires="p14">
+      <p:transition p14:dur="500">
+        <p:pull/>
+      </p:transition>
+    </mc:Choice>
+    <mc:Fallback>
+      <p:transition>
+        <p:pull/>
+      </p:transition>
+    </mc:Fallback>
+  </mc:AlternateContent>
 </p:sld>
 </file>
 
-<file path=ppt/slides/slide13.xml><?xml version="1.0" encoding="utf-8"?>
+<file path=ppt/slides/slide14.xml><?xml version="1.0" encoding="utf-8"?>
 <p:sld xmlns:a="http://schemas.openxmlformats.org/drawingml/2006/main" xmlns:r="http://schemas.openxmlformats.org/officeDocument/2006/relationships" xmlns:p="http://schemas.openxmlformats.org/presentationml/2006/main">
   <p:cSld>
     <p:spTree>
@@ -9219,10 +9556,22 @@
   <p:clrMapOvr>
     <a:masterClrMapping/>
   </p:clrMapOvr>
+  <mc:AlternateContent xmlns:mc="http://schemas.openxmlformats.org/markup-compatibility/2006">
+    <mc:Choice xmlns:p14="http://schemas.microsoft.com/office/powerpoint/2010/main" Requires="p14">
+      <p:transition p14:dur="500">
+        <p:pull/>
+      </p:transition>
+    </mc:Choice>
+    <mc:Fallback>
+      <p:transition>
+        <p:pull/>
+      </p:transition>
+    </mc:Fallback>
+  </mc:AlternateContent>
 </p:sld>
 </file>
 
-<file path=ppt/slides/slide14.xml><?xml version="1.0" encoding="utf-8"?>
+<file path=ppt/slides/slide15.xml><?xml version="1.0" encoding="utf-8"?>
 <p:sld xmlns:a="http://schemas.openxmlformats.org/drawingml/2006/main" xmlns:r="http://schemas.openxmlformats.org/officeDocument/2006/relationships" xmlns:p="http://schemas.openxmlformats.org/presentationml/2006/main">
   <p:cSld>
     <p:spTree>
@@ -9475,10 +9824,22 @@
   <p:clrMapOvr>
     <a:masterClrMapping/>
   </p:clrMapOvr>
+  <mc:AlternateContent xmlns:mc="http://schemas.openxmlformats.org/markup-compatibility/2006">
+    <mc:Choice xmlns:p14="http://schemas.microsoft.com/office/powerpoint/2010/main" Requires="p14">
+      <p:transition p14:dur="500">
+        <p:pull/>
+      </p:transition>
+    </mc:Choice>
+    <mc:Fallback>
+      <p:transition>
+        <p:pull/>
+      </p:transition>
+    </mc:Fallback>
+  </mc:AlternateContent>
 </p:sld>
 </file>
 
-<file path=ppt/slides/slide15.xml><?xml version="1.0" encoding="utf-8"?>
+<file path=ppt/slides/slide16.xml><?xml version="1.0" encoding="utf-8"?>
 <p:sld xmlns:a="http://schemas.openxmlformats.org/drawingml/2006/main" xmlns:r="http://schemas.openxmlformats.org/officeDocument/2006/relationships" xmlns:p="http://schemas.openxmlformats.org/presentationml/2006/main">
   <p:cSld>
     <p:spTree>
@@ -9770,10 +10131,22 @@
   <p:clrMapOvr>
     <a:masterClrMapping/>
   </p:clrMapOvr>
+  <mc:AlternateContent xmlns:mc="http://schemas.openxmlformats.org/markup-compatibility/2006">
+    <mc:Choice xmlns:p14="http://schemas.microsoft.com/office/powerpoint/2010/main" Requires="p14">
+      <p:transition p14:dur="500">
+        <p:pull/>
+      </p:transition>
+    </mc:Choice>
+    <mc:Fallback>
+      <p:transition>
+        <p:pull/>
+      </p:transition>
+    </mc:Fallback>
+  </mc:AlternateContent>
 </p:sld>
 </file>
 
-<file path=ppt/slides/slide16.xml><?xml version="1.0" encoding="utf-8"?>
+<file path=ppt/slides/slide17.xml><?xml version="1.0" encoding="utf-8"?>
 <p:sld xmlns:a="http://schemas.openxmlformats.org/drawingml/2006/main" xmlns:r="http://schemas.openxmlformats.org/officeDocument/2006/relationships" xmlns:p="http://schemas.openxmlformats.org/presentationml/2006/main">
   <p:cSld>
     <p:spTree>
@@ -9926,10 +10299,22 @@
   <p:clrMapOvr>
     <a:masterClrMapping/>
   </p:clrMapOvr>
+  <mc:AlternateContent xmlns:mc="http://schemas.openxmlformats.org/markup-compatibility/2006">
+    <mc:Choice xmlns:p14="http://schemas.microsoft.com/office/powerpoint/2010/main" Requires="p14">
+      <p:transition p14:dur="500">
+        <p:pull/>
+      </p:transition>
+    </mc:Choice>
+    <mc:Fallback>
+      <p:transition>
+        <p:pull/>
+      </p:transition>
+    </mc:Fallback>
+  </mc:AlternateContent>
 </p:sld>
 </file>
 
-<file path=ppt/slides/slide17.xml><?xml version="1.0" encoding="utf-8"?>
+<file path=ppt/slides/slide18.xml><?xml version="1.0" encoding="utf-8"?>
 <p:sld xmlns:a="http://schemas.openxmlformats.org/drawingml/2006/main" xmlns:r="http://schemas.openxmlformats.org/officeDocument/2006/relationships" xmlns:p="http://schemas.openxmlformats.org/presentationml/2006/main">
   <p:cSld>
     <p:spTree>
@@ -10073,10 +10458,22 @@
   <p:clrMapOvr>
     <a:masterClrMapping/>
   </p:clrMapOvr>
+  <mc:AlternateContent xmlns:mc="http://schemas.openxmlformats.org/markup-compatibility/2006">
+    <mc:Choice xmlns:p14="http://schemas.microsoft.com/office/powerpoint/2010/main" Requires="p14">
+      <p:transition p14:dur="500">
+        <p:pull/>
+      </p:transition>
+    </mc:Choice>
+    <mc:Fallback>
+      <p:transition>
+        <p:pull/>
+      </p:transition>
+    </mc:Fallback>
+  </mc:AlternateContent>
 </p:sld>
 </file>
 
-<file path=ppt/slides/slide18.xml><?xml version="1.0" encoding="utf-8"?>
+<file path=ppt/slides/slide19.xml><?xml version="1.0" encoding="utf-8"?>
 <p:sld xmlns:a="http://schemas.openxmlformats.org/drawingml/2006/main" xmlns:r="http://schemas.openxmlformats.org/officeDocument/2006/relationships" xmlns:p="http://schemas.openxmlformats.org/presentationml/2006/main">
   <p:cSld>
     <p:spTree>
@@ -10116,453 +10513,18 @@
   <p:clrMapOvr>
     <a:masterClrMapping/>
   </p:clrMapOvr>
-</p:sld>
-</file>
-
-<file path=ppt/slides/slide19.xml><?xml version="1.0" encoding="utf-8"?>
-<p:sld xmlns:a="http://schemas.openxmlformats.org/drawingml/2006/main" xmlns:r="http://schemas.openxmlformats.org/officeDocument/2006/relationships" xmlns:p="http://schemas.openxmlformats.org/presentationml/2006/main">
-  <p:cSld>
-    <p:spTree>
-      <p:nvGrpSpPr>
-        <p:cNvPr id="1" name=""/>
-        <p:cNvGrpSpPr/>
-        <p:nvPr/>
-      </p:nvGrpSpPr>
-      <p:grpSpPr/>
-      <p:sp>
-        <p:nvSpPr>
-          <p:cNvPr id="4" name="Title 3"/>
-          <p:cNvSpPr/>
-          <p:nvPr>
-            <p:ph type="title"/>
-          </p:nvPr>
-        </p:nvSpPr>
-        <p:spPr/>
-        <p:txBody>
-          <a:bodyPr>
-            <a:normAutofit fontScale="90000"/>
-          </a:bodyPr>
-          <a:p>
-            <a:pPr algn="ctr"/>
-            <a:r>
-              <a:rPr lang="en-US" b="1">
-                <a:latin typeface="Goudy Old Style" panose="02020502050305020303" charset="0"/>
-                <a:cs typeface="Goudy Old Style" panose="02020502050305020303" charset="0"/>
-              </a:rPr>
-              <a:t>Git merge 	</a:t>
-            </a:r>
-            <a:r>
-              <a:rPr lang="en-US">
-                <a:latin typeface="Goudy Old Style" panose="02020502050305020303" charset="0"/>
-                <a:cs typeface="Goudy Old Style" panose="02020502050305020303" charset="0"/>
-              </a:rPr>
-              <a:t>	vs	     </a:t>
-            </a:r>
-            <a:r>
-              <a:rPr lang="en-US" b="1">
-                <a:latin typeface="Goudy Old Style" panose="02020502050305020303" charset="0"/>
-                <a:cs typeface="Goudy Old Style" panose="02020502050305020303" charset="0"/>
-              </a:rPr>
-              <a:t> Git rebase</a:t>
-            </a:r>
-            <a:endParaRPr lang="en-US" b="1">
-              <a:latin typeface="Goudy Old Style" panose="02020502050305020303" charset="0"/>
-              <a:cs typeface="Goudy Old Style" panose="02020502050305020303" charset="0"/>
-            </a:endParaRPr>
-          </a:p>
-        </p:txBody>
-      </p:sp>
-      <p:sp>
-        <p:nvSpPr>
-          <p:cNvPr id="5" name="Text Placeholder 4"/>
-          <p:cNvSpPr/>
-          <p:nvPr>
-            <p:ph type="body" idx="1"/>
-          </p:nvPr>
-        </p:nvSpPr>
-        <p:spPr>
-          <a:xfrm>
-            <a:off x="311785" y="1229995"/>
-            <a:ext cx="3999865" cy="1860550"/>
-          </a:xfrm>
-        </p:spPr>
-        <p:txBody>
-          <a:bodyPr>
-            <a:normAutofit lnSpcReduction="10000"/>
-          </a:bodyPr>
-          <a:p>
-            <a:r>
-              <a:rPr lang="en-US" sz="1600">
-                <a:latin typeface="Goudy Old Style" panose="02020502050305020303" charset="0"/>
-                <a:cs typeface="Goudy Old Style" panose="02020502050305020303" charset="0"/>
-              </a:rPr>
-              <a:t>Creates a final commit at merging</a:t>
-            </a:r>
-            <a:endParaRPr lang="en-US" sz="1600">
-              <a:latin typeface="Goudy Old Style" panose="02020502050305020303" charset="0"/>
-              <a:cs typeface="Goudy Old Style" panose="02020502050305020303" charset="0"/>
-            </a:endParaRPr>
-          </a:p>
-          <a:p>
-            <a:r>
-              <a:rPr lang="en-US" sz="1600">
-                <a:latin typeface="Goudy Old Style" panose="02020502050305020303" charset="0"/>
-                <a:cs typeface="Goudy Old Style" panose="02020502050305020303" charset="0"/>
-              </a:rPr>
-              <a:t>All commits merged as a single one</a:t>
-            </a:r>
-            <a:endParaRPr lang="en-US" sz="1600">
-              <a:latin typeface="Goudy Old Style" panose="02020502050305020303" charset="0"/>
-              <a:cs typeface="Goudy Old Style" panose="02020502050305020303" charset="0"/>
-            </a:endParaRPr>
-          </a:p>
-          <a:p>
-            <a:r>
-              <a:rPr lang="en-US" sz="1600">
-                <a:latin typeface="Goudy Old Style" panose="02020502050305020303" charset="0"/>
-                <a:cs typeface="Goudy Old Style" panose="02020502050305020303" charset="0"/>
-              </a:rPr>
-              <a:t>Graphical history, complex to understand</a:t>
-            </a:r>
-            <a:endParaRPr lang="en-US" sz="1600">
-              <a:latin typeface="Goudy Old Style" panose="02020502050305020303" charset="0"/>
-              <a:cs typeface="Goudy Old Style" panose="02020502050305020303" charset="0"/>
-            </a:endParaRPr>
-          </a:p>
-          <a:p>
-            <a:r>
-              <a:rPr lang="en-US" sz="1600">
-                <a:latin typeface="Goudy Old Style" panose="02020502050305020303" charset="0"/>
-                <a:cs typeface="Goudy Old Style" panose="02020502050305020303" charset="0"/>
-              </a:rPr>
-              <a:t>Can be done on private or public branch</a:t>
-            </a:r>
-            <a:endParaRPr lang="en-US" sz="1600">
-              <a:latin typeface="Goudy Old Style" panose="02020502050305020303" charset="0"/>
-              <a:cs typeface="Goudy Old Style" panose="02020502050305020303" charset="0"/>
-            </a:endParaRPr>
-          </a:p>
-          <a:p>
-            <a:r>
-              <a:rPr lang="en-US" sz="1600">
-                <a:latin typeface="Goudy Old Style" panose="02020502050305020303" charset="0"/>
-                <a:cs typeface="Goudy Old Style" panose="02020502050305020303" charset="0"/>
-              </a:rPr>
-              <a:t>Preserves history</a:t>
-            </a:r>
-            <a:endParaRPr lang="en-US" sz="1600">
-              <a:latin typeface="Goudy Old Style" panose="02020502050305020303" charset="0"/>
-              <a:cs typeface="Goudy Old Style" panose="02020502050305020303" charset="0"/>
-            </a:endParaRPr>
-          </a:p>
-          <a:p>
-            <a:r>
-              <a:rPr lang="en-US" sz="1600">
-                <a:latin typeface="Goudy Old Style" panose="02020502050305020303" charset="0"/>
-                <a:cs typeface="Goudy Old Style" panose="02020502050305020303" charset="0"/>
-              </a:rPr>
-              <a:t>Presents all conflicts at once</a:t>
-            </a:r>
-            <a:endParaRPr lang="en-US" sz="1600">
-              <a:latin typeface="Goudy Old Style" panose="02020502050305020303" charset="0"/>
-              <a:cs typeface="Goudy Old Style" panose="02020502050305020303" charset="0"/>
-            </a:endParaRPr>
-          </a:p>
-        </p:txBody>
-      </p:sp>
-      <p:sp>
-        <p:nvSpPr>
-          <p:cNvPr id="6" name="Text Placeholder 5"/>
-          <p:cNvSpPr/>
-          <p:nvPr>
-            <p:ph type="body" idx="2"/>
-          </p:nvPr>
-        </p:nvSpPr>
-        <p:spPr>
-          <a:xfrm>
-            <a:off x="4832350" y="1229995"/>
-            <a:ext cx="3999865" cy="1860550"/>
-          </a:xfrm>
-        </p:spPr>
-        <p:txBody>
-          <a:bodyPr>
-            <a:normAutofit lnSpcReduction="10000"/>
-          </a:bodyPr>
-          <a:p>
-            <a:r>
-              <a:rPr lang="en-US" sz="1600">
-                <a:latin typeface="Goudy Old Style" panose="02020502050305020303" charset="0"/>
-                <a:cs typeface="Goudy Old Style" panose="02020502050305020303" charset="0"/>
-              </a:rPr>
-              <a:t>No new commits are made</a:t>
-            </a:r>
-            <a:endParaRPr lang="en-US" sz="1600">
-              <a:latin typeface="Goudy Old Style" panose="02020502050305020303" charset="0"/>
-              <a:cs typeface="Goudy Old Style" panose="02020502050305020303" charset="0"/>
-            </a:endParaRPr>
-          </a:p>
-          <a:p>
-            <a:r>
-              <a:rPr lang="en-US" sz="1600">
-                <a:latin typeface="Goudy Old Style" panose="02020502050305020303" charset="0"/>
-                <a:cs typeface="Goudy Old Style" panose="02020502050305020303" charset="0"/>
-              </a:rPr>
-              <a:t>A linear track of commits is made</a:t>
-            </a:r>
-            <a:endParaRPr lang="en-US" sz="1600">
-              <a:latin typeface="Goudy Old Style" panose="02020502050305020303" charset="0"/>
-              <a:cs typeface="Goudy Old Style" panose="02020502050305020303" charset="0"/>
-            </a:endParaRPr>
-          </a:p>
-          <a:p>
-            <a:r>
-              <a:rPr lang="en-US" sz="1600">
-                <a:latin typeface="Goudy Old Style" panose="02020502050305020303" charset="0"/>
-                <a:cs typeface="Goudy Old Style" panose="02020502050305020303" charset="0"/>
-              </a:rPr>
-              <a:t>Linear history, easier to understand</a:t>
-            </a:r>
-            <a:endParaRPr lang="en-US" sz="1600">
-              <a:latin typeface="Goudy Old Style" panose="02020502050305020303" charset="0"/>
-              <a:cs typeface="Goudy Old Style" panose="02020502050305020303" charset="0"/>
-            </a:endParaRPr>
-          </a:p>
-          <a:p>
-            <a:r>
-              <a:rPr lang="en-US" sz="1600">
-                <a:latin typeface="Goudy Old Style" panose="02020502050305020303" charset="0"/>
-                <a:cs typeface="Goudy Old Style" panose="02020502050305020303" charset="0"/>
-              </a:rPr>
-              <a:t>Do not do this on public branch</a:t>
-            </a:r>
-            <a:endParaRPr lang="en-US" sz="1600">
-              <a:latin typeface="Goudy Old Style" panose="02020502050305020303" charset="0"/>
-              <a:cs typeface="Goudy Old Style" panose="02020502050305020303" charset="0"/>
-            </a:endParaRPr>
-          </a:p>
-          <a:p>
-            <a:r>
-              <a:rPr lang="en-US" sz="1600">
-                <a:latin typeface="Goudy Old Style" panose="02020502050305020303" charset="0"/>
-                <a:cs typeface="Goudy Old Style" panose="02020502050305020303" charset="0"/>
-              </a:rPr>
-              <a:t>Rewrites history</a:t>
-            </a:r>
-            <a:endParaRPr lang="en-US" sz="1600">
-              <a:latin typeface="Goudy Old Style" panose="02020502050305020303" charset="0"/>
-              <a:cs typeface="Goudy Old Style" panose="02020502050305020303" charset="0"/>
-            </a:endParaRPr>
-          </a:p>
-          <a:p>
-            <a:r>
-              <a:rPr lang="en-US" sz="1600">
-                <a:latin typeface="Goudy Old Style" panose="02020502050305020303" charset="0"/>
-                <a:cs typeface="Goudy Old Style" panose="02020502050305020303" charset="0"/>
-              </a:rPr>
-              <a:t>Presents conflicts one by one</a:t>
-            </a:r>
-            <a:endParaRPr lang="en-US" sz="1600">
-              <a:latin typeface="Goudy Old Style" panose="02020502050305020303" charset="0"/>
-              <a:cs typeface="Goudy Old Style" panose="02020502050305020303" charset="0"/>
-            </a:endParaRPr>
-          </a:p>
-        </p:txBody>
-      </p:sp>
-      <p:sp>
-        <p:nvSpPr>
-          <p:cNvPr id="7" name="Text Box 6"/>
-          <p:cNvSpPr txBox="1"/>
-          <p:nvPr/>
-        </p:nvSpPr>
-        <p:spPr>
-          <a:xfrm>
-            <a:off x="549910" y="3526155"/>
-            <a:ext cx="8043545" cy="1522095"/>
-          </a:xfrm>
-          <a:prstGeom prst="rect">
-            <a:avLst/>
-          </a:prstGeom>
-          <a:noFill/>
-        </p:spPr>
-        <p:txBody>
-          <a:bodyPr wrap="square" rtlCol="0">
-            <a:spAutoFit/>
-          </a:bodyPr>
-          <a:p>
-            <a:pPr marL="342900" indent="-342900">
-              <a:buFont typeface="Arial" panose="020B0604020202020204" pitchFamily="34" charset="0"/>
-              <a:buChar char="•"/>
-            </a:pPr>
-            <a:r>
-              <a:rPr lang="en-US" sz="1600" b="1">
-                <a:latin typeface="Goudy Old Style" panose="02020502050305020303" charset="0"/>
-                <a:cs typeface="Goudy Old Style" panose="02020502050305020303" charset="0"/>
-              </a:rPr>
-              <a:t>git rebase &lt;base&gt;</a:t>
-            </a:r>
-            <a:r>
-              <a:rPr lang="en-US" sz="1600">
-                <a:latin typeface="Goudy Old Style" panose="02020502050305020303" charset="0"/>
-                <a:cs typeface="Goudy Old Style" panose="02020502050305020303" charset="0"/>
-              </a:rPr>
-              <a:t>: </a:t>
-            </a:r>
-            <a:r>
-              <a:rPr lang="en-US" sz="1500">
-                <a:latin typeface="Goudy Old Style" panose="02020502050305020303" charset="0"/>
-                <a:cs typeface="Goudy Old Style" panose="02020502050305020303" charset="0"/>
-              </a:rPr>
-              <a:t>Performs the standard rebase.(to be given from branch which is to rebased, 		and base is the branch where it is to be based now)</a:t>
-            </a:r>
-            <a:endParaRPr lang="en-US" sz="1500">
-              <a:latin typeface="Goudy Old Style" panose="02020502050305020303" charset="0"/>
-              <a:cs typeface="Goudy Old Style" panose="02020502050305020303" charset="0"/>
-            </a:endParaRPr>
-          </a:p>
-          <a:p>
-            <a:pPr marL="342900" indent="-342900">
-              <a:buFont typeface="Arial" panose="020B0604020202020204" pitchFamily="34" charset="0"/>
-              <a:buChar char="•"/>
-            </a:pPr>
-            <a:r>
-              <a:rPr lang="en-US" sz="1600" b="1">
-                <a:latin typeface="Goudy Old Style" panose="02020502050305020303" charset="0"/>
-                <a:cs typeface="Goudy Old Style" panose="02020502050305020303" charset="0"/>
-              </a:rPr>
-              <a:t>git rebase --continue</a:t>
-            </a:r>
-            <a:r>
-              <a:rPr lang="en-US" sz="1600">
-                <a:latin typeface="Goudy Old Style" panose="02020502050305020303" charset="0"/>
-                <a:cs typeface="Goudy Old Style" panose="02020502050305020303" charset="0"/>
-              </a:rPr>
-              <a:t>: </a:t>
-            </a:r>
-            <a:r>
-              <a:rPr lang="en-US" sz="1500">
-                <a:latin typeface="Goudy Old Style" panose="02020502050305020303" charset="0"/>
-                <a:cs typeface="Goudy Old Style" panose="02020502050305020303" charset="0"/>
-              </a:rPr>
-              <a:t>Continue with the changes we made after solving conflict, and carry the 		     rebasing forward.</a:t>
-            </a:r>
-            <a:endParaRPr lang="en-US" sz="1600">
-              <a:latin typeface="Goudy Old Style" panose="02020502050305020303" charset="0"/>
-              <a:cs typeface="Goudy Old Style" panose="02020502050305020303" charset="0"/>
-            </a:endParaRPr>
-          </a:p>
-          <a:p>
-            <a:pPr marL="342900" indent="-342900">
-              <a:buFont typeface="Arial" panose="020B0604020202020204" pitchFamily="34" charset="0"/>
-              <a:buChar char="•"/>
-            </a:pPr>
-            <a:r>
-              <a:rPr lang="en-US" sz="1600" b="1">
-                <a:latin typeface="Goudy Old Style" panose="02020502050305020303" charset="0"/>
-                <a:cs typeface="Goudy Old Style" panose="02020502050305020303" charset="0"/>
-              </a:rPr>
-              <a:t>git rebase --skip</a:t>
-            </a:r>
-            <a:r>
-              <a:rPr lang="en-US" sz="1600">
-                <a:latin typeface="Goudy Old Style" panose="02020502050305020303" charset="0"/>
-                <a:cs typeface="Goudy Old Style" panose="02020502050305020303" charset="0"/>
-              </a:rPr>
-              <a:t>: </a:t>
-            </a:r>
-            <a:r>
-              <a:rPr lang="en-US" sz="1500">
-                <a:latin typeface="Goudy Old Style" panose="02020502050305020303" charset="0"/>
-                <a:cs typeface="Goudy Old Style" panose="02020502050305020303" charset="0"/>
-              </a:rPr>
-              <a:t>Skip the changes and ignore that particular commit which brought those changes.</a:t>
-            </a:r>
-            <a:endParaRPr lang="en-US" sz="1500">
-              <a:latin typeface="Goudy Old Style" panose="02020502050305020303" charset="0"/>
-              <a:cs typeface="Goudy Old Style" panose="02020502050305020303" charset="0"/>
-            </a:endParaRPr>
-          </a:p>
-          <a:p>
-            <a:pPr marL="342900" indent="-342900">
-              <a:buFont typeface="Arial" panose="020B0604020202020204" pitchFamily="34" charset="0"/>
-              <a:buChar char="•"/>
-            </a:pPr>
-            <a:r>
-              <a:rPr lang="en-US" sz="1500" b="1">
-                <a:latin typeface="Goudy Old Style" panose="02020502050305020303" charset="0"/>
-                <a:cs typeface="Goudy Old Style" panose="02020502050305020303" charset="0"/>
-              </a:rPr>
-              <a:t>git rebase --interactive &lt;base&gt;</a:t>
-            </a:r>
-            <a:r>
-              <a:rPr lang="en-US" sz="1500">
-                <a:latin typeface="Goudy Old Style" panose="02020502050305020303" charset="0"/>
-                <a:cs typeface="Goudy Old Style" panose="02020502050305020303" charset="0"/>
-              </a:rPr>
-              <a:t>: Provides an interactive method to do rebase.</a:t>
-            </a:r>
-            <a:endParaRPr lang="en-US" sz="1500">
-              <a:latin typeface="Goudy Old Style" panose="02020502050305020303" charset="0"/>
-              <a:cs typeface="Goudy Old Style" panose="02020502050305020303" charset="0"/>
-            </a:endParaRPr>
-          </a:p>
-        </p:txBody>
-      </p:sp>
-      <p:sp>
-        <p:nvSpPr>
-          <p:cNvPr id="8" name="Text Box 7"/>
-          <p:cNvSpPr txBox="1"/>
-          <p:nvPr/>
-        </p:nvSpPr>
-        <p:spPr>
-          <a:xfrm>
-            <a:off x="550545" y="3157855"/>
-            <a:ext cx="4304665" cy="368300"/>
-          </a:xfrm>
-          <a:prstGeom prst="rect">
-            <a:avLst/>
-          </a:prstGeom>
-          <a:noFill/>
-        </p:spPr>
-        <p:txBody>
-          <a:bodyPr wrap="square" rtlCol="0">
-            <a:spAutoFit/>
-          </a:bodyPr>
-          <a:p>
-            <a:r>
-              <a:rPr lang="en-US" sz="1800" b="1">
-                <a:solidFill>
-                  <a:schemeClr val="tx1"/>
-                </a:solidFill>
-                <a:latin typeface="Goudy Old Style" panose="02020502050305020303" charset="0"/>
-                <a:cs typeface="Goudy Old Style" panose="02020502050305020303" charset="0"/>
-              </a:rPr>
-              <a:t>Commands</a:t>
-            </a:r>
-            <a:r>
-              <a:rPr lang="en-US" sz="1800">
-                <a:solidFill>
-                  <a:schemeClr val="tx1"/>
-                </a:solidFill>
-                <a:latin typeface="Goudy Old Style" panose="02020502050305020303" charset="0"/>
-                <a:cs typeface="Goudy Old Style" panose="02020502050305020303" charset="0"/>
-              </a:rPr>
-              <a:t>:</a:t>
-            </a:r>
-            <a:endParaRPr lang="en-US" sz="1800">
-              <a:solidFill>
-                <a:schemeClr val="tx1"/>
-              </a:solidFill>
-              <a:latin typeface="Goudy Old Style" panose="02020502050305020303" charset="0"/>
-              <a:cs typeface="Goudy Old Style" panose="02020502050305020303" charset="0"/>
-            </a:endParaRPr>
-          </a:p>
-        </p:txBody>
-      </p:sp>
-    </p:spTree>
-  </p:cSld>
-  <p:clrMapOvr>
-    <a:masterClrMapping/>
-  </p:clrMapOvr>
+  <mc:AlternateContent xmlns:mc="http://schemas.openxmlformats.org/markup-compatibility/2006">
+    <mc:Choice xmlns:p14="http://schemas.microsoft.com/office/powerpoint/2010/main" Requires="p14">
+      <p:transition p14:dur="500">
+        <p:pull/>
+      </p:transition>
+    </mc:Choice>
+    <mc:Fallback>
+      <p:transition>
+        <p:pull/>
+      </p:transition>
+    </mc:Fallback>
+  </mc:AlternateContent>
 </p:sld>
 </file>
 
@@ -10759,10 +10721,481 @@
   <p:clrMapOvr>
     <a:masterClrMapping/>
   </p:clrMapOvr>
+  <mc:AlternateContent xmlns:mc="http://schemas.openxmlformats.org/markup-compatibility/2006">
+    <mc:Choice xmlns:p14="http://schemas.microsoft.com/office/powerpoint/2010/main" Requires="p14">
+      <p:transition p14:dur="500">
+        <p:pull/>
+      </p:transition>
+    </mc:Choice>
+    <mc:Fallback>
+      <p:transition>
+        <p:pull/>
+      </p:transition>
+    </mc:Fallback>
+  </mc:AlternateContent>
 </p:sld>
 </file>
 
 <file path=ppt/slides/slide20.xml><?xml version="1.0" encoding="utf-8"?>
+<p:sld xmlns:a="http://schemas.openxmlformats.org/drawingml/2006/main" xmlns:r="http://schemas.openxmlformats.org/officeDocument/2006/relationships" xmlns:p="http://schemas.openxmlformats.org/presentationml/2006/main">
+  <p:cSld>
+    <p:spTree>
+      <p:nvGrpSpPr>
+        <p:cNvPr id="1" name=""/>
+        <p:cNvGrpSpPr/>
+        <p:nvPr/>
+      </p:nvGrpSpPr>
+      <p:grpSpPr/>
+      <p:sp>
+        <p:nvSpPr>
+          <p:cNvPr id="4" name="Title 3"/>
+          <p:cNvSpPr/>
+          <p:nvPr>
+            <p:ph type="title"/>
+          </p:nvPr>
+        </p:nvSpPr>
+        <p:spPr/>
+        <p:txBody>
+          <a:bodyPr>
+            <a:normAutofit fontScale="90000"/>
+          </a:bodyPr>
+          <a:p>
+            <a:pPr algn="ctr"/>
+            <a:r>
+              <a:rPr lang="en-US" b="1">
+                <a:latin typeface="Goudy Old Style" panose="02020502050305020303" charset="0"/>
+                <a:cs typeface="Goudy Old Style" panose="02020502050305020303" charset="0"/>
+              </a:rPr>
+              <a:t>Git merge 	</a:t>
+            </a:r>
+            <a:r>
+              <a:rPr lang="en-US">
+                <a:latin typeface="Goudy Old Style" panose="02020502050305020303" charset="0"/>
+                <a:cs typeface="Goudy Old Style" panose="02020502050305020303" charset="0"/>
+              </a:rPr>
+              <a:t>	vs	     </a:t>
+            </a:r>
+            <a:r>
+              <a:rPr lang="en-US" b="1">
+                <a:latin typeface="Goudy Old Style" panose="02020502050305020303" charset="0"/>
+                <a:cs typeface="Goudy Old Style" panose="02020502050305020303" charset="0"/>
+              </a:rPr>
+              <a:t> Git rebase</a:t>
+            </a:r>
+            <a:endParaRPr lang="en-US" b="1">
+              <a:latin typeface="Goudy Old Style" panose="02020502050305020303" charset="0"/>
+              <a:cs typeface="Goudy Old Style" panose="02020502050305020303" charset="0"/>
+            </a:endParaRPr>
+          </a:p>
+        </p:txBody>
+      </p:sp>
+      <p:sp>
+        <p:nvSpPr>
+          <p:cNvPr id="5" name="Text Placeholder 4"/>
+          <p:cNvSpPr/>
+          <p:nvPr>
+            <p:ph type="body" idx="1"/>
+          </p:nvPr>
+        </p:nvSpPr>
+        <p:spPr>
+          <a:xfrm>
+            <a:off x="311785" y="1229995"/>
+            <a:ext cx="3999865" cy="1860550"/>
+          </a:xfrm>
+        </p:spPr>
+        <p:txBody>
+          <a:bodyPr>
+            <a:normAutofit lnSpcReduction="10000"/>
+          </a:bodyPr>
+          <a:p>
+            <a:r>
+              <a:rPr lang="en-US" sz="1600">
+                <a:latin typeface="Goudy Old Style" panose="02020502050305020303" charset="0"/>
+                <a:cs typeface="Goudy Old Style" panose="02020502050305020303" charset="0"/>
+              </a:rPr>
+              <a:t>Creates a final commit at merging</a:t>
+            </a:r>
+            <a:endParaRPr lang="en-US" sz="1600">
+              <a:latin typeface="Goudy Old Style" panose="02020502050305020303" charset="0"/>
+              <a:cs typeface="Goudy Old Style" panose="02020502050305020303" charset="0"/>
+            </a:endParaRPr>
+          </a:p>
+          <a:p>
+            <a:r>
+              <a:rPr lang="en-US" sz="1600">
+                <a:latin typeface="Goudy Old Style" panose="02020502050305020303" charset="0"/>
+                <a:cs typeface="Goudy Old Style" panose="02020502050305020303" charset="0"/>
+              </a:rPr>
+              <a:t>All commits merged as a single one</a:t>
+            </a:r>
+            <a:endParaRPr lang="en-US" sz="1600">
+              <a:latin typeface="Goudy Old Style" panose="02020502050305020303" charset="0"/>
+              <a:cs typeface="Goudy Old Style" panose="02020502050305020303" charset="0"/>
+            </a:endParaRPr>
+          </a:p>
+          <a:p>
+            <a:r>
+              <a:rPr lang="en-US" sz="1600">
+                <a:latin typeface="Goudy Old Style" panose="02020502050305020303" charset="0"/>
+                <a:cs typeface="Goudy Old Style" panose="02020502050305020303" charset="0"/>
+              </a:rPr>
+              <a:t>Graphical history, complex to understand</a:t>
+            </a:r>
+            <a:endParaRPr lang="en-US" sz="1600">
+              <a:latin typeface="Goudy Old Style" panose="02020502050305020303" charset="0"/>
+              <a:cs typeface="Goudy Old Style" panose="02020502050305020303" charset="0"/>
+            </a:endParaRPr>
+          </a:p>
+          <a:p>
+            <a:r>
+              <a:rPr lang="en-US" sz="1600">
+                <a:latin typeface="Goudy Old Style" panose="02020502050305020303" charset="0"/>
+                <a:cs typeface="Goudy Old Style" panose="02020502050305020303" charset="0"/>
+              </a:rPr>
+              <a:t>Can be done on private or public branch</a:t>
+            </a:r>
+            <a:endParaRPr lang="en-US" sz="1600">
+              <a:latin typeface="Goudy Old Style" panose="02020502050305020303" charset="0"/>
+              <a:cs typeface="Goudy Old Style" panose="02020502050305020303" charset="0"/>
+            </a:endParaRPr>
+          </a:p>
+          <a:p>
+            <a:r>
+              <a:rPr lang="en-US" sz="1600">
+                <a:latin typeface="Goudy Old Style" panose="02020502050305020303" charset="0"/>
+                <a:cs typeface="Goudy Old Style" panose="02020502050305020303" charset="0"/>
+              </a:rPr>
+              <a:t>Preserves history</a:t>
+            </a:r>
+            <a:endParaRPr lang="en-US" sz="1600">
+              <a:latin typeface="Goudy Old Style" panose="02020502050305020303" charset="0"/>
+              <a:cs typeface="Goudy Old Style" panose="02020502050305020303" charset="0"/>
+            </a:endParaRPr>
+          </a:p>
+          <a:p>
+            <a:r>
+              <a:rPr lang="en-US" sz="1600">
+                <a:latin typeface="Goudy Old Style" panose="02020502050305020303" charset="0"/>
+                <a:cs typeface="Goudy Old Style" panose="02020502050305020303" charset="0"/>
+              </a:rPr>
+              <a:t>Presents all conflicts at once</a:t>
+            </a:r>
+            <a:endParaRPr lang="en-US" sz="1600">
+              <a:latin typeface="Goudy Old Style" panose="02020502050305020303" charset="0"/>
+              <a:cs typeface="Goudy Old Style" panose="02020502050305020303" charset="0"/>
+            </a:endParaRPr>
+          </a:p>
+        </p:txBody>
+      </p:sp>
+      <p:sp>
+        <p:nvSpPr>
+          <p:cNvPr id="6" name="Text Placeholder 5"/>
+          <p:cNvSpPr/>
+          <p:nvPr>
+            <p:ph type="body" idx="2"/>
+          </p:nvPr>
+        </p:nvSpPr>
+        <p:spPr>
+          <a:xfrm>
+            <a:off x="4832350" y="1229995"/>
+            <a:ext cx="3999865" cy="1860550"/>
+          </a:xfrm>
+        </p:spPr>
+        <p:txBody>
+          <a:bodyPr>
+            <a:normAutofit lnSpcReduction="10000"/>
+          </a:bodyPr>
+          <a:p>
+            <a:r>
+              <a:rPr lang="en-US" sz="1600">
+                <a:latin typeface="Goudy Old Style" panose="02020502050305020303" charset="0"/>
+                <a:cs typeface="Goudy Old Style" panose="02020502050305020303" charset="0"/>
+              </a:rPr>
+              <a:t>No new commits are made</a:t>
+            </a:r>
+            <a:endParaRPr lang="en-US" sz="1600">
+              <a:latin typeface="Goudy Old Style" panose="02020502050305020303" charset="0"/>
+              <a:cs typeface="Goudy Old Style" panose="02020502050305020303" charset="0"/>
+            </a:endParaRPr>
+          </a:p>
+          <a:p>
+            <a:r>
+              <a:rPr lang="en-US" sz="1600">
+                <a:latin typeface="Goudy Old Style" panose="02020502050305020303" charset="0"/>
+                <a:cs typeface="Goudy Old Style" panose="02020502050305020303" charset="0"/>
+              </a:rPr>
+              <a:t>A linear track of commits is made</a:t>
+            </a:r>
+            <a:endParaRPr lang="en-US" sz="1600">
+              <a:latin typeface="Goudy Old Style" panose="02020502050305020303" charset="0"/>
+              <a:cs typeface="Goudy Old Style" panose="02020502050305020303" charset="0"/>
+            </a:endParaRPr>
+          </a:p>
+          <a:p>
+            <a:r>
+              <a:rPr lang="en-US" sz="1600">
+                <a:latin typeface="Goudy Old Style" panose="02020502050305020303" charset="0"/>
+                <a:cs typeface="Goudy Old Style" panose="02020502050305020303" charset="0"/>
+              </a:rPr>
+              <a:t>Linear history, easier to understand</a:t>
+            </a:r>
+            <a:endParaRPr lang="en-US" sz="1600">
+              <a:latin typeface="Goudy Old Style" panose="02020502050305020303" charset="0"/>
+              <a:cs typeface="Goudy Old Style" panose="02020502050305020303" charset="0"/>
+            </a:endParaRPr>
+          </a:p>
+          <a:p>
+            <a:r>
+              <a:rPr lang="en-US" sz="1600">
+                <a:latin typeface="Goudy Old Style" panose="02020502050305020303" charset="0"/>
+                <a:cs typeface="Goudy Old Style" panose="02020502050305020303" charset="0"/>
+              </a:rPr>
+              <a:t>Do not do this on public branch</a:t>
+            </a:r>
+            <a:endParaRPr lang="en-US" sz="1600">
+              <a:latin typeface="Goudy Old Style" panose="02020502050305020303" charset="0"/>
+              <a:cs typeface="Goudy Old Style" panose="02020502050305020303" charset="0"/>
+            </a:endParaRPr>
+          </a:p>
+          <a:p>
+            <a:r>
+              <a:rPr lang="en-US" sz="1600">
+                <a:latin typeface="Goudy Old Style" panose="02020502050305020303" charset="0"/>
+                <a:cs typeface="Goudy Old Style" panose="02020502050305020303" charset="0"/>
+              </a:rPr>
+              <a:t>Rewrites history</a:t>
+            </a:r>
+            <a:endParaRPr lang="en-US" sz="1600">
+              <a:latin typeface="Goudy Old Style" panose="02020502050305020303" charset="0"/>
+              <a:cs typeface="Goudy Old Style" panose="02020502050305020303" charset="0"/>
+            </a:endParaRPr>
+          </a:p>
+          <a:p>
+            <a:r>
+              <a:rPr lang="en-US" sz="1600">
+                <a:latin typeface="Goudy Old Style" panose="02020502050305020303" charset="0"/>
+                <a:cs typeface="Goudy Old Style" panose="02020502050305020303" charset="0"/>
+              </a:rPr>
+              <a:t>Presents conflicts one by one</a:t>
+            </a:r>
+            <a:endParaRPr lang="en-US" sz="1600">
+              <a:latin typeface="Goudy Old Style" panose="02020502050305020303" charset="0"/>
+              <a:cs typeface="Goudy Old Style" panose="02020502050305020303" charset="0"/>
+            </a:endParaRPr>
+          </a:p>
+        </p:txBody>
+      </p:sp>
+      <p:sp>
+        <p:nvSpPr>
+          <p:cNvPr id="7" name="Text Box 6"/>
+          <p:cNvSpPr txBox="1"/>
+          <p:nvPr/>
+        </p:nvSpPr>
+        <p:spPr>
+          <a:xfrm>
+            <a:off x="549910" y="3526155"/>
+            <a:ext cx="8043545" cy="1522095"/>
+          </a:xfrm>
+          <a:prstGeom prst="rect">
+            <a:avLst/>
+          </a:prstGeom>
+          <a:noFill/>
+        </p:spPr>
+        <p:txBody>
+          <a:bodyPr wrap="square" rtlCol="0">
+            <a:spAutoFit/>
+          </a:bodyPr>
+          <a:p>
+            <a:pPr marL="342900" indent="-342900">
+              <a:buFont typeface="Arial" panose="020B0604020202020204" pitchFamily="34" charset="0"/>
+              <a:buChar char="•"/>
+            </a:pPr>
+            <a:r>
+              <a:rPr lang="en-US" sz="1600" b="1">
+                <a:latin typeface="Goudy Old Style" panose="02020502050305020303" charset="0"/>
+                <a:cs typeface="Goudy Old Style" panose="02020502050305020303" charset="0"/>
+              </a:rPr>
+              <a:t>git rebase &lt;base&gt;</a:t>
+            </a:r>
+            <a:r>
+              <a:rPr lang="en-US" sz="1600">
+                <a:latin typeface="Goudy Old Style" panose="02020502050305020303" charset="0"/>
+                <a:cs typeface="Goudy Old Style" panose="02020502050305020303" charset="0"/>
+              </a:rPr>
+              <a:t>: </a:t>
+            </a:r>
+            <a:r>
+              <a:rPr lang="en-US" sz="1500">
+                <a:latin typeface="Goudy Old Style" panose="02020502050305020303" charset="0"/>
+                <a:cs typeface="Goudy Old Style" panose="02020502050305020303" charset="0"/>
+              </a:rPr>
+              <a:t>Performs the standard rebase.(to be given from branch which is to rebased, 		and base is the branch where it is to be based now)</a:t>
+            </a:r>
+            <a:endParaRPr lang="en-US" sz="1500">
+              <a:latin typeface="Goudy Old Style" panose="02020502050305020303" charset="0"/>
+              <a:cs typeface="Goudy Old Style" panose="02020502050305020303" charset="0"/>
+            </a:endParaRPr>
+          </a:p>
+          <a:p>
+            <a:pPr marL="342900" indent="-342900">
+              <a:buFont typeface="Arial" panose="020B0604020202020204" pitchFamily="34" charset="0"/>
+              <a:buChar char="•"/>
+            </a:pPr>
+            <a:r>
+              <a:rPr lang="en-US" sz="1600" b="1">
+                <a:latin typeface="Goudy Old Style" panose="02020502050305020303" charset="0"/>
+                <a:cs typeface="Goudy Old Style" panose="02020502050305020303" charset="0"/>
+              </a:rPr>
+              <a:t>git rebase --continue</a:t>
+            </a:r>
+            <a:r>
+              <a:rPr lang="en-US" sz="1600">
+                <a:latin typeface="Goudy Old Style" panose="02020502050305020303" charset="0"/>
+                <a:cs typeface="Goudy Old Style" panose="02020502050305020303" charset="0"/>
+              </a:rPr>
+              <a:t>: </a:t>
+            </a:r>
+            <a:r>
+              <a:rPr lang="en-US" sz="1500">
+                <a:latin typeface="Goudy Old Style" panose="02020502050305020303" charset="0"/>
+                <a:cs typeface="Goudy Old Style" panose="02020502050305020303" charset="0"/>
+              </a:rPr>
+              <a:t>Continue with the changes we made after solving conflict, and carry the 		     rebasing forward.</a:t>
+            </a:r>
+            <a:endParaRPr lang="en-US" sz="1600">
+              <a:latin typeface="Goudy Old Style" panose="02020502050305020303" charset="0"/>
+              <a:cs typeface="Goudy Old Style" panose="02020502050305020303" charset="0"/>
+            </a:endParaRPr>
+          </a:p>
+          <a:p>
+            <a:pPr marL="342900" indent="-342900">
+              <a:buFont typeface="Arial" panose="020B0604020202020204" pitchFamily="34" charset="0"/>
+              <a:buChar char="•"/>
+            </a:pPr>
+            <a:r>
+              <a:rPr lang="en-US" sz="1600" b="1">
+                <a:latin typeface="Goudy Old Style" panose="02020502050305020303" charset="0"/>
+                <a:cs typeface="Goudy Old Style" panose="02020502050305020303" charset="0"/>
+              </a:rPr>
+              <a:t>git rebase --skip</a:t>
+            </a:r>
+            <a:r>
+              <a:rPr lang="en-US" sz="1600">
+                <a:latin typeface="Goudy Old Style" panose="02020502050305020303" charset="0"/>
+                <a:cs typeface="Goudy Old Style" panose="02020502050305020303" charset="0"/>
+              </a:rPr>
+              <a:t>: </a:t>
+            </a:r>
+            <a:r>
+              <a:rPr lang="en-US" sz="1500">
+                <a:latin typeface="Goudy Old Style" panose="02020502050305020303" charset="0"/>
+                <a:cs typeface="Goudy Old Style" panose="02020502050305020303" charset="0"/>
+              </a:rPr>
+              <a:t>Skip the changes and ignore that particular commit which brought those changes.</a:t>
+            </a:r>
+            <a:endParaRPr lang="en-US" sz="1500">
+              <a:latin typeface="Goudy Old Style" panose="02020502050305020303" charset="0"/>
+              <a:cs typeface="Goudy Old Style" panose="02020502050305020303" charset="0"/>
+            </a:endParaRPr>
+          </a:p>
+          <a:p>
+            <a:pPr marL="342900" indent="-342900">
+              <a:buFont typeface="Arial" panose="020B0604020202020204" pitchFamily="34" charset="0"/>
+              <a:buChar char="•"/>
+            </a:pPr>
+            <a:r>
+              <a:rPr lang="en-US" sz="1500" b="1">
+                <a:latin typeface="Goudy Old Style" panose="02020502050305020303" charset="0"/>
+                <a:cs typeface="Goudy Old Style" panose="02020502050305020303" charset="0"/>
+              </a:rPr>
+              <a:t>git rebase --interactive &lt;base&gt;</a:t>
+            </a:r>
+            <a:r>
+              <a:rPr lang="en-US" sz="1500">
+                <a:latin typeface="Goudy Old Style" panose="02020502050305020303" charset="0"/>
+                <a:cs typeface="Goudy Old Style" panose="02020502050305020303" charset="0"/>
+              </a:rPr>
+              <a:t>: Provides an interactive method to do rebase.</a:t>
+            </a:r>
+            <a:endParaRPr lang="en-US" sz="1500">
+              <a:latin typeface="Goudy Old Style" panose="02020502050305020303" charset="0"/>
+              <a:cs typeface="Goudy Old Style" panose="02020502050305020303" charset="0"/>
+            </a:endParaRPr>
+          </a:p>
+        </p:txBody>
+      </p:sp>
+      <p:sp>
+        <p:nvSpPr>
+          <p:cNvPr id="8" name="Text Box 7"/>
+          <p:cNvSpPr txBox="1"/>
+          <p:nvPr/>
+        </p:nvSpPr>
+        <p:spPr>
+          <a:xfrm>
+            <a:off x="550545" y="3157855"/>
+            <a:ext cx="4304665" cy="368300"/>
+          </a:xfrm>
+          <a:prstGeom prst="rect">
+            <a:avLst/>
+          </a:prstGeom>
+          <a:noFill/>
+        </p:spPr>
+        <p:txBody>
+          <a:bodyPr wrap="square" rtlCol="0">
+            <a:spAutoFit/>
+          </a:bodyPr>
+          <a:p>
+            <a:r>
+              <a:rPr lang="en-US" sz="1800" b="1">
+                <a:solidFill>
+                  <a:schemeClr val="tx1"/>
+                </a:solidFill>
+                <a:latin typeface="Goudy Old Style" panose="02020502050305020303" charset="0"/>
+                <a:cs typeface="Goudy Old Style" panose="02020502050305020303" charset="0"/>
+              </a:rPr>
+              <a:t>Commands</a:t>
+            </a:r>
+            <a:r>
+              <a:rPr lang="en-US" sz="1800">
+                <a:solidFill>
+                  <a:schemeClr val="tx1"/>
+                </a:solidFill>
+                <a:latin typeface="Goudy Old Style" panose="02020502050305020303" charset="0"/>
+                <a:cs typeface="Goudy Old Style" panose="02020502050305020303" charset="0"/>
+              </a:rPr>
+              <a:t>:</a:t>
+            </a:r>
+            <a:endParaRPr lang="en-US" sz="1800">
+              <a:solidFill>
+                <a:schemeClr val="tx1"/>
+              </a:solidFill>
+              <a:latin typeface="Goudy Old Style" panose="02020502050305020303" charset="0"/>
+              <a:cs typeface="Goudy Old Style" panose="02020502050305020303" charset="0"/>
+            </a:endParaRPr>
+          </a:p>
+        </p:txBody>
+      </p:sp>
+    </p:spTree>
+  </p:cSld>
+  <p:clrMapOvr>
+    <a:masterClrMapping/>
+  </p:clrMapOvr>
+  <mc:AlternateContent xmlns:mc="http://schemas.openxmlformats.org/markup-compatibility/2006">
+    <mc:Choice xmlns:p14="http://schemas.microsoft.com/office/powerpoint/2010/main" Requires="p14">
+      <p:transition p14:dur="500">
+        <p:pull/>
+      </p:transition>
+    </mc:Choice>
+    <mc:Fallback>
+      <p:transition>
+        <p:pull/>
+      </p:transition>
+    </mc:Fallback>
+  </mc:AlternateContent>
+</p:sld>
+</file>
+
+<file path=ppt/slides/slide21.xml><?xml version="1.0" encoding="utf-8"?>
 <p:sld xmlns:a="http://schemas.openxmlformats.org/drawingml/2006/main" xmlns:r="http://schemas.openxmlformats.org/officeDocument/2006/relationships" xmlns:p="http://schemas.openxmlformats.org/presentationml/2006/main">
   <p:cSld>
     <p:spTree>
@@ -10965,10 +11398,22 @@
   <p:clrMapOvr>
     <a:masterClrMapping/>
   </p:clrMapOvr>
+  <mc:AlternateContent xmlns:mc="http://schemas.openxmlformats.org/markup-compatibility/2006">
+    <mc:Choice xmlns:p14="http://schemas.microsoft.com/office/powerpoint/2010/main" Requires="p14">
+      <p:transition p14:dur="500">
+        <p:pull/>
+      </p:transition>
+    </mc:Choice>
+    <mc:Fallback>
+      <p:transition>
+        <p:pull/>
+      </p:transition>
+    </mc:Fallback>
+  </mc:AlternateContent>
 </p:sld>
 </file>
 
-<file path=ppt/slides/slide21.xml><?xml version="1.0" encoding="utf-8"?>
+<file path=ppt/slides/slide22.xml><?xml version="1.0" encoding="utf-8"?>
 <p:sld xmlns:a="http://schemas.openxmlformats.org/drawingml/2006/main" xmlns:r="http://schemas.openxmlformats.org/officeDocument/2006/relationships" xmlns:p="http://schemas.openxmlformats.org/presentationml/2006/main">
   <p:cSld>
     <p:spTree>
@@ -11084,10 +11529,22 @@
   <p:clrMapOvr>
     <a:masterClrMapping/>
   </p:clrMapOvr>
+  <mc:AlternateContent xmlns:mc="http://schemas.openxmlformats.org/markup-compatibility/2006">
+    <mc:Choice xmlns:p14="http://schemas.microsoft.com/office/powerpoint/2010/main" Requires="p14">
+      <p:transition p14:dur="500">
+        <p:pull/>
+      </p:transition>
+    </mc:Choice>
+    <mc:Fallback>
+      <p:transition>
+        <p:pull/>
+      </p:transition>
+    </mc:Fallback>
+  </mc:AlternateContent>
 </p:sld>
 </file>
 
-<file path=ppt/slides/slide22.xml><?xml version="1.0" encoding="utf-8"?>
+<file path=ppt/slides/slide23.xml><?xml version="1.0" encoding="utf-8"?>
 <p:sld xmlns:a="http://schemas.openxmlformats.org/drawingml/2006/main" xmlns:r="http://schemas.openxmlformats.org/officeDocument/2006/relationships" xmlns:p="http://schemas.openxmlformats.org/presentationml/2006/main">
   <p:cSld>
     <p:spTree>
@@ -11140,6 +11597,18 @@
   <p:clrMapOvr>
     <a:masterClrMapping/>
   </p:clrMapOvr>
+  <mc:AlternateContent xmlns:mc="http://schemas.openxmlformats.org/markup-compatibility/2006">
+    <mc:Choice xmlns:p14="http://schemas.microsoft.com/office/powerpoint/2010/main" Requires="p14">
+      <p:transition p14:dur="500">
+        <p:pull/>
+      </p:transition>
+    </mc:Choice>
+    <mc:Fallback>
+      <p:transition>
+        <p:pull/>
+      </p:transition>
+    </mc:Fallback>
+  </mc:AlternateContent>
 </p:sld>
 </file>
 
@@ -11385,6 +11854,18 @@
   <p:clrMapOvr>
     <a:masterClrMapping/>
   </p:clrMapOvr>
+  <mc:AlternateContent xmlns:mc="http://schemas.openxmlformats.org/markup-compatibility/2006">
+    <mc:Choice xmlns:p14="http://schemas.microsoft.com/office/powerpoint/2010/main" Requires="p14">
+      <p:transition p14:dur="500">
+        <p:pull/>
+      </p:transition>
+    </mc:Choice>
+    <mc:Fallback>
+      <p:transition>
+        <p:pull/>
+      </p:transition>
+    </mc:Fallback>
+  </mc:AlternateContent>
 </p:sld>
 </file>
 
@@ -11444,7 +11925,7 @@
               </a:rPr>
               <a:t>How it works?</a:t>
             </a:r>
-            <a:endParaRPr lang="en-GB" b="1">
+            <a:endParaRPr lang="en-IN" altLang="en-GB" b="1">
               <a:latin typeface="Bradley Hand ITC" panose="03070402050302030203" charset="0"/>
               <a:cs typeface="Bradley Hand ITC" panose="03070402050302030203" charset="0"/>
             </a:endParaRPr>
@@ -11816,10 +12297,77 @@
   <p:clrMapOvr>
     <a:masterClrMapping/>
   </p:clrMapOvr>
+  <mc:AlternateContent xmlns:mc="http://schemas.openxmlformats.org/markup-compatibility/2006">
+    <mc:Choice xmlns:p14="http://schemas.microsoft.com/office/powerpoint/2010/main" Requires="p14">
+      <p:transition p14:dur="500">
+        <p:pull/>
+      </p:transition>
+    </mc:Choice>
+    <mc:Fallback>
+      <p:transition>
+        <p:pull/>
+      </p:transition>
+    </mc:Fallback>
+  </mc:AlternateContent>
 </p:sld>
 </file>
 
 <file path=ppt/slides/slide5.xml><?xml version="1.0" encoding="utf-8"?>
+<p:sld xmlns:a="http://schemas.openxmlformats.org/drawingml/2006/main" xmlns:r="http://schemas.openxmlformats.org/officeDocument/2006/relationships" xmlns:p="http://schemas.openxmlformats.org/presentationml/2006/main">
+  <p:cSld>
+    <p:spTree>
+      <p:nvGrpSpPr>
+        <p:cNvPr id="1" name=""/>
+        <p:cNvGrpSpPr/>
+        <p:nvPr/>
+      </p:nvGrpSpPr>
+      <p:grpSpPr/>
+      <p:pic>
+        <p:nvPicPr>
+          <p:cNvPr id="4" name="Picture 3" descr="Screenshot (325)"/>
+          <p:cNvPicPr>
+            <a:picLocks noChangeAspect="1"/>
+          </p:cNvPicPr>
+          <p:nvPr/>
+        </p:nvPicPr>
+        <p:blipFill>
+          <a:blip r:embed="rId1"/>
+          <a:srcRect l="6097" t="17468" r="39493" b="14704"/>
+          <a:stretch>
+            <a:fillRect/>
+          </a:stretch>
+        </p:blipFill>
+        <p:spPr>
+          <a:xfrm>
+            <a:off x="558165" y="481965"/>
+            <a:ext cx="6044565" cy="3903980"/>
+          </a:xfrm>
+          <a:prstGeom prst="rect">
+            <a:avLst/>
+          </a:prstGeom>
+        </p:spPr>
+      </p:pic>
+    </p:spTree>
+  </p:cSld>
+  <p:clrMapOvr>
+    <a:masterClrMapping/>
+  </p:clrMapOvr>
+  <mc:AlternateContent xmlns:mc="http://schemas.openxmlformats.org/markup-compatibility/2006">
+    <mc:Choice xmlns:p14="http://schemas.microsoft.com/office/powerpoint/2010/main" Requires="p14">
+      <p:transition p14:dur="500">
+        <p:pull/>
+      </p:transition>
+    </mc:Choice>
+    <mc:Fallback>
+      <p:transition>
+        <p:pull/>
+      </p:transition>
+    </mc:Fallback>
+  </mc:AlternateContent>
+</p:sld>
+</file>
+
+<file path=ppt/slides/slide6.xml><?xml version="1.0" encoding="utf-8"?>
 <p:sld xmlns:a="http://schemas.openxmlformats.org/drawingml/2006/main" xmlns:r="http://schemas.openxmlformats.org/officeDocument/2006/relationships" xmlns:p="http://schemas.openxmlformats.org/presentationml/2006/main">
   <p:cSld>
     <p:spTree>
@@ -11945,10 +12493,22 @@
   <p:clrMapOvr>
     <a:masterClrMapping/>
   </p:clrMapOvr>
+  <mc:AlternateContent xmlns:mc="http://schemas.openxmlformats.org/markup-compatibility/2006">
+    <mc:Choice xmlns:p14="http://schemas.microsoft.com/office/powerpoint/2010/main" Requires="p14">
+      <p:transition p14:dur="500">
+        <p:pull/>
+      </p:transition>
+    </mc:Choice>
+    <mc:Fallback>
+      <p:transition>
+        <p:pull/>
+      </p:transition>
+    </mc:Fallback>
+  </mc:AlternateContent>
 </p:sld>
 </file>
 
-<file path=ppt/slides/slide6.xml><?xml version="1.0" encoding="utf-8"?>
+<file path=ppt/slides/slide7.xml><?xml version="1.0" encoding="utf-8"?>
 <p:sld xmlns:a="http://schemas.openxmlformats.org/drawingml/2006/main" xmlns:r="http://schemas.openxmlformats.org/officeDocument/2006/relationships" xmlns:p="http://schemas.openxmlformats.org/presentationml/2006/main">
   <p:cSld>
     <p:spTree>
@@ -12130,10 +12690,22 @@
   <p:clrMapOvr>
     <a:masterClrMapping/>
   </p:clrMapOvr>
+  <mc:AlternateContent xmlns:mc="http://schemas.openxmlformats.org/markup-compatibility/2006">
+    <mc:Choice xmlns:p14="http://schemas.microsoft.com/office/powerpoint/2010/main" Requires="p14">
+      <p:transition p14:dur="500">
+        <p:pull/>
+      </p:transition>
+    </mc:Choice>
+    <mc:Fallback>
+      <p:transition>
+        <p:pull/>
+      </p:transition>
+    </mc:Fallback>
+  </mc:AlternateContent>
 </p:sld>
 </file>
 
-<file path=ppt/slides/slide7.xml><?xml version="1.0" encoding="utf-8"?>
+<file path=ppt/slides/slide8.xml><?xml version="1.0" encoding="utf-8"?>
 <p:sld xmlns:a="http://schemas.openxmlformats.org/drawingml/2006/main" xmlns:r="http://schemas.openxmlformats.org/officeDocument/2006/relationships" xmlns:p="http://schemas.openxmlformats.org/presentationml/2006/main">
   <p:cSld>
     <p:spTree>
@@ -12384,190 +12956,18 @@
   <p:clrMapOvr>
     <a:masterClrMapping/>
   </p:clrMapOvr>
-</p:sld>
-</file>
-
-<file path=ppt/slides/slide8.xml><?xml version="1.0" encoding="utf-8"?>
-<p:sld xmlns:a="http://schemas.openxmlformats.org/drawingml/2006/main" xmlns:r="http://schemas.openxmlformats.org/officeDocument/2006/relationships" xmlns:p="http://schemas.openxmlformats.org/presentationml/2006/main">
-  <p:cSld>
-    <p:spTree>
-      <p:nvGrpSpPr>
-        <p:cNvPr id="1" name=""/>
-        <p:cNvGrpSpPr/>
-        <p:nvPr/>
-      </p:nvGrpSpPr>
-      <p:grpSpPr/>
-      <p:sp>
-        <p:nvSpPr>
-          <p:cNvPr id="2" name="Title 1"/>
-          <p:cNvSpPr/>
-          <p:nvPr>
-            <p:ph type="title"/>
-          </p:nvPr>
-        </p:nvSpPr>
-        <p:spPr/>
-        <p:txBody>
-          <a:bodyPr/>
-          <a:p>
-            <a:r>
-              <a:rPr lang="en-IN" altLang="en-US" sz="2700" b="1">
-                <a:latin typeface="Bradley Hand ITC" panose="03070402050302030203" charset="0"/>
-                <a:cs typeface="Bradley Hand ITC" panose="03070402050302030203" charset="0"/>
-              </a:rPr>
-              <a:t>Git bisect</a:t>
-            </a:r>
-            <a:endParaRPr lang="en-IN" altLang="en-US" sz="2700" b="1">
-              <a:latin typeface="Bradley Hand ITC" panose="03070402050302030203" charset="0"/>
-              <a:cs typeface="Bradley Hand ITC" panose="03070402050302030203" charset="0"/>
-            </a:endParaRPr>
-          </a:p>
-        </p:txBody>
-      </p:sp>
-      <p:sp>
-        <p:nvSpPr>
-          <p:cNvPr id="3" name="Text Placeholder 2"/>
-          <p:cNvSpPr/>
-          <p:nvPr>
-            <p:ph type="body" idx="1"/>
-          </p:nvPr>
-        </p:nvSpPr>
-        <p:spPr>
-          <a:xfrm>
-            <a:off x="311785" y="963930"/>
-            <a:ext cx="8520430" cy="3919220"/>
-          </a:xfrm>
-        </p:spPr>
-        <p:txBody>
-          <a:bodyPr/>
-          <a:p>
-            <a:pPr marL="114300" indent="0" algn="just">
-              <a:buNone/>
-            </a:pPr>
-            <a:r>
-              <a:rPr lang="en-IN" altLang="en-US">
-                <a:latin typeface="Goudy Old Style" panose="02020502050305020303" charset="0"/>
-                <a:cs typeface="Goudy Old Style" panose="02020502050305020303" charset="0"/>
-              </a:rPr>
-              <a:t>Git bisect helps us to discover the commit that has introduced a bug in the code. It helps to track down the commit</a:t>
-            </a:r>
-            <a:r>
-              <a:rPr lang="en-US" altLang="en-IN">
-                <a:latin typeface="Goudy Old Style" panose="02020502050305020303" charset="0"/>
-                <a:cs typeface="Goudy Old Style" panose="02020502050305020303" charset="0"/>
-              </a:rPr>
-              <a:t>,</a:t>
-            </a:r>
-            <a:r>
-              <a:rPr lang="en-IN" altLang="en-US">
-                <a:latin typeface="Goudy Old Style" panose="02020502050305020303" charset="0"/>
-                <a:cs typeface="Goudy Old Style" panose="02020502050305020303" charset="0"/>
-              </a:rPr>
-              <a:t> where the code works</a:t>
-            </a:r>
-            <a:r>
-              <a:rPr lang="en-US" altLang="en-IN">
-                <a:latin typeface="Goudy Old Style" panose="02020502050305020303" charset="0"/>
-                <a:cs typeface="Goudy Old Style" panose="02020502050305020303" charset="0"/>
-              </a:rPr>
-              <a:t>,</a:t>
-            </a:r>
-            <a:r>
-              <a:rPr lang="en-IN" altLang="en-US">
-                <a:latin typeface="Goudy Old Style" panose="02020502050305020303" charset="0"/>
-                <a:cs typeface="Goudy Old Style" panose="02020502050305020303" charset="0"/>
-              </a:rPr>
-              <a:t> and </a:t>
-            </a:r>
-            <a:r>
-              <a:rPr lang="en-US" altLang="en-IN">
-                <a:latin typeface="Goudy Old Style" panose="02020502050305020303" charset="0"/>
-                <a:cs typeface="Goudy Old Style" panose="02020502050305020303" charset="0"/>
-              </a:rPr>
-              <a:t>the </a:t>
-            </a:r>
-            <a:r>
-              <a:rPr lang="en-IN" altLang="en-US">
-                <a:latin typeface="Goudy Old Style" panose="02020502050305020303" charset="0"/>
-                <a:cs typeface="Goudy Old Style" panose="02020502050305020303" charset="0"/>
-              </a:rPr>
-              <a:t>commit, where it does not, hence tracking down the commit which introduced the bug in the first place.</a:t>
-            </a:r>
-            <a:r>
-              <a:rPr lang="en-US" altLang="en-IN">
-                <a:latin typeface="Goudy Old Style" panose="02020502050305020303" charset="0"/>
-                <a:cs typeface="Goudy Old Style" panose="02020502050305020303" charset="0"/>
-              </a:rPr>
-              <a:t> Uses binary search.</a:t>
-            </a:r>
-            <a:endParaRPr lang="en-IN" altLang="en-US">
-              <a:latin typeface="Goudy Old Style" panose="02020502050305020303" charset="0"/>
-              <a:cs typeface="Goudy Old Style" panose="02020502050305020303" charset="0"/>
-            </a:endParaRPr>
-          </a:p>
-          <a:p>
-            <a:pPr marL="114300" indent="0">
-              <a:buNone/>
-            </a:pPr>
-            <a:r>
-              <a:rPr lang="en-IN" altLang="en-US" sz="2000" b="1">
-                <a:latin typeface="Goudy Old Style" panose="02020502050305020303" charset="0"/>
-                <a:cs typeface="Goudy Old Style" panose="02020502050305020303" charset="0"/>
-              </a:rPr>
-              <a:t>   Use?</a:t>
-            </a:r>
-            <a:endParaRPr lang="en-IN" altLang="en-US" sz="2000" b="1">
-              <a:latin typeface="Goudy Old Style" panose="02020502050305020303" charset="0"/>
-              <a:cs typeface="Goudy Old Style" panose="02020502050305020303" charset="0"/>
-            </a:endParaRPr>
-          </a:p>
-          <a:p>
-            <a:pPr algn="just">
-              <a:buFont typeface="Wingdings" panose="05000000000000000000" charset="0"/>
-              <a:buChar char="Ø"/>
-            </a:pPr>
-            <a:r>
-              <a:rPr lang="en-IN" altLang="en-US" sz="1700">
-                <a:latin typeface="Goudy Old Style" panose="02020502050305020303" charset="0"/>
-                <a:cs typeface="Goudy Old Style" panose="02020502050305020303" charset="0"/>
-              </a:rPr>
-              <a:t>It is helpful when we are not exactly sure when a specific change happened in the code, which introduced the problem. It may be very hard to track the error manually and so, git bisect saves us the labour.</a:t>
-            </a:r>
-            <a:endParaRPr lang="en-IN" altLang="en-US" sz="1700">
-              <a:latin typeface="Goudy Old Style" panose="02020502050305020303" charset="0"/>
-              <a:cs typeface="Goudy Old Style" panose="02020502050305020303" charset="0"/>
-            </a:endParaRPr>
-          </a:p>
-          <a:p>
-            <a:pPr marL="114300" indent="0">
-              <a:buFont typeface="Wingdings" panose="05000000000000000000" charset="0"/>
-              <a:buNone/>
-            </a:pPr>
-            <a:r>
-              <a:rPr lang="en-IN" altLang="en-US">
-                <a:latin typeface="Goudy Old Style" panose="02020502050305020303" charset="0"/>
-                <a:cs typeface="Goudy Old Style" panose="02020502050305020303" charset="0"/>
-              </a:rPr>
-              <a:t>Ex - </a:t>
-            </a:r>
-            <a:r>
-              <a:rPr lang="en-IN" altLang="en-US" sz="1600">
-                <a:latin typeface="Goudy Old Style" panose="02020502050305020303" charset="0"/>
-                <a:cs typeface="Goudy Old Style" panose="02020502050305020303" charset="0"/>
-              </a:rPr>
-              <a:t>We have a bug, but we are sure enough that it was not there a week ago. It is difficult to manually check all the commits made during the week. So, we use bisect. Here, commit                                made a week ago is a good commit. And, the current commit is a bad commit.                                    Now, binary search starts.</a:t>
-            </a:r>
-            <a:endParaRPr lang="en-IN" altLang="en-US" sz="1600">
-              <a:latin typeface="Goudy Old Style" panose="02020502050305020303" charset="0"/>
-              <a:cs typeface="Goudy Old Style" panose="02020502050305020303" charset="0"/>
-            </a:endParaRPr>
-          </a:p>
-        </p:txBody>
-      </p:sp>
-    </p:spTree>
-  </p:cSld>
-  <p:clrMapOvr>
-    <a:masterClrMapping/>
-  </p:clrMapOvr>
+  <mc:AlternateContent xmlns:mc="http://schemas.openxmlformats.org/markup-compatibility/2006">
+    <mc:Choice xmlns:p14="http://schemas.microsoft.com/office/powerpoint/2010/main" Requires="p14">
+      <p:transition p14:dur="500">
+        <p:pull/>
+      </p:transition>
+    </mc:Choice>
+    <mc:Fallback>
+      <p:transition>
+        <p:pull/>
+      </p:transition>
+    </mc:Fallback>
+  </mc:AlternateContent>
 </p:sld>
 </file>
 
@@ -12589,27 +12989,20 @@
             <p:ph type="title"/>
           </p:nvPr>
         </p:nvSpPr>
-        <p:spPr>
-          <a:xfrm>
-            <a:off x="311785" y="410210"/>
-            <a:ext cx="8520430" cy="455295"/>
-          </a:xfrm>
-        </p:spPr>
+        <p:spPr/>
         <p:txBody>
-          <a:bodyPr>
-            <a:normAutofit fontScale="90000"/>
-          </a:bodyPr>
-          <a:p>
-            <a:r>
-              <a:rPr lang="en-IN" altLang="en-US" sz="2000">
-                <a:latin typeface="Goudy Old Style" panose="02020502050305020303" charset="0"/>
-                <a:cs typeface="Goudy Old Style" panose="02020502050305020303" charset="0"/>
-              </a:rPr>
-              <a:t>Working:</a:t>
-            </a:r>
-            <a:endParaRPr lang="en-IN" altLang="en-US" sz="2000">
-              <a:latin typeface="Goudy Old Style" panose="02020502050305020303" charset="0"/>
-              <a:cs typeface="Goudy Old Style" panose="02020502050305020303" charset="0"/>
+          <a:bodyPr/>
+          <a:p>
+            <a:r>
+              <a:rPr lang="en-IN" altLang="en-US" sz="2700" b="1">
+                <a:latin typeface="Bradley Hand ITC" panose="03070402050302030203" charset="0"/>
+                <a:cs typeface="Bradley Hand ITC" panose="03070402050302030203" charset="0"/>
+              </a:rPr>
+              <a:t>Git bisect</a:t>
+            </a:r>
+            <a:endParaRPr lang="en-IN" altLang="en-US" sz="2700" b="1">
+              <a:latin typeface="Bradley Hand ITC" panose="03070402050302030203" charset="0"/>
+              <a:cs typeface="Bradley Hand ITC" panose="03070402050302030203" charset="0"/>
             </a:endParaRPr>
           </a:p>
         </p:txBody>
@@ -12624,24 +13017,73 @@
         </p:nvSpPr>
         <p:spPr>
           <a:xfrm>
-            <a:off x="311785" y="865505"/>
-            <a:ext cx="8520430" cy="4025900"/>
+            <a:off x="311785" y="963930"/>
+            <a:ext cx="8520430" cy="3919220"/>
           </a:xfrm>
         </p:spPr>
         <p:txBody>
           <a:bodyPr/>
           <a:p>
-            <a:pPr marL="114300" indent="0">
+            <a:pPr marL="114300" indent="0" algn="just">
               <a:buNone/>
             </a:pPr>
             <a:r>
-              <a:rPr lang="en-IN" altLang="en-US" sz="1600">
-                <a:latin typeface="Goudy Old Style" panose="02020502050305020303" charset="0"/>
-                <a:cs typeface="Goudy Old Style" panose="02020502050305020303" charset="0"/>
-              </a:rPr>
-              <a:t>The binary search starts with two commits, a good and a bad, and bisects the commits and checkouts the middle one for us and create a detached HEAD to check whether that particular commit is good or bad. And, inputs the feedback from the user that whether that particular commit is a good one or bad. If the commit is good, it now searches between the new found good commit and the bad one. Else, if the commit is bad, it now searches between new found bad commit and the good one. And, the process continues to narrow down the search to that particular commit which introduced the problem. And, now we know which commit caused the problem and who made that particular commit. So, we got the commit causing problems in a detached HEAD and now we can work around with them, make experimental changes and commit if all goes well, without impacting any branch.</a:t>
-            </a:r>
-            <a:endParaRPr lang="en-IN" altLang="en-US" sz="1600">
+              <a:rPr lang="en-IN" altLang="en-US">
+                <a:latin typeface="Goudy Old Style" panose="02020502050305020303" charset="0"/>
+                <a:cs typeface="Goudy Old Style" panose="02020502050305020303" charset="0"/>
+              </a:rPr>
+              <a:t>Git bisect helps us to discover the commit that has introduced a bug in the code. It helps to track down the commit</a:t>
+            </a:r>
+            <a:r>
+              <a:rPr lang="en-US" altLang="en-IN">
+                <a:latin typeface="Goudy Old Style" panose="02020502050305020303" charset="0"/>
+                <a:cs typeface="Goudy Old Style" panose="02020502050305020303" charset="0"/>
+              </a:rPr>
+              <a:t>,</a:t>
+            </a:r>
+            <a:r>
+              <a:rPr lang="en-IN" altLang="en-US">
+                <a:latin typeface="Goudy Old Style" panose="02020502050305020303" charset="0"/>
+                <a:cs typeface="Goudy Old Style" panose="02020502050305020303" charset="0"/>
+              </a:rPr>
+              <a:t> where the code works</a:t>
+            </a:r>
+            <a:r>
+              <a:rPr lang="en-US" altLang="en-IN">
+                <a:latin typeface="Goudy Old Style" panose="02020502050305020303" charset="0"/>
+                <a:cs typeface="Goudy Old Style" panose="02020502050305020303" charset="0"/>
+              </a:rPr>
+              <a:t>,</a:t>
+            </a:r>
+            <a:r>
+              <a:rPr lang="en-IN" altLang="en-US">
+                <a:latin typeface="Goudy Old Style" panose="02020502050305020303" charset="0"/>
+                <a:cs typeface="Goudy Old Style" panose="02020502050305020303" charset="0"/>
+              </a:rPr>
+              <a:t> and </a:t>
+            </a:r>
+            <a:r>
+              <a:rPr lang="en-US" altLang="en-IN">
+                <a:latin typeface="Goudy Old Style" panose="02020502050305020303" charset="0"/>
+                <a:cs typeface="Goudy Old Style" panose="02020502050305020303" charset="0"/>
+              </a:rPr>
+              <a:t>the </a:t>
+            </a:r>
+            <a:r>
+              <a:rPr lang="en-IN" altLang="en-US">
+                <a:latin typeface="Goudy Old Style" panose="02020502050305020303" charset="0"/>
+                <a:cs typeface="Goudy Old Style" panose="02020502050305020303" charset="0"/>
+              </a:rPr>
+              <a:t>commit, where it does not, hence tracking down the commit which introduced the bug in the first place.</a:t>
+            </a:r>
+            <a:r>
+              <a:rPr lang="en-US" altLang="en-IN">
+                <a:latin typeface="Goudy Old Style" panose="02020502050305020303" charset="0"/>
+                <a:cs typeface="Goudy Old Style" panose="02020502050305020303" charset="0"/>
+              </a:rPr>
+              <a:t> Uses binary search.</a:t>
+            </a:r>
+            <a:endParaRPr lang="en-IN" altLang="en-US">
               <a:latin typeface="Goudy Old Style" panose="02020502050305020303" charset="0"/>
               <a:cs typeface="Goudy Old Style" panose="02020502050305020303" charset="0"/>
             </a:endParaRPr>
@@ -12651,36 +13093,52 @@
               <a:buNone/>
             </a:pPr>
             <a:r>
-              <a:rPr lang="en-IN" altLang="en-US" sz="1600">
-                <a:latin typeface="Goudy Old Style" panose="02020502050305020303" charset="0"/>
-                <a:cs typeface="Goudy Old Style" panose="02020502050305020303" charset="0"/>
-              </a:rPr>
-              <a:t>From this state, we can take this commit to a new branch and work around.</a:t>
-            </a:r>
-            <a:endParaRPr lang="en-IN" altLang="en-US" sz="1600">
+              <a:rPr lang="en-IN" altLang="en-US" sz="2000" b="1">
+                <a:latin typeface="Goudy Old Style" panose="02020502050305020303" charset="0"/>
+                <a:cs typeface="Goudy Old Style" panose="02020502050305020303" charset="0"/>
+              </a:rPr>
+              <a:t>   Use?</a:t>
+            </a:r>
+            <a:endParaRPr lang="en-IN" altLang="en-US" sz="2000" b="1">
               <a:latin typeface="Goudy Old Style" panose="02020502050305020303" charset="0"/>
               <a:cs typeface="Goudy Old Style" panose="02020502050305020303" charset="0"/>
             </a:endParaRPr>
           </a:p>
           <a:p>
-            <a:pPr marL="114300" indent="0">
-              <a:buNone/>
+            <a:pPr algn="just">
+              <a:buFont typeface="Wingdings" panose="05000000000000000000" charset="0"/>
+              <a:buChar char="Ø"/>
             </a:pPr>
-            <a:endParaRPr lang="en-IN" altLang="en-US" sz="1600">
+            <a:r>
+              <a:rPr lang="en-IN" altLang="en-US" sz="1700">
+                <a:latin typeface="Goudy Old Style" panose="02020502050305020303" charset="0"/>
+                <a:cs typeface="Goudy Old Style" panose="02020502050305020303" charset="0"/>
+              </a:rPr>
+              <a:t>It is helpful when we are not exactly sure when a specific change happened in the code, which introduced the problem. It may be very hard to track the error manually and so, git bisect saves us the labour.</a:t>
+            </a:r>
+            <a:endParaRPr lang="en-IN" altLang="en-US" sz="1700">
               <a:latin typeface="Goudy Old Style" panose="02020502050305020303" charset="0"/>
               <a:cs typeface="Goudy Old Style" panose="02020502050305020303" charset="0"/>
             </a:endParaRPr>
           </a:p>
           <a:p>
             <a:pPr marL="114300" indent="0">
+              <a:buFont typeface="Wingdings" panose="05000000000000000000" charset="0"/>
               <a:buNone/>
             </a:pPr>
             <a:r>
+              <a:rPr lang="en-IN" altLang="en-US">
+                <a:latin typeface="Goudy Old Style" panose="02020502050305020303" charset="0"/>
+                <a:cs typeface="Goudy Old Style" panose="02020502050305020303" charset="0"/>
+              </a:rPr>
+              <a:t>Ex - </a:t>
+            </a:r>
+            <a:r>
               <a:rPr lang="en-IN" altLang="en-US" sz="1600">
                 <a:latin typeface="Goudy Old Style" panose="02020502050305020303" charset="0"/>
                 <a:cs typeface="Goudy Old Style" panose="02020502050305020303" charset="0"/>
               </a:rPr>
-              <a:t>{good, good, good, ....... , bad, bad, bad} -- That’s how we reach to the first bad 						               commit.</a:t>
+              <a:t>We have a bug, but we are sure enough that it was not there a week ago. It is difficult to manually check all the commits made during the week. So, we use bisect. Here, commit                                made a week ago is a good commit. And, the current commit is a bad commit.                                    Now, binary search starts.</a:t>
             </a:r>
             <a:endParaRPr lang="en-IN" altLang="en-US" sz="1600">
               <a:latin typeface="Goudy Old Style" panose="02020502050305020303" charset="0"/>
@@ -12694,6 +13152,18 @@
   <p:clrMapOvr>
     <a:masterClrMapping/>
   </p:clrMapOvr>
+  <mc:AlternateContent xmlns:mc="http://schemas.openxmlformats.org/markup-compatibility/2006">
+    <mc:Choice xmlns:p14="http://schemas.microsoft.com/office/powerpoint/2010/main" Requires="p14">
+      <p:transition p14:dur="500">
+        <p:pull/>
+      </p:transition>
+    </mc:Choice>
+    <mc:Fallback>
+      <p:transition>
+        <p:pull/>
+      </p:transition>
+    </mc:Fallback>
+  </mc:AlternateContent>
 </p:sld>
 </file>
 
